--- a/Presentation 4.pptx
+++ b/Presentation 4.pptx
@@ -122,8 +122,10 @@
 <file path=ppt/revisionInfo.xml><?xml version="1.0" encoding="utf-8"?>
 <p1510:revInfo xmlns:a="http://schemas.openxmlformats.org/drawingml/2006/main" xmlns:r="http://schemas.openxmlformats.org/officeDocument/2006/relationships" xmlns:p1510="http://schemas.microsoft.com/office/powerpoint/2015/10/main">
   <p1510:revLst>
+    <p1510:client id="{17F6FB10-D19F-F82F-111F-7BA79CDA3245}" v="502" dt="2024-09-14T23:05:51.466"/>
     <p1510:client id="{253BC969-2E91-ADCF-79F0-CE67B77A9BB5}" v="444" dt="2024-09-14T22:16:05.224"/>
     <p1510:client id="{39C82706-E5D6-845F-2659-19DAC6550CF0}" v="1443" dt="2024-09-14T21:42:15.518"/>
+    <p1510:client id="{E815CD74-E08A-2120-567E-BFD8C86BCC8E}" v="81" dt="2024-09-14T23:10:31.357"/>
     <p1510:client id="{E9594A5A-FC3E-A1BD-995F-F1B5D5AB0988}" v="277" dt="2024-09-14T21:05:32.600"/>
   </p1510:revLst>
 </p1510:revInfo>
@@ -5990,6 +5992,1592 @@
           <a:chExt cx="0" cy="0"/>
         </a:xfrm>
       </p:grpSpPr>
+      <p:pic>
+        <p:nvPicPr>
+          <p:cNvPr id="2" name="Picture 1" descr="A white person with black background&#10;&#10;Description automatically generated">
+            <a:extLst>
+              <a:ext uri="{FF2B5EF4-FFF2-40B4-BE49-F238E27FC236}">
+                <a16:creationId xmlns:a16="http://schemas.microsoft.com/office/drawing/2014/main" id="{74A58006-E6E9-6D32-A306-5F0BFA8752A3}"/>
+              </a:ext>
+            </a:extLst>
+          </p:cNvPr>
+          <p:cNvPicPr>
+            <a:picLocks noChangeAspect="1"/>
+          </p:cNvPicPr>
+          <p:nvPr/>
+        </p:nvPicPr>
+        <p:blipFill>
+          <a:blip r:embed="rId3"/>
+          <a:stretch>
+            <a:fillRect/>
+          </a:stretch>
+        </p:blipFill>
+        <p:spPr>
+          <a:xfrm>
+            <a:off x="1028603" y="2283502"/>
+            <a:ext cx="753448" cy="1878768"/>
+          </a:xfrm>
+          <a:prstGeom prst="rect">
+            <a:avLst/>
+          </a:prstGeom>
+        </p:spPr>
+      </p:pic>
+      <p:sp>
+        <p:nvSpPr>
+          <p:cNvPr id="3" name="Rectangle: Rounded Corners 2">
+            <a:extLst>
+              <a:ext uri="{FF2B5EF4-FFF2-40B4-BE49-F238E27FC236}">
+                <a16:creationId xmlns:a16="http://schemas.microsoft.com/office/drawing/2014/main" id="{6BB5E8A8-4790-85EE-8890-EB89F2ACF3A0}"/>
+              </a:ext>
+            </a:extLst>
+          </p:cNvPr>
+          <p:cNvSpPr/>
+          <p:nvPr/>
+        </p:nvSpPr>
+        <p:spPr>
+          <a:xfrm>
+            <a:off x="2156460" y="632883"/>
+            <a:ext cx="8506134" cy="5756208"/>
+          </a:xfrm>
+          <a:prstGeom prst="roundRect">
+            <a:avLst/>
+          </a:prstGeom>
+          <a:noFill/>
+          <a:ln w="28575">
+            <a:solidFill>
+              <a:srgbClr val="FFC904"/>
+            </a:solidFill>
+          </a:ln>
+        </p:spPr>
+        <p:style>
+          <a:lnRef idx="2">
+            <a:schemeClr val="accent1">
+              <a:shade val="15000"/>
+            </a:schemeClr>
+          </a:lnRef>
+          <a:fillRef idx="1">
+            <a:schemeClr val="accent1"/>
+          </a:fillRef>
+          <a:effectRef idx="0">
+            <a:schemeClr val="accent1"/>
+          </a:effectRef>
+          <a:fontRef idx="minor">
+            <a:schemeClr val="lt1"/>
+          </a:fontRef>
+        </p:style>
+        <p:txBody>
+          <a:bodyPr rtlCol="0" anchor="ctr"/>
+          <a:lstStyle/>
+          <a:p>
+            <a:pPr algn="ctr"/>
+            <a:endParaRPr lang="en-US"/>
+          </a:p>
+        </p:txBody>
+      </p:sp>
+      <p:sp>
+        <p:nvSpPr>
+          <p:cNvPr id="4" name="Oval 3">
+            <a:extLst>
+              <a:ext uri="{FF2B5EF4-FFF2-40B4-BE49-F238E27FC236}">
+                <a16:creationId xmlns:a16="http://schemas.microsoft.com/office/drawing/2014/main" id="{3DFD4F25-1EAC-1ECD-F406-182F285ED0DD}"/>
+              </a:ext>
+            </a:extLst>
+          </p:cNvPr>
+          <p:cNvSpPr/>
+          <p:nvPr/>
+        </p:nvSpPr>
+        <p:spPr>
+          <a:xfrm>
+            <a:off x="3142975" y="1947967"/>
+            <a:ext cx="1262494" cy="680571"/>
+          </a:xfrm>
+          <a:prstGeom prst="ellipse">
+            <a:avLst/>
+          </a:prstGeom>
+          <a:noFill/>
+          <a:ln>
+            <a:solidFill>
+              <a:srgbClr val="FFC904"/>
+            </a:solidFill>
+          </a:ln>
+        </p:spPr>
+        <p:style>
+          <a:lnRef idx="2">
+            <a:schemeClr val="accent1">
+              <a:shade val="15000"/>
+            </a:schemeClr>
+          </a:lnRef>
+          <a:fillRef idx="1">
+            <a:schemeClr val="accent1"/>
+          </a:fillRef>
+          <a:effectRef idx="0">
+            <a:schemeClr val="accent1"/>
+          </a:effectRef>
+          <a:fontRef idx="minor">
+            <a:schemeClr val="lt1"/>
+          </a:fontRef>
+        </p:style>
+        <p:txBody>
+          <a:bodyPr rtlCol="0" anchor="ctr"/>
+          <a:lstStyle/>
+          <a:p>
+            <a:pPr algn="ctr"/>
+            <a:r>
+              <a:rPr lang="en-US" sz="1400" dirty="0"/>
+              <a:t>Register</a:t>
+            </a:r>
+          </a:p>
+        </p:txBody>
+      </p:sp>
+      <p:sp>
+        <p:nvSpPr>
+          <p:cNvPr id="5" name="Oval 4">
+            <a:extLst>
+              <a:ext uri="{FF2B5EF4-FFF2-40B4-BE49-F238E27FC236}">
+                <a16:creationId xmlns:a16="http://schemas.microsoft.com/office/drawing/2014/main" id="{C8610BED-1BD5-2DFF-8A36-4EFFD09929FD}"/>
+              </a:ext>
+            </a:extLst>
+          </p:cNvPr>
+          <p:cNvSpPr/>
+          <p:nvPr/>
+        </p:nvSpPr>
+        <p:spPr>
+          <a:xfrm>
+            <a:off x="3142974" y="3971800"/>
+            <a:ext cx="1262494" cy="655588"/>
+          </a:xfrm>
+          <a:prstGeom prst="ellipse">
+            <a:avLst/>
+          </a:prstGeom>
+          <a:noFill/>
+          <a:ln>
+            <a:solidFill>
+              <a:srgbClr val="FFC904"/>
+            </a:solidFill>
+          </a:ln>
+        </p:spPr>
+        <p:style>
+          <a:lnRef idx="2">
+            <a:schemeClr val="accent1">
+              <a:shade val="15000"/>
+            </a:schemeClr>
+          </a:lnRef>
+          <a:fillRef idx="1">
+            <a:schemeClr val="accent1"/>
+          </a:fillRef>
+          <a:effectRef idx="0">
+            <a:schemeClr val="accent1"/>
+          </a:effectRef>
+          <a:fontRef idx="minor">
+            <a:schemeClr val="lt1"/>
+          </a:fontRef>
+        </p:style>
+        <p:txBody>
+          <a:bodyPr lIns="91440" tIns="45720" rIns="91440" bIns="45720" rtlCol="0" anchor="ctr"/>
+          <a:lstStyle/>
+          <a:p>
+            <a:pPr algn="ctr"/>
+            <a:r>
+              <a:rPr lang="en-US" dirty="0"/>
+              <a:t>Login</a:t>
+            </a:r>
+          </a:p>
+        </p:txBody>
+      </p:sp>
+      <p:cxnSp>
+        <p:nvCxnSpPr>
+          <p:cNvPr id="6" name="Connector: Curved 5">
+            <a:extLst>
+              <a:ext uri="{FF2B5EF4-FFF2-40B4-BE49-F238E27FC236}">
+                <a16:creationId xmlns:a16="http://schemas.microsoft.com/office/drawing/2014/main" id="{17DFA387-10EB-B3F2-2BF8-18029907391A}"/>
+              </a:ext>
+            </a:extLst>
+          </p:cNvPr>
+          <p:cNvCxnSpPr/>
+          <p:nvPr/>
+        </p:nvCxnSpPr>
+        <p:spPr>
+          <a:xfrm>
+            <a:off x="1791323" y="3621373"/>
+            <a:ext cx="1339122" cy="677057"/>
+          </a:xfrm>
+          <a:prstGeom prst="curvedConnector3">
+            <a:avLst/>
+          </a:prstGeom>
+          <a:ln>
+            <a:solidFill>
+              <a:srgbClr val="FFC904"/>
+            </a:solidFill>
+            <a:tailEnd type="triangle"/>
+          </a:ln>
+        </p:spPr>
+        <p:style>
+          <a:lnRef idx="2">
+            <a:schemeClr val="accent1"/>
+          </a:lnRef>
+          <a:fillRef idx="0">
+            <a:schemeClr val="accent1"/>
+          </a:fillRef>
+          <a:effectRef idx="1">
+            <a:schemeClr val="accent1"/>
+          </a:effectRef>
+          <a:fontRef idx="minor">
+            <a:schemeClr val="tx1"/>
+          </a:fontRef>
+        </p:style>
+      </p:cxnSp>
+      <p:cxnSp>
+        <p:nvCxnSpPr>
+          <p:cNvPr id="7" name="Connector: Curved 6">
+            <a:extLst>
+              <a:ext uri="{FF2B5EF4-FFF2-40B4-BE49-F238E27FC236}">
+                <a16:creationId xmlns:a16="http://schemas.microsoft.com/office/drawing/2014/main" id="{D124AC3B-E10C-AC25-F3D9-C7CF21248F5D}"/>
+              </a:ext>
+            </a:extLst>
+          </p:cNvPr>
+          <p:cNvCxnSpPr>
+            <a:cxnSpLocks/>
+          </p:cNvCxnSpPr>
+          <p:nvPr/>
+        </p:nvCxnSpPr>
+        <p:spPr>
+          <a:xfrm flipV="1">
+            <a:off x="1791322" y="2549577"/>
+            <a:ext cx="1339122" cy="846944"/>
+          </a:xfrm>
+          <a:prstGeom prst="curvedConnector3">
+            <a:avLst/>
+          </a:prstGeom>
+          <a:ln>
+            <a:solidFill>
+              <a:srgbClr val="FFC904"/>
+            </a:solidFill>
+            <a:tailEnd type="triangle"/>
+          </a:ln>
+        </p:spPr>
+        <p:style>
+          <a:lnRef idx="2">
+            <a:schemeClr val="accent1"/>
+          </a:lnRef>
+          <a:fillRef idx="0">
+            <a:schemeClr val="accent1"/>
+          </a:fillRef>
+          <a:effectRef idx="1">
+            <a:schemeClr val="accent1"/>
+          </a:effectRef>
+          <a:fontRef idx="minor">
+            <a:schemeClr val="tx1"/>
+          </a:fontRef>
+        </p:style>
+      </p:cxnSp>
+      <p:sp>
+        <p:nvSpPr>
+          <p:cNvPr id="8" name="Oval 7">
+            <a:extLst>
+              <a:ext uri="{FF2B5EF4-FFF2-40B4-BE49-F238E27FC236}">
+                <a16:creationId xmlns:a16="http://schemas.microsoft.com/office/drawing/2014/main" id="{31196061-88D2-180E-1DDA-33E9194E0C72}"/>
+              </a:ext>
+            </a:extLst>
+          </p:cNvPr>
+          <p:cNvSpPr/>
+          <p:nvPr/>
+        </p:nvSpPr>
+        <p:spPr>
+          <a:xfrm>
+            <a:off x="4729433" y="2969861"/>
+            <a:ext cx="1369080" cy="601888"/>
+          </a:xfrm>
+          <a:prstGeom prst="ellipse">
+            <a:avLst/>
+          </a:prstGeom>
+          <a:noFill/>
+          <a:ln>
+            <a:solidFill>
+              <a:srgbClr val="FFC904"/>
+            </a:solidFill>
+          </a:ln>
+        </p:spPr>
+        <p:style>
+          <a:lnRef idx="2">
+            <a:schemeClr val="accent1">
+              <a:shade val="15000"/>
+            </a:schemeClr>
+          </a:lnRef>
+          <a:fillRef idx="1">
+            <a:schemeClr val="accent1"/>
+          </a:fillRef>
+          <a:effectRef idx="0">
+            <a:schemeClr val="accent1"/>
+          </a:effectRef>
+          <a:fontRef idx="minor">
+            <a:schemeClr val="lt1"/>
+          </a:fontRef>
+        </p:style>
+        <p:txBody>
+          <a:bodyPr lIns="91440" tIns="45720" rIns="91440" bIns="45720" rtlCol="0" anchor="ctr"/>
+          <a:lstStyle/>
+          <a:p>
+            <a:pPr algn="ctr"/>
+            <a:r>
+              <a:rPr lang="en-US" sz="1200" dirty="0"/>
+              <a:t>Login information</a:t>
+            </a:r>
+          </a:p>
+        </p:txBody>
+      </p:sp>
+      <p:cxnSp>
+        <p:nvCxnSpPr>
+          <p:cNvPr id="11" name="Straight Arrow Connector 10">
+            <a:extLst>
+              <a:ext uri="{FF2B5EF4-FFF2-40B4-BE49-F238E27FC236}">
+                <a16:creationId xmlns:a16="http://schemas.microsoft.com/office/drawing/2014/main" id="{3CA86B59-B538-0BEC-3C91-9721C14C72E5}"/>
+              </a:ext>
+            </a:extLst>
+          </p:cNvPr>
+          <p:cNvCxnSpPr/>
+          <p:nvPr/>
+        </p:nvCxnSpPr>
+        <p:spPr>
+          <a:xfrm flipV="1">
+            <a:off x="4320407" y="3512966"/>
+            <a:ext cx="646394" cy="631500"/>
+          </a:xfrm>
+          <a:prstGeom prst="straightConnector1">
+            <a:avLst/>
+          </a:prstGeom>
+          <a:ln>
+            <a:solidFill>
+              <a:srgbClr val="FFC904"/>
+            </a:solidFill>
+            <a:tailEnd type="triangle"/>
+          </a:ln>
+        </p:spPr>
+        <p:style>
+          <a:lnRef idx="2">
+            <a:schemeClr val="accent1"/>
+          </a:lnRef>
+          <a:fillRef idx="0">
+            <a:schemeClr val="accent1"/>
+          </a:fillRef>
+          <a:effectRef idx="1">
+            <a:schemeClr val="accent1"/>
+          </a:effectRef>
+          <a:fontRef idx="minor">
+            <a:schemeClr val="tx1"/>
+          </a:fontRef>
+        </p:style>
+      </p:cxnSp>
+      <p:cxnSp>
+        <p:nvCxnSpPr>
+          <p:cNvPr id="12" name="Straight Arrow Connector 11">
+            <a:extLst>
+              <a:ext uri="{FF2B5EF4-FFF2-40B4-BE49-F238E27FC236}">
+                <a16:creationId xmlns:a16="http://schemas.microsoft.com/office/drawing/2014/main" id="{B925FBDE-10A7-E546-0148-240574BB4C69}"/>
+              </a:ext>
+            </a:extLst>
+          </p:cNvPr>
+          <p:cNvCxnSpPr>
+            <a:cxnSpLocks/>
+          </p:cNvCxnSpPr>
+          <p:nvPr/>
+        </p:nvCxnSpPr>
+        <p:spPr>
+          <a:xfrm>
+            <a:off x="4437538" y="2357975"/>
+            <a:ext cx="417811" cy="702689"/>
+          </a:xfrm>
+          <a:prstGeom prst="straightConnector1">
+            <a:avLst/>
+          </a:prstGeom>
+          <a:ln>
+            <a:solidFill>
+              <a:srgbClr val="FFC904"/>
+            </a:solidFill>
+            <a:tailEnd type="triangle"/>
+          </a:ln>
+        </p:spPr>
+        <p:style>
+          <a:lnRef idx="2">
+            <a:schemeClr val="accent1"/>
+          </a:lnRef>
+          <a:fillRef idx="0">
+            <a:schemeClr val="accent1"/>
+          </a:fillRef>
+          <a:effectRef idx="1">
+            <a:schemeClr val="accent1"/>
+          </a:effectRef>
+          <a:fontRef idx="minor">
+            <a:schemeClr val="tx1"/>
+          </a:fontRef>
+        </p:style>
+      </p:cxnSp>
+      <p:sp>
+        <p:nvSpPr>
+          <p:cNvPr id="13" name="Oval 12">
+            <a:extLst>
+              <a:ext uri="{FF2B5EF4-FFF2-40B4-BE49-F238E27FC236}">
+                <a16:creationId xmlns:a16="http://schemas.microsoft.com/office/drawing/2014/main" id="{876DB486-BC82-36B3-9972-B09FE628C9A8}"/>
+              </a:ext>
+            </a:extLst>
+          </p:cNvPr>
+          <p:cNvSpPr/>
+          <p:nvPr/>
+        </p:nvSpPr>
+        <p:spPr>
+          <a:xfrm>
+            <a:off x="4904318" y="1036228"/>
+            <a:ext cx="1262494" cy="680571"/>
+          </a:xfrm>
+          <a:prstGeom prst="ellipse">
+            <a:avLst/>
+          </a:prstGeom>
+          <a:noFill/>
+          <a:ln>
+            <a:solidFill>
+              <a:srgbClr val="FFC904"/>
+            </a:solidFill>
+          </a:ln>
+        </p:spPr>
+        <p:style>
+          <a:lnRef idx="2">
+            <a:schemeClr val="accent1">
+              <a:shade val="15000"/>
+            </a:schemeClr>
+          </a:lnRef>
+          <a:fillRef idx="1">
+            <a:schemeClr val="accent1"/>
+          </a:fillRef>
+          <a:effectRef idx="0">
+            <a:schemeClr val="accent1"/>
+          </a:effectRef>
+          <a:fontRef idx="minor">
+            <a:schemeClr val="lt1"/>
+          </a:fontRef>
+        </p:style>
+        <p:txBody>
+          <a:bodyPr lIns="91440" tIns="45720" rIns="91440" bIns="45720" rtlCol="0" anchor="ctr"/>
+          <a:lstStyle/>
+          <a:p>
+            <a:pPr algn="ctr"/>
+            <a:r>
+              <a:rPr lang="en-US" sz="1600" dirty="0"/>
+              <a:t>User Error</a:t>
+            </a:r>
+            <a:endParaRPr lang="en-US" dirty="0"/>
+          </a:p>
+        </p:txBody>
+      </p:sp>
+      <p:cxnSp>
+        <p:nvCxnSpPr>
+          <p:cNvPr id="15" name="Straight Arrow Connector 14">
+            <a:extLst>
+              <a:ext uri="{FF2B5EF4-FFF2-40B4-BE49-F238E27FC236}">
+                <a16:creationId xmlns:a16="http://schemas.microsoft.com/office/drawing/2014/main" id="{BB0EB13E-1ED1-C2A6-D5D2-80334A9440DD}"/>
+              </a:ext>
+            </a:extLst>
+          </p:cNvPr>
+          <p:cNvCxnSpPr>
+            <a:cxnSpLocks/>
+          </p:cNvCxnSpPr>
+          <p:nvPr/>
+        </p:nvCxnSpPr>
+        <p:spPr>
+          <a:xfrm flipV="1">
+            <a:off x="5549795" y="1711062"/>
+            <a:ext cx="2499" cy="1246682"/>
+          </a:xfrm>
+          <a:prstGeom prst="straightConnector1">
+            <a:avLst/>
+          </a:prstGeom>
+          <a:ln>
+            <a:solidFill>
+              <a:srgbClr val="FFC904"/>
+            </a:solidFill>
+            <a:tailEnd type="triangle"/>
+          </a:ln>
+        </p:spPr>
+        <p:style>
+          <a:lnRef idx="2">
+            <a:schemeClr val="accent1"/>
+          </a:lnRef>
+          <a:fillRef idx="0">
+            <a:schemeClr val="accent1"/>
+          </a:fillRef>
+          <a:effectRef idx="1">
+            <a:schemeClr val="accent1"/>
+          </a:effectRef>
+          <a:fontRef idx="minor">
+            <a:schemeClr val="tx1"/>
+          </a:fontRef>
+        </p:style>
+      </p:cxnSp>
+      <p:sp>
+        <p:nvSpPr>
+          <p:cNvPr id="16" name="Oval 15">
+            <a:extLst>
+              <a:ext uri="{FF2B5EF4-FFF2-40B4-BE49-F238E27FC236}">
+                <a16:creationId xmlns:a16="http://schemas.microsoft.com/office/drawing/2014/main" id="{E7E84311-C917-B1FA-FA53-9BA6963ACEE9}"/>
+              </a:ext>
+            </a:extLst>
+          </p:cNvPr>
+          <p:cNvSpPr/>
+          <p:nvPr/>
+        </p:nvSpPr>
+        <p:spPr>
+          <a:xfrm>
+            <a:off x="6853042" y="3072392"/>
+            <a:ext cx="1374917" cy="618112"/>
+          </a:xfrm>
+          <a:prstGeom prst="ellipse">
+            <a:avLst/>
+          </a:prstGeom>
+          <a:noFill/>
+          <a:ln>
+            <a:solidFill>
+              <a:srgbClr val="FFC904"/>
+            </a:solidFill>
+          </a:ln>
+        </p:spPr>
+        <p:style>
+          <a:lnRef idx="2">
+            <a:schemeClr val="accent1">
+              <a:shade val="15000"/>
+            </a:schemeClr>
+          </a:lnRef>
+          <a:fillRef idx="1">
+            <a:schemeClr val="accent1"/>
+          </a:fillRef>
+          <a:effectRef idx="0">
+            <a:schemeClr val="accent1"/>
+          </a:effectRef>
+          <a:fontRef idx="minor">
+            <a:schemeClr val="lt1"/>
+          </a:fontRef>
+        </p:style>
+        <p:txBody>
+          <a:bodyPr lIns="91440" tIns="45720" rIns="91440" bIns="45720" rtlCol="0" anchor="ctr"/>
+          <a:lstStyle/>
+          <a:p>
+            <a:pPr algn="ctr"/>
+            <a:r>
+              <a:rPr lang="en-US" sz="1100" dirty="0"/>
+              <a:t>Authenticate</a:t>
+            </a:r>
+          </a:p>
+        </p:txBody>
+      </p:sp>
+      <p:cxnSp>
+        <p:nvCxnSpPr>
+          <p:cNvPr id="17" name="Straight Arrow Connector 16">
+            <a:extLst>
+              <a:ext uri="{FF2B5EF4-FFF2-40B4-BE49-F238E27FC236}">
+                <a16:creationId xmlns:a16="http://schemas.microsoft.com/office/drawing/2014/main" id="{D21B905E-365C-8DEA-A116-E69D342924E3}"/>
+              </a:ext>
+            </a:extLst>
+          </p:cNvPr>
+          <p:cNvCxnSpPr>
+            <a:cxnSpLocks/>
+          </p:cNvCxnSpPr>
+          <p:nvPr/>
+        </p:nvCxnSpPr>
+        <p:spPr>
+          <a:xfrm flipV="1">
+            <a:off x="6096188" y="3350082"/>
+            <a:ext cx="755251" cy="2692"/>
+          </a:xfrm>
+          <a:prstGeom prst="straightConnector1">
+            <a:avLst/>
+          </a:prstGeom>
+          <a:ln>
+            <a:solidFill>
+              <a:srgbClr val="FFC904"/>
+            </a:solidFill>
+            <a:tailEnd type="triangle"/>
+          </a:ln>
+        </p:spPr>
+        <p:style>
+          <a:lnRef idx="2">
+            <a:schemeClr val="accent1"/>
+          </a:lnRef>
+          <a:fillRef idx="0">
+            <a:schemeClr val="accent1"/>
+          </a:fillRef>
+          <a:effectRef idx="1">
+            <a:schemeClr val="accent1"/>
+          </a:effectRef>
+          <a:fontRef idx="minor">
+            <a:schemeClr val="tx1"/>
+          </a:fontRef>
+        </p:style>
+      </p:cxnSp>
+      <p:sp>
+        <p:nvSpPr>
+          <p:cNvPr id="18" name="Oval 17">
+            <a:extLst>
+              <a:ext uri="{FF2B5EF4-FFF2-40B4-BE49-F238E27FC236}">
+                <a16:creationId xmlns:a16="http://schemas.microsoft.com/office/drawing/2014/main" id="{457857ED-7DBA-D627-982D-04E4B423C573}"/>
+              </a:ext>
+            </a:extLst>
+          </p:cNvPr>
+          <p:cNvSpPr/>
+          <p:nvPr/>
+        </p:nvSpPr>
+        <p:spPr>
+          <a:xfrm>
+            <a:off x="9201498" y="4821241"/>
+            <a:ext cx="1037642" cy="543162"/>
+          </a:xfrm>
+          <a:prstGeom prst="ellipse">
+            <a:avLst/>
+          </a:prstGeom>
+          <a:noFill/>
+          <a:ln>
+            <a:solidFill>
+              <a:srgbClr val="FFC904"/>
+            </a:solidFill>
+          </a:ln>
+        </p:spPr>
+        <p:style>
+          <a:lnRef idx="2">
+            <a:schemeClr val="accent1">
+              <a:shade val="15000"/>
+            </a:schemeClr>
+          </a:lnRef>
+          <a:fillRef idx="1">
+            <a:schemeClr val="accent1"/>
+          </a:fillRef>
+          <a:effectRef idx="0">
+            <a:schemeClr val="accent1"/>
+          </a:effectRef>
+          <a:fontRef idx="minor">
+            <a:schemeClr val="lt1"/>
+          </a:fontRef>
+        </p:style>
+        <p:txBody>
+          <a:bodyPr lIns="91440" tIns="45720" rIns="91440" bIns="45720" rtlCol="0" anchor="ctr"/>
+          <a:lstStyle/>
+          <a:p>
+            <a:pPr algn="ctr"/>
+            <a:r>
+              <a:rPr lang="en-US" sz="1200" dirty="0"/>
+              <a:t>Delete Contact</a:t>
+            </a:r>
+          </a:p>
+        </p:txBody>
+      </p:sp>
+      <p:sp>
+        <p:nvSpPr>
+          <p:cNvPr id="19" name="Oval 18">
+            <a:extLst>
+              <a:ext uri="{FF2B5EF4-FFF2-40B4-BE49-F238E27FC236}">
+                <a16:creationId xmlns:a16="http://schemas.microsoft.com/office/drawing/2014/main" id="{D93EC4EC-F291-1F17-8FB3-D4B14115BB9B}"/>
+              </a:ext>
+            </a:extLst>
+          </p:cNvPr>
+          <p:cNvSpPr/>
+          <p:nvPr/>
+        </p:nvSpPr>
+        <p:spPr>
+          <a:xfrm>
+            <a:off x="9201497" y="3796913"/>
+            <a:ext cx="1037642" cy="543162"/>
+          </a:xfrm>
+          <a:prstGeom prst="ellipse">
+            <a:avLst/>
+          </a:prstGeom>
+          <a:noFill/>
+          <a:ln>
+            <a:solidFill>
+              <a:srgbClr val="FFC904"/>
+            </a:solidFill>
+          </a:ln>
+        </p:spPr>
+        <p:style>
+          <a:lnRef idx="2">
+            <a:schemeClr val="accent1">
+              <a:shade val="15000"/>
+            </a:schemeClr>
+          </a:lnRef>
+          <a:fillRef idx="1">
+            <a:schemeClr val="accent1"/>
+          </a:fillRef>
+          <a:effectRef idx="0">
+            <a:schemeClr val="accent1"/>
+          </a:effectRef>
+          <a:fontRef idx="minor">
+            <a:schemeClr val="lt1"/>
+          </a:fontRef>
+        </p:style>
+        <p:txBody>
+          <a:bodyPr lIns="91440" tIns="45720" rIns="91440" bIns="45720" rtlCol="0" anchor="ctr"/>
+          <a:lstStyle/>
+          <a:p>
+            <a:pPr algn="ctr"/>
+            <a:r>
+              <a:rPr lang="en-US" sz="1200" dirty="0"/>
+              <a:t>Update Contact</a:t>
+            </a:r>
+          </a:p>
+        </p:txBody>
+      </p:sp>
+      <p:sp>
+        <p:nvSpPr>
+          <p:cNvPr id="20" name="Oval 19">
+            <a:extLst>
+              <a:ext uri="{FF2B5EF4-FFF2-40B4-BE49-F238E27FC236}">
+                <a16:creationId xmlns:a16="http://schemas.microsoft.com/office/drawing/2014/main" id="{88C021C1-EEA9-25BB-8F7B-0B2861711048}"/>
+              </a:ext>
+            </a:extLst>
+          </p:cNvPr>
+          <p:cNvSpPr/>
+          <p:nvPr/>
+        </p:nvSpPr>
+        <p:spPr>
+          <a:xfrm>
+            <a:off x="9201497" y="2772585"/>
+            <a:ext cx="1037642" cy="543162"/>
+          </a:xfrm>
+          <a:prstGeom prst="ellipse">
+            <a:avLst/>
+          </a:prstGeom>
+          <a:noFill/>
+          <a:ln>
+            <a:solidFill>
+              <a:srgbClr val="FFC904"/>
+            </a:solidFill>
+          </a:ln>
+        </p:spPr>
+        <p:style>
+          <a:lnRef idx="2">
+            <a:schemeClr val="accent1">
+              <a:shade val="15000"/>
+            </a:schemeClr>
+          </a:lnRef>
+          <a:fillRef idx="1">
+            <a:schemeClr val="accent1"/>
+          </a:fillRef>
+          <a:effectRef idx="0">
+            <a:schemeClr val="accent1"/>
+          </a:effectRef>
+          <a:fontRef idx="minor">
+            <a:schemeClr val="lt1"/>
+          </a:fontRef>
+        </p:style>
+        <p:txBody>
+          <a:bodyPr lIns="91440" tIns="45720" rIns="91440" bIns="45720" rtlCol="0" anchor="ctr"/>
+          <a:lstStyle/>
+          <a:p>
+            <a:pPr algn="ctr"/>
+            <a:r>
+              <a:rPr lang="en-US" sz="1200" dirty="0"/>
+              <a:t>Create Contact</a:t>
+            </a:r>
+          </a:p>
+        </p:txBody>
+      </p:sp>
+      <p:sp>
+        <p:nvSpPr>
+          <p:cNvPr id="21" name="Oval 20">
+            <a:extLst>
+              <a:ext uri="{FF2B5EF4-FFF2-40B4-BE49-F238E27FC236}">
+                <a16:creationId xmlns:a16="http://schemas.microsoft.com/office/drawing/2014/main" id="{305B0EDC-39A1-2F6D-9ED4-64306DAE0CD9}"/>
+              </a:ext>
+            </a:extLst>
+          </p:cNvPr>
+          <p:cNvSpPr/>
+          <p:nvPr/>
+        </p:nvSpPr>
+        <p:spPr>
+          <a:xfrm>
+            <a:off x="9201496" y="1748256"/>
+            <a:ext cx="1037642" cy="543162"/>
+          </a:xfrm>
+          <a:prstGeom prst="ellipse">
+            <a:avLst/>
+          </a:prstGeom>
+          <a:noFill/>
+          <a:ln>
+            <a:solidFill>
+              <a:srgbClr val="FFC904"/>
+            </a:solidFill>
+          </a:ln>
+        </p:spPr>
+        <p:style>
+          <a:lnRef idx="2">
+            <a:schemeClr val="accent1">
+              <a:shade val="15000"/>
+            </a:schemeClr>
+          </a:lnRef>
+          <a:fillRef idx="1">
+            <a:schemeClr val="accent1"/>
+          </a:fillRef>
+          <a:effectRef idx="0">
+            <a:schemeClr val="accent1"/>
+          </a:effectRef>
+          <a:fontRef idx="minor">
+            <a:schemeClr val="lt1"/>
+          </a:fontRef>
+        </p:style>
+        <p:txBody>
+          <a:bodyPr lIns="91440" tIns="45720" rIns="91440" bIns="45720" rtlCol="0" anchor="ctr"/>
+          <a:lstStyle/>
+          <a:p>
+            <a:pPr algn="ctr"/>
+            <a:r>
+              <a:rPr lang="en-US" sz="1100" dirty="0"/>
+              <a:t>Search Contact</a:t>
+            </a:r>
+          </a:p>
+        </p:txBody>
+      </p:sp>
+      <p:sp>
+        <p:nvSpPr>
+          <p:cNvPr id="23" name="Oval 22">
+            <a:extLst>
+              <a:ext uri="{FF2B5EF4-FFF2-40B4-BE49-F238E27FC236}">
+                <a16:creationId xmlns:a16="http://schemas.microsoft.com/office/drawing/2014/main" id="{10D028C6-3AFB-D2E3-9FD7-A8B3E68F6A4F}"/>
+              </a:ext>
+            </a:extLst>
+          </p:cNvPr>
+          <p:cNvSpPr/>
+          <p:nvPr/>
+        </p:nvSpPr>
+        <p:spPr>
+          <a:xfrm>
+            <a:off x="5769172" y="5061506"/>
+            <a:ext cx="1262494" cy="655588"/>
+          </a:xfrm>
+          <a:prstGeom prst="ellipse">
+            <a:avLst/>
+          </a:prstGeom>
+          <a:noFill/>
+          <a:ln>
+            <a:solidFill>
+              <a:srgbClr val="FFC904"/>
+            </a:solidFill>
+          </a:ln>
+        </p:spPr>
+        <p:style>
+          <a:lnRef idx="2">
+            <a:schemeClr val="accent1">
+              <a:shade val="15000"/>
+            </a:schemeClr>
+          </a:lnRef>
+          <a:fillRef idx="1">
+            <a:schemeClr val="accent1"/>
+          </a:fillRef>
+          <a:effectRef idx="0">
+            <a:schemeClr val="accent1"/>
+          </a:effectRef>
+          <a:fontRef idx="minor">
+            <a:schemeClr val="lt1"/>
+          </a:fontRef>
+        </p:style>
+        <p:txBody>
+          <a:bodyPr lIns="91440" tIns="45720" rIns="91440" bIns="45720" rtlCol="0" anchor="ctr"/>
+          <a:lstStyle/>
+          <a:p>
+            <a:pPr algn="ctr"/>
+            <a:r>
+              <a:rPr lang="en-US" sz="1600" dirty="0"/>
+              <a:t>Log Out</a:t>
+            </a:r>
+          </a:p>
+        </p:txBody>
+      </p:sp>
+      <p:cxnSp>
+        <p:nvCxnSpPr>
+          <p:cNvPr id="26" name="Straight Arrow Connector 25">
+            <a:extLst>
+              <a:ext uri="{FF2B5EF4-FFF2-40B4-BE49-F238E27FC236}">
+                <a16:creationId xmlns:a16="http://schemas.microsoft.com/office/drawing/2014/main" id="{D03A1155-65D6-200C-C3BC-8AEE6E7FB1BE}"/>
+              </a:ext>
+            </a:extLst>
+          </p:cNvPr>
+          <p:cNvCxnSpPr>
+            <a:cxnSpLocks/>
+          </p:cNvCxnSpPr>
+          <p:nvPr/>
+        </p:nvCxnSpPr>
+        <p:spPr>
+          <a:xfrm flipV="1">
+            <a:off x="8235528" y="2098307"/>
+            <a:ext cx="964368" cy="1271663"/>
+          </a:xfrm>
+          <a:prstGeom prst="straightConnector1">
+            <a:avLst/>
+          </a:prstGeom>
+          <a:ln>
+            <a:solidFill>
+              <a:srgbClr val="FFC904"/>
+            </a:solidFill>
+            <a:tailEnd type="triangle"/>
+          </a:ln>
+        </p:spPr>
+        <p:style>
+          <a:lnRef idx="2">
+            <a:schemeClr val="accent1"/>
+          </a:lnRef>
+          <a:fillRef idx="0">
+            <a:schemeClr val="accent1"/>
+          </a:fillRef>
+          <a:effectRef idx="1">
+            <a:schemeClr val="accent1"/>
+          </a:effectRef>
+          <a:fontRef idx="minor">
+            <a:schemeClr val="tx1"/>
+          </a:fontRef>
+        </p:style>
+      </p:cxnSp>
+      <p:cxnSp>
+        <p:nvCxnSpPr>
+          <p:cNvPr id="27" name="Straight Arrow Connector 26">
+            <a:extLst>
+              <a:ext uri="{FF2B5EF4-FFF2-40B4-BE49-F238E27FC236}">
+                <a16:creationId xmlns:a16="http://schemas.microsoft.com/office/drawing/2014/main" id="{4E06F1CC-AD3A-556C-040D-574934B3F1FE}"/>
+              </a:ext>
+            </a:extLst>
+          </p:cNvPr>
+          <p:cNvCxnSpPr>
+            <a:cxnSpLocks/>
+          </p:cNvCxnSpPr>
+          <p:nvPr/>
+        </p:nvCxnSpPr>
+        <p:spPr>
+          <a:xfrm flipV="1">
+            <a:off x="8235527" y="3060173"/>
+            <a:ext cx="939386" cy="322289"/>
+          </a:xfrm>
+          <a:prstGeom prst="straightConnector1">
+            <a:avLst/>
+          </a:prstGeom>
+          <a:ln>
+            <a:solidFill>
+              <a:srgbClr val="FFC904"/>
+            </a:solidFill>
+            <a:tailEnd type="triangle"/>
+          </a:ln>
+        </p:spPr>
+        <p:style>
+          <a:lnRef idx="2">
+            <a:schemeClr val="accent1"/>
+          </a:lnRef>
+          <a:fillRef idx="0">
+            <a:schemeClr val="accent1"/>
+          </a:fillRef>
+          <a:effectRef idx="1">
+            <a:schemeClr val="accent1"/>
+          </a:effectRef>
+          <a:fontRef idx="minor">
+            <a:schemeClr val="tx1"/>
+          </a:fontRef>
+        </p:style>
+      </p:cxnSp>
+      <p:cxnSp>
+        <p:nvCxnSpPr>
+          <p:cNvPr id="28" name="Straight Arrow Connector 27">
+            <a:extLst>
+              <a:ext uri="{FF2B5EF4-FFF2-40B4-BE49-F238E27FC236}">
+                <a16:creationId xmlns:a16="http://schemas.microsoft.com/office/drawing/2014/main" id="{693A44D7-40C0-BF48-0B11-10C313934A59}"/>
+              </a:ext>
+            </a:extLst>
+          </p:cNvPr>
+          <p:cNvCxnSpPr>
+            <a:cxnSpLocks/>
+          </p:cNvCxnSpPr>
+          <p:nvPr/>
+        </p:nvCxnSpPr>
+        <p:spPr>
+          <a:xfrm>
+            <a:off x="8223037" y="3382459"/>
+            <a:ext cx="951877" cy="627090"/>
+          </a:xfrm>
+          <a:prstGeom prst="straightConnector1">
+            <a:avLst/>
+          </a:prstGeom>
+          <a:ln>
+            <a:solidFill>
+              <a:srgbClr val="FFC904"/>
+            </a:solidFill>
+            <a:tailEnd type="triangle"/>
+          </a:ln>
+        </p:spPr>
+        <p:style>
+          <a:lnRef idx="2">
+            <a:schemeClr val="accent1"/>
+          </a:lnRef>
+          <a:fillRef idx="0">
+            <a:schemeClr val="accent1"/>
+          </a:fillRef>
+          <a:effectRef idx="1">
+            <a:schemeClr val="accent1"/>
+          </a:effectRef>
+          <a:fontRef idx="minor">
+            <a:schemeClr val="tx1"/>
+          </a:fontRef>
+        </p:style>
+      </p:cxnSp>
+      <p:cxnSp>
+        <p:nvCxnSpPr>
+          <p:cNvPr id="29" name="Straight Arrow Connector 28">
+            <a:extLst>
+              <a:ext uri="{FF2B5EF4-FFF2-40B4-BE49-F238E27FC236}">
+                <a16:creationId xmlns:a16="http://schemas.microsoft.com/office/drawing/2014/main" id="{30D43227-A882-7085-963F-AFF85F81AB1B}"/>
+              </a:ext>
+            </a:extLst>
+          </p:cNvPr>
+          <p:cNvCxnSpPr>
+            <a:cxnSpLocks/>
+          </p:cNvCxnSpPr>
+          <p:nvPr/>
+        </p:nvCxnSpPr>
+        <p:spPr>
+          <a:xfrm>
+            <a:off x="8223034" y="3357477"/>
+            <a:ext cx="964370" cy="1713876"/>
+          </a:xfrm>
+          <a:prstGeom prst="straightConnector1">
+            <a:avLst/>
+          </a:prstGeom>
+          <a:ln>
+            <a:solidFill>
+              <a:srgbClr val="FFC904"/>
+            </a:solidFill>
+            <a:tailEnd type="triangle"/>
+          </a:ln>
+        </p:spPr>
+        <p:style>
+          <a:lnRef idx="2">
+            <a:schemeClr val="accent1"/>
+          </a:lnRef>
+          <a:fillRef idx="0">
+            <a:schemeClr val="accent1"/>
+          </a:fillRef>
+          <a:effectRef idx="1">
+            <a:schemeClr val="accent1"/>
+          </a:effectRef>
+          <a:fontRef idx="minor">
+            <a:schemeClr val="tx1"/>
+          </a:fontRef>
+        </p:style>
+      </p:cxnSp>
+      <p:cxnSp>
+        <p:nvCxnSpPr>
+          <p:cNvPr id="31" name="Straight Arrow Connector 30">
+            <a:extLst>
+              <a:ext uri="{FF2B5EF4-FFF2-40B4-BE49-F238E27FC236}">
+                <a16:creationId xmlns:a16="http://schemas.microsoft.com/office/drawing/2014/main" id="{9289A7AE-80EE-1384-122F-492BE0A1BA8B}"/>
+              </a:ext>
+            </a:extLst>
+          </p:cNvPr>
+          <p:cNvCxnSpPr>
+            <a:cxnSpLocks/>
+          </p:cNvCxnSpPr>
+          <p:nvPr/>
+        </p:nvCxnSpPr>
+        <p:spPr>
+          <a:xfrm flipH="1">
+            <a:off x="6647518" y="3694760"/>
+            <a:ext cx="832503" cy="1376921"/>
+          </a:xfrm>
+          <a:prstGeom prst="straightConnector1">
+            <a:avLst/>
+          </a:prstGeom>
+          <a:ln>
+            <a:solidFill>
+              <a:srgbClr val="FFC904"/>
+            </a:solidFill>
+            <a:tailEnd type="triangle"/>
+          </a:ln>
+        </p:spPr>
+        <p:style>
+          <a:lnRef idx="2">
+            <a:schemeClr val="accent1"/>
+          </a:lnRef>
+          <a:fillRef idx="0">
+            <a:schemeClr val="accent1"/>
+          </a:fillRef>
+          <a:effectRef idx="1">
+            <a:schemeClr val="accent1"/>
+          </a:effectRef>
+          <a:fontRef idx="minor">
+            <a:schemeClr val="tx1"/>
+          </a:fontRef>
+        </p:style>
+      </p:cxnSp>
+      <p:pic>
+        <p:nvPicPr>
+          <p:cNvPr id="32" name="Picture 31" descr="A blue cylinder with black lines&#10;&#10;Description automatically generated">
+            <a:extLst>
+              <a:ext uri="{FF2B5EF4-FFF2-40B4-BE49-F238E27FC236}">
+                <a16:creationId xmlns:a16="http://schemas.microsoft.com/office/drawing/2014/main" id="{4B587C40-C742-792B-D728-B67AF245C5A2}"/>
+              </a:ext>
+            </a:extLst>
+          </p:cNvPr>
+          <p:cNvPicPr>
+            <a:picLocks noChangeAspect="1"/>
+          </p:cNvPicPr>
+          <p:nvPr/>
+        </p:nvPicPr>
+        <p:blipFill>
+          <a:blip r:embed="rId4"/>
+          <a:stretch>
+            <a:fillRect/>
+          </a:stretch>
+        </p:blipFill>
+        <p:spPr>
+          <a:xfrm>
+            <a:off x="11158928" y="3320320"/>
+            <a:ext cx="667063" cy="704539"/>
+          </a:xfrm>
+          <a:prstGeom prst="rect">
+            <a:avLst/>
+          </a:prstGeom>
+        </p:spPr>
+      </p:pic>
+      <p:cxnSp>
+        <p:nvCxnSpPr>
+          <p:cNvPr id="40" name="Connector: Curved 39">
+            <a:extLst>
+              <a:ext uri="{FF2B5EF4-FFF2-40B4-BE49-F238E27FC236}">
+                <a16:creationId xmlns:a16="http://schemas.microsoft.com/office/drawing/2014/main" id="{C88DC7CA-CBB1-B1F9-05E6-3DBACCAE49F1}"/>
+              </a:ext>
+            </a:extLst>
+          </p:cNvPr>
+          <p:cNvCxnSpPr>
+            <a:cxnSpLocks/>
+          </p:cNvCxnSpPr>
+          <p:nvPr/>
+        </p:nvCxnSpPr>
+        <p:spPr>
+          <a:xfrm flipV="1">
+            <a:off x="10231098" y="3569220"/>
+            <a:ext cx="926891" cy="1496517"/>
+          </a:xfrm>
+          <a:prstGeom prst="curvedConnector3">
+            <a:avLst/>
+          </a:prstGeom>
+          <a:ln>
+            <a:solidFill>
+              <a:srgbClr val="FFC904"/>
+            </a:solidFill>
+            <a:tailEnd type="triangle"/>
+          </a:ln>
+        </p:spPr>
+        <p:style>
+          <a:lnRef idx="2">
+            <a:schemeClr val="accent1"/>
+          </a:lnRef>
+          <a:fillRef idx="0">
+            <a:schemeClr val="accent1"/>
+          </a:fillRef>
+          <a:effectRef idx="1">
+            <a:schemeClr val="accent1"/>
+          </a:effectRef>
+          <a:fontRef idx="minor">
+            <a:schemeClr val="tx1"/>
+          </a:fontRef>
+        </p:style>
+      </p:cxnSp>
+      <p:cxnSp>
+        <p:nvCxnSpPr>
+          <p:cNvPr id="37" name="Connector: Curved 36">
+            <a:extLst>
+              <a:ext uri="{FF2B5EF4-FFF2-40B4-BE49-F238E27FC236}">
+                <a16:creationId xmlns:a16="http://schemas.microsoft.com/office/drawing/2014/main" id="{24188CAF-07C1-7354-3993-B4E36CF12E7F}"/>
+              </a:ext>
+            </a:extLst>
+          </p:cNvPr>
+          <p:cNvCxnSpPr/>
+          <p:nvPr/>
+        </p:nvCxnSpPr>
+        <p:spPr>
+          <a:xfrm>
+            <a:off x="10231100" y="2067706"/>
+            <a:ext cx="926891" cy="1451547"/>
+          </a:xfrm>
+          <a:prstGeom prst="curvedConnector3">
+            <a:avLst/>
+          </a:prstGeom>
+          <a:ln>
+            <a:solidFill>
+              <a:srgbClr val="FFC904"/>
+            </a:solidFill>
+            <a:tailEnd type="triangle"/>
+          </a:ln>
+        </p:spPr>
+        <p:style>
+          <a:lnRef idx="2">
+            <a:schemeClr val="accent1"/>
+          </a:lnRef>
+          <a:fillRef idx="0">
+            <a:schemeClr val="accent1"/>
+          </a:fillRef>
+          <a:effectRef idx="1">
+            <a:schemeClr val="accent1"/>
+          </a:effectRef>
+          <a:fontRef idx="minor">
+            <a:schemeClr val="tx1"/>
+          </a:fontRef>
+        </p:style>
+      </p:cxnSp>
+      <p:cxnSp>
+        <p:nvCxnSpPr>
+          <p:cNvPr id="38" name="Connector: Curved 37">
+            <a:extLst>
+              <a:ext uri="{FF2B5EF4-FFF2-40B4-BE49-F238E27FC236}">
+                <a16:creationId xmlns:a16="http://schemas.microsoft.com/office/drawing/2014/main" id="{77C996E9-D695-8E98-D199-02D09EC018B7}"/>
+              </a:ext>
+            </a:extLst>
+          </p:cNvPr>
+          <p:cNvCxnSpPr>
+            <a:cxnSpLocks/>
+          </p:cNvCxnSpPr>
+          <p:nvPr/>
+        </p:nvCxnSpPr>
+        <p:spPr>
+          <a:xfrm>
+            <a:off x="10231100" y="3079541"/>
+            <a:ext cx="926891" cy="452204"/>
+          </a:xfrm>
+          <a:prstGeom prst="curvedConnector3">
+            <a:avLst/>
+          </a:prstGeom>
+          <a:ln>
+            <a:solidFill>
+              <a:srgbClr val="FFC904"/>
+            </a:solidFill>
+            <a:tailEnd type="triangle"/>
+          </a:ln>
+        </p:spPr>
+        <p:style>
+          <a:lnRef idx="2">
+            <a:schemeClr val="accent1"/>
+          </a:lnRef>
+          <a:fillRef idx="0">
+            <a:schemeClr val="accent1"/>
+          </a:fillRef>
+          <a:effectRef idx="1">
+            <a:schemeClr val="accent1"/>
+          </a:effectRef>
+          <a:fontRef idx="minor">
+            <a:schemeClr val="tx1"/>
+          </a:fontRef>
+        </p:style>
+      </p:cxnSp>
+      <p:cxnSp>
+        <p:nvCxnSpPr>
+          <p:cNvPr id="39" name="Connector: Curved 38">
+            <a:extLst>
+              <a:ext uri="{FF2B5EF4-FFF2-40B4-BE49-F238E27FC236}">
+                <a16:creationId xmlns:a16="http://schemas.microsoft.com/office/drawing/2014/main" id="{45586F18-A292-CEC1-5356-D8A128C8FE42}"/>
+              </a:ext>
+            </a:extLst>
+          </p:cNvPr>
+          <p:cNvCxnSpPr>
+            <a:cxnSpLocks/>
+          </p:cNvCxnSpPr>
+          <p:nvPr/>
+        </p:nvCxnSpPr>
+        <p:spPr>
+          <a:xfrm flipV="1">
+            <a:off x="10243590" y="3544237"/>
+            <a:ext cx="926891" cy="472189"/>
+          </a:xfrm>
+          <a:prstGeom prst="curvedConnector3">
+            <a:avLst/>
+          </a:prstGeom>
+          <a:ln>
+            <a:solidFill>
+              <a:srgbClr val="FFC904"/>
+            </a:solidFill>
+            <a:tailEnd type="triangle"/>
+          </a:ln>
+        </p:spPr>
+        <p:style>
+          <a:lnRef idx="2">
+            <a:schemeClr val="accent1"/>
+          </a:lnRef>
+          <a:fillRef idx="0">
+            <a:schemeClr val="accent1"/>
+          </a:fillRef>
+          <a:effectRef idx="1">
+            <a:schemeClr val="accent1"/>
+          </a:effectRef>
+          <a:fontRef idx="minor">
+            <a:schemeClr val="tx1"/>
+          </a:fontRef>
+        </p:style>
+      </p:cxnSp>
+      <p:sp>
+        <p:nvSpPr>
+          <p:cNvPr id="41" name="TextBox 40">
+            <a:extLst>
+              <a:ext uri="{FF2B5EF4-FFF2-40B4-BE49-F238E27FC236}">
+                <a16:creationId xmlns:a16="http://schemas.microsoft.com/office/drawing/2014/main" id="{8175E6CA-1475-2BDE-7875-376B71E2D3E4}"/>
+              </a:ext>
+            </a:extLst>
+          </p:cNvPr>
+          <p:cNvSpPr txBox="1"/>
+          <p:nvPr/>
+        </p:nvSpPr>
+        <p:spPr>
+          <a:xfrm>
+            <a:off x="899261" y="4101292"/>
+            <a:ext cx="1006840" cy="461665"/>
+          </a:xfrm>
+          <a:prstGeom prst="rect">
+            <a:avLst/>
+          </a:prstGeom>
+          <a:noFill/>
+        </p:spPr>
+        <p:txBody>
+          <a:bodyPr rot="0" spcFirstLastPara="0" vertOverflow="overflow" horzOverflow="overflow" vert="horz" wrap="square" lIns="91440" tIns="45720" rIns="91440" bIns="45720" numCol="1" spcCol="0" rtlCol="0" fromWordArt="0" anchor="t" anchorCtr="0" forceAA="0" compatLnSpc="1">
+            <a:prstTxWarp prst="textNoShape">
+              <a:avLst/>
+            </a:prstTxWarp>
+            <a:spAutoFit/>
+          </a:bodyPr>
+          <a:lstStyle/>
+          <a:p>
+            <a:pPr algn="l"/>
+            <a:r>
+              <a:rPr lang="en-US" sz="2400" dirty="0">
+                <a:solidFill>
+                  <a:srgbClr val="FFC904"/>
+                </a:solidFill>
+              </a:rPr>
+              <a:t>USER</a:t>
+            </a:r>
+          </a:p>
+        </p:txBody>
+      </p:sp>
+      <p:sp>
+        <p:nvSpPr>
+          <p:cNvPr id="43" name="TextBox 42">
+            <a:extLst>
+              <a:ext uri="{FF2B5EF4-FFF2-40B4-BE49-F238E27FC236}">
+                <a16:creationId xmlns:a16="http://schemas.microsoft.com/office/drawing/2014/main" id="{664EA5FB-1DD3-AE9F-22C5-EB58C5E3D52A}"/>
+              </a:ext>
+            </a:extLst>
+          </p:cNvPr>
+          <p:cNvSpPr txBox="1"/>
+          <p:nvPr/>
+        </p:nvSpPr>
+        <p:spPr>
+          <a:xfrm>
+            <a:off x="10930178" y="4188733"/>
+            <a:ext cx="1119266" cy="338554"/>
+          </a:xfrm>
+          <a:prstGeom prst="rect">
+            <a:avLst/>
+          </a:prstGeom>
+          <a:noFill/>
+        </p:spPr>
+        <p:txBody>
+          <a:bodyPr rot="0" spcFirstLastPara="0" vertOverflow="overflow" horzOverflow="overflow" vert="horz" wrap="square" lIns="91440" tIns="45720" rIns="91440" bIns="45720" numCol="1" spcCol="0" rtlCol="0" fromWordArt="0" anchor="t" anchorCtr="0" forceAA="0" compatLnSpc="1">
+            <a:prstTxWarp prst="textNoShape">
+              <a:avLst/>
+            </a:prstTxWarp>
+            <a:spAutoFit/>
+          </a:bodyPr>
+          <a:lstStyle/>
+          <a:p>
+            <a:pPr algn="l"/>
+            <a:r>
+              <a:rPr lang="en-US" sz="1600" dirty="0">
+                <a:solidFill>
+                  <a:srgbClr val="FFC904"/>
+                </a:solidFill>
+              </a:rPr>
+              <a:t>DATABASE</a:t>
+            </a:r>
+            <a:endParaRPr lang="en-US" dirty="0"/>
+          </a:p>
+        </p:txBody>
+      </p:sp>
+      <p:sp>
+        <p:nvSpPr>
+          <p:cNvPr id="46" name="TextBox 45">
+            <a:extLst>
+              <a:ext uri="{FF2B5EF4-FFF2-40B4-BE49-F238E27FC236}">
+                <a16:creationId xmlns:a16="http://schemas.microsoft.com/office/drawing/2014/main" id="{218CA2F1-8985-AB63-7087-7F6E6842406B}"/>
+              </a:ext>
+            </a:extLst>
+          </p:cNvPr>
+          <p:cNvSpPr txBox="1"/>
+          <p:nvPr/>
+        </p:nvSpPr>
+        <p:spPr>
+          <a:xfrm>
+            <a:off x="6031475" y="3081194"/>
+            <a:ext cx="873958" cy="276999"/>
+          </a:xfrm>
+          <a:prstGeom prst="rect">
+            <a:avLst/>
+          </a:prstGeom>
+          <a:noFill/>
+        </p:spPr>
+        <p:txBody>
+          <a:bodyPr rot="0" spcFirstLastPara="0" vertOverflow="overflow" horzOverflow="overflow" vert="horz" wrap="square" lIns="91440" tIns="45720" rIns="91440" bIns="45720" numCol="1" spcCol="0" rtlCol="0" fromWordArt="0" anchor="t" anchorCtr="0" forceAA="0" compatLnSpc="1">
+            <a:prstTxWarp prst="textNoShape">
+              <a:avLst/>
+            </a:prstTxWarp>
+            <a:spAutoFit/>
+          </a:bodyPr>
+          <a:lstStyle/>
+          <a:p>
+            <a:pPr algn="l"/>
+            <a:r>
+              <a:rPr lang="en-US" sz="1200" dirty="0">
+                <a:solidFill>
+                  <a:srgbClr val="FFC904"/>
+                </a:solidFill>
+              </a:rPr>
+              <a:t>&lt;extends&gt;</a:t>
+            </a:r>
+            <a:endParaRPr lang="en-US" dirty="0"/>
+          </a:p>
+        </p:txBody>
+      </p:sp>
+      <p:sp>
+        <p:nvSpPr>
+          <p:cNvPr id="9" name="TextBox 8">
+            <a:extLst>
+              <a:ext uri="{FF2B5EF4-FFF2-40B4-BE49-F238E27FC236}">
+                <a16:creationId xmlns:a16="http://schemas.microsoft.com/office/drawing/2014/main" id="{0ECFD32A-E771-D3D2-E6F6-A63ECA2110FC}"/>
+              </a:ext>
+            </a:extLst>
+          </p:cNvPr>
+          <p:cNvSpPr txBox="1"/>
+          <p:nvPr/>
+        </p:nvSpPr>
+        <p:spPr>
+          <a:xfrm>
+            <a:off x="5150721" y="2150959"/>
+            <a:ext cx="873958" cy="276999"/>
+          </a:xfrm>
+          <a:prstGeom prst="rect">
+            <a:avLst/>
+          </a:prstGeom>
+          <a:solidFill>
+            <a:schemeClr val="tx1"/>
+          </a:solidFill>
+        </p:spPr>
+        <p:txBody>
+          <a:bodyPr rot="0" spcFirstLastPara="0" vertOverflow="overflow" horzOverflow="overflow" vert="horz" wrap="square" lIns="91440" tIns="45720" rIns="91440" bIns="45720" numCol="1" spcCol="0" rtlCol="0" fromWordArt="0" anchor="t" anchorCtr="0" forceAA="0" compatLnSpc="1">
+            <a:prstTxWarp prst="textNoShape">
+              <a:avLst/>
+            </a:prstTxWarp>
+            <a:spAutoFit/>
+          </a:bodyPr>
+          <a:lstStyle/>
+          <a:p>
+            <a:pPr algn="l"/>
+            <a:r>
+              <a:rPr lang="en-US" sz="1200" dirty="0">
+                <a:solidFill>
+                  <a:srgbClr val="FFC904"/>
+                </a:solidFill>
+              </a:rPr>
+              <a:t>&lt;extends&gt;</a:t>
+            </a:r>
+            <a:endParaRPr lang="en-US" dirty="0"/>
+          </a:p>
+        </p:txBody>
+      </p:sp>
+      <p:sp>
+        <p:nvSpPr>
+          <p:cNvPr id="10" name="TextBox 9">
+            <a:extLst>
+              <a:ext uri="{FF2B5EF4-FFF2-40B4-BE49-F238E27FC236}">
+                <a16:creationId xmlns:a16="http://schemas.microsoft.com/office/drawing/2014/main" id="{E5237A9D-E904-2D03-8779-38EBEC4A1FC8}"/>
+              </a:ext>
+            </a:extLst>
+          </p:cNvPr>
+          <p:cNvSpPr txBox="1"/>
+          <p:nvPr/>
+        </p:nvSpPr>
+        <p:spPr>
+          <a:xfrm>
+            <a:off x="4279863" y="3674959"/>
+            <a:ext cx="864063" cy="253916"/>
+          </a:xfrm>
+          <a:prstGeom prst="rect">
+            <a:avLst/>
+          </a:prstGeom>
+          <a:solidFill>
+            <a:schemeClr val="tx1"/>
+          </a:solidFill>
+        </p:spPr>
+        <p:txBody>
+          <a:bodyPr rot="0" spcFirstLastPara="0" vertOverflow="overflow" horzOverflow="overflow" vert="horz" wrap="square" lIns="91440" tIns="45720" rIns="91440" bIns="45720" numCol="1" spcCol="0" rtlCol="0" fromWordArt="0" anchor="t" anchorCtr="0" forceAA="0" compatLnSpc="1">
+            <a:prstTxWarp prst="textNoShape">
+              <a:avLst/>
+            </a:prstTxWarp>
+            <a:spAutoFit/>
+          </a:bodyPr>
+          <a:lstStyle/>
+          <a:p>
+            <a:pPr algn="l"/>
+            <a:r>
+              <a:rPr lang="en-US" sz="1050" dirty="0">
+                <a:solidFill>
+                  <a:srgbClr val="FFC904"/>
+                </a:solidFill>
+              </a:rPr>
+              <a:t>&lt;includes&gt;</a:t>
+            </a:r>
+            <a:endParaRPr lang="en-US" sz="1400" dirty="0"/>
+          </a:p>
+        </p:txBody>
+      </p:sp>
+      <p:sp>
+        <p:nvSpPr>
+          <p:cNvPr id="14" name="TextBox 13">
+            <a:extLst>
+              <a:ext uri="{FF2B5EF4-FFF2-40B4-BE49-F238E27FC236}">
+                <a16:creationId xmlns:a16="http://schemas.microsoft.com/office/drawing/2014/main" id="{5F2CEB51-8D65-BAE2-0953-5DF3CC932A63}"/>
+              </a:ext>
+            </a:extLst>
+          </p:cNvPr>
+          <p:cNvSpPr txBox="1"/>
+          <p:nvPr/>
+        </p:nvSpPr>
+        <p:spPr>
+          <a:xfrm>
+            <a:off x="4289758" y="2606178"/>
+            <a:ext cx="864063" cy="253916"/>
+          </a:xfrm>
+          <a:prstGeom prst="rect">
+            <a:avLst/>
+          </a:prstGeom>
+          <a:solidFill>
+            <a:schemeClr val="tx1"/>
+          </a:solidFill>
+        </p:spPr>
+        <p:txBody>
+          <a:bodyPr rot="0" spcFirstLastPara="0" vertOverflow="overflow" horzOverflow="overflow" vert="horz" wrap="square" lIns="91440" tIns="45720" rIns="91440" bIns="45720" numCol="1" spcCol="0" rtlCol="0" fromWordArt="0" anchor="t" anchorCtr="0" forceAA="0" compatLnSpc="1">
+            <a:prstTxWarp prst="textNoShape">
+              <a:avLst/>
+            </a:prstTxWarp>
+            <a:spAutoFit/>
+          </a:bodyPr>
+          <a:lstStyle/>
+          <a:p>
+            <a:pPr algn="l"/>
+            <a:r>
+              <a:rPr lang="en-US" sz="1050" dirty="0">
+                <a:solidFill>
+                  <a:srgbClr val="FFC904"/>
+                </a:solidFill>
+              </a:rPr>
+              <a:t>&lt;includes&gt;</a:t>
+            </a:r>
+            <a:endParaRPr lang="en-US" sz="1400" dirty="0"/>
+          </a:p>
+        </p:txBody>
+      </p:sp>
     </p:spTree>
     <p:extLst>
       <p:ext uri="{BB962C8B-B14F-4D97-AF65-F5344CB8AC3E}">

--- a/Presentation 4.pptx
+++ b/Presentation 4.pptx
@@ -13,6 +13,10 @@
     <p:sldId id="261" r:id="rId7"/>
     <p:sldId id="263" r:id="rId8"/>
     <p:sldId id="264" r:id="rId9"/>
+    <p:sldId id="265" r:id="rId10"/>
+    <p:sldId id="266" r:id="rId11"/>
+    <p:sldId id="267" r:id="rId12"/>
+    <p:sldId id="268" r:id="rId13"/>
   </p:sldIdLst>
   <p:sldSz cx="12192000" cy="6858000"/>
   <p:notesSz cx="6858000" cy="9144000"/>
@@ -125,7 +129,7 @@
     <p1510:client id="{17F6FB10-D19F-F82F-111F-7BA79CDA3245}" v="502" dt="2024-09-14T23:05:51.466"/>
     <p1510:client id="{253BC969-2E91-ADCF-79F0-CE67B77A9BB5}" v="444" dt="2024-09-14T22:16:05.224"/>
     <p1510:client id="{39C82706-E5D6-845F-2659-19DAC6550CF0}" v="1443" dt="2024-09-14T21:42:15.518"/>
-    <p1510:client id="{E815CD74-E08A-2120-567E-BFD8C86BCC8E}" v="81" dt="2024-09-14T23:10:31.357"/>
+    <p1510:client id="{E815CD74-E08A-2120-567E-BFD8C86BCC8E}" v="713" dt="2024-09-14T23:39:45.509"/>
     <p1510:client id="{E9594A5A-FC3E-A1BD-995F-F1B5D5AB0988}" v="277" dt="2024-09-14T21:05:32.600"/>
   </p1510:revLst>
 </p1510:revInfo>
@@ -3155,6 +3159,480 @@
 </p:sld>
 </file>
 
+<file path=ppt/slides/slide10.xml><?xml version="1.0" encoding="utf-8"?>
+<p:sld xmlns:a="http://schemas.openxmlformats.org/drawingml/2006/main" xmlns:r="http://schemas.openxmlformats.org/officeDocument/2006/relationships" xmlns:p="http://schemas.openxmlformats.org/presentationml/2006/main">
+  <p:cSld>
+    <p:bg>
+      <p:bgPr>
+        <a:blipFill>
+          <a:blip r:embed="rId2"/>
+          <a:stretch>
+            <a:fillRect/>
+          </a:stretch>
+        </a:blipFill>
+        <a:effectLst/>
+      </p:bgPr>
+    </p:bg>
+    <p:spTree>
+      <p:nvGrpSpPr>
+        <p:cNvPr id="1" name=""/>
+        <p:cNvGrpSpPr/>
+        <p:nvPr/>
+      </p:nvGrpSpPr>
+      <p:grpSpPr>
+        <a:xfrm>
+          <a:off x="0" y="0"/>
+          <a:ext cx="0" cy="0"/>
+          <a:chOff x="0" y="0"/>
+          <a:chExt cx="0" cy="0"/>
+        </a:xfrm>
+      </p:grpSpPr>
+      <p:sp>
+        <p:nvSpPr>
+          <p:cNvPr id="59" name="TextBox 58">
+            <a:extLst>
+              <a:ext uri="{FF2B5EF4-FFF2-40B4-BE49-F238E27FC236}">
+                <a16:creationId xmlns:a16="http://schemas.microsoft.com/office/drawing/2014/main" id="{58760EAD-49A4-C5A5-D613-E645E6A51307}"/>
+              </a:ext>
+            </a:extLst>
+          </p:cNvPr>
+          <p:cNvSpPr txBox="1"/>
+          <p:nvPr/>
+        </p:nvSpPr>
+        <p:spPr>
+          <a:xfrm>
+            <a:off x="2931783" y="1176667"/>
+            <a:ext cx="6958313" cy="1938992"/>
+          </a:xfrm>
+          <a:prstGeom prst="rect">
+            <a:avLst/>
+          </a:prstGeom>
+          <a:noFill/>
+        </p:spPr>
+        <p:txBody>
+          <a:bodyPr rot="0" spcFirstLastPara="0" vertOverflow="overflow" horzOverflow="overflow" vert="horz" wrap="square" lIns="91440" tIns="45720" rIns="91440" bIns="45720" numCol="1" spcCol="0" rtlCol="0" fromWordArt="0" anchor="t" anchorCtr="0" forceAA="0" compatLnSpc="1">
+            <a:prstTxWarp prst="textNoShape">
+              <a:avLst/>
+            </a:prstTxWarp>
+            <a:spAutoFit/>
+          </a:bodyPr>
+          <a:lstStyle/>
+          <a:p>
+            <a:r>
+              <a:rPr lang="en-US" sz="6000" b="1" dirty="0">
+                <a:solidFill>
+                  <a:srgbClr val="FFC904"/>
+                </a:solidFill>
+                <a:latin typeface="Aharoni"/>
+                <a:cs typeface="Aharoni"/>
+              </a:rPr>
+              <a:t>API DEMONSTRATION</a:t>
+            </a:r>
+            <a:endParaRPr lang="en-US" sz="6000" dirty="0"/>
+          </a:p>
+        </p:txBody>
+      </p:sp>
+      <p:cxnSp>
+        <p:nvCxnSpPr>
+          <p:cNvPr id="60" name="Straight Arrow Connector 59">
+            <a:extLst>
+              <a:ext uri="{FF2B5EF4-FFF2-40B4-BE49-F238E27FC236}">
+                <a16:creationId xmlns:a16="http://schemas.microsoft.com/office/drawing/2014/main" id="{2A5E8EC0-B832-3C5D-DF69-675A247186A0}"/>
+              </a:ext>
+            </a:extLst>
+          </p:cNvPr>
+          <p:cNvCxnSpPr/>
+          <p:nvPr/>
+        </p:nvCxnSpPr>
+        <p:spPr>
+          <a:xfrm flipV="1">
+            <a:off x="-3859" y="2101767"/>
+            <a:ext cx="2939969" cy="1930"/>
+          </a:xfrm>
+          <a:prstGeom prst="straightConnector1">
+            <a:avLst/>
+          </a:prstGeom>
+          <a:ln>
+            <a:solidFill>
+              <a:srgbClr val="FFC904"/>
+            </a:solidFill>
+          </a:ln>
+        </p:spPr>
+        <p:style>
+          <a:lnRef idx="3">
+            <a:schemeClr val="dk1"/>
+          </a:lnRef>
+          <a:fillRef idx="0">
+            <a:schemeClr val="dk1"/>
+          </a:fillRef>
+          <a:effectRef idx="2">
+            <a:schemeClr val="dk1"/>
+          </a:effectRef>
+          <a:fontRef idx="minor">
+            <a:schemeClr val="tx1"/>
+          </a:fontRef>
+        </p:style>
+      </p:cxnSp>
+      <p:sp>
+        <p:nvSpPr>
+          <p:cNvPr id="2" name="TextBox 1">
+            <a:extLst>
+              <a:ext uri="{FF2B5EF4-FFF2-40B4-BE49-F238E27FC236}">
+                <a16:creationId xmlns:a16="http://schemas.microsoft.com/office/drawing/2014/main" id="{8A9F1264-45A2-B002-DA60-756BEAAE553A}"/>
+              </a:ext>
+            </a:extLst>
+          </p:cNvPr>
+          <p:cNvSpPr txBox="1"/>
+          <p:nvPr/>
+        </p:nvSpPr>
+        <p:spPr>
+          <a:xfrm>
+            <a:off x="5424364" y="4520213"/>
+            <a:ext cx="1334946" cy="523220"/>
+          </a:xfrm>
+          <a:prstGeom prst="rect">
+            <a:avLst/>
+          </a:prstGeom>
+          <a:noFill/>
+        </p:spPr>
+        <p:txBody>
+          <a:bodyPr rot="0" spcFirstLastPara="0" vertOverflow="overflow" horzOverflow="overflow" vert="horz" wrap="square" lIns="91440" tIns="45720" rIns="91440" bIns="45720" numCol="1" spcCol="0" rtlCol="0" fromWordArt="0" anchor="t" anchorCtr="0" forceAA="0" compatLnSpc="1">
+            <a:prstTxWarp prst="textNoShape">
+              <a:avLst/>
+            </a:prstTxWarp>
+            <a:spAutoFit/>
+          </a:bodyPr>
+          <a:lstStyle/>
+          <a:p>
+            <a:pPr algn="l"/>
+            <a:r>
+              <a:rPr lang="en-US" sz="2800" dirty="0">
+                <a:solidFill>
+                  <a:srgbClr val="FFC904"/>
+                </a:solidFill>
+                <a:latin typeface="Georgia Pro"/>
+              </a:rPr>
+              <a:t>DEMO</a:t>
+            </a:r>
+          </a:p>
+        </p:txBody>
+      </p:sp>
+    </p:spTree>
+    <p:extLst>
+      <p:ext uri="{BB962C8B-B14F-4D97-AF65-F5344CB8AC3E}">
+        <p14:creationId xmlns:p14="http://schemas.microsoft.com/office/powerpoint/2010/main" val="4283652518"/>
+      </p:ext>
+    </p:extLst>
+  </p:cSld>
+  <p:clrMapOvr>
+    <a:masterClrMapping/>
+  </p:clrMapOvr>
+</p:sld>
+</file>
+
+<file path=ppt/slides/slide11.xml><?xml version="1.0" encoding="utf-8"?>
+<p:sld xmlns:a="http://schemas.openxmlformats.org/drawingml/2006/main" xmlns:r="http://schemas.openxmlformats.org/officeDocument/2006/relationships" xmlns:p="http://schemas.openxmlformats.org/presentationml/2006/main">
+  <p:cSld>
+    <p:bg>
+      <p:bgPr>
+        <a:blipFill>
+          <a:blip r:embed="rId2"/>
+          <a:stretch>
+            <a:fillRect/>
+          </a:stretch>
+        </a:blipFill>
+        <a:effectLst/>
+      </p:bgPr>
+    </p:bg>
+    <p:spTree>
+      <p:nvGrpSpPr>
+        <p:cNvPr id="1" name=""/>
+        <p:cNvGrpSpPr/>
+        <p:nvPr/>
+      </p:nvGrpSpPr>
+      <p:grpSpPr>
+        <a:xfrm>
+          <a:off x="0" y="0"/>
+          <a:ext cx="0" cy="0"/>
+          <a:chOff x="0" y="0"/>
+          <a:chExt cx="0" cy="0"/>
+        </a:xfrm>
+      </p:grpSpPr>
+      <p:sp>
+        <p:nvSpPr>
+          <p:cNvPr id="59" name="TextBox 58">
+            <a:extLst>
+              <a:ext uri="{FF2B5EF4-FFF2-40B4-BE49-F238E27FC236}">
+                <a16:creationId xmlns:a16="http://schemas.microsoft.com/office/drawing/2014/main" id="{58760EAD-49A4-C5A5-D613-E645E6A51307}"/>
+              </a:ext>
+            </a:extLst>
+          </p:cNvPr>
+          <p:cNvSpPr txBox="1"/>
+          <p:nvPr/>
+        </p:nvSpPr>
+        <p:spPr>
+          <a:xfrm>
+            <a:off x="2931783" y="1176667"/>
+            <a:ext cx="6958313" cy="1938992"/>
+          </a:xfrm>
+          <a:prstGeom prst="rect">
+            <a:avLst/>
+          </a:prstGeom>
+          <a:noFill/>
+        </p:spPr>
+        <p:txBody>
+          <a:bodyPr rot="0" spcFirstLastPara="0" vertOverflow="overflow" horzOverflow="overflow" vert="horz" wrap="square" lIns="91440" tIns="45720" rIns="91440" bIns="45720" numCol="1" spcCol="0" rtlCol="0" fromWordArt="0" anchor="t" anchorCtr="0" forceAA="0" compatLnSpc="1">
+            <a:prstTxWarp prst="textNoShape">
+              <a:avLst/>
+            </a:prstTxWarp>
+            <a:spAutoFit/>
+          </a:bodyPr>
+          <a:lstStyle/>
+          <a:p>
+            <a:r>
+              <a:rPr lang="en-US" sz="6000" b="1" dirty="0">
+                <a:solidFill>
+                  <a:srgbClr val="FFC904"/>
+                </a:solidFill>
+                <a:latin typeface="Aharoni"/>
+                <a:cs typeface="Aharoni"/>
+              </a:rPr>
+              <a:t>APP DEMONSTRATION</a:t>
+            </a:r>
+          </a:p>
+        </p:txBody>
+      </p:sp>
+      <p:cxnSp>
+        <p:nvCxnSpPr>
+          <p:cNvPr id="60" name="Straight Arrow Connector 59">
+            <a:extLst>
+              <a:ext uri="{FF2B5EF4-FFF2-40B4-BE49-F238E27FC236}">
+                <a16:creationId xmlns:a16="http://schemas.microsoft.com/office/drawing/2014/main" id="{2A5E8EC0-B832-3C5D-DF69-675A247186A0}"/>
+              </a:ext>
+            </a:extLst>
+          </p:cNvPr>
+          <p:cNvCxnSpPr/>
+          <p:nvPr/>
+        </p:nvCxnSpPr>
+        <p:spPr>
+          <a:xfrm>
+            <a:off x="10001101" y="2083905"/>
+            <a:ext cx="2187866" cy="7966"/>
+          </a:xfrm>
+          <a:prstGeom prst="straightConnector1">
+            <a:avLst/>
+          </a:prstGeom>
+          <a:ln>
+            <a:solidFill>
+              <a:srgbClr val="FFC904"/>
+            </a:solidFill>
+          </a:ln>
+        </p:spPr>
+        <p:style>
+          <a:lnRef idx="3">
+            <a:schemeClr val="dk1"/>
+          </a:lnRef>
+          <a:fillRef idx="0">
+            <a:schemeClr val="dk1"/>
+          </a:fillRef>
+          <a:effectRef idx="2">
+            <a:schemeClr val="dk1"/>
+          </a:effectRef>
+          <a:fontRef idx="minor">
+            <a:schemeClr val="tx1"/>
+          </a:fontRef>
+        </p:style>
+      </p:cxnSp>
+      <p:sp>
+        <p:nvSpPr>
+          <p:cNvPr id="2" name="TextBox 1">
+            <a:extLst>
+              <a:ext uri="{FF2B5EF4-FFF2-40B4-BE49-F238E27FC236}">
+                <a16:creationId xmlns:a16="http://schemas.microsoft.com/office/drawing/2014/main" id="{8A9F1264-45A2-B002-DA60-756BEAAE553A}"/>
+              </a:ext>
+            </a:extLst>
+          </p:cNvPr>
+          <p:cNvSpPr txBox="1"/>
+          <p:nvPr/>
+        </p:nvSpPr>
+        <p:spPr>
+          <a:xfrm>
+            <a:off x="5424364" y="4520213"/>
+            <a:ext cx="1334946" cy="523220"/>
+          </a:xfrm>
+          <a:prstGeom prst="rect">
+            <a:avLst/>
+          </a:prstGeom>
+          <a:noFill/>
+        </p:spPr>
+        <p:txBody>
+          <a:bodyPr rot="0" spcFirstLastPara="0" vertOverflow="overflow" horzOverflow="overflow" vert="horz" wrap="square" lIns="91440" tIns="45720" rIns="91440" bIns="45720" numCol="1" spcCol="0" rtlCol="0" fromWordArt="0" anchor="t" anchorCtr="0" forceAA="0" compatLnSpc="1">
+            <a:prstTxWarp prst="textNoShape">
+              <a:avLst/>
+            </a:prstTxWarp>
+            <a:spAutoFit/>
+          </a:bodyPr>
+          <a:lstStyle/>
+          <a:p>
+            <a:pPr algn="l"/>
+            <a:r>
+              <a:rPr lang="en-US" sz="2800" dirty="0">
+                <a:solidFill>
+                  <a:srgbClr val="FFC904"/>
+                </a:solidFill>
+                <a:latin typeface="Georgia Pro"/>
+                <a:hlinkClick r:id="rId3"/>
+              </a:rPr>
+              <a:t>DEMO</a:t>
+            </a:r>
+            <a:endParaRPr lang="en-US" sz="2800" dirty="0">
+              <a:solidFill>
+                <a:srgbClr val="FFC904"/>
+              </a:solidFill>
+              <a:latin typeface="Georgia Pro"/>
+            </a:endParaRPr>
+          </a:p>
+        </p:txBody>
+      </p:sp>
+    </p:spTree>
+    <p:extLst>
+      <p:ext uri="{BB962C8B-B14F-4D97-AF65-F5344CB8AC3E}">
+        <p14:creationId xmlns:p14="http://schemas.microsoft.com/office/powerpoint/2010/main" val="2940625803"/>
+      </p:ext>
+    </p:extLst>
+  </p:cSld>
+  <p:clrMapOvr>
+    <a:masterClrMapping/>
+  </p:clrMapOvr>
+</p:sld>
+</file>
+
+<file path=ppt/slides/slide12.xml><?xml version="1.0" encoding="utf-8"?>
+<p:sld xmlns:a="http://schemas.openxmlformats.org/drawingml/2006/main" xmlns:r="http://schemas.openxmlformats.org/officeDocument/2006/relationships" xmlns:p="http://schemas.openxmlformats.org/presentationml/2006/main">
+  <p:cSld>
+    <p:bg>
+      <p:bgPr>
+        <a:blipFill>
+          <a:blip r:embed="rId2"/>
+          <a:stretch>
+            <a:fillRect/>
+          </a:stretch>
+        </a:blipFill>
+        <a:effectLst/>
+      </p:bgPr>
+    </p:bg>
+    <p:spTree>
+      <p:nvGrpSpPr>
+        <p:cNvPr id="1" name=""/>
+        <p:cNvGrpSpPr/>
+        <p:nvPr/>
+      </p:nvGrpSpPr>
+      <p:grpSpPr>
+        <a:xfrm>
+          <a:off x="0" y="0"/>
+          <a:ext cx="0" cy="0"/>
+          <a:chOff x="0" y="0"/>
+          <a:chExt cx="0" cy="0"/>
+        </a:xfrm>
+      </p:grpSpPr>
+      <p:sp>
+        <p:nvSpPr>
+          <p:cNvPr id="59" name="TextBox 58">
+            <a:extLst>
+              <a:ext uri="{FF2B5EF4-FFF2-40B4-BE49-F238E27FC236}">
+                <a16:creationId xmlns:a16="http://schemas.microsoft.com/office/drawing/2014/main" id="{58760EAD-49A4-C5A5-D613-E645E6A51307}"/>
+              </a:ext>
+            </a:extLst>
+          </p:cNvPr>
+          <p:cNvSpPr txBox="1"/>
+          <p:nvPr/>
+        </p:nvSpPr>
+        <p:spPr>
+          <a:xfrm>
+            <a:off x="3812536" y="2918381"/>
+            <a:ext cx="6958313" cy="1107996"/>
+          </a:xfrm>
+          <a:prstGeom prst="rect">
+            <a:avLst/>
+          </a:prstGeom>
+          <a:noFill/>
+        </p:spPr>
+        <p:txBody>
+          <a:bodyPr rot="0" spcFirstLastPara="0" vertOverflow="overflow" horzOverflow="overflow" vert="horz" wrap="square" lIns="91440" tIns="45720" rIns="91440" bIns="45720" numCol="1" spcCol="0" rtlCol="0" fromWordArt="0" anchor="t" anchorCtr="0" forceAA="0" compatLnSpc="1">
+            <a:prstTxWarp prst="textNoShape">
+              <a:avLst/>
+            </a:prstTxWarp>
+            <a:spAutoFit/>
+          </a:bodyPr>
+          <a:lstStyle/>
+          <a:p>
+            <a:r>
+              <a:rPr lang="en-US" sz="6600" b="1" dirty="0">
+                <a:solidFill>
+                  <a:srgbClr val="FFC904"/>
+                </a:solidFill>
+                <a:latin typeface="Aharoni"/>
+                <a:cs typeface="Aharoni"/>
+              </a:rPr>
+              <a:t>QUESTIONS?</a:t>
+            </a:r>
+          </a:p>
+        </p:txBody>
+      </p:sp>
+      <p:cxnSp>
+        <p:nvCxnSpPr>
+          <p:cNvPr id="60" name="Straight Arrow Connector 59">
+            <a:extLst>
+              <a:ext uri="{FF2B5EF4-FFF2-40B4-BE49-F238E27FC236}">
+                <a16:creationId xmlns:a16="http://schemas.microsoft.com/office/drawing/2014/main" id="{2A5E8EC0-B832-3C5D-DF69-675A247186A0}"/>
+              </a:ext>
+            </a:extLst>
+          </p:cNvPr>
+          <p:cNvCxnSpPr/>
+          <p:nvPr/>
+        </p:nvCxnSpPr>
+        <p:spPr>
+          <a:xfrm flipV="1">
+            <a:off x="4558243" y="4080988"/>
+            <a:ext cx="3622801" cy="21722"/>
+          </a:xfrm>
+          <a:prstGeom prst="straightConnector1">
+            <a:avLst/>
+          </a:prstGeom>
+          <a:ln>
+            <a:solidFill>
+              <a:srgbClr val="FFC904"/>
+            </a:solidFill>
+          </a:ln>
+        </p:spPr>
+        <p:style>
+          <a:lnRef idx="3">
+            <a:schemeClr val="dk1"/>
+          </a:lnRef>
+          <a:fillRef idx="0">
+            <a:schemeClr val="dk1"/>
+          </a:fillRef>
+          <a:effectRef idx="2">
+            <a:schemeClr val="dk1"/>
+          </a:effectRef>
+          <a:fontRef idx="minor">
+            <a:schemeClr val="tx1"/>
+          </a:fontRef>
+        </p:style>
+      </p:cxnSp>
+    </p:spTree>
+    <p:extLst>
+      <p:ext uri="{BB962C8B-B14F-4D97-AF65-F5344CB8AC3E}">
+        <p14:creationId xmlns:p14="http://schemas.microsoft.com/office/powerpoint/2010/main" val="2735135956"/>
+      </p:ext>
+    </p:extLst>
+  </p:cSld>
+  <p:clrMapOvr>
+    <a:masterClrMapping/>
+  </p:clrMapOvr>
+</p:sld>
+</file>
+
 <file path=ppt/slides/slide2.xml><?xml version="1.0" encoding="utf-8"?>
 <p:sld xmlns:a="http://schemas.openxmlformats.org/drawingml/2006/main" xmlns:r="http://schemas.openxmlformats.org/officeDocument/2006/relationships" xmlns:p="http://schemas.openxmlformats.org/presentationml/2006/main">
   <p:cSld>
@@ -3305,6 +3783,7 @@
                 <a:solidFill>
                   <a:srgbClr val="FFC904"/>
                 </a:solidFill>
+                <a:latin typeface="Georgia Pro"/>
               </a:rPr>
               <a:t>Joshua Chappelle</a:t>
             </a:r>
@@ -3375,7 +3854,7 @@
         <p:spPr>
           <a:xfrm>
             <a:off x="8157429" y="2214312"/>
-            <a:ext cx="1888274" cy="523220"/>
+            <a:ext cx="2046611" cy="523220"/>
           </a:xfrm>
           <a:prstGeom prst="rect">
             <a:avLst/>
@@ -3396,6 +3875,7 @@
                 <a:solidFill>
                   <a:srgbClr val="FFC904"/>
                 </a:solidFill>
+                <a:latin typeface="Georgia Pro"/>
               </a:rPr>
               <a:t>Ishan Patel</a:t>
             </a:r>
@@ -3476,8 +3956,8 @@
         </p:nvSpPr>
         <p:spPr>
           <a:xfrm>
-            <a:off x="3671508" y="3749747"/>
-            <a:ext cx="2464419" cy="523220"/>
+            <a:off x="3671508" y="3809123"/>
+            <a:ext cx="2573276" cy="523220"/>
           </a:xfrm>
           <a:prstGeom prst="rect">
             <a:avLst/>
@@ -3498,6 +3978,7 @@
                 <a:solidFill>
                   <a:srgbClr val="FFC904"/>
                 </a:solidFill>
+                <a:latin typeface="Georgia Pro"/>
               </a:rPr>
               <a:t>Alvin Abraham</a:t>
             </a:r>
@@ -3583,6 +4064,7 @@
                 <a:solidFill>
                   <a:srgbClr val="FFC904"/>
                 </a:solidFill>
+                <a:latin typeface="Georgia Pro"/>
               </a:rPr>
               <a:t>Alexander </a:t>
             </a:r>
@@ -3591,13 +4073,15 @@
                 <a:solidFill>
                   <a:srgbClr val="FFC904"/>
                 </a:solidFill>
+                <a:latin typeface="Georgia Pro"/>
               </a:rPr>
               <a:t>Lokhanov</a:t>
             </a:r>
-            <a:endParaRPr lang="en-US" sz="2800" dirty="0">
+            <a:endParaRPr lang="en-US" sz="2800">
               <a:solidFill>
                 <a:srgbClr val="FFC904"/>
               </a:solidFill>
+              <a:latin typeface="Georgia Pro"/>
             </a:endParaRPr>
           </a:p>
         </p:txBody>
@@ -3681,6 +4165,7 @@
                 <a:solidFill>
                   <a:srgbClr val="FFC904"/>
                 </a:solidFill>
+                <a:latin typeface="Georgia Pro"/>
               </a:rPr>
               <a:t>Christian Gomez</a:t>
             </a:r>
@@ -3743,8 +4228,8 @@
         </p:nvSpPr>
         <p:spPr>
           <a:xfrm>
-            <a:off x="7736308" y="5325906"/>
-            <a:ext cx="2743200" cy="523220"/>
+            <a:off x="7736308" y="5266530"/>
+            <a:ext cx="2871848" cy="523220"/>
           </a:xfrm>
           <a:prstGeom prst="rect">
             <a:avLst/>
@@ -3765,6 +4250,7 @@
                 <a:solidFill>
                   <a:srgbClr val="FFC904"/>
                 </a:solidFill>
+                <a:latin typeface="Georgia Pro"/>
               </a:rPr>
               <a:t>Brandon Stewart</a:t>
             </a:r>
@@ -3989,10 +4475,13 @@
                 <a:solidFill>
                   <a:srgbClr val="FFC904"/>
                 </a:solidFill>
+                <a:latin typeface="Georgia Pro"/>
               </a:rPr>
               <a:t>Organization</a:t>
             </a:r>
-            <a:endParaRPr lang="en-US" sz="3200"/>
+            <a:endParaRPr lang="en-US" sz="3200">
+              <a:latin typeface="Georgia Pro"/>
+            </a:endParaRPr>
           </a:p>
           <a:p>
             <a:endParaRPr lang="en-US" dirty="0">
@@ -4093,6 +4582,7 @@
                 <a:solidFill>
                   <a:srgbClr val="FFC904"/>
                 </a:solidFill>
+                <a:latin typeface="Georgia Pro"/>
               </a:rPr>
               <a:t>Communication</a:t>
             </a:r>
@@ -4316,6 +4806,7 @@
                 <a:solidFill>
                   <a:srgbClr val="FFC904"/>
                 </a:solidFill>
+                <a:latin typeface="Georgia Pro"/>
               </a:rPr>
               <a:t>LAMP stack</a:t>
             </a:r>
@@ -4404,7 +4895,7 @@
         </p:blipFill>
         <p:spPr>
           <a:xfrm>
-            <a:off x="7152968" y="4558122"/>
+            <a:off x="7152968" y="4271135"/>
             <a:ext cx="2384323" cy="1183046"/>
           </a:xfrm>
           <a:prstGeom prst="rect">
@@ -4764,7 +5255,7 @@
         </p:blipFill>
         <p:spPr>
           <a:xfrm>
-            <a:off x="2003613" y="1238612"/>
+            <a:off x="350964" y="1248508"/>
             <a:ext cx="8181975" cy="5090318"/>
           </a:xfrm>
           <a:prstGeom prst="rect">
@@ -4897,6 +5388,481 @@
           </a:fontRef>
         </p:style>
       </p:cxnSp>
+      <p:sp>
+        <p:nvSpPr>
+          <p:cNvPr id="10" name="TextBox 9">
+            <a:extLst>
+              <a:ext uri="{FF2B5EF4-FFF2-40B4-BE49-F238E27FC236}">
+                <a16:creationId xmlns:a16="http://schemas.microsoft.com/office/drawing/2014/main" id="{4570082A-016A-9033-8565-6950204CF088}"/>
+              </a:ext>
+            </a:extLst>
+          </p:cNvPr>
+          <p:cNvSpPr txBox="1"/>
+          <p:nvPr/>
+        </p:nvSpPr>
+        <p:spPr>
+          <a:xfrm>
+            <a:off x="9801119" y="1346867"/>
+            <a:ext cx="1110343" cy="1200329"/>
+          </a:xfrm>
+          <a:prstGeom prst="rect">
+            <a:avLst/>
+          </a:prstGeom>
+          <a:noFill/>
+        </p:spPr>
+        <p:txBody>
+          <a:bodyPr rot="0" spcFirstLastPara="0" vertOverflow="overflow" horzOverflow="overflow" vert="horz" wrap="square" lIns="91440" tIns="45720" rIns="91440" bIns="45720" numCol="1" spcCol="0" rtlCol="0" fromWordArt="0" anchor="t" anchorCtr="0" forceAA="0" compatLnSpc="1">
+            <a:prstTxWarp prst="textNoShape">
+              <a:avLst/>
+            </a:prstTxWarp>
+            <a:spAutoFit/>
+          </a:bodyPr>
+          <a:lstStyle/>
+          <a:p>
+            <a:r>
+              <a:rPr lang="en-US" dirty="0">
+                <a:solidFill>
+                  <a:srgbClr val="FFC904"/>
+                </a:solidFill>
+                <a:latin typeface="Georgia Pro"/>
+                <a:cs typeface="Aharoni"/>
+              </a:rPr>
+              <a:t>API Team</a:t>
+            </a:r>
+          </a:p>
+          <a:p>
+            <a:pPr marL="285750" indent="-285750">
+              <a:buFont typeface="Arial"/>
+              <a:buChar char="•"/>
+            </a:pPr>
+            <a:r>
+              <a:rPr lang="en-US" dirty="0">
+                <a:solidFill>
+                  <a:srgbClr val="FFC904"/>
+                </a:solidFill>
+                <a:latin typeface="Georgia Pro"/>
+                <a:cs typeface="Aharoni"/>
+              </a:rPr>
+              <a:t>Josh</a:t>
+            </a:r>
+          </a:p>
+          <a:p>
+            <a:pPr marL="285750" indent="-285750">
+              <a:buFont typeface="Arial"/>
+              <a:buChar char="•"/>
+            </a:pPr>
+            <a:r>
+              <a:rPr lang="en-US" dirty="0">
+                <a:solidFill>
+                  <a:srgbClr val="FFC904"/>
+                </a:solidFill>
+                <a:latin typeface="Georgia Pro"/>
+                <a:cs typeface="Aharoni"/>
+              </a:rPr>
+              <a:t>Chris</a:t>
+            </a:r>
+          </a:p>
+        </p:txBody>
+      </p:sp>
+      <p:sp>
+        <p:nvSpPr>
+          <p:cNvPr id="3" name="Oval 2">
+            <a:extLst>
+              <a:ext uri="{FF2B5EF4-FFF2-40B4-BE49-F238E27FC236}">
+                <a16:creationId xmlns:a16="http://schemas.microsoft.com/office/drawing/2014/main" id="{9833A774-C164-C9ED-41D2-7DC957851CB4}"/>
+              </a:ext>
+            </a:extLst>
+          </p:cNvPr>
+          <p:cNvSpPr/>
+          <p:nvPr/>
+        </p:nvSpPr>
+        <p:spPr>
+          <a:xfrm>
+            <a:off x="8985542" y="1244983"/>
+            <a:ext cx="612074" cy="574408"/>
+          </a:xfrm>
+          <a:prstGeom prst="ellipse">
+            <a:avLst/>
+          </a:prstGeom>
+          <a:solidFill>
+            <a:srgbClr val="9C88A6"/>
+          </a:solidFill>
+        </p:spPr>
+        <p:style>
+          <a:lnRef idx="2">
+            <a:schemeClr val="accent1">
+              <a:shade val="15000"/>
+            </a:schemeClr>
+          </a:lnRef>
+          <a:fillRef idx="1">
+            <a:schemeClr val="accent1"/>
+          </a:fillRef>
+          <a:effectRef idx="0">
+            <a:schemeClr val="accent1"/>
+          </a:effectRef>
+          <a:fontRef idx="minor">
+            <a:schemeClr val="lt1"/>
+          </a:fontRef>
+        </p:style>
+        <p:txBody>
+          <a:bodyPr rtlCol="0" anchor="ctr"/>
+          <a:lstStyle/>
+          <a:p>
+            <a:pPr algn="ctr"/>
+            <a:endParaRPr lang="en-US"/>
+          </a:p>
+        </p:txBody>
+      </p:sp>
+      <p:sp>
+        <p:nvSpPr>
+          <p:cNvPr id="5" name="Oval 4">
+            <a:extLst>
+              <a:ext uri="{FF2B5EF4-FFF2-40B4-BE49-F238E27FC236}">
+                <a16:creationId xmlns:a16="http://schemas.microsoft.com/office/drawing/2014/main" id="{A55F6CF1-EB0B-E468-C120-16D48A0E685D}"/>
+              </a:ext>
+            </a:extLst>
+          </p:cNvPr>
+          <p:cNvSpPr/>
+          <p:nvPr/>
+        </p:nvSpPr>
+        <p:spPr>
+          <a:xfrm>
+            <a:off x="8985542" y="2689814"/>
+            <a:ext cx="612074" cy="574408"/>
+          </a:xfrm>
+          <a:prstGeom prst="ellipse">
+            <a:avLst/>
+          </a:prstGeom>
+          <a:solidFill>
+            <a:srgbClr val="5B93C7"/>
+          </a:solidFill>
+        </p:spPr>
+        <p:style>
+          <a:lnRef idx="2">
+            <a:schemeClr val="accent1">
+              <a:shade val="15000"/>
+            </a:schemeClr>
+          </a:lnRef>
+          <a:fillRef idx="1">
+            <a:schemeClr val="accent1"/>
+          </a:fillRef>
+          <a:effectRef idx="0">
+            <a:schemeClr val="accent1"/>
+          </a:effectRef>
+          <a:fontRef idx="minor">
+            <a:schemeClr val="lt1"/>
+          </a:fontRef>
+        </p:style>
+        <p:txBody>
+          <a:bodyPr rtlCol="0" anchor="ctr"/>
+          <a:lstStyle/>
+          <a:p>
+            <a:pPr algn="ctr"/>
+            <a:endParaRPr lang="en-US"/>
+          </a:p>
+        </p:txBody>
+      </p:sp>
+      <p:sp>
+        <p:nvSpPr>
+          <p:cNvPr id="6" name="Oval 5">
+            <a:extLst>
+              <a:ext uri="{FF2B5EF4-FFF2-40B4-BE49-F238E27FC236}">
+                <a16:creationId xmlns:a16="http://schemas.microsoft.com/office/drawing/2014/main" id="{24D5E08D-BA3E-3FAB-9BF4-129E367B7251}"/>
+              </a:ext>
+            </a:extLst>
+          </p:cNvPr>
+          <p:cNvSpPr/>
+          <p:nvPr/>
+        </p:nvSpPr>
+        <p:spPr>
+          <a:xfrm>
+            <a:off x="8985542" y="4095060"/>
+            <a:ext cx="612074" cy="574408"/>
+          </a:xfrm>
+          <a:prstGeom prst="ellipse">
+            <a:avLst/>
+          </a:prstGeom>
+          <a:solidFill>
+            <a:srgbClr val="7FB582"/>
+          </a:solidFill>
+        </p:spPr>
+        <p:style>
+          <a:lnRef idx="2">
+            <a:schemeClr val="accent1">
+              <a:shade val="15000"/>
+            </a:schemeClr>
+          </a:lnRef>
+          <a:fillRef idx="1">
+            <a:schemeClr val="accent1"/>
+          </a:fillRef>
+          <a:effectRef idx="0">
+            <a:schemeClr val="accent1"/>
+          </a:effectRef>
+          <a:fontRef idx="minor">
+            <a:schemeClr val="lt1"/>
+          </a:fontRef>
+        </p:style>
+        <p:txBody>
+          <a:bodyPr rtlCol="0" anchor="ctr"/>
+          <a:lstStyle/>
+          <a:p>
+            <a:pPr algn="ctr"/>
+            <a:endParaRPr lang="en-US"/>
+          </a:p>
+        </p:txBody>
+      </p:sp>
+      <p:sp>
+        <p:nvSpPr>
+          <p:cNvPr id="8" name="Oval 7">
+            <a:extLst>
+              <a:ext uri="{FF2B5EF4-FFF2-40B4-BE49-F238E27FC236}">
+                <a16:creationId xmlns:a16="http://schemas.microsoft.com/office/drawing/2014/main" id="{700BC4BB-8168-BA99-A82B-DC8396C7E6D0}"/>
+              </a:ext>
+            </a:extLst>
+          </p:cNvPr>
+          <p:cNvSpPr/>
+          <p:nvPr/>
+        </p:nvSpPr>
+        <p:spPr>
+          <a:xfrm>
+            <a:off x="8985542" y="5767501"/>
+            <a:ext cx="612074" cy="574408"/>
+          </a:xfrm>
+          <a:prstGeom prst="ellipse">
+            <a:avLst/>
+          </a:prstGeom>
+          <a:solidFill>
+            <a:srgbClr val="FFC904"/>
+          </a:solidFill>
+        </p:spPr>
+        <p:style>
+          <a:lnRef idx="2">
+            <a:schemeClr val="accent1">
+              <a:shade val="15000"/>
+            </a:schemeClr>
+          </a:lnRef>
+          <a:fillRef idx="1">
+            <a:schemeClr val="accent1"/>
+          </a:fillRef>
+          <a:effectRef idx="0">
+            <a:schemeClr val="accent1"/>
+          </a:effectRef>
+          <a:fontRef idx="minor">
+            <a:schemeClr val="lt1"/>
+          </a:fontRef>
+        </p:style>
+        <p:txBody>
+          <a:bodyPr rtlCol="0" anchor="ctr"/>
+          <a:lstStyle/>
+          <a:p>
+            <a:pPr algn="ctr"/>
+            <a:endParaRPr lang="en-US"/>
+          </a:p>
+        </p:txBody>
+      </p:sp>
+      <p:sp>
+        <p:nvSpPr>
+          <p:cNvPr id="11" name="TextBox 10">
+            <a:extLst>
+              <a:ext uri="{FF2B5EF4-FFF2-40B4-BE49-F238E27FC236}">
+                <a16:creationId xmlns:a16="http://schemas.microsoft.com/office/drawing/2014/main" id="{C1430004-1CF5-F725-6274-B84DE0348AE5}"/>
+              </a:ext>
+            </a:extLst>
+          </p:cNvPr>
+          <p:cNvSpPr txBox="1"/>
+          <p:nvPr/>
+        </p:nvSpPr>
+        <p:spPr>
+          <a:xfrm>
+            <a:off x="9801119" y="2880763"/>
+            <a:ext cx="1822862" cy="923330"/>
+          </a:xfrm>
+          <a:prstGeom prst="rect">
+            <a:avLst/>
+          </a:prstGeom>
+          <a:noFill/>
+        </p:spPr>
+        <p:txBody>
+          <a:bodyPr rot="0" spcFirstLastPara="0" vertOverflow="overflow" horzOverflow="overflow" vert="horz" wrap="square" lIns="91440" tIns="45720" rIns="91440" bIns="45720" numCol="1" spcCol="0" rtlCol="0" fromWordArt="0" anchor="t" anchorCtr="0" forceAA="0" compatLnSpc="1">
+            <a:prstTxWarp prst="textNoShape">
+              <a:avLst/>
+            </a:prstTxWarp>
+            <a:spAutoFit/>
+          </a:bodyPr>
+          <a:lstStyle/>
+          <a:p>
+            <a:r>
+              <a:rPr lang="en-US" dirty="0">
+                <a:solidFill>
+                  <a:srgbClr val="FFC904"/>
+                </a:solidFill>
+                <a:latin typeface="Georgia Pro"/>
+              </a:rPr>
+              <a:t>Front end Team</a:t>
+            </a:r>
+          </a:p>
+          <a:p>
+            <a:pPr marL="285750" indent="-285750">
+              <a:buFont typeface="Arial"/>
+              <a:buChar char="•"/>
+            </a:pPr>
+            <a:r>
+              <a:rPr lang="en-US" dirty="0">
+                <a:solidFill>
+                  <a:srgbClr val="FFC904"/>
+                </a:solidFill>
+                <a:latin typeface="Georgia Pro"/>
+              </a:rPr>
+              <a:t>Alex</a:t>
+            </a:r>
+          </a:p>
+          <a:p>
+            <a:pPr marL="285750" indent="-285750">
+              <a:buFont typeface="Arial"/>
+              <a:buChar char="•"/>
+            </a:pPr>
+            <a:r>
+              <a:rPr lang="en-US" dirty="0">
+                <a:solidFill>
+                  <a:srgbClr val="FFC904"/>
+                </a:solidFill>
+                <a:latin typeface="Georgia Pro"/>
+              </a:rPr>
+              <a:t>Alvin</a:t>
+            </a:r>
+          </a:p>
+        </p:txBody>
+      </p:sp>
+      <p:sp>
+        <p:nvSpPr>
+          <p:cNvPr id="14" name="TextBox 13">
+            <a:extLst>
+              <a:ext uri="{FF2B5EF4-FFF2-40B4-BE49-F238E27FC236}">
+                <a16:creationId xmlns:a16="http://schemas.microsoft.com/office/drawing/2014/main" id="{8074CE5B-9119-6020-1242-1247BC0B7500}"/>
+              </a:ext>
+            </a:extLst>
+          </p:cNvPr>
+          <p:cNvSpPr txBox="1"/>
+          <p:nvPr/>
+        </p:nvSpPr>
+        <p:spPr>
+          <a:xfrm>
+            <a:off x="9692261" y="5770425"/>
+            <a:ext cx="1822862" cy="646331"/>
+          </a:xfrm>
+          <a:prstGeom prst="rect">
+            <a:avLst/>
+          </a:prstGeom>
+          <a:noFill/>
+        </p:spPr>
+        <p:txBody>
+          <a:bodyPr rot="0" spcFirstLastPara="0" vertOverflow="overflow" horzOverflow="overflow" vert="horz" wrap="square" lIns="91440" tIns="45720" rIns="91440" bIns="45720" numCol="1" spcCol="0" rtlCol="0" fromWordArt="0" anchor="t" anchorCtr="0" forceAA="0" compatLnSpc="1">
+            <a:prstTxWarp prst="textNoShape">
+              <a:avLst/>
+            </a:prstTxWarp>
+            <a:spAutoFit/>
+          </a:bodyPr>
+          <a:lstStyle/>
+          <a:p>
+            <a:r>
+              <a:rPr lang="en-US" dirty="0">
+                <a:solidFill>
+                  <a:srgbClr val="FFC904"/>
+                </a:solidFill>
+                <a:latin typeface="Georgia Pro"/>
+              </a:rPr>
+              <a:t>Database Team</a:t>
+            </a:r>
+            <a:endParaRPr lang="en-US">
+              <a:latin typeface="Georgia Pro"/>
+            </a:endParaRPr>
+          </a:p>
+          <a:p>
+            <a:pPr marL="285750" indent="-285750">
+              <a:buFont typeface="Arial"/>
+              <a:buChar char="•"/>
+            </a:pPr>
+            <a:r>
+              <a:rPr lang="en-US" dirty="0">
+                <a:solidFill>
+                  <a:srgbClr val="FFC904"/>
+                </a:solidFill>
+                <a:latin typeface="Georgia Pro"/>
+              </a:rPr>
+              <a:t>Ishan</a:t>
+            </a:r>
+          </a:p>
+        </p:txBody>
+      </p:sp>
+      <p:sp>
+        <p:nvSpPr>
+          <p:cNvPr id="15" name="TextBox 14">
+            <a:extLst>
+              <a:ext uri="{FF2B5EF4-FFF2-40B4-BE49-F238E27FC236}">
+                <a16:creationId xmlns:a16="http://schemas.microsoft.com/office/drawing/2014/main" id="{3F0E841C-BF8C-D5AC-38B4-FE63DF75E59D}"/>
+              </a:ext>
+            </a:extLst>
+          </p:cNvPr>
+          <p:cNvSpPr txBox="1"/>
+          <p:nvPr/>
+        </p:nvSpPr>
+        <p:spPr>
+          <a:xfrm>
+            <a:off x="9801118" y="4206840"/>
+            <a:ext cx="1822862" cy="1200329"/>
+          </a:xfrm>
+          <a:prstGeom prst="rect">
+            <a:avLst/>
+          </a:prstGeom>
+          <a:noFill/>
+        </p:spPr>
+        <p:txBody>
+          <a:bodyPr rot="0" spcFirstLastPara="0" vertOverflow="overflow" horzOverflow="overflow" vert="horz" wrap="square" lIns="91440" tIns="45720" rIns="91440" bIns="45720" numCol="1" spcCol="0" rtlCol="0" fromWordArt="0" anchor="t" anchorCtr="0" forceAA="0" compatLnSpc="1">
+            <a:prstTxWarp prst="textNoShape">
+              <a:avLst/>
+            </a:prstTxWarp>
+            <a:spAutoFit/>
+          </a:bodyPr>
+          <a:lstStyle/>
+          <a:p>
+            <a:r>
+              <a:rPr lang="en-US" dirty="0">
+                <a:solidFill>
+                  <a:srgbClr val="FFC904"/>
+                </a:solidFill>
+                <a:latin typeface="Georgia Pro"/>
+              </a:rPr>
+              <a:t>Project Manager</a:t>
+            </a:r>
+          </a:p>
+          <a:p>
+            <a:pPr marL="285750" indent="-285750">
+              <a:buFont typeface="Arial"/>
+              <a:buChar char="•"/>
+            </a:pPr>
+            <a:r>
+              <a:rPr lang="en-US" dirty="0">
+                <a:solidFill>
+                  <a:srgbClr val="FFC904"/>
+                </a:solidFill>
+                <a:latin typeface="Georgia Pro"/>
+              </a:rPr>
+              <a:t>Brandon</a:t>
+            </a:r>
+          </a:p>
+          <a:p>
+            <a:pPr marL="285750" indent="-285750">
+              <a:buFont typeface="Arial"/>
+              <a:buChar char="•"/>
+            </a:pPr>
+            <a:endParaRPr lang="en-US" dirty="0">
+              <a:solidFill>
+                <a:srgbClr val="FFC904"/>
+              </a:solidFill>
+            </a:endParaRPr>
+          </a:p>
+        </p:txBody>
+      </p:sp>
     </p:spTree>
     <p:extLst>
       <p:ext uri="{BB962C8B-B14F-4D97-AF65-F5344CB8AC3E}">
@@ -5064,6 +6030,7 @@
                 <a:solidFill>
                   <a:srgbClr val="FFC904"/>
                 </a:solidFill>
+                <a:latin typeface="Georgia Pro"/>
               </a:rPr>
               <a:t>Great Communication</a:t>
             </a:r>
@@ -5071,6 +6038,7 @@
               <a:solidFill>
                 <a:srgbClr val="000000"/>
               </a:solidFill>
+              <a:latin typeface="Georgia Pro"/>
             </a:endParaRPr>
           </a:p>
           <a:p>
@@ -5081,7 +6049,7 @@
             <a:r>
               <a:rPr lang="en-US" sz="2000" dirty="0">
                 <a:solidFill>
-                  <a:srgbClr val="FFC904"/>
+                  <a:schemeClr val="bg1"/>
                 </a:solidFill>
               </a:rPr>
               <a:t>Quick responses</a:t>
@@ -5095,7 +6063,7 @@
             <a:r>
               <a:rPr lang="en-US" sz="2000" dirty="0">
                 <a:solidFill>
-                  <a:srgbClr val="FFC904"/>
+                  <a:schemeClr val="bg1"/>
                 </a:solidFill>
               </a:rPr>
               <a:t>Availability</a:t>
@@ -5143,6 +6111,7 @@
                 <a:solidFill>
                   <a:srgbClr val="FFC904"/>
                 </a:solidFill>
+                <a:latin typeface="Georgia Pro"/>
               </a:rPr>
               <a:t>Deadlines</a:t>
             </a:r>
@@ -5155,12 +6124,16 @@
             <a:r>
               <a:rPr lang="en-US" sz="2000" dirty="0">
                 <a:solidFill>
-                  <a:srgbClr val="FFC904"/>
+                  <a:schemeClr val="bg1"/>
                 </a:solidFill>
               </a:rPr>
               <a:t>Adherence to target due dates</a:t>
             </a:r>
-            <a:endParaRPr lang="en-US" dirty="0"/>
+            <a:endParaRPr lang="en-US">
+              <a:solidFill>
+                <a:schemeClr val="bg1"/>
+              </a:solidFill>
+            </a:endParaRPr>
           </a:p>
           <a:p>
             <a:pPr marL="800100" lvl="1" indent="-342900">
@@ -5170,7 +6143,7 @@
             <a:r>
               <a:rPr lang="en-US" sz="2000" dirty="0">
                 <a:solidFill>
-                  <a:srgbClr val="FFC904"/>
+                  <a:schemeClr val="bg1"/>
                 </a:solidFill>
               </a:rPr>
               <a:t>Communicated slow downs</a:t>
@@ -5218,10 +6191,13 @@
                 <a:solidFill>
                   <a:srgbClr val="FFC904"/>
                 </a:solidFill>
+                <a:latin typeface="Georgia Pro"/>
               </a:rPr>
               <a:t>Teamwork</a:t>
             </a:r>
-            <a:endParaRPr lang="en-US" sz="2400"/>
+            <a:endParaRPr lang="en-US" sz="2400">
+              <a:latin typeface="Georgia Pro"/>
+            </a:endParaRPr>
           </a:p>
           <a:p>
             <a:pPr marL="800100" lvl="1" indent="-342900">
@@ -5231,12 +6207,16 @@
             <a:r>
               <a:rPr lang="en-US" sz="2000" dirty="0">
                 <a:solidFill>
-                  <a:srgbClr val="FFC904"/>
+                  <a:schemeClr val="bg1"/>
                 </a:solidFill>
               </a:rPr>
               <a:t>Helped each other with knowledge  gaps</a:t>
             </a:r>
-            <a:endParaRPr lang="en-US" dirty="0"/>
+            <a:endParaRPr lang="en-US">
+              <a:solidFill>
+                <a:schemeClr val="bg1"/>
+              </a:solidFill>
+            </a:endParaRPr>
           </a:p>
           <a:p>
             <a:pPr marL="800100" lvl="1" indent="-342900">
@@ -5246,7 +6226,7 @@
             <a:r>
               <a:rPr lang="en-US" sz="2000" dirty="0">
                 <a:solidFill>
-                  <a:srgbClr val="FFC904"/>
+                  <a:schemeClr val="bg1"/>
                 </a:solidFill>
               </a:rPr>
               <a:t>Everyone quickly took on and learned their roles</a:t>
@@ -5294,6 +6274,7 @@
                 <a:solidFill>
                   <a:srgbClr val="FFC904"/>
                 </a:solidFill>
+                <a:latin typeface="Georgia Pro"/>
               </a:rPr>
               <a:t>Organization</a:t>
             </a:r>
@@ -5306,7 +6287,7 @@
             <a:r>
               <a:rPr lang="en-US" sz="2000" dirty="0">
                 <a:solidFill>
-                  <a:srgbClr val="FFC904"/>
+                  <a:schemeClr val="bg1"/>
                 </a:solidFill>
               </a:rPr>
               <a:t>Used Jira and Git to track work</a:t>
@@ -5320,7 +6301,7 @@
             <a:r>
               <a:rPr lang="en-US" sz="2000" dirty="0">
                 <a:solidFill>
-                  <a:srgbClr val="FFC904"/>
+                  <a:schemeClr val="bg1"/>
                 </a:solidFill>
               </a:rPr>
               <a:t>Regular check ins to check progress</a:t>
@@ -5495,13 +6476,15 @@
                 <a:solidFill>
                   <a:srgbClr val="FFC904"/>
                 </a:solidFill>
+                <a:latin typeface="Georgia Pro"/>
               </a:rPr>
               <a:t>Front End</a:t>
             </a:r>
-            <a:endParaRPr lang="en-US" sz="2800" dirty="0">
+            <a:endParaRPr lang="en-US" sz="2800">
               <a:solidFill>
                 <a:srgbClr val="000000"/>
               </a:solidFill>
+              <a:latin typeface="Georgia Pro"/>
             </a:endParaRPr>
           </a:p>
           <a:p>
@@ -5512,7 +6495,7 @@
             <a:r>
               <a:rPr lang="en-US" sz="2000" dirty="0">
                 <a:solidFill>
-                  <a:srgbClr val="FFC904"/>
+                  <a:schemeClr val="bg1"/>
                 </a:solidFill>
               </a:rPr>
               <a:t>Different Design ideas</a:t>
@@ -5526,7 +6509,7 @@
             <a:r>
               <a:rPr lang="en-US" sz="2000" dirty="0">
                 <a:solidFill>
-                  <a:srgbClr val="FFC904"/>
+                  <a:schemeClr val="bg1"/>
                 </a:solidFill>
               </a:rPr>
               <a:t>JavaScript / CSS/ HTML learning curve</a:t>
@@ -5593,10 +6576,13 @@
                 <a:solidFill>
                   <a:srgbClr val="FFC904"/>
                 </a:solidFill>
+                <a:latin typeface="Georgia Pro"/>
               </a:rPr>
               <a:t>Debugging</a:t>
             </a:r>
-            <a:endParaRPr lang="en-US" dirty="0"/>
+            <a:endParaRPr lang="en-US">
+              <a:latin typeface="Georgia Pro"/>
+            </a:endParaRPr>
           </a:p>
           <a:p>
             <a:pPr marL="800100" lvl="1" indent="-342900">
@@ -5606,12 +6592,16 @@
             <a:r>
               <a:rPr lang="en-US" sz="2000" dirty="0">
                 <a:solidFill>
-                  <a:srgbClr val="FFC904"/>
+                  <a:schemeClr val="bg1"/>
                 </a:solidFill>
               </a:rPr>
               <a:t>Spent a whole day wondering why data wasn’t being saved in database. Forgot to connect all API's</a:t>
             </a:r>
-            <a:endParaRPr lang="en-US" dirty="0"/>
+            <a:endParaRPr lang="en-US">
+              <a:solidFill>
+                <a:schemeClr val="bg1"/>
+              </a:solidFill>
+            </a:endParaRPr>
           </a:p>
           <a:p>
             <a:pPr marL="800100" lvl="1" indent="-342900">
@@ -5621,7 +6611,7 @@
             <a:r>
               <a:rPr lang="en-US" sz="2000" dirty="0">
                 <a:solidFill>
-                  <a:srgbClr val="FFC904"/>
+                  <a:schemeClr val="bg1"/>
                 </a:solidFill>
               </a:rPr>
               <a:t>Getting a text input box to center on the screen</a:t>
@@ -5669,10 +6659,13 @@
                 <a:solidFill>
                   <a:srgbClr val="FFC904"/>
                 </a:solidFill>
+                <a:latin typeface="Georgia Pro"/>
               </a:rPr>
               <a:t>API</a:t>
             </a:r>
-            <a:endParaRPr lang="en-US" sz="2400" dirty="0"/>
+            <a:endParaRPr lang="en-US" sz="2400">
+              <a:latin typeface="Georgia Pro"/>
+            </a:endParaRPr>
           </a:p>
           <a:p>
             <a:pPr marL="800100" lvl="1" indent="-342900">
@@ -5682,7 +6675,7 @@
             <a:r>
               <a:rPr lang="en-US" sz="2000" dirty="0">
                 <a:solidFill>
-                  <a:srgbClr val="FFC904"/>
+                  <a:schemeClr val="bg1"/>
                 </a:solidFill>
               </a:rPr>
               <a:t>Knowledge gap when it came to creating API's. Lack of SQL, PHP</a:t>
@@ -5696,7 +6689,7 @@
             <a:r>
               <a:rPr lang="en-US" sz="2000" dirty="0">
                 <a:solidFill>
-                  <a:srgbClr val="FFC904"/>
+                  <a:schemeClr val="bg1"/>
                 </a:solidFill>
               </a:rPr>
               <a:t>Using postman to test the API was also an unknown</a:t>
@@ -5744,6 +6737,7 @@
                 <a:solidFill>
                   <a:srgbClr val="FFC904"/>
                 </a:solidFill>
+                <a:latin typeface="Georgia Pro"/>
               </a:rPr>
               <a:t>Different Browsers</a:t>
             </a:r>
@@ -5756,23 +6750,23 @@
             <a:r>
               <a:rPr lang="en-US" sz="2000" dirty="0">
                 <a:solidFill>
-                  <a:srgbClr val="FFC904"/>
+                  <a:schemeClr val="bg1"/>
                 </a:solidFill>
               </a:rPr>
               <a:t>Would work on </a:t>
             </a:r>
             <a:r>
-              <a:rPr lang="en-US" sz="2000" err="1">
-                <a:solidFill>
-                  <a:srgbClr val="FFC904"/>
+              <a:rPr lang="en-US" sz="2000" dirty="0" err="1">
+                <a:solidFill>
+                  <a:schemeClr val="bg1"/>
                 </a:solidFill>
               </a:rPr>
               <a:t>firefox</a:t>
             </a:r>
             <a:r>
-              <a:rPr lang="en-US" sz="2000">
-                <a:solidFill>
-                  <a:srgbClr val="FFC904"/>
+              <a:rPr lang="en-US" sz="2000" dirty="0">
+                <a:solidFill>
+                  <a:schemeClr val="bg1"/>
                 </a:solidFill>
               </a:rPr>
               <a:t> but not on chrome for some</a:t>
@@ -5786,7 +6780,7 @@
             <a:r>
               <a:rPr lang="en-US" sz="2000" dirty="0">
                 <a:solidFill>
-                  <a:srgbClr val="FFC904"/>
+                  <a:schemeClr val="bg1"/>
                 </a:solidFill>
               </a:rPr>
               <a:t>Had to clear cache often to get site to load</a:t>
@@ -6014,7 +7008,7 @@
         </p:blipFill>
         <p:spPr>
           <a:xfrm>
-            <a:off x="1028603" y="2283502"/>
+            <a:off x="748881" y="2283502"/>
             <a:ext cx="753448" cy="1878768"/>
           </a:xfrm>
           <a:prstGeom prst="rect">
@@ -6036,7 +7030,7 @@
         </p:nvSpPr>
         <p:spPr>
           <a:xfrm>
-            <a:off x="2156460" y="632883"/>
+            <a:off x="1876738" y="632883"/>
             <a:ext cx="8506134" cy="5756208"/>
           </a:xfrm>
           <a:prstGeom prst="roundRect">
@@ -6088,7 +7082,7 @@
         </p:nvSpPr>
         <p:spPr>
           <a:xfrm>
-            <a:off x="3142975" y="1947967"/>
+            <a:off x="2863253" y="1947967"/>
             <a:ext cx="1262494" cy="680571"/>
           </a:xfrm>
           <a:prstGeom prst="ellipse">
@@ -6143,7 +7137,7 @@
         </p:nvSpPr>
         <p:spPr>
           <a:xfrm>
-            <a:off x="3142974" y="3971800"/>
+            <a:off x="2863253" y="3971800"/>
             <a:ext cx="1262494" cy="655588"/>
           </a:xfrm>
           <a:prstGeom prst="ellipse">
@@ -6198,7 +7192,7 @@
         </p:nvCxnSpPr>
         <p:spPr>
           <a:xfrm>
-            <a:off x="1791323" y="3621373"/>
+            <a:off x="1511601" y="3621373"/>
             <a:ext cx="1339122" cy="677057"/>
           </a:xfrm>
           <a:prstGeom prst="curvedConnector3">
@@ -6242,7 +7236,7 @@
         </p:nvCxnSpPr>
         <p:spPr>
           <a:xfrm flipV="1">
-            <a:off x="1791322" y="2549577"/>
+            <a:off x="1511601" y="2549577"/>
             <a:ext cx="1339122" cy="846944"/>
           </a:xfrm>
           <a:prstGeom prst="curvedConnector3">
@@ -6284,7 +7278,7 @@
         </p:nvSpPr>
         <p:spPr>
           <a:xfrm>
-            <a:off x="4729433" y="2969861"/>
+            <a:off x="4449711" y="2969861"/>
             <a:ext cx="1369080" cy="601888"/>
           </a:xfrm>
           <a:prstGeom prst="ellipse">
@@ -6339,7 +7333,7 @@
         </p:nvCxnSpPr>
         <p:spPr>
           <a:xfrm flipV="1">
-            <a:off x="4320407" y="3512966"/>
+            <a:off x="4040685" y="3512966"/>
             <a:ext cx="646394" cy="631500"/>
           </a:xfrm>
           <a:prstGeom prst="straightConnector1">
@@ -6383,7 +7377,7 @@
         </p:nvCxnSpPr>
         <p:spPr>
           <a:xfrm>
-            <a:off x="4437538" y="2357975"/>
+            <a:off x="4157816" y="2357975"/>
             <a:ext cx="417811" cy="702689"/>
           </a:xfrm>
           <a:prstGeom prst="straightConnector1">
@@ -6425,7 +7419,7 @@
         </p:nvSpPr>
         <p:spPr>
           <a:xfrm>
-            <a:off x="4904318" y="1036228"/>
+            <a:off x="4624597" y="1036228"/>
             <a:ext cx="1262494" cy="680571"/>
           </a:xfrm>
           <a:prstGeom prst="ellipse">
@@ -6483,7 +7477,7 @@
         </p:nvCxnSpPr>
         <p:spPr>
           <a:xfrm flipV="1">
-            <a:off x="5549795" y="1711062"/>
+            <a:off x="5270074" y="1711062"/>
             <a:ext cx="2499" cy="1246682"/>
           </a:xfrm>
           <a:prstGeom prst="straightConnector1">
@@ -6525,7 +7519,7 @@
         </p:nvSpPr>
         <p:spPr>
           <a:xfrm>
-            <a:off x="6853042" y="3072392"/>
+            <a:off x="6573320" y="3072392"/>
             <a:ext cx="1374917" cy="618112"/>
           </a:xfrm>
           <a:prstGeom prst="ellipse">
@@ -6582,7 +7576,7 @@
         </p:nvCxnSpPr>
         <p:spPr>
           <a:xfrm flipV="1">
-            <a:off x="6096188" y="3350082"/>
+            <a:off x="5816466" y="3350082"/>
             <a:ext cx="755251" cy="2692"/>
           </a:xfrm>
           <a:prstGeom prst="straightConnector1">
@@ -6624,7 +7618,7 @@
         </p:nvSpPr>
         <p:spPr>
           <a:xfrm>
-            <a:off x="9201498" y="4821241"/>
+            <a:off x="8921776" y="4821241"/>
             <a:ext cx="1037642" cy="543162"/>
           </a:xfrm>
           <a:prstGeom prst="ellipse">
@@ -6679,7 +7673,7 @@
         </p:nvSpPr>
         <p:spPr>
           <a:xfrm>
-            <a:off x="9201497" y="3796913"/>
+            <a:off x="8921776" y="3796913"/>
             <a:ext cx="1037642" cy="543162"/>
           </a:xfrm>
           <a:prstGeom prst="ellipse">
@@ -6734,7 +7728,7 @@
         </p:nvSpPr>
         <p:spPr>
           <a:xfrm>
-            <a:off x="9201497" y="2772585"/>
+            <a:off x="8921776" y="2772585"/>
             <a:ext cx="1037642" cy="543162"/>
           </a:xfrm>
           <a:prstGeom prst="ellipse">
@@ -6789,7 +7783,7 @@
         </p:nvSpPr>
         <p:spPr>
           <a:xfrm>
-            <a:off x="9201496" y="1748256"/>
+            <a:off x="8921774" y="1748256"/>
             <a:ext cx="1037642" cy="543162"/>
           </a:xfrm>
           <a:prstGeom prst="ellipse">
@@ -6844,7 +7838,7 @@
         </p:nvSpPr>
         <p:spPr>
           <a:xfrm>
-            <a:off x="5769172" y="5061506"/>
+            <a:off x="5489451" y="5061506"/>
             <a:ext cx="1262494" cy="655588"/>
           </a:xfrm>
           <a:prstGeom prst="ellipse">
@@ -6901,7 +7895,7 @@
         </p:nvCxnSpPr>
         <p:spPr>
           <a:xfrm flipV="1">
-            <a:off x="8235528" y="2098307"/>
+            <a:off x="7955806" y="2098307"/>
             <a:ext cx="964368" cy="1271663"/>
           </a:xfrm>
           <a:prstGeom prst="straightConnector1">
@@ -6945,7 +7939,7 @@
         </p:nvCxnSpPr>
         <p:spPr>
           <a:xfrm flipV="1">
-            <a:off x="8235527" y="3060173"/>
+            <a:off x="7955805" y="3060173"/>
             <a:ext cx="939386" cy="322289"/>
           </a:xfrm>
           <a:prstGeom prst="straightConnector1">
@@ -6989,7 +7983,7 @@
         </p:nvCxnSpPr>
         <p:spPr>
           <a:xfrm>
-            <a:off x="8223037" y="3382459"/>
+            <a:off x="7943315" y="3382459"/>
             <a:ext cx="951877" cy="627090"/>
           </a:xfrm>
           <a:prstGeom prst="straightConnector1">
@@ -7033,7 +8027,7 @@
         </p:nvCxnSpPr>
         <p:spPr>
           <a:xfrm>
-            <a:off x="8223034" y="3357477"/>
+            <a:off x="7943312" y="3357477"/>
             <a:ext cx="964370" cy="1713876"/>
           </a:xfrm>
           <a:prstGeom prst="straightConnector1">
@@ -7077,7 +8071,7 @@
         </p:nvCxnSpPr>
         <p:spPr>
           <a:xfrm flipH="1">
-            <a:off x="6647518" y="3694760"/>
+            <a:off x="6367797" y="3694760"/>
             <a:ext cx="832503" cy="1376921"/>
           </a:xfrm>
           <a:prstGeom prst="straightConnector1">
@@ -7105,36 +8099,6 @@
           </a:fontRef>
         </p:style>
       </p:cxnSp>
-      <p:pic>
-        <p:nvPicPr>
-          <p:cNvPr id="32" name="Picture 31" descr="A blue cylinder with black lines&#10;&#10;Description automatically generated">
-            <a:extLst>
-              <a:ext uri="{FF2B5EF4-FFF2-40B4-BE49-F238E27FC236}">
-                <a16:creationId xmlns:a16="http://schemas.microsoft.com/office/drawing/2014/main" id="{4B587C40-C742-792B-D728-B67AF245C5A2}"/>
-              </a:ext>
-            </a:extLst>
-          </p:cNvPr>
-          <p:cNvPicPr>
-            <a:picLocks noChangeAspect="1"/>
-          </p:cNvPicPr>
-          <p:nvPr/>
-        </p:nvPicPr>
-        <p:blipFill>
-          <a:blip r:embed="rId4"/>
-          <a:stretch>
-            <a:fillRect/>
-          </a:stretch>
-        </p:blipFill>
-        <p:spPr>
-          <a:xfrm>
-            <a:off x="11158928" y="3320320"/>
-            <a:ext cx="667063" cy="704539"/>
-          </a:xfrm>
-          <a:prstGeom prst="rect">
-            <a:avLst/>
-          </a:prstGeom>
-        </p:spPr>
-      </p:pic>
       <p:cxnSp>
         <p:nvCxnSpPr>
           <p:cNvPr id="40" name="Connector: Curved 39">
@@ -7151,7 +8115,7 @@
         </p:nvCxnSpPr>
         <p:spPr>
           <a:xfrm flipV="1">
-            <a:off x="10231098" y="3569220"/>
+            <a:off x="9951377" y="3569220"/>
             <a:ext cx="926891" cy="1496517"/>
           </a:xfrm>
           <a:prstGeom prst="curvedConnector3">
@@ -7193,7 +8157,7 @@
         </p:nvCxnSpPr>
         <p:spPr>
           <a:xfrm>
-            <a:off x="10231100" y="2067706"/>
+            <a:off x="9951378" y="2067706"/>
             <a:ext cx="926891" cy="1451547"/>
           </a:xfrm>
           <a:prstGeom prst="curvedConnector3">
@@ -7237,7 +8201,7 @@
         </p:nvCxnSpPr>
         <p:spPr>
           <a:xfrm>
-            <a:off x="10231100" y="3079541"/>
+            <a:off x="9951378" y="3079541"/>
             <a:ext cx="926891" cy="452204"/>
           </a:xfrm>
           <a:prstGeom prst="curvedConnector3">
@@ -7281,7 +8245,7 @@
         </p:nvCxnSpPr>
         <p:spPr>
           <a:xfrm flipV="1">
-            <a:off x="10243590" y="3544237"/>
+            <a:off x="9963868" y="3544237"/>
             <a:ext cx="926891" cy="472189"/>
           </a:xfrm>
           <a:prstGeom prst="curvedConnector3">
@@ -7323,7 +8287,7 @@
         </p:nvSpPr>
         <p:spPr>
           <a:xfrm>
-            <a:off x="899261" y="4101292"/>
+            <a:off x="619539" y="4101292"/>
             <a:ext cx="1006840" cy="461665"/>
           </a:xfrm>
           <a:prstGeom prst="rect">
@@ -7342,10 +8306,12 @@
           <a:p>
             <a:pPr algn="l"/>
             <a:r>
-              <a:rPr lang="en-US" sz="2400" dirty="0">
+              <a:rPr lang="en-US" sz="2400" b="1" dirty="0">
                 <a:solidFill>
                   <a:srgbClr val="FFC904"/>
                 </a:solidFill>
+                <a:latin typeface="Aharoni"/>
+                <a:cs typeface="Aharoni"/>
               </a:rPr>
               <a:t>USER</a:t>
             </a:r>
@@ -7366,8 +8332,8 @@
         </p:nvSpPr>
         <p:spPr>
           <a:xfrm>
-            <a:off x="10930178" y="4188733"/>
-            <a:ext cx="1119266" cy="338554"/>
+            <a:off x="10650456" y="4188733"/>
+            <a:ext cx="1254303" cy="338554"/>
           </a:xfrm>
           <a:prstGeom prst="rect">
             <a:avLst/>
@@ -7385,14 +8351,19 @@
           <a:p>
             <a:pPr algn="l"/>
             <a:r>
-              <a:rPr lang="en-US" sz="1600" dirty="0">
+              <a:rPr lang="en-US" sz="1600" b="1" dirty="0">
                 <a:solidFill>
                   <a:srgbClr val="FFC904"/>
                 </a:solidFill>
+                <a:latin typeface="Aharoni"/>
+                <a:cs typeface="Aharoni"/>
               </a:rPr>
               <a:t>DATABASE</a:t>
             </a:r>
-            <a:endParaRPr lang="en-US" dirty="0"/>
+            <a:endParaRPr lang="en-US" b="1">
+              <a:latin typeface="Aharoni"/>
+              <a:cs typeface="Aharoni"/>
+            </a:endParaRPr>
           </a:p>
         </p:txBody>
       </p:sp>
@@ -7410,7 +8381,7 @@
         </p:nvSpPr>
         <p:spPr>
           <a:xfrm>
-            <a:off x="6031475" y="3081194"/>
+            <a:off x="5751753" y="3081194"/>
             <a:ext cx="873958" cy="276999"/>
           </a:xfrm>
           <a:prstGeom prst="rect">
@@ -7454,7 +8425,7 @@
         </p:nvSpPr>
         <p:spPr>
           <a:xfrm>
-            <a:off x="5150721" y="2150959"/>
+            <a:off x="4870999" y="2150959"/>
             <a:ext cx="873958" cy="276999"/>
           </a:xfrm>
           <a:prstGeom prst="rect">
@@ -7500,7 +8471,7 @@
         </p:nvSpPr>
         <p:spPr>
           <a:xfrm>
-            <a:off x="4279863" y="3674959"/>
+            <a:off x="4000141" y="3674959"/>
             <a:ext cx="864063" cy="253916"/>
           </a:xfrm>
           <a:prstGeom prst="rect">
@@ -7546,7 +8517,7 @@
         </p:nvSpPr>
         <p:spPr>
           <a:xfrm>
-            <a:off x="4289758" y="2606178"/>
+            <a:off x="4010036" y="2606178"/>
             <a:ext cx="864063" cy="253916"/>
           </a:xfrm>
           <a:prstGeom prst="rect">
@@ -7578,10 +8549,577 @@
           </a:p>
         </p:txBody>
       </p:sp>
+      <p:pic>
+        <p:nvPicPr>
+          <p:cNvPr id="25" name="Graphic 52" descr="Database outline">
+            <a:extLst>
+              <a:ext uri="{FF2B5EF4-FFF2-40B4-BE49-F238E27FC236}">
+                <a16:creationId xmlns:a16="http://schemas.microsoft.com/office/drawing/2014/main" id="{70E7A58B-4987-61CC-A50C-D1CE01DB2B25}"/>
+              </a:ext>
+            </a:extLst>
+          </p:cNvPr>
+          <p:cNvPicPr>
+            <a:picLocks noChangeAspect="1"/>
+          </p:cNvPicPr>
+          <p:nvPr/>
+        </p:nvPicPr>
+        <p:blipFill>
+          <a:blip r:embed="rId4">
+            <a:extLst>
+              <a:ext uri="{96DAC541-7B7A-43D3-8B79-37D633B846F1}">
+                <asvg:svgBlip xmlns:asvg="http://schemas.microsoft.com/office/drawing/2016/SVG/main" r:embed="rId5"/>
+              </a:ext>
+            </a:extLst>
+          </a:blip>
+          <a:stretch>
+            <a:fillRect/>
+          </a:stretch>
+        </p:blipFill>
+        <p:spPr>
+          <a:xfrm>
+            <a:off x="10760597" y="3106838"/>
+            <a:ext cx="914400" cy="914400"/>
+          </a:xfrm>
+          <a:prstGeom prst="rect">
+            <a:avLst/>
+          </a:prstGeom>
+        </p:spPr>
+      </p:pic>
     </p:spTree>
     <p:extLst>
       <p:ext uri="{BB962C8B-B14F-4D97-AF65-F5344CB8AC3E}">
         <p14:creationId xmlns:p14="http://schemas.microsoft.com/office/powerpoint/2010/main" val="3661109495"/>
+      </p:ext>
+    </p:extLst>
+  </p:cSld>
+  <p:clrMapOvr>
+    <a:masterClrMapping/>
+  </p:clrMapOvr>
+</p:sld>
+</file>
+
+<file path=ppt/slides/slide9.xml><?xml version="1.0" encoding="utf-8"?>
+<p:sld xmlns:a="http://schemas.openxmlformats.org/drawingml/2006/main" xmlns:r="http://schemas.openxmlformats.org/officeDocument/2006/relationships" xmlns:p="http://schemas.openxmlformats.org/presentationml/2006/main">
+  <p:cSld>
+    <p:bg>
+      <p:bgPr>
+        <a:blipFill>
+          <a:blip r:embed="rId2"/>
+          <a:stretch>
+            <a:fillRect/>
+          </a:stretch>
+        </a:blipFill>
+        <a:effectLst/>
+      </p:bgPr>
+    </p:bg>
+    <p:spTree>
+      <p:nvGrpSpPr>
+        <p:cNvPr id="1" name=""/>
+        <p:cNvGrpSpPr/>
+        <p:nvPr/>
+      </p:nvGrpSpPr>
+      <p:grpSpPr>
+        <a:xfrm>
+          <a:off x="0" y="0"/>
+          <a:ext cx="0" cy="0"/>
+          <a:chOff x="0" y="0"/>
+          <a:chExt cx="0" cy="0"/>
+        </a:xfrm>
+      </p:grpSpPr>
+      <p:pic>
+        <p:nvPicPr>
+          <p:cNvPr id="24" name="Graphic 23" descr="Circles with lines with solid fill">
+            <a:extLst>
+              <a:ext uri="{FF2B5EF4-FFF2-40B4-BE49-F238E27FC236}">
+                <a16:creationId xmlns:a16="http://schemas.microsoft.com/office/drawing/2014/main" id="{E7287548-0CCC-4895-E3C1-8D6835BCCE48}"/>
+              </a:ext>
+            </a:extLst>
+          </p:cNvPr>
+          <p:cNvPicPr>
+            <a:picLocks noChangeAspect="1"/>
+          </p:cNvPicPr>
+          <p:nvPr/>
+        </p:nvPicPr>
+        <p:blipFill>
+          <a:blip r:embed="rId3">
+            <a:extLst>
+              <a:ext uri="{96DAC541-7B7A-43D3-8B79-37D633B846F1}">
+                <asvg:svgBlip xmlns:asvg="http://schemas.microsoft.com/office/drawing/2016/SVG/main" r:embed="rId4"/>
+              </a:ext>
+            </a:extLst>
+          </a:blip>
+          <a:stretch>
+            <a:fillRect/>
+          </a:stretch>
+        </p:blipFill>
+        <p:spPr>
+          <a:xfrm>
+            <a:off x="1129116" y="2545444"/>
+            <a:ext cx="1922309" cy="1959806"/>
+          </a:xfrm>
+          <a:prstGeom prst="rect">
+            <a:avLst/>
+          </a:prstGeom>
+        </p:spPr>
+      </p:pic>
+      <p:pic>
+        <p:nvPicPr>
+          <p:cNvPr id="25" name="Graphic 24" descr="Circles with lines with solid fill">
+            <a:extLst>
+              <a:ext uri="{FF2B5EF4-FFF2-40B4-BE49-F238E27FC236}">
+                <a16:creationId xmlns:a16="http://schemas.microsoft.com/office/drawing/2014/main" id="{DCAB7562-BA07-0CFD-5806-4C67EC14F7C0}"/>
+              </a:ext>
+            </a:extLst>
+          </p:cNvPr>
+          <p:cNvPicPr>
+            <a:picLocks noChangeAspect="1"/>
+          </p:cNvPicPr>
+          <p:nvPr/>
+        </p:nvPicPr>
+        <p:blipFill>
+          <a:blip r:embed="rId3">
+            <a:extLst>
+              <a:ext uri="{96DAC541-7B7A-43D3-8B79-37D633B846F1}">
+                <asvg:svgBlip xmlns:asvg="http://schemas.microsoft.com/office/drawing/2016/SVG/main" r:embed="rId4"/>
+              </a:ext>
+            </a:extLst>
+          </a:blip>
+          <a:stretch>
+            <a:fillRect/>
+          </a:stretch>
+        </p:blipFill>
+        <p:spPr>
+          <a:xfrm>
+            <a:off x="3218194" y="2545444"/>
+            <a:ext cx="1922309" cy="1959806"/>
+          </a:xfrm>
+          <a:prstGeom prst="rect">
+            <a:avLst/>
+          </a:prstGeom>
+        </p:spPr>
+      </p:pic>
+      <p:pic>
+        <p:nvPicPr>
+          <p:cNvPr id="30" name="Graphic 29" descr="Circles with lines with solid fill">
+            <a:extLst>
+              <a:ext uri="{FF2B5EF4-FFF2-40B4-BE49-F238E27FC236}">
+                <a16:creationId xmlns:a16="http://schemas.microsoft.com/office/drawing/2014/main" id="{9BA7042F-4152-7C82-87A2-6B2DF8204911}"/>
+              </a:ext>
+            </a:extLst>
+          </p:cNvPr>
+          <p:cNvPicPr>
+            <a:picLocks noChangeAspect="1"/>
+          </p:cNvPicPr>
+          <p:nvPr/>
+        </p:nvPicPr>
+        <p:blipFill>
+          <a:blip r:embed="rId3">
+            <a:extLst>
+              <a:ext uri="{96DAC541-7B7A-43D3-8B79-37D633B846F1}">
+                <asvg:svgBlip xmlns:asvg="http://schemas.microsoft.com/office/drawing/2016/SVG/main" r:embed="rId4"/>
+              </a:ext>
+            </a:extLst>
+          </a:blip>
+          <a:stretch>
+            <a:fillRect/>
+          </a:stretch>
+        </p:blipFill>
+        <p:spPr>
+          <a:xfrm>
+            <a:off x="5307272" y="2545443"/>
+            <a:ext cx="1922309" cy="1959806"/>
+          </a:xfrm>
+          <a:prstGeom prst="rect">
+            <a:avLst/>
+          </a:prstGeom>
+        </p:spPr>
+      </p:pic>
+      <p:pic>
+        <p:nvPicPr>
+          <p:cNvPr id="50" name="Graphic 49" descr="Circles with lines with solid fill">
+            <a:extLst>
+              <a:ext uri="{FF2B5EF4-FFF2-40B4-BE49-F238E27FC236}">
+                <a16:creationId xmlns:a16="http://schemas.microsoft.com/office/drawing/2014/main" id="{3DCEF8AF-E35E-3410-C09E-7CA73CF6F3EE}"/>
+              </a:ext>
+            </a:extLst>
+          </p:cNvPr>
+          <p:cNvPicPr>
+            <a:picLocks noChangeAspect="1"/>
+          </p:cNvPicPr>
+          <p:nvPr/>
+        </p:nvPicPr>
+        <p:blipFill>
+          <a:blip r:embed="rId3">
+            <a:extLst>
+              <a:ext uri="{96DAC541-7B7A-43D3-8B79-37D633B846F1}">
+                <asvg:svgBlip xmlns:asvg="http://schemas.microsoft.com/office/drawing/2016/SVG/main" r:embed="rId4"/>
+              </a:ext>
+            </a:extLst>
+          </a:blip>
+          <a:stretch>
+            <a:fillRect/>
+          </a:stretch>
+        </p:blipFill>
+        <p:spPr>
+          <a:xfrm>
+            <a:off x="7396350" y="2545442"/>
+            <a:ext cx="1922309" cy="1959806"/>
+          </a:xfrm>
+          <a:prstGeom prst="rect">
+            <a:avLst/>
+          </a:prstGeom>
+        </p:spPr>
+      </p:pic>
+      <p:pic>
+        <p:nvPicPr>
+          <p:cNvPr id="51" name="Graphic 50" descr="Circles with lines with solid fill">
+            <a:extLst>
+              <a:ext uri="{FF2B5EF4-FFF2-40B4-BE49-F238E27FC236}">
+                <a16:creationId xmlns:a16="http://schemas.microsoft.com/office/drawing/2014/main" id="{CFBF8DBC-89A3-BE1A-6D35-2F02D14CD463}"/>
+              </a:ext>
+            </a:extLst>
+          </p:cNvPr>
+          <p:cNvPicPr>
+            <a:picLocks noChangeAspect="1"/>
+          </p:cNvPicPr>
+          <p:nvPr/>
+        </p:nvPicPr>
+        <p:blipFill>
+          <a:blip r:embed="rId3">
+            <a:extLst>
+              <a:ext uri="{96DAC541-7B7A-43D3-8B79-37D633B846F1}">
+                <asvg:svgBlip xmlns:asvg="http://schemas.microsoft.com/office/drawing/2016/SVG/main" r:embed="rId4"/>
+              </a:ext>
+            </a:extLst>
+          </a:blip>
+          <a:stretch>
+            <a:fillRect/>
+          </a:stretch>
+        </p:blipFill>
+        <p:spPr>
+          <a:xfrm>
+            <a:off x="9485429" y="2545442"/>
+            <a:ext cx="1922309" cy="1959806"/>
+          </a:xfrm>
+          <a:prstGeom prst="rect">
+            <a:avLst/>
+          </a:prstGeom>
+        </p:spPr>
+      </p:pic>
+      <p:sp>
+        <p:nvSpPr>
+          <p:cNvPr id="52" name="TextBox 51">
+            <a:extLst>
+              <a:ext uri="{FF2B5EF4-FFF2-40B4-BE49-F238E27FC236}">
+                <a16:creationId xmlns:a16="http://schemas.microsoft.com/office/drawing/2014/main" id="{7D61B5C8-3B27-5338-101C-EC1BC70C7CA3}"/>
+              </a:ext>
+            </a:extLst>
+          </p:cNvPr>
+          <p:cNvSpPr txBox="1"/>
+          <p:nvPr/>
+        </p:nvSpPr>
+        <p:spPr>
+          <a:xfrm>
+            <a:off x="1788134" y="3340065"/>
+            <a:ext cx="572947" cy="369332"/>
+          </a:xfrm>
+          <a:prstGeom prst="rect">
+            <a:avLst/>
+          </a:prstGeom>
+          <a:noFill/>
+        </p:spPr>
+        <p:txBody>
+          <a:bodyPr rot="0" spcFirstLastPara="0" vertOverflow="overflow" horzOverflow="overflow" vert="horz" wrap="square" lIns="91440" tIns="45720" rIns="91440" bIns="45720" numCol="1" spcCol="0" rtlCol="0" fromWordArt="0" anchor="t" anchorCtr="0" forceAA="0" compatLnSpc="1">
+            <a:prstTxWarp prst="textNoShape">
+              <a:avLst/>
+            </a:prstTxWarp>
+            <a:spAutoFit/>
+          </a:bodyPr>
+          <a:lstStyle/>
+          <a:p>
+            <a:pPr algn="l"/>
+            <a:r>
+              <a:rPr lang="en-US" dirty="0">
+                <a:solidFill>
+                  <a:srgbClr val="FFC904"/>
+                </a:solidFill>
+              </a:rPr>
+              <a:t>100</a:t>
+            </a:r>
+          </a:p>
+        </p:txBody>
+      </p:sp>
+      <p:sp>
+        <p:nvSpPr>
+          <p:cNvPr id="55" name="TextBox 54">
+            <a:extLst>
+              <a:ext uri="{FF2B5EF4-FFF2-40B4-BE49-F238E27FC236}">
+                <a16:creationId xmlns:a16="http://schemas.microsoft.com/office/drawing/2014/main" id="{7BCBEBEC-3863-4E45-7705-982B247573BC}"/>
+              </a:ext>
+            </a:extLst>
+          </p:cNvPr>
+          <p:cNvSpPr txBox="1"/>
+          <p:nvPr/>
+        </p:nvSpPr>
+        <p:spPr>
+          <a:xfrm>
+            <a:off x="3881222" y="3340064"/>
+            <a:ext cx="572947" cy="369332"/>
+          </a:xfrm>
+          <a:prstGeom prst="rect">
+            <a:avLst/>
+          </a:prstGeom>
+          <a:noFill/>
+        </p:spPr>
+        <p:txBody>
+          <a:bodyPr rot="0" spcFirstLastPara="0" vertOverflow="overflow" horzOverflow="overflow" vert="horz" wrap="square" lIns="91440" tIns="45720" rIns="91440" bIns="45720" numCol="1" spcCol="0" rtlCol="0" fromWordArt="0" anchor="t" anchorCtr="0" forceAA="0" compatLnSpc="1">
+            <a:prstTxWarp prst="textNoShape">
+              <a:avLst/>
+            </a:prstTxWarp>
+            <a:spAutoFit/>
+          </a:bodyPr>
+          <a:lstStyle/>
+          <a:p>
+            <a:pPr algn="l"/>
+            <a:r>
+              <a:rPr lang="en-US" dirty="0">
+                <a:solidFill>
+                  <a:srgbClr val="FFC904"/>
+                </a:solidFill>
+              </a:rPr>
+              <a:t>100</a:t>
+            </a:r>
+          </a:p>
+        </p:txBody>
+      </p:sp>
+      <p:sp>
+        <p:nvSpPr>
+          <p:cNvPr id="56" name="TextBox 55">
+            <a:extLst>
+              <a:ext uri="{FF2B5EF4-FFF2-40B4-BE49-F238E27FC236}">
+                <a16:creationId xmlns:a16="http://schemas.microsoft.com/office/drawing/2014/main" id="{47CD0511-7C71-1F99-A5F6-25B7B5E35EAC}"/>
+              </a:ext>
+            </a:extLst>
+          </p:cNvPr>
+          <p:cNvSpPr txBox="1"/>
+          <p:nvPr/>
+        </p:nvSpPr>
+        <p:spPr>
+          <a:xfrm>
+            <a:off x="5974310" y="3340063"/>
+            <a:ext cx="572947" cy="369332"/>
+          </a:xfrm>
+          <a:prstGeom prst="rect">
+            <a:avLst/>
+          </a:prstGeom>
+          <a:noFill/>
+        </p:spPr>
+        <p:txBody>
+          <a:bodyPr rot="0" spcFirstLastPara="0" vertOverflow="overflow" horzOverflow="overflow" vert="horz" wrap="square" lIns="91440" tIns="45720" rIns="91440" bIns="45720" numCol="1" spcCol="0" rtlCol="0" fromWordArt="0" anchor="t" anchorCtr="0" forceAA="0" compatLnSpc="1">
+            <a:prstTxWarp prst="textNoShape">
+              <a:avLst/>
+            </a:prstTxWarp>
+            <a:spAutoFit/>
+          </a:bodyPr>
+          <a:lstStyle/>
+          <a:p>
+            <a:pPr algn="l"/>
+            <a:r>
+              <a:rPr lang="en-US" dirty="0">
+                <a:solidFill>
+                  <a:srgbClr val="FFC904"/>
+                </a:solidFill>
+              </a:rPr>
+              <a:t>100</a:t>
+            </a:r>
+          </a:p>
+        </p:txBody>
+      </p:sp>
+      <p:sp>
+        <p:nvSpPr>
+          <p:cNvPr id="57" name="TextBox 56">
+            <a:extLst>
+              <a:ext uri="{FF2B5EF4-FFF2-40B4-BE49-F238E27FC236}">
+                <a16:creationId xmlns:a16="http://schemas.microsoft.com/office/drawing/2014/main" id="{4DF24045-E11A-ED79-F7BE-3D8DE2B22842}"/>
+              </a:ext>
+            </a:extLst>
+          </p:cNvPr>
+          <p:cNvSpPr txBox="1"/>
+          <p:nvPr/>
+        </p:nvSpPr>
+        <p:spPr>
+          <a:xfrm>
+            <a:off x="8057753" y="3340062"/>
+            <a:ext cx="572947" cy="369332"/>
+          </a:xfrm>
+          <a:prstGeom prst="rect">
+            <a:avLst/>
+          </a:prstGeom>
+          <a:noFill/>
+        </p:spPr>
+        <p:txBody>
+          <a:bodyPr rot="0" spcFirstLastPara="0" vertOverflow="overflow" horzOverflow="overflow" vert="horz" wrap="square" lIns="91440" tIns="45720" rIns="91440" bIns="45720" numCol="1" spcCol="0" rtlCol="0" fromWordArt="0" anchor="t" anchorCtr="0" forceAA="0" compatLnSpc="1">
+            <a:prstTxWarp prst="textNoShape">
+              <a:avLst/>
+            </a:prstTxWarp>
+            <a:spAutoFit/>
+          </a:bodyPr>
+          <a:lstStyle/>
+          <a:p>
+            <a:pPr algn="l"/>
+            <a:r>
+              <a:rPr lang="en-US" dirty="0">
+                <a:solidFill>
+                  <a:srgbClr val="FFC904"/>
+                </a:solidFill>
+              </a:rPr>
+              <a:t>100</a:t>
+            </a:r>
+          </a:p>
+        </p:txBody>
+      </p:sp>
+      <p:sp>
+        <p:nvSpPr>
+          <p:cNvPr id="58" name="TextBox 57">
+            <a:extLst>
+              <a:ext uri="{FF2B5EF4-FFF2-40B4-BE49-F238E27FC236}">
+                <a16:creationId xmlns:a16="http://schemas.microsoft.com/office/drawing/2014/main" id="{A19A2293-5C2F-7F10-3EFA-9D2FDCD633F6}"/>
+              </a:ext>
+            </a:extLst>
+          </p:cNvPr>
+          <p:cNvSpPr txBox="1"/>
+          <p:nvPr/>
+        </p:nvSpPr>
+        <p:spPr>
+          <a:xfrm>
+            <a:off x="10150842" y="3340063"/>
+            <a:ext cx="572947" cy="369332"/>
+          </a:xfrm>
+          <a:prstGeom prst="rect">
+            <a:avLst/>
+          </a:prstGeom>
+          <a:noFill/>
+        </p:spPr>
+        <p:txBody>
+          <a:bodyPr rot="0" spcFirstLastPara="0" vertOverflow="overflow" horzOverflow="overflow" vert="horz" wrap="square" lIns="91440" tIns="45720" rIns="91440" bIns="45720" numCol="1" spcCol="0" rtlCol="0" fromWordArt="0" anchor="t" anchorCtr="0" forceAA="0" compatLnSpc="1">
+            <a:prstTxWarp prst="textNoShape">
+              <a:avLst/>
+            </a:prstTxWarp>
+            <a:spAutoFit/>
+          </a:bodyPr>
+          <a:lstStyle/>
+          <a:p>
+            <a:pPr algn="l"/>
+            <a:r>
+              <a:rPr lang="en-US" dirty="0">
+                <a:solidFill>
+                  <a:srgbClr val="FFC904"/>
+                </a:solidFill>
+              </a:rPr>
+              <a:t>100</a:t>
+            </a:r>
+          </a:p>
+        </p:txBody>
+      </p:sp>
+      <p:sp>
+        <p:nvSpPr>
+          <p:cNvPr id="59" name="TextBox 58">
+            <a:extLst>
+              <a:ext uri="{FF2B5EF4-FFF2-40B4-BE49-F238E27FC236}">
+                <a16:creationId xmlns:a16="http://schemas.microsoft.com/office/drawing/2014/main" id="{58760EAD-49A4-C5A5-D613-E645E6A51307}"/>
+              </a:ext>
+            </a:extLst>
+          </p:cNvPr>
+          <p:cNvSpPr txBox="1"/>
+          <p:nvPr/>
+        </p:nvSpPr>
+        <p:spPr>
+          <a:xfrm>
+            <a:off x="3655200" y="1147730"/>
+            <a:ext cx="5241402" cy="707886"/>
+          </a:xfrm>
+          <a:prstGeom prst="rect">
+            <a:avLst/>
+          </a:prstGeom>
+          <a:noFill/>
+        </p:spPr>
+        <p:txBody>
+          <a:bodyPr rot="0" spcFirstLastPara="0" vertOverflow="overflow" horzOverflow="overflow" vert="horz" wrap="square" lIns="91440" tIns="45720" rIns="91440" bIns="45720" numCol="1" spcCol="0" rtlCol="0" fromWordArt="0" anchor="t" anchorCtr="0" forceAA="0" compatLnSpc="1">
+            <a:prstTxWarp prst="textNoShape">
+              <a:avLst/>
+            </a:prstTxWarp>
+            <a:spAutoFit/>
+          </a:bodyPr>
+          <a:lstStyle/>
+          <a:p>
+            <a:r>
+              <a:rPr lang="en-US" sz="4000" b="1" dirty="0">
+                <a:solidFill>
+                  <a:srgbClr val="FFC904"/>
+                </a:solidFill>
+                <a:latin typeface="Aharoni"/>
+                <a:cs typeface="Aharoni"/>
+              </a:rPr>
+              <a:t>ACCESIBILITY</a:t>
+            </a:r>
+            <a:r>
+              <a:rPr lang="en-US" sz="4000" dirty="0">
+                <a:solidFill>
+                  <a:srgbClr val="FFC904"/>
+                </a:solidFill>
+                <a:latin typeface="Aharoni"/>
+                <a:cs typeface="Aharoni"/>
+              </a:rPr>
+              <a:t> SCORE </a:t>
+            </a:r>
+          </a:p>
+        </p:txBody>
+      </p:sp>
+      <p:cxnSp>
+        <p:nvCxnSpPr>
+          <p:cNvPr id="60" name="Straight Arrow Connector 59">
+            <a:extLst>
+              <a:ext uri="{FF2B5EF4-FFF2-40B4-BE49-F238E27FC236}">
+                <a16:creationId xmlns:a16="http://schemas.microsoft.com/office/drawing/2014/main" id="{2A5E8EC0-B832-3C5D-DF69-675A247186A0}"/>
+              </a:ext>
+            </a:extLst>
+          </p:cNvPr>
+          <p:cNvCxnSpPr/>
+          <p:nvPr/>
+        </p:nvCxnSpPr>
+        <p:spPr>
+          <a:xfrm flipV="1">
+            <a:off x="3111660" y="5255869"/>
+            <a:ext cx="6306272" cy="11575"/>
+          </a:xfrm>
+          <a:prstGeom prst="straightConnector1">
+            <a:avLst/>
+          </a:prstGeom>
+          <a:ln>
+            <a:solidFill>
+              <a:srgbClr val="FFC904"/>
+            </a:solidFill>
+          </a:ln>
+        </p:spPr>
+        <p:style>
+          <a:lnRef idx="3">
+            <a:schemeClr val="dk1"/>
+          </a:lnRef>
+          <a:fillRef idx="0">
+            <a:schemeClr val="dk1"/>
+          </a:fillRef>
+          <a:effectRef idx="2">
+            <a:schemeClr val="dk1"/>
+          </a:effectRef>
+          <a:fontRef idx="minor">
+            <a:schemeClr val="tx1"/>
+          </a:fontRef>
+        </p:style>
+      </p:cxnSp>
+    </p:spTree>
+    <p:extLst>
+      <p:ext uri="{BB962C8B-B14F-4D97-AF65-F5344CB8AC3E}">
+        <p14:creationId xmlns:p14="http://schemas.microsoft.com/office/powerpoint/2010/main" val="3939996574"/>
       </p:ext>
     </p:extLst>
   </p:cSld>

--- a/Presentation 4.pptx
+++ b/Presentation 4.pptx
@@ -10,13 +10,15 @@
     <p:sldId id="258" r:id="rId4"/>
     <p:sldId id="259" r:id="rId5"/>
     <p:sldId id="260" r:id="rId6"/>
-    <p:sldId id="261" r:id="rId7"/>
-    <p:sldId id="263" r:id="rId8"/>
-    <p:sldId id="264" r:id="rId9"/>
-    <p:sldId id="265" r:id="rId10"/>
-    <p:sldId id="266" r:id="rId11"/>
-    <p:sldId id="267" r:id="rId12"/>
-    <p:sldId id="268" r:id="rId13"/>
+    <p:sldId id="271" r:id="rId7"/>
+    <p:sldId id="270" r:id="rId8"/>
+    <p:sldId id="269" r:id="rId9"/>
+    <p:sldId id="263" r:id="rId10"/>
+    <p:sldId id="264" r:id="rId11"/>
+    <p:sldId id="265" r:id="rId12"/>
+    <p:sldId id="266" r:id="rId13"/>
+    <p:sldId id="267" r:id="rId14"/>
+    <p:sldId id="268" r:id="rId15"/>
   </p:sldIdLst>
   <p:sldSz cx="12192000" cy="6858000"/>
   <p:notesSz cx="6858000" cy="9144000"/>
@@ -126,11 +128,9 @@
 <file path=ppt/revisionInfo.xml><?xml version="1.0" encoding="utf-8"?>
 <p1510:revInfo xmlns:a="http://schemas.openxmlformats.org/drawingml/2006/main" xmlns:r="http://schemas.openxmlformats.org/officeDocument/2006/relationships" xmlns:p1510="http://schemas.microsoft.com/office/powerpoint/2015/10/main">
   <p1510:revLst>
-    <p1510:client id="{17F6FB10-D19F-F82F-111F-7BA79CDA3245}" v="502" dt="2024-09-14T23:05:51.466"/>
-    <p1510:client id="{253BC969-2E91-ADCF-79F0-CE67B77A9BB5}" v="444" dt="2024-09-14T22:16:05.224"/>
-    <p1510:client id="{39C82706-E5D6-845F-2659-19DAC6550CF0}" v="1443" dt="2024-09-14T21:42:15.518"/>
-    <p1510:client id="{E815CD74-E08A-2120-567E-BFD8C86BCC8E}" v="713" dt="2024-09-14T23:39:45.509"/>
-    <p1510:client id="{E9594A5A-FC3E-A1BD-995F-F1B5D5AB0988}" v="277" dt="2024-09-14T21:05:32.600"/>
+    <p1510:client id="{42DD36D8-5935-B9B6-1F96-6E75E7517519}" v="1734" dt="2024-09-20T16:20:28.623"/>
+    <p1510:client id="{47F0B11F-814B-EAE3-DF0B-27109224E42E}" v="41" dt="2024-09-18T21:36:39.889"/>
+    <p1510:client id="{A9DCF384-C92A-B5A3-8D2F-21CDA288C552}" v="174" dt="2024-09-20T15:45:30.667"/>
   </p1510:revLst>
 </p1510:revInfo>
 </file>
@@ -266,7 +266,7 @@
           <a:p>
             <a:fld id="{846CE7D5-CF57-46EF-B807-FDD0502418D4}" type="datetimeFigureOut">
               <a:rPr lang="en-US" smtClean="0"/>
-              <a:t>9/14/2024</a:t>
+              <a:t>9/20/2024</a:t>
             </a:fld>
             <a:endParaRPr lang="en-US"/>
           </a:p>
@@ -436,7 +436,7 @@
           <a:p>
             <a:fld id="{846CE7D5-CF57-46EF-B807-FDD0502418D4}" type="datetimeFigureOut">
               <a:rPr lang="en-US" smtClean="0"/>
-              <a:t>9/14/2024</a:t>
+              <a:t>9/20/2024</a:t>
             </a:fld>
             <a:endParaRPr lang="en-US"/>
           </a:p>
@@ -616,7 +616,7 @@
           <a:p>
             <a:fld id="{846CE7D5-CF57-46EF-B807-FDD0502418D4}" type="datetimeFigureOut">
               <a:rPr lang="en-US" smtClean="0"/>
-              <a:t>9/14/2024</a:t>
+              <a:t>9/20/2024</a:t>
             </a:fld>
             <a:endParaRPr lang="en-US"/>
           </a:p>
@@ -786,7 +786,7 @@
           <a:p>
             <a:fld id="{846CE7D5-CF57-46EF-B807-FDD0502418D4}" type="datetimeFigureOut">
               <a:rPr lang="en-US" smtClean="0"/>
-              <a:t>9/14/2024</a:t>
+              <a:t>9/20/2024</a:t>
             </a:fld>
             <a:endParaRPr lang="en-US"/>
           </a:p>
@@ -1032,7 +1032,7 @@
           <a:p>
             <a:fld id="{846CE7D5-CF57-46EF-B807-FDD0502418D4}" type="datetimeFigureOut">
               <a:rPr lang="en-US" smtClean="0"/>
-              <a:t>9/14/2024</a:t>
+              <a:t>9/20/2024</a:t>
             </a:fld>
             <a:endParaRPr lang="en-US"/>
           </a:p>
@@ -1264,7 +1264,7 @@
           <a:p>
             <a:fld id="{846CE7D5-CF57-46EF-B807-FDD0502418D4}" type="datetimeFigureOut">
               <a:rPr lang="en-US" smtClean="0"/>
-              <a:t>9/14/2024</a:t>
+              <a:t>9/20/2024</a:t>
             </a:fld>
             <a:endParaRPr lang="en-US"/>
           </a:p>
@@ -1631,7 +1631,7 @@
           <a:p>
             <a:fld id="{846CE7D5-CF57-46EF-B807-FDD0502418D4}" type="datetimeFigureOut">
               <a:rPr lang="en-US" smtClean="0"/>
-              <a:t>9/14/2024</a:t>
+              <a:t>9/20/2024</a:t>
             </a:fld>
             <a:endParaRPr lang="en-US"/>
           </a:p>
@@ -1749,7 +1749,7 @@
           <a:p>
             <a:fld id="{846CE7D5-CF57-46EF-B807-FDD0502418D4}" type="datetimeFigureOut">
               <a:rPr lang="en-US" smtClean="0"/>
-              <a:t>9/14/2024</a:t>
+              <a:t>9/20/2024</a:t>
             </a:fld>
             <a:endParaRPr lang="en-US"/>
           </a:p>
@@ -1844,7 +1844,7 @@
           <a:p>
             <a:fld id="{846CE7D5-CF57-46EF-B807-FDD0502418D4}" type="datetimeFigureOut">
               <a:rPr lang="en-US" smtClean="0"/>
-              <a:t>9/14/2024</a:t>
+              <a:t>9/20/2024</a:t>
             </a:fld>
             <a:endParaRPr lang="en-US"/>
           </a:p>
@@ -2121,7 +2121,7 @@
           <a:p>
             <a:fld id="{846CE7D5-CF57-46EF-B807-FDD0502418D4}" type="datetimeFigureOut">
               <a:rPr lang="en-US" smtClean="0"/>
-              <a:t>9/14/2024</a:t>
+              <a:t>9/20/2024</a:t>
             </a:fld>
             <a:endParaRPr lang="en-US"/>
           </a:p>
@@ -2378,7 +2378,7 @@
           <a:p>
             <a:fld id="{846CE7D5-CF57-46EF-B807-FDD0502418D4}" type="datetimeFigureOut">
               <a:rPr lang="en-US" smtClean="0"/>
-              <a:t>9/14/2024</a:t>
+              <a:t>9/20/2024</a:t>
             </a:fld>
             <a:endParaRPr lang="en-US"/>
           </a:p>
@@ -2591,7 +2591,7 @@
           <a:p>
             <a:fld id="{846CE7D5-CF57-46EF-B807-FDD0502418D4}" type="datetimeFigureOut">
               <a:rPr lang="en-US" smtClean="0"/>
-              <a:t>9/14/2024</a:t>
+              <a:t>9/20/2024</a:t>
             </a:fld>
             <a:endParaRPr lang="en-US"/>
           </a:p>
@@ -3187,12 +3187,1299 @@
           <a:chExt cx="0" cy="0"/>
         </a:xfrm>
       </p:grpSpPr>
-      <p:sp>
-        <p:nvSpPr>
-          <p:cNvPr id="59" name="TextBox 58">
-            <a:extLst>
-              <a:ext uri="{FF2B5EF4-FFF2-40B4-BE49-F238E27FC236}">
-                <a16:creationId xmlns:a16="http://schemas.microsoft.com/office/drawing/2014/main" id="{58760EAD-49A4-C5A5-D613-E645E6A51307}"/>
+      <p:pic>
+        <p:nvPicPr>
+          <p:cNvPr id="2" name="Picture 1" descr="A white person with black background&#10;&#10;Description automatically generated">
+            <a:extLst>
+              <a:ext uri="{FF2B5EF4-FFF2-40B4-BE49-F238E27FC236}">
+                <a16:creationId xmlns:a16="http://schemas.microsoft.com/office/drawing/2014/main" id="{74A58006-E6E9-6D32-A306-5F0BFA8752A3}"/>
+              </a:ext>
+            </a:extLst>
+          </p:cNvPr>
+          <p:cNvPicPr>
+            <a:picLocks noChangeAspect="1"/>
+          </p:cNvPicPr>
+          <p:nvPr/>
+        </p:nvPicPr>
+        <p:blipFill>
+          <a:blip r:embed="rId3"/>
+          <a:stretch>
+            <a:fillRect/>
+          </a:stretch>
+        </p:blipFill>
+        <p:spPr>
+          <a:xfrm>
+            <a:off x="748881" y="2283502"/>
+            <a:ext cx="753448" cy="1878768"/>
+          </a:xfrm>
+          <a:prstGeom prst="rect">
+            <a:avLst/>
+          </a:prstGeom>
+        </p:spPr>
+      </p:pic>
+      <p:sp>
+        <p:nvSpPr>
+          <p:cNvPr id="3" name="Rectangle: Rounded Corners 2">
+            <a:extLst>
+              <a:ext uri="{FF2B5EF4-FFF2-40B4-BE49-F238E27FC236}">
+                <a16:creationId xmlns:a16="http://schemas.microsoft.com/office/drawing/2014/main" id="{6BB5E8A8-4790-85EE-8890-EB89F2ACF3A0}"/>
+              </a:ext>
+            </a:extLst>
+          </p:cNvPr>
+          <p:cNvSpPr/>
+          <p:nvPr/>
+        </p:nvSpPr>
+        <p:spPr>
+          <a:xfrm>
+            <a:off x="1876738" y="632883"/>
+            <a:ext cx="8506134" cy="5756208"/>
+          </a:xfrm>
+          <a:prstGeom prst="roundRect">
+            <a:avLst/>
+          </a:prstGeom>
+          <a:noFill/>
+          <a:ln w="28575">
+            <a:solidFill>
+              <a:srgbClr val="FFC904"/>
+            </a:solidFill>
+          </a:ln>
+        </p:spPr>
+        <p:style>
+          <a:lnRef idx="2">
+            <a:schemeClr val="accent1">
+              <a:shade val="15000"/>
+            </a:schemeClr>
+          </a:lnRef>
+          <a:fillRef idx="1">
+            <a:schemeClr val="accent1"/>
+          </a:fillRef>
+          <a:effectRef idx="0">
+            <a:schemeClr val="accent1"/>
+          </a:effectRef>
+          <a:fontRef idx="minor">
+            <a:schemeClr val="lt1"/>
+          </a:fontRef>
+        </p:style>
+        <p:txBody>
+          <a:bodyPr rtlCol="0" anchor="ctr"/>
+          <a:lstStyle/>
+          <a:p>
+            <a:pPr algn="ctr"/>
+            <a:endParaRPr lang="en-US"/>
+          </a:p>
+        </p:txBody>
+      </p:sp>
+      <p:sp>
+        <p:nvSpPr>
+          <p:cNvPr id="4" name="Oval 3">
+            <a:extLst>
+              <a:ext uri="{FF2B5EF4-FFF2-40B4-BE49-F238E27FC236}">
+                <a16:creationId xmlns:a16="http://schemas.microsoft.com/office/drawing/2014/main" id="{3DFD4F25-1EAC-1ECD-F406-182F285ED0DD}"/>
+              </a:ext>
+            </a:extLst>
+          </p:cNvPr>
+          <p:cNvSpPr/>
+          <p:nvPr/>
+        </p:nvSpPr>
+        <p:spPr>
+          <a:xfrm>
+            <a:off x="2863253" y="1947967"/>
+            <a:ext cx="1262494" cy="680571"/>
+          </a:xfrm>
+          <a:prstGeom prst="ellipse">
+            <a:avLst/>
+          </a:prstGeom>
+          <a:noFill/>
+          <a:ln>
+            <a:solidFill>
+              <a:srgbClr val="FFC904"/>
+            </a:solidFill>
+          </a:ln>
+        </p:spPr>
+        <p:style>
+          <a:lnRef idx="2">
+            <a:schemeClr val="accent1">
+              <a:shade val="15000"/>
+            </a:schemeClr>
+          </a:lnRef>
+          <a:fillRef idx="1">
+            <a:schemeClr val="accent1"/>
+          </a:fillRef>
+          <a:effectRef idx="0">
+            <a:schemeClr val="accent1"/>
+          </a:effectRef>
+          <a:fontRef idx="minor">
+            <a:schemeClr val="lt1"/>
+          </a:fontRef>
+        </p:style>
+        <p:txBody>
+          <a:bodyPr rtlCol="0" anchor="ctr"/>
+          <a:lstStyle/>
+          <a:p>
+            <a:pPr algn="ctr"/>
+            <a:r>
+              <a:rPr lang="en-US" sz="1400" dirty="0"/>
+              <a:t>Register</a:t>
+            </a:r>
+          </a:p>
+        </p:txBody>
+      </p:sp>
+      <p:sp>
+        <p:nvSpPr>
+          <p:cNvPr id="5" name="Oval 4">
+            <a:extLst>
+              <a:ext uri="{FF2B5EF4-FFF2-40B4-BE49-F238E27FC236}">
+                <a16:creationId xmlns:a16="http://schemas.microsoft.com/office/drawing/2014/main" id="{C8610BED-1BD5-2DFF-8A36-4EFFD09929FD}"/>
+              </a:ext>
+            </a:extLst>
+          </p:cNvPr>
+          <p:cNvSpPr/>
+          <p:nvPr/>
+        </p:nvSpPr>
+        <p:spPr>
+          <a:xfrm>
+            <a:off x="2863253" y="3971800"/>
+            <a:ext cx="1262494" cy="655588"/>
+          </a:xfrm>
+          <a:prstGeom prst="ellipse">
+            <a:avLst/>
+          </a:prstGeom>
+          <a:noFill/>
+          <a:ln>
+            <a:solidFill>
+              <a:srgbClr val="FFC904"/>
+            </a:solidFill>
+          </a:ln>
+        </p:spPr>
+        <p:style>
+          <a:lnRef idx="2">
+            <a:schemeClr val="accent1">
+              <a:shade val="15000"/>
+            </a:schemeClr>
+          </a:lnRef>
+          <a:fillRef idx="1">
+            <a:schemeClr val="accent1"/>
+          </a:fillRef>
+          <a:effectRef idx="0">
+            <a:schemeClr val="accent1"/>
+          </a:effectRef>
+          <a:fontRef idx="minor">
+            <a:schemeClr val="lt1"/>
+          </a:fontRef>
+        </p:style>
+        <p:txBody>
+          <a:bodyPr lIns="91440" tIns="45720" rIns="91440" bIns="45720" rtlCol="0" anchor="ctr"/>
+          <a:lstStyle/>
+          <a:p>
+            <a:pPr algn="ctr"/>
+            <a:r>
+              <a:rPr lang="en-US" dirty="0"/>
+              <a:t>Login</a:t>
+            </a:r>
+          </a:p>
+        </p:txBody>
+      </p:sp>
+      <p:cxnSp>
+        <p:nvCxnSpPr>
+          <p:cNvPr id="6" name="Connector: Curved 5">
+            <a:extLst>
+              <a:ext uri="{FF2B5EF4-FFF2-40B4-BE49-F238E27FC236}">
+                <a16:creationId xmlns:a16="http://schemas.microsoft.com/office/drawing/2014/main" id="{17DFA387-10EB-B3F2-2BF8-18029907391A}"/>
+              </a:ext>
+            </a:extLst>
+          </p:cNvPr>
+          <p:cNvCxnSpPr/>
+          <p:nvPr/>
+        </p:nvCxnSpPr>
+        <p:spPr>
+          <a:xfrm>
+            <a:off x="1511601" y="3621373"/>
+            <a:ext cx="1339122" cy="677057"/>
+          </a:xfrm>
+          <a:prstGeom prst="curvedConnector3">
+            <a:avLst/>
+          </a:prstGeom>
+          <a:ln>
+            <a:solidFill>
+              <a:srgbClr val="FFC904"/>
+            </a:solidFill>
+            <a:tailEnd type="triangle"/>
+          </a:ln>
+        </p:spPr>
+        <p:style>
+          <a:lnRef idx="2">
+            <a:schemeClr val="accent1"/>
+          </a:lnRef>
+          <a:fillRef idx="0">
+            <a:schemeClr val="accent1"/>
+          </a:fillRef>
+          <a:effectRef idx="1">
+            <a:schemeClr val="accent1"/>
+          </a:effectRef>
+          <a:fontRef idx="minor">
+            <a:schemeClr val="tx1"/>
+          </a:fontRef>
+        </p:style>
+      </p:cxnSp>
+      <p:cxnSp>
+        <p:nvCxnSpPr>
+          <p:cNvPr id="7" name="Connector: Curved 6">
+            <a:extLst>
+              <a:ext uri="{FF2B5EF4-FFF2-40B4-BE49-F238E27FC236}">
+                <a16:creationId xmlns:a16="http://schemas.microsoft.com/office/drawing/2014/main" id="{D124AC3B-E10C-AC25-F3D9-C7CF21248F5D}"/>
+              </a:ext>
+            </a:extLst>
+          </p:cNvPr>
+          <p:cNvCxnSpPr>
+            <a:cxnSpLocks/>
+          </p:cNvCxnSpPr>
+          <p:nvPr/>
+        </p:nvCxnSpPr>
+        <p:spPr>
+          <a:xfrm flipV="1">
+            <a:off x="1511601" y="2549577"/>
+            <a:ext cx="1339122" cy="846944"/>
+          </a:xfrm>
+          <a:prstGeom prst="curvedConnector3">
+            <a:avLst/>
+          </a:prstGeom>
+          <a:ln>
+            <a:solidFill>
+              <a:srgbClr val="FFC904"/>
+            </a:solidFill>
+            <a:tailEnd type="triangle"/>
+          </a:ln>
+        </p:spPr>
+        <p:style>
+          <a:lnRef idx="2">
+            <a:schemeClr val="accent1"/>
+          </a:lnRef>
+          <a:fillRef idx="0">
+            <a:schemeClr val="accent1"/>
+          </a:fillRef>
+          <a:effectRef idx="1">
+            <a:schemeClr val="accent1"/>
+          </a:effectRef>
+          <a:fontRef idx="minor">
+            <a:schemeClr val="tx1"/>
+          </a:fontRef>
+        </p:style>
+      </p:cxnSp>
+      <p:sp>
+        <p:nvSpPr>
+          <p:cNvPr id="8" name="Oval 7">
+            <a:extLst>
+              <a:ext uri="{FF2B5EF4-FFF2-40B4-BE49-F238E27FC236}">
+                <a16:creationId xmlns:a16="http://schemas.microsoft.com/office/drawing/2014/main" id="{31196061-88D2-180E-1DDA-33E9194E0C72}"/>
+              </a:ext>
+            </a:extLst>
+          </p:cNvPr>
+          <p:cNvSpPr/>
+          <p:nvPr/>
+        </p:nvSpPr>
+        <p:spPr>
+          <a:xfrm>
+            <a:off x="4449711" y="2969861"/>
+            <a:ext cx="1369080" cy="601888"/>
+          </a:xfrm>
+          <a:prstGeom prst="ellipse">
+            <a:avLst/>
+          </a:prstGeom>
+          <a:noFill/>
+          <a:ln>
+            <a:solidFill>
+              <a:srgbClr val="FFC904"/>
+            </a:solidFill>
+          </a:ln>
+        </p:spPr>
+        <p:style>
+          <a:lnRef idx="2">
+            <a:schemeClr val="accent1">
+              <a:shade val="15000"/>
+            </a:schemeClr>
+          </a:lnRef>
+          <a:fillRef idx="1">
+            <a:schemeClr val="accent1"/>
+          </a:fillRef>
+          <a:effectRef idx="0">
+            <a:schemeClr val="accent1"/>
+          </a:effectRef>
+          <a:fontRef idx="minor">
+            <a:schemeClr val="lt1"/>
+          </a:fontRef>
+        </p:style>
+        <p:txBody>
+          <a:bodyPr lIns="91440" tIns="45720" rIns="91440" bIns="45720" rtlCol="0" anchor="ctr"/>
+          <a:lstStyle/>
+          <a:p>
+            <a:pPr algn="ctr"/>
+            <a:r>
+              <a:rPr lang="en-US" sz="1200" dirty="0"/>
+              <a:t>Login information</a:t>
+            </a:r>
+          </a:p>
+        </p:txBody>
+      </p:sp>
+      <p:cxnSp>
+        <p:nvCxnSpPr>
+          <p:cNvPr id="11" name="Straight Arrow Connector 10">
+            <a:extLst>
+              <a:ext uri="{FF2B5EF4-FFF2-40B4-BE49-F238E27FC236}">
+                <a16:creationId xmlns:a16="http://schemas.microsoft.com/office/drawing/2014/main" id="{3CA86B59-B538-0BEC-3C91-9721C14C72E5}"/>
+              </a:ext>
+            </a:extLst>
+          </p:cNvPr>
+          <p:cNvCxnSpPr/>
+          <p:nvPr/>
+        </p:nvCxnSpPr>
+        <p:spPr>
+          <a:xfrm flipV="1">
+            <a:off x="4040685" y="3512966"/>
+            <a:ext cx="646394" cy="631500"/>
+          </a:xfrm>
+          <a:prstGeom prst="straightConnector1">
+            <a:avLst/>
+          </a:prstGeom>
+          <a:ln>
+            <a:solidFill>
+              <a:srgbClr val="FFC904"/>
+            </a:solidFill>
+            <a:tailEnd type="triangle"/>
+          </a:ln>
+        </p:spPr>
+        <p:style>
+          <a:lnRef idx="2">
+            <a:schemeClr val="accent1"/>
+          </a:lnRef>
+          <a:fillRef idx="0">
+            <a:schemeClr val="accent1"/>
+          </a:fillRef>
+          <a:effectRef idx="1">
+            <a:schemeClr val="accent1"/>
+          </a:effectRef>
+          <a:fontRef idx="minor">
+            <a:schemeClr val="tx1"/>
+          </a:fontRef>
+        </p:style>
+      </p:cxnSp>
+      <p:cxnSp>
+        <p:nvCxnSpPr>
+          <p:cNvPr id="12" name="Straight Arrow Connector 11">
+            <a:extLst>
+              <a:ext uri="{FF2B5EF4-FFF2-40B4-BE49-F238E27FC236}">
+                <a16:creationId xmlns:a16="http://schemas.microsoft.com/office/drawing/2014/main" id="{B925FBDE-10A7-E546-0148-240574BB4C69}"/>
+              </a:ext>
+            </a:extLst>
+          </p:cNvPr>
+          <p:cNvCxnSpPr>
+            <a:cxnSpLocks/>
+          </p:cNvCxnSpPr>
+          <p:nvPr/>
+        </p:nvCxnSpPr>
+        <p:spPr>
+          <a:xfrm>
+            <a:off x="4157816" y="2357975"/>
+            <a:ext cx="417811" cy="702689"/>
+          </a:xfrm>
+          <a:prstGeom prst="straightConnector1">
+            <a:avLst/>
+          </a:prstGeom>
+          <a:ln>
+            <a:solidFill>
+              <a:srgbClr val="FFC904"/>
+            </a:solidFill>
+            <a:tailEnd type="triangle"/>
+          </a:ln>
+        </p:spPr>
+        <p:style>
+          <a:lnRef idx="2">
+            <a:schemeClr val="accent1"/>
+          </a:lnRef>
+          <a:fillRef idx="0">
+            <a:schemeClr val="accent1"/>
+          </a:fillRef>
+          <a:effectRef idx="1">
+            <a:schemeClr val="accent1"/>
+          </a:effectRef>
+          <a:fontRef idx="minor">
+            <a:schemeClr val="tx1"/>
+          </a:fontRef>
+        </p:style>
+      </p:cxnSp>
+      <p:sp>
+        <p:nvSpPr>
+          <p:cNvPr id="13" name="Oval 12">
+            <a:extLst>
+              <a:ext uri="{FF2B5EF4-FFF2-40B4-BE49-F238E27FC236}">
+                <a16:creationId xmlns:a16="http://schemas.microsoft.com/office/drawing/2014/main" id="{876DB486-BC82-36B3-9972-B09FE628C9A8}"/>
+              </a:ext>
+            </a:extLst>
+          </p:cNvPr>
+          <p:cNvSpPr/>
+          <p:nvPr/>
+        </p:nvSpPr>
+        <p:spPr>
+          <a:xfrm>
+            <a:off x="4624597" y="1036228"/>
+            <a:ext cx="1262494" cy="680571"/>
+          </a:xfrm>
+          <a:prstGeom prst="ellipse">
+            <a:avLst/>
+          </a:prstGeom>
+          <a:noFill/>
+          <a:ln>
+            <a:solidFill>
+              <a:srgbClr val="FFC904"/>
+            </a:solidFill>
+          </a:ln>
+        </p:spPr>
+        <p:style>
+          <a:lnRef idx="2">
+            <a:schemeClr val="accent1">
+              <a:shade val="15000"/>
+            </a:schemeClr>
+          </a:lnRef>
+          <a:fillRef idx="1">
+            <a:schemeClr val="accent1"/>
+          </a:fillRef>
+          <a:effectRef idx="0">
+            <a:schemeClr val="accent1"/>
+          </a:effectRef>
+          <a:fontRef idx="minor">
+            <a:schemeClr val="lt1"/>
+          </a:fontRef>
+        </p:style>
+        <p:txBody>
+          <a:bodyPr lIns="91440" tIns="45720" rIns="91440" bIns="45720" rtlCol="0" anchor="ctr"/>
+          <a:lstStyle/>
+          <a:p>
+            <a:pPr algn="ctr"/>
+            <a:r>
+              <a:rPr lang="en-US" sz="1600" dirty="0"/>
+              <a:t>User Error</a:t>
+            </a:r>
+            <a:endParaRPr lang="en-US" dirty="0"/>
+          </a:p>
+        </p:txBody>
+      </p:sp>
+      <p:cxnSp>
+        <p:nvCxnSpPr>
+          <p:cNvPr id="15" name="Straight Arrow Connector 14">
+            <a:extLst>
+              <a:ext uri="{FF2B5EF4-FFF2-40B4-BE49-F238E27FC236}">
+                <a16:creationId xmlns:a16="http://schemas.microsoft.com/office/drawing/2014/main" id="{BB0EB13E-1ED1-C2A6-D5D2-80334A9440DD}"/>
+              </a:ext>
+            </a:extLst>
+          </p:cNvPr>
+          <p:cNvCxnSpPr>
+            <a:cxnSpLocks/>
+          </p:cNvCxnSpPr>
+          <p:nvPr/>
+        </p:nvCxnSpPr>
+        <p:spPr>
+          <a:xfrm flipV="1">
+            <a:off x="5270074" y="1711062"/>
+            <a:ext cx="2499" cy="1246682"/>
+          </a:xfrm>
+          <a:prstGeom prst="straightConnector1">
+            <a:avLst/>
+          </a:prstGeom>
+          <a:ln>
+            <a:solidFill>
+              <a:srgbClr val="FFC904"/>
+            </a:solidFill>
+            <a:tailEnd type="triangle"/>
+          </a:ln>
+        </p:spPr>
+        <p:style>
+          <a:lnRef idx="2">
+            <a:schemeClr val="accent1"/>
+          </a:lnRef>
+          <a:fillRef idx="0">
+            <a:schemeClr val="accent1"/>
+          </a:fillRef>
+          <a:effectRef idx="1">
+            <a:schemeClr val="accent1"/>
+          </a:effectRef>
+          <a:fontRef idx="minor">
+            <a:schemeClr val="tx1"/>
+          </a:fontRef>
+        </p:style>
+      </p:cxnSp>
+      <p:sp>
+        <p:nvSpPr>
+          <p:cNvPr id="16" name="Oval 15">
+            <a:extLst>
+              <a:ext uri="{FF2B5EF4-FFF2-40B4-BE49-F238E27FC236}">
+                <a16:creationId xmlns:a16="http://schemas.microsoft.com/office/drawing/2014/main" id="{E7E84311-C917-B1FA-FA53-9BA6963ACEE9}"/>
+              </a:ext>
+            </a:extLst>
+          </p:cNvPr>
+          <p:cNvSpPr/>
+          <p:nvPr/>
+        </p:nvSpPr>
+        <p:spPr>
+          <a:xfrm>
+            <a:off x="6573320" y="3072392"/>
+            <a:ext cx="1374917" cy="618112"/>
+          </a:xfrm>
+          <a:prstGeom prst="ellipse">
+            <a:avLst/>
+          </a:prstGeom>
+          <a:noFill/>
+          <a:ln>
+            <a:solidFill>
+              <a:srgbClr val="FFC904"/>
+            </a:solidFill>
+          </a:ln>
+        </p:spPr>
+        <p:style>
+          <a:lnRef idx="2">
+            <a:schemeClr val="accent1">
+              <a:shade val="15000"/>
+            </a:schemeClr>
+          </a:lnRef>
+          <a:fillRef idx="1">
+            <a:schemeClr val="accent1"/>
+          </a:fillRef>
+          <a:effectRef idx="0">
+            <a:schemeClr val="accent1"/>
+          </a:effectRef>
+          <a:fontRef idx="minor">
+            <a:schemeClr val="lt1"/>
+          </a:fontRef>
+        </p:style>
+        <p:txBody>
+          <a:bodyPr lIns="91440" tIns="45720" rIns="91440" bIns="45720" rtlCol="0" anchor="ctr"/>
+          <a:lstStyle/>
+          <a:p>
+            <a:pPr algn="ctr"/>
+            <a:r>
+              <a:rPr lang="en-US" sz="1100" dirty="0"/>
+              <a:t>Authenticate</a:t>
+            </a:r>
+          </a:p>
+        </p:txBody>
+      </p:sp>
+      <p:cxnSp>
+        <p:nvCxnSpPr>
+          <p:cNvPr id="17" name="Straight Arrow Connector 16">
+            <a:extLst>
+              <a:ext uri="{FF2B5EF4-FFF2-40B4-BE49-F238E27FC236}">
+                <a16:creationId xmlns:a16="http://schemas.microsoft.com/office/drawing/2014/main" id="{D21B905E-365C-8DEA-A116-E69D342924E3}"/>
+              </a:ext>
+            </a:extLst>
+          </p:cNvPr>
+          <p:cNvCxnSpPr>
+            <a:cxnSpLocks/>
+          </p:cNvCxnSpPr>
+          <p:nvPr/>
+        </p:nvCxnSpPr>
+        <p:spPr>
+          <a:xfrm flipV="1">
+            <a:off x="5816466" y="3350082"/>
+            <a:ext cx="755251" cy="2692"/>
+          </a:xfrm>
+          <a:prstGeom prst="straightConnector1">
+            <a:avLst/>
+          </a:prstGeom>
+          <a:ln>
+            <a:solidFill>
+              <a:srgbClr val="FFC904"/>
+            </a:solidFill>
+            <a:tailEnd type="triangle"/>
+          </a:ln>
+        </p:spPr>
+        <p:style>
+          <a:lnRef idx="2">
+            <a:schemeClr val="accent1"/>
+          </a:lnRef>
+          <a:fillRef idx="0">
+            <a:schemeClr val="accent1"/>
+          </a:fillRef>
+          <a:effectRef idx="1">
+            <a:schemeClr val="accent1"/>
+          </a:effectRef>
+          <a:fontRef idx="minor">
+            <a:schemeClr val="tx1"/>
+          </a:fontRef>
+        </p:style>
+      </p:cxnSp>
+      <p:sp>
+        <p:nvSpPr>
+          <p:cNvPr id="18" name="Oval 17">
+            <a:extLst>
+              <a:ext uri="{FF2B5EF4-FFF2-40B4-BE49-F238E27FC236}">
+                <a16:creationId xmlns:a16="http://schemas.microsoft.com/office/drawing/2014/main" id="{457857ED-7DBA-D627-982D-04E4B423C573}"/>
+              </a:ext>
+            </a:extLst>
+          </p:cNvPr>
+          <p:cNvSpPr/>
+          <p:nvPr/>
+        </p:nvSpPr>
+        <p:spPr>
+          <a:xfrm>
+            <a:off x="8921776" y="4821241"/>
+            <a:ext cx="1037642" cy="543162"/>
+          </a:xfrm>
+          <a:prstGeom prst="ellipse">
+            <a:avLst/>
+          </a:prstGeom>
+          <a:noFill/>
+          <a:ln>
+            <a:solidFill>
+              <a:srgbClr val="FFC904"/>
+            </a:solidFill>
+          </a:ln>
+        </p:spPr>
+        <p:style>
+          <a:lnRef idx="2">
+            <a:schemeClr val="accent1">
+              <a:shade val="15000"/>
+            </a:schemeClr>
+          </a:lnRef>
+          <a:fillRef idx="1">
+            <a:schemeClr val="accent1"/>
+          </a:fillRef>
+          <a:effectRef idx="0">
+            <a:schemeClr val="accent1"/>
+          </a:effectRef>
+          <a:fontRef idx="minor">
+            <a:schemeClr val="lt1"/>
+          </a:fontRef>
+        </p:style>
+        <p:txBody>
+          <a:bodyPr lIns="91440" tIns="45720" rIns="91440" bIns="45720" rtlCol="0" anchor="ctr"/>
+          <a:lstStyle/>
+          <a:p>
+            <a:pPr algn="ctr"/>
+            <a:r>
+              <a:rPr lang="en-US" sz="1200" dirty="0"/>
+              <a:t>Delete Contact</a:t>
+            </a:r>
+          </a:p>
+        </p:txBody>
+      </p:sp>
+      <p:sp>
+        <p:nvSpPr>
+          <p:cNvPr id="19" name="Oval 18">
+            <a:extLst>
+              <a:ext uri="{FF2B5EF4-FFF2-40B4-BE49-F238E27FC236}">
+                <a16:creationId xmlns:a16="http://schemas.microsoft.com/office/drawing/2014/main" id="{D93EC4EC-F291-1F17-8FB3-D4B14115BB9B}"/>
+              </a:ext>
+            </a:extLst>
+          </p:cNvPr>
+          <p:cNvSpPr/>
+          <p:nvPr/>
+        </p:nvSpPr>
+        <p:spPr>
+          <a:xfrm>
+            <a:off x="8921776" y="3796913"/>
+            <a:ext cx="1037642" cy="543162"/>
+          </a:xfrm>
+          <a:prstGeom prst="ellipse">
+            <a:avLst/>
+          </a:prstGeom>
+          <a:noFill/>
+          <a:ln>
+            <a:solidFill>
+              <a:srgbClr val="FFC904"/>
+            </a:solidFill>
+          </a:ln>
+        </p:spPr>
+        <p:style>
+          <a:lnRef idx="2">
+            <a:schemeClr val="accent1">
+              <a:shade val="15000"/>
+            </a:schemeClr>
+          </a:lnRef>
+          <a:fillRef idx="1">
+            <a:schemeClr val="accent1"/>
+          </a:fillRef>
+          <a:effectRef idx="0">
+            <a:schemeClr val="accent1"/>
+          </a:effectRef>
+          <a:fontRef idx="minor">
+            <a:schemeClr val="lt1"/>
+          </a:fontRef>
+        </p:style>
+        <p:txBody>
+          <a:bodyPr lIns="91440" tIns="45720" rIns="91440" bIns="45720" rtlCol="0" anchor="ctr"/>
+          <a:lstStyle/>
+          <a:p>
+            <a:pPr algn="ctr"/>
+            <a:r>
+              <a:rPr lang="en-US" sz="1200" dirty="0"/>
+              <a:t>Update Contact</a:t>
+            </a:r>
+          </a:p>
+        </p:txBody>
+      </p:sp>
+      <p:sp>
+        <p:nvSpPr>
+          <p:cNvPr id="20" name="Oval 19">
+            <a:extLst>
+              <a:ext uri="{FF2B5EF4-FFF2-40B4-BE49-F238E27FC236}">
+                <a16:creationId xmlns:a16="http://schemas.microsoft.com/office/drawing/2014/main" id="{88C021C1-EEA9-25BB-8F7B-0B2861711048}"/>
+              </a:ext>
+            </a:extLst>
+          </p:cNvPr>
+          <p:cNvSpPr/>
+          <p:nvPr/>
+        </p:nvSpPr>
+        <p:spPr>
+          <a:xfrm>
+            <a:off x="8921776" y="2772585"/>
+            <a:ext cx="1037642" cy="543162"/>
+          </a:xfrm>
+          <a:prstGeom prst="ellipse">
+            <a:avLst/>
+          </a:prstGeom>
+          <a:noFill/>
+          <a:ln>
+            <a:solidFill>
+              <a:srgbClr val="FFC904"/>
+            </a:solidFill>
+          </a:ln>
+        </p:spPr>
+        <p:style>
+          <a:lnRef idx="2">
+            <a:schemeClr val="accent1">
+              <a:shade val="15000"/>
+            </a:schemeClr>
+          </a:lnRef>
+          <a:fillRef idx="1">
+            <a:schemeClr val="accent1"/>
+          </a:fillRef>
+          <a:effectRef idx="0">
+            <a:schemeClr val="accent1"/>
+          </a:effectRef>
+          <a:fontRef idx="minor">
+            <a:schemeClr val="lt1"/>
+          </a:fontRef>
+        </p:style>
+        <p:txBody>
+          <a:bodyPr lIns="91440" tIns="45720" rIns="91440" bIns="45720" rtlCol="0" anchor="ctr"/>
+          <a:lstStyle/>
+          <a:p>
+            <a:pPr algn="ctr"/>
+            <a:r>
+              <a:rPr lang="en-US" sz="1200" dirty="0"/>
+              <a:t>Create Contact</a:t>
+            </a:r>
+          </a:p>
+        </p:txBody>
+      </p:sp>
+      <p:sp>
+        <p:nvSpPr>
+          <p:cNvPr id="21" name="Oval 20">
+            <a:extLst>
+              <a:ext uri="{FF2B5EF4-FFF2-40B4-BE49-F238E27FC236}">
+                <a16:creationId xmlns:a16="http://schemas.microsoft.com/office/drawing/2014/main" id="{305B0EDC-39A1-2F6D-9ED4-64306DAE0CD9}"/>
+              </a:ext>
+            </a:extLst>
+          </p:cNvPr>
+          <p:cNvSpPr/>
+          <p:nvPr/>
+        </p:nvSpPr>
+        <p:spPr>
+          <a:xfrm>
+            <a:off x="8921774" y="1748256"/>
+            <a:ext cx="1037642" cy="543162"/>
+          </a:xfrm>
+          <a:prstGeom prst="ellipse">
+            <a:avLst/>
+          </a:prstGeom>
+          <a:noFill/>
+          <a:ln>
+            <a:solidFill>
+              <a:srgbClr val="FFC904"/>
+            </a:solidFill>
+          </a:ln>
+        </p:spPr>
+        <p:style>
+          <a:lnRef idx="2">
+            <a:schemeClr val="accent1">
+              <a:shade val="15000"/>
+            </a:schemeClr>
+          </a:lnRef>
+          <a:fillRef idx="1">
+            <a:schemeClr val="accent1"/>
+          </a:fillRef>
+          <a:effectRef idx="0">
+            <a:schemeClr val="accent1"/>
+          </a:effectRef>
+          <a:fontRef idx="minor">
+            <a:schemeClr val="lt1"/>
+          </a:fontRef>
+        </p:style>
+        <p:txBody>
+          <a:bodyPr lIns="91440" tIns="45720" rIns="91440" bIns="45720" rtlCol="0" anchor="ctr"/>
+          <a:lstStyle/>
+          <a:p>
+            <a:pPr algn="ctr"/>
+            <a:r>
+              <a:rPr lang="en-US" sz="1100" dirty="0"/>
+              <a:t>Search Contact</a:t>
+            </a:r>
+          </a:p>
+        </p:txBody>
+      </p:sp>
+      <p:sp>
+        <p:nvSpPr>
+          <p:cNvPr id="23" name="Oval 22">
+            <a:extLst>
+              <a:ext uri="{FF2B5EF4-FFF2-40B4-BE49-F238E27FC236}">
+                <a16:creationId xmlns:a16="http://schemas.microsoft.com/office/drawing/2014/main" id="{10D028C6-3AFB-D2E3-9FD7-A8B3E68F6A4F}"/>
+              </a:ext>
+            </a:extLst>
+          </p:cNvPr>
+          <p:cNvSpPr/>
+          <p:nvPr/>
+        </p:nvSpPr>
+        <p:spPr>
+          <a:xfrm>
+            <a:off x="5489451" y="5061506"/>
+            <a:ext cx="1262494" cy="655588"/>
+          </a:xfrm>
+          <a:prstGeom prst="ellipse">
+            <a:avLst/>
+          </a:prstGeom>
+          <a:noFill/>
+          <a:ln>
+            <a:solidFill>
+              <a:srgbClr val="FFC904"/>
+            </a:solidFill>
+          </a:ln>
+        </p:spPr>
+        <p:style>
+          <a:lnRef idx="2">
+            <a:schemeClr val="accent1">
+              <a:shade val="15000"/>
+            </a:schemeClr>
+          </a:lnRef>
+          <a:fillRef idx="1">
+            <a:schemeClr val="accent1"/>
+          </a:fillRef>
+          <a:effectRef idx="0">
+            <a:schemeClr val="accent1"/>
+          </a:effectRef>
+          <a:fontRef idx="minor">
+            <a:schemeClr val="lt1"/>
+          </a:fontRef>
+        </p:style>
+        <p:txBody>
+          <a:bodyPr lIns="91440" tIns="45720" rIns="91440" bIns="45720" rtlCol="0" anchor="ctr"/>
+          <a:lstStyle/>
+          <a:p>
+            <a:pPr algn="ctr"/>
+            <a:r>
+              <a:rPr lang="en-US" sz="1600" dirty="0"/>
+              <a:t>Log Out</a:t>
+            </a:r>
+          </a:p>
+        </p:txBody>
+      </p:sp>
+      <p:cxnSp>
+        <p:nvCxnSpPr>
+          <p:cNvPr id="26" name="Straight Arrow Connector 25">
+            <a:extLst>
+              <a:ext uri="{FF2B5EF4-FFF2-40B4-BE49-F238E27FC236}">
+                <a16:creationId xmlns:a16="http://schemas.microsoft.com/office/drawing/2014/main" id="{D03A1155-65D6-200C-C3BC-8AEE6E7FB1BE}"/>
+              </a:ext>
+            </a:extLst>
+          </p:cNvPr>
+          <p:cNvCxnSpPr>
+            <a:cxnSpLocks/>
+          </p:cNvCxnSpPr>
+          <p:nvPr/>
+        </p:nvCxnSpPr>
+        <p:spPr>
+          <a:xfrm flipV="1">
+            <a:off x="7955806" y="2098307"/>
+            <a:ext cx="964368" cy="1271663"/>
+          </a:xfrm>
+          <a:prstGeom prst="straightConnector1">
+            <a:avLst/>
+          </a:prstGeom>
+          <a:ln>
+            <a:solidFill>
+              <a:srgbClr val="FFC904"/>
+            </a:solidFill>
+            <a:tailEnd type="triangle"/>
+          </a:ln>
+        </p:spPr>
+        <p:style>
+          <a:lnRef idx="2">
+            <a:schemeClr val="accent1"/>
+          </a:lnRef>
+          <a:fillRef idx="0">
+            <a:schemeClr val="accent1"/>
+          </a:fillRef>
+          <a:effectRef idx="1">
+            <a:schemeClr val="accent1"/>
+          </a:effectRef>
+          <a:fontRef idx="minor">
+            <a:schemeClr val="tx1"/>
+          </a:fontRef>
+        </p:style>
+      </p:cxnSp>
+      <p:cxnSp>
+        <p:nvCxnSpPr>
+          <p:cNvPr id="27" name="Straight Arrow Connector 26">
+            <a:extLst>
+              <a:ext uri="{FF2B5EF4-FFF2-40B4-BE49-F238E27FC236}">
+                <a16:creationId xmlns:a16="http://schemas.microsoft.com/office/drawing/2014/main" id="{4E06F1CC-AD3A-556C-040D-574934B3F1FE}"/>
+              </a:ext>
+            </a:extLst>
+          </p:cNvPr>
+          <p:cNvCxnSpPr>
+            <a:cxnSpLocks/>
+          </p:cNvCxnSpPr>
+          <p:nvPr/>
+        </p:nvCxnSpPr>
+        <p:spPr>
+          <a:xfrm flipV="1">
+            <a:off x="7955805" y="3060173"/>
+            <a:ext cx="939386" cy="322289"/>
+          </a:xfrm>
+          <a:prstGeom prst="straightConnector1">
+            <a:avLst/>
+          </a:prstGeom>
+          <a:ln>
+            <a:solidFill>
+              <a:srgbClr val="FFC904"/>
+            </a:solidFill>
+            <a:tailEnd type="triangle"/>
+          </a:ln>
+        </p:spPr>
+        <p:style>
+          <a:lnRef idx="2">
+            <a:schemeClr val="accent1"/>
+          </a:lnRef>
+          <a:fillRef idx="0">
+            <a:schemeClr val="accent1"/>
+          </a:fillRef>
+          <a:effectRef idx="1">
+            <a:schemeClr val="accent1"/>
+          </a:effectRef>
+          <a:fontRef idx="minor">
+            <a:schemeClr val="tx1"/>
+          </a:fontRef>
+        </p:style>
+      </p:cxnSp>
+      <p:cxnSp>
+        <p:nvCxnSpPr>
+          <p:cNvPr id="28" name="Straight Arrow Connector 27">
+            <a:extLst>
+              <a:ext uri="{FF2B5EF4-FFF2-40B4-BE49-F238E27FC236}">
+                <a16:creationId xmlns:a16="http://schemas.microsoft.com/office/drawing/2014/main" id="{693A44D7-40C0-BF48-0B11-10C313934A59}"/>
+              </a:ext>
+            </a:extLst>
+          </p:cNvPr>
+          <p:cNvCxnSpPr>
+            <a:cxnSpLocks/>
+          </p:cNvCxnSpPr>
+          <p:nvPr/>
+        </p:nvCxnSpPr>
+        <p:spPr>
+          <a:xfrm>
+            <a:off x="7943315" y="3382459"/>
+            <a:ext cx="951877" cy="627090"/>
+          </a:xfrm>
+          <a:prstGeom prst="straightConnector1">
+            <a:avLst/>
+          </a:prstGeom>
+          <a:ln>
+            <a:solidFill>
+              <a:srgbClr val="FFC904"/>
+            </a:solidFill>
+            <a:tailEnd type="triangle"/>
+          </a:ln>
+        </p:spPr>
+        <p:style>
+          <a:lnRef idx="2">
+            <a:schemeClr val="accent1"/>
+          </a:lnRef>
+          <a:fillRef idx="0">
+            <a:schemeClr val="accent1"/>
+          </a:fillRef>
+          <a:effectRef idx="1">
+            <a:schemeClr val="accent1"/>
+          </a:effectRef>
+          <a:fontRef idx="minor">
+            <a:schemeClr val="tx1"/>
+          </a:fontRef>
+        </p:style>
+      </p:cxnSp>
+      <p:cxnSp>
+        <p:nvCxnSpPr>
+          <p:cNvPr id="29" name="Straight Arrow Connector 28">
+            <a:extLst>
+              <a:ext uri="{FF2B5EF4-FFF2-40B4-BE49-F238E27FC236}">
+                <a16:creationId xmlns:a16="http://schemas.microsoft.com/office/drawing/2014/main" id="{30D43227-A882-7085-963F-AFF85F81AB1B}"/>
+              </a:ext>
+            </a:extLst>
+          </p:cNvPr>
+          <p:cNvCxnSpPr>
+            <a:cxnSpLocks/>
+          </p:cNvCxnSpPr>
+          <p:nvPr/>
+        </p:nvCxnSpPr>
+        <p:spPr>
+          <a:xfrm>
+            <a:off x="7943312" y="3357477"/>
+            <a:ext cx="964370" cy="1713876"/>
+          </a:xfrm>
+          <a:prstGeom prst="straightConnector1">
+            <a:avLst/>
+          </a:prstGeom>
+          <a:ln>
+            <a:solidFill>
+              <a:srgbClr val="FFC904"/>
+            </a:solidFill>
+            <a:tailEnd type="triangle"/>
+          </a:ln>
+        </p:spPr>
+        <p:style>
+          <a:lnRef idx="2">
+            <a:schemeClr val="accent1"/>
+          </a:lnRef>
+          <a:fillRef idx="0">
+            <a:schemeClr val="accent1"/>
+          </a:fillRef>
+          <a:effectRef idx="1">
+            <a:schemeClr val="accent1"/>
+          </a:effectRef>
+          <a:fontRef idx="minor">
+            <a:schemeClr val="tx1"/>
+          </a:fontRef>
+        </p:style>
+      </p:cxnSp>
+      <p:cxnSp>
+        <p:nvCxnSpPr>
+          <p:cNvPr id="31" name="Straight Arrow Connector 30">
+            <a:extLst>
+              <a:ext uri="{FF2B5EF4-FFF2-40B4-BE49-F238E27FC236}">
+                <a16:creationId xmlns:a16="http://schemas.microsoft.com/office/drawing/2014/main" id="{9289A7AE-80EE-1384-122F-492BE0A1BA8B}"/>
+              </a:ext>
+            </a:extLst>
+          </p:cNvPr>
+          <p:cNvCxnSpPr>
+            <a:cxnSpLocks/>
+          </p:cNvCxnSpPr>
+          <p:nvPr/>
+        </p:nvCxnSpPr>
+        <p:spPr>
+          <a:xfrm flipH="1">
+            <a:off x="6367797" y="3694760"/>
+            <a:ext cx="832503" cy="1376921"/>
+          </a:xfrm>
+          <a:prstGeom prst="straightConnector1">
+            <a:avLst/>
+          </a:prstGeom>
+          <a:ln>
+            <a:solidFill>
+              <a:srgbClr val="FFC904"/>
+            </a:solidFill>
+            <a:tailEnd type="triangle"/>
+          </a:ln>
+        </p:spPr>
+        <p:style>
+          <a:lnRef idx="2">
+            <a:schemeClr val="accent1"/>
+          </a:lnRef>
+          <a:fillRef idx="0">
+            <a:schemeClr val="accent1"/>
+          </a:fillRef>
+          <a:effectRef idx="1">
+            <a:schemeClr val="accent1"/>
+          </a:effectRef>
+          <a:fontRef idx="minor">
+            <a:schemeClr val="tx1"/>
+          </a:fontRef>
+        </p:style>
+      </p:cxnSp>
+      <p:cxnSp>
+        <p:nvCxnSpPr>
+          <p:cNvPr id="40" name="Connector: Curved 39">
+            <a:extLst>
+              <a:ext uri="{FF2B5EF4-FFF2-40B4-BE49-F238E27FC236}">
+                <a16:creationId xmlns:a16="http://schemas.microsoft.com/office/drawing/2014/main" id="{C88DC7CA-CBB1-B1F9-05E6-3DBACCAE49F1}"/>
+              </a:ext>
+            </a:extLst>
+          </p:cNvPr>
+          <p:cNvCxnSpPr>
+            <a:cxnSpLocks/>
+          </p:cNvCxnSpPr>
+          <p:nvPr/>
+        </p:nvCxnSpPr>
+        <p:spPr>
+          <a:xfrm flipV="1">
+            <a:off x="9951377" y="3569220"/>
+            <a:ext cx="926891" cy="1496517"/>
+          </a:xfrm>
+          <a:prstGeom prst="curvedConnector3">
+            <a:avLst/>
+          </a:prstGeom>
+          <a:ln>
+            <a:solidFill>
+              <a:srgbClr val="FFC904"/>
+            </a:solidFill>
+            <a:tailEnd type="triangle"/>
+          </a:ln>
+        </p:spPr>
+        <p:style>
+          <a:lnRef idx="2">
+            <a:schemeClr val="accent1"/>
+          </a:lnRef>
+          <a:fillRef idx="0">
+            <a:schemeClr val="accent1"/>
+          </a:fillRef>
+          <a:effectRef idx="1">
+            <a:schemeClr val="accent1"/>
+          </a:effectRef>
+          <a:fontRef idx="minor">
+            <a:schemeClr val="tx1"/>
+          </a:fontRef>
+        </p:style>
+      </p:cxnSp>
+      <p:cxnSp>
+        <p:nvCxnSpPr>
+          <p:cNvPr id="37" name="Connector: Curved 36">
+            <a:extLst>
+              <a:ext uri="{FF2B5EF4-FFF2-40B4-BE49-F238E27FC236}">
+                <a16:creationId xmlns:a16="http://schemas.microsoft.com/office/drawing/2014/main" id="{24188CAF-07C1-7354-3993-B4E36CF12E7F}"/>
+              </a:ext>
+            </a:extLst>
+          </p:cNvPr>
+          <p:cNvCxnSpPr/>
+          <p:nvPr/>
+        </p:nvCxnSpPr>
+        <p:spPr>
+          <a:xfrm>
+            <a:off x="9951378" y="2067706"/>
+            <a:ext cx="926891" cy="1451547"/>
+          </a:xfrm>
+          <a:prstGeom prst="curvedConnector3">
+            <a:avLst/>
+          </a:prstGeom>
+          <a:ln>
+            <a:solidFill>
+              <a:srgbClr val="FFC904"/>
+            </a:solidFill>
+            <a:tailEnd type="triangle"/>
+          </a:ln>
+        </p:spPr>
+        <p:style>
+          <a:lnRef idx="2">
+            <a:schemeClr val="accent1"/>
+          </a:lnRef>
+          <a:fillRef idx="0">
+            <a:schemeClr val="accent1"/>
+          </a:fillRef>
+          <a:effectRef idx="1">
+            <a:schemeClr val="accent1"/>
+          </a:effectRef>
+          <a:fontRef idx="minor">
+            <a:schemeClr val="tx1"/>
+          </a:fontRef>
+        </p:style>
+      </p:cxnSp>
+      <p:cxnSp>
+        <p:nvCxnSpPr>
+          <p:cNvPr id="38" name="Connector: Curved 37">
+            <a:extLst>
+              <a:ext uri="{FF2B5EF4-FFF2-40B4-BE49-F238E27FC236}">
+                <a16:creationId xmlns:a16="http://schemas.microsoft.com/office/drawing/2014/main" id="{77C996E9-D695-8E98-D199-02D09EC018B7}"/>
+              </a:ext>
+            </a:extLst>
+          </p:cNvPr>
+          <p:cNvCxnSpPr>
+            <a:cxnSpLocks/>
+          </p:cNvCxnSpPr>
+          <p:nvPr/>
+        </p:nvCxnSpPr>
+        <p:spPr>
+          <a:xfrm>
+            <a:off x="9951378" y="3079541"/>
+            <a:ext cx="926891" cy="452204"/>
+          </a:xfrm>
+          <a:prstGeom prst="curvedConnector3">
+            <a:avLst/>
+          </a:prstGeom>
+          <a:ln>
+            <a:solidFill>
+              <a:srgbClr val="FFC904"/>
+            </a:solidFill>
+            <a:tailEnd type="triangle"/>
+          </a:ln>
+        </p:spPr>
+        <p:style>
+          <a:lnRef idx="2">
+            <a:schemeClr val="accent1"/>
+          </a:lnRef>
+          <a:fillRef idx="0">
+            <a:schemeClr val="accent1"/>
+          </a:fillRef>
+          <a:effectRef idx="1">
+            <a:schemeClr val="accent1"/>
+          </a:effectRef>
+          <a:fontRef idx="minor">
+            <a:schemeClr val="tx1"/>
+          </a:fontRef>
+        </p:style>
+      </p:cxnSp>
+      <p:cxnSp>
+        <p:nvCxnSpPr>
+          <p:cNvPr id="39" name="Connector: Curved 38">
+            <a:extLst>
+              <a:ext uri="{FF2B5EF4-FFF2-40B4-BE49-F238E27FC236}">
+                <a16:creationId xmlns:a16="http://schemas.microsoft.com/office/drawing/2014/main" id="{45586F18-A292-CEC1-5356-D8A128C8FE42}"/>
+              </a:ext>
+            </a:extLst>
+          </p:cNvPr>
+          <p:cNvCxnSpPr>
+            <a:cxnSpLocks/>
+          </p:cNvCxnSpPr>
+          <p:nvPr/>
+        </p:nvCxnSpPr>
+        <p:spPr>
+          <a:xfrm flipV="1">
+            <a:off x="9963868" y="3544237"/>
+            <a:ext cx="926891" cy="472189"/>
+          </a:xfrm>
+          <a:prstGeom prst="curvedConnector3">
+            <a:avLst/>
+          </a:prstGeom>
+          <a:ln>
+            <a:solidFill>
+              <a:srgbClr val="FFC904"/>
+            </a:solidFill>
+            <a:tailEnd type="triangle"/>
+          </a:ln>
+        </p:spPr>
+        <p:style>
+          <a:lnRef idx="2">
+            <a:schemeClr val="accent1"/>
+          </a:lnRef>
+          <a:fillRef idx="0">
+            <a:schemeClr val="accent1"/>
+          </a:fillRef>
+          <a:effectRef idx="1">
+            <a:schemeClr val="accent1"/>
+          </a:effectRef>
+          <a:fontRef idx="minor">
+            <a:schemeClr val="tx1"/>
+          </a:fontRef>
+        </p:style>
+      </p:cxnSp>
+      <p:sp>
+        <p:nvSpPr>
+          <p:cNvPr id="41" name="TextBox 40">
+            <a:extLst>
+              <a:ext uri="{FF2B5EF4-FFF2-40B4-BE49-F238E27FC236}">
+                <a16:creationId xmlns:a16="http://schemas.microsoft.com/office/drawing/2014/main" id="{8175E6CA-1475-2BDE-7875-376B71E2D3E4}"/>
               </a:ext>
             </a:extLst>
           </p:cNvPr>
@@ -3201,8 +4488,8 @@
         </p:nvSpPr>
         <p:spPr>
           <a:xfrm>
-            <a:off x="2931783" y="1176667"/>
-            <a:ext cx="6958313" cy="1938992"/>
+            <a:off x="619539" y="4101292"/>
+            <a:ext cx="1006840" cy="461665"/>
           </a:xfrm>
           <a:prstGeom prst="rect">
             <a:avLst/>
@@ -3218,67 +4505,26 @@
           </a:bodyPr>
           <a:lstStyle/>
           <a:p>
-            <a:r>
-              <a:rPr lang="en-US" sz="6000" b="1" dirty="0">
+            <a:pPr algn="l"/>
+            <a:r>
+              <a:rPr lang="en-US" sz="2400" b="1" dirty="0">
                 <a:solidFill>
                   <a:srgbClr val="FFC904"/>
                 </a:solidFill>
                 <a:latin typeface="Aharoni"/>
                 <a:cs typeface="Aharoni"/>
               </a:rPr>
-              <a:t>API DEMONSTRATION</a:t>
-            </a:r>
-            <a:endParaRPr lang="en-US" sz="6000" dirty="0"/>
-          </a:p>
-        </p:txBody>
-      </p:sp>
-      <p:cxnSp>
-        <p:nvCxnSpPr>
-          <p:cNvPr id="60" name="Straight Arrow Connector 59">
-            <a:extLst>
-              <a:ext uri="{FF2B5EF4-FFF2-40B4-BE49-F238E27FC236}">
-                <a16:creationId xmlns:a16="http://schemas.microsoft.com/office/drawing/2014/main" id="{2A5E8EC0-B832-3C5D-DF69-675A247186A0}"/>
-              </a:ext>
-            </a:extLst>
-          </p:cNvPr>
-          <p:cNvCxnSpPr/>
-          <p:nvPr/>
-        </p:nvCxnSpPr>
-        <p:spPr>
-          <a:xfrm flipV="1">
-            <a:off x="-3859" y="2101767"/>
-            <a:ext cx="2939969" cy="1930"/>
-          </a:xfrm>
-          <a:prstGeom prst="straightConnector1">
-            <a:avLst/>
-          </a:prstGeom>
-          <a:ln>
-            <a:solidFill>
-              <a:srgbClr val="FFC904"/>
-            </a:solidFill>
-          </a:ln>
-        </p:spPr>
-        <p:style>
-          <a:lnRef idx="3">
-            <a:schemeClr val="dk1"/>
-          </a:lnRef>
-          <a:fillRef idx="0">
-            <a:schemeClr val="dk1"/>
-          </a:fillRef>
-          <a:effectRef idx="2">
-            <a:schemeClr val="dk1"/>
-          </a:effectRef>
-          <a:fontRef idx="minor">
-            <a:schemeClr val="tx1"/>
-          </a:fontRef>
-        </p:style>
-      </p:cxnSp>
-      <p:sp>
-        <p:nvSpPr>
-          <p:cNvPr id="2" name="TextBox 1">
-            <a:extLst>
-              <a:ext uri="{FF2B5EF4-FFF2-40B4-BE49-F238E27FC236}">
-                <a16:creationId xmlns:a16="http://schemas.microsoft.com/office/drawing/2014/main" id="{8A9F1264-45A2-B002-DA60-756BEAAE553A}"/>
+              <a:t>USER</a:t>
+            </a:r>
+          </a:p>
+        </p:txBody>
+      </p:sp>
+      <p:sp>
+        <p:nvSpPr>
+          <p:cNvPr id="43" name="TextBox 42">
+            <a:extLst>
+              <a:ext uri="{FF2B5EF4-FFF2-40B4-BE49-F238E27FC236}">
+                <a16:creationId xmlns:a16="http://schemas.microsoft.com/office/drawing/2014/main" id="{664EA5FB-1DD3-AE9F-22C5-EB58C5E3D52A}"/>
               </a:ext>
             </a:extLst>
           </p:cNvPr>
@@ -3287,8 +4533,8 @@
         </p:nvSpPr>
         <p:spPr>
           <a:xfrm>
-            <a:off x="5424364" y="4520213"/>
-            <a:ext cx="1334946" cy="523220"/>
+            <a:off x="10650456" y="4188733"/>
+            <a:ext cx="1254303" cy="338554"/>
           </a:xfrm>
           <a:prstGeom prst="rect">
             <a:avLst/>
@@ -3306,21 +4552,244 @@
           <a:p>
             <a:pPr algn="l"/>
             <a:r>
-              <a:rPr lang="en-US" sz="2800" dirty="0">
+              <a:rPr lang="en-US" sz="1600" b="1" dirty="0">
                 <a:solidFill>
                   <a:srgbClr val="FFC904"/>
                 </a:solidFill>
-                <a:latin typeface="Georgia Pro"/>
-              </a:rPr>
-              <a:t>DEMO</a:t>
-            </a:r>
-          </a:p>
-        </p:txBody>
-      </p:sp>
+                <a:latin typeface="Aharoni"/>
+                <a:cs typeface="Aharoni"/>
+              </a:rPr>
+              <a:t>DATABASE</a:t>
+            </a:r>
+            <a:endParaRPr lang="en-US" b="1">
+              <a:latin typeface="Aharoni"/>
+              <a:cs typeface="Aharoni"/>
+            </a:endParaRPr>
+          </a:p>
+        </p:txBody>
+      </p:sp>
+      <p:sp>
+        <p:nvSpPr>
+          <p:cNvPr id="46" name="TextBox 45">
+            <a:extLst>
+              <a:ext uri="{FF2B5EF4-FFF2-40B4-BE49-F238E27FC236}">
+                <a16:creationId xmlns:a16="http://schemas.microsoft.com/office/drawing/2014/main" id="{218CA2F1-8985-AB63-7087-7F6E6842406B}"/>
+              </a:ext>
+            </a:extLst>
+          </p:cNvPr>
+          <p:cNvSpPr txBox="1"/>
+          <p:nvPr/>
+        </p:nvSpPr>
+        <p:spPr>
+          <a:xfrm>
+            <a:off x="5751753" y="3081194"/>
+            <a:ext cx="873958" cy="276999"/>
+          </a:xfrm>
+          <a:prstGeom prst="rect">
+            <a:avLst/>
+          </a:prstGeom>
+          <a:noFill/>
+        </p:spPr>
+        <p:txBody>
+          <a:bodyPr rot="0" spcFirstLastPara="0" vertOverflow="overflow" horzOverflow="overflow" vert="horz" wrap="square" lIns="91440" tIns="45720" rIns="91440" bIns="45720" numCol="1" spcCol="0" rtlCol="0" fromWordArt="0" anchor="t" anchorCtr="0" forceAA="0" compatLnSpc="1">
+            <a:prstTxWarp prst="textNoShape">
+              <a:avLst/>
+            </a:prstTxWarp>
+            <a:spAutoFit/>
+          </a:bodyPr>
+          <a:lstStyle/>
+          <a:p>
+            <a:pPr algn="l"/>
+            <a:r>
+              <a:rPr lang="en-US" sz="1200" dirty="0">
+                <a:solidFill>
+                  <a:srgbClr val="FFC904"/>
+                </a:solidFill>
+              </a:rPr>
+              <a:t>&lt;extends&gt;</a:t>
+            </a:r>
+            <a:endParaRPr lang="en-US" dirty="0"/>
+          </a:p>
+        </p:txBody>
+      </p:sp>
+      <p:sp>
+        <p:nvSpPr>
+          <p:cNvPr id="9" name="TextBox 8">
+            <a:extLst>
+              <a:ext uri="{FF2B5EF4-FFF2-40B4-BE49-F238E27FC236}">
+                <a16:creationId xmlns:a16="http://schemas.microsoft.com/office/drawing/2014/main" id="{0ECFD32A-E771-D3D2-E6F6-A63ECA2110FC}"/>
+              </a:ext>
+            </a:extLst>
+          </p:cNvPr>
+          <p:cNvSpPr txBox="1"/>
+          <p:nvPr/>
+        </p:nvSpPr>
+        <p:spPr>
+          <a:xfrm>
+            <a:off x="4870999" y="2150959"/>
+            <a:ext cx="873958" cy="276999"/>
+          </a:xfrm>
+          <a:prstGeom prst="rect">
+            <a:avLst/>
+          </a:prstGeom>
+          <a:solidFill>
+            <a:schemeClr val="tx1"/>
+          </a:solidFill>
+        </p:spPr>
+        <p:txBody>
+          <a:bodyPr rot="0" spcFirstLastPara="0" vertOverflow="overflow" horzOverflow="overflow" vert="horz" wrap="square" lIns="91440" tIns="45720" rIns="91440" bIns="45720" numCol="1" spcCol="0" rtlCol="0" fromWordArt="0" anchor="t" anchorCtr="0" forceAA="0" compatLnSpc="1">
+            <a:prstTxWarp prst="textNoShape">
+              <a:avLst/>
+            </a:prstTxWarp>
+            <a:spAutoFit/>
+          </a:bodyPr>
+          <a:lstStyle/>
+          <a:p>
+            <a:pPr algn="l"/>
+            <a:r>
+              <a:rPr lang="en-US" sz="1200" dirty="0">
+                <a:solidFill>
+                  <a:srgbClr val="FFC904"/>
+                </a:solidFill>
+              </a:rPr>
+              <a:t>&lt;extends&gt;</a:t>
+            </a:r>
+            <a:endParaRPr lang="en-US" dirty="0"/>
+          </a:p>
+        </p:txBody>
+      </p:sp>
+      <p:sp>
+        <p:nvSpPr>
+          <p:cNvPr id="10" name="TextBox 9">
+            <a:extLst>
+              <a:ext uri="{FF2B5EF4-FFF2-40B4-BE49-F238E27FC236}">
+                <a16:creationId xmlns:a16="http://schemas.microsoft.com/office/drawing/2014/main" id="{E5237A9D-E904-2D03-8779-38EBEC4A1FC8}"/>
+              </a:ext>
+            </a:extLst>
+          </p:cNvPr>
+          <p:cNvSpPr txBox="1"/>
+          <p:nvPr/>
+        </p:nvSpPr>
+        <p:spPr>
+          <a:xfrm>
+            <a:off x="4000141" y="3674959"/>
+            <a:ext cx="864063" cy="253916"/>
+          </a:xfrm>
+          <a:prstGeom prst="rect">
+            <a:avLst/>
+          </a:prstGeom>
+          <a:solidFill>
+            <a:schemeClr val="tx1"/>
+          </a:solidFill>
+        </p:spPr>
+        <p:txBody>
+          <a:bodyPr rot="0" spcFirstLastPara="0" vertOverflow="overflow" horzOverflow="overflow" vert="horz" wrap="square" lIns="91440" tIns="45720" rIns="91440" bIns="45720" numCol="1" spcCol="0" rtlCol="0" fromWordArt="0" anchor="t" anchorCtr="0" forceAA="0" compatLnSpc="1">
+            <a:prstTxWarp prst="textNoShape">
+              <a:avLst/>
+            </a:prstTxWarp>
+            <a:spAutoFit/>
+          </a:bodyPr>
+          <a:lstStyle/>
+          <a:p>
+            <a:pPr algn="l"/>
+            <a:r>
+              <a:rPr lang="en-US" sz="1050" dirty="0">
+                <a:solidFill>
+                  <a:srgbClr val="FFC904"/>
+                </a:solidFill>
+              </a:rPr>
+              <a:t>&lt;includes&gt;</a:t>
+            </a:r>
+            <a:endParaRPr lang="en-US" sz="1400" dirty="0"/>
+          </a:p>
+        </p:txBody>
+      </p:sp>
+      <p:sp>
+        <p:nvSpPr>
+          <p:cNvPr id="14" name="TextBox 13">
+            <a:extLst>
+              <a:ext uri="{FF2B5EF4-FFF2-40B4-BE49-F238E27FC236}">
+                <a16:creationId xmlns:a16="http://schemas.microsoft.com/office/drawing/2014/main" id="{5F2CEB51-8D65-BAE2-0953-5DF3CC932A63}"/>
+              </a:ext>
+            </a:extLst>
+          </p:cNvPr>
+          <p:cNvSpPr txBox="1"/>
+          <p:nvPr/>
+        </p:nvSpPr>
+        <p:spPr>
+          <a:xfrm>
+            <a:off x="4010036" y="2606178"/>
+            <a:ext cx="864063" cy="253916"/>
+          </a:xfrm>
+          <a:prstGeom prst="rect">
+            <a:avLst/>
+          </a:prstGeom>
+          <a:solidFill>
+            <a:schemeClr val="tx1"/>
+          </a:solidFill>
+        </p:spPr>
+        <p:txBody>
+          <a:bodyPr rot="0" spcFirstLastPara="0" vertOverflow="overflow" horzOverflow="overflow" vert="horz" wrap="square" lIns="91440" tIns="45720" rIns="91440" bIns="45720" numCol="1" spcCol="0" rtlCol="0" fromWordArt="0" anchor="t" anchorCtr="0" forceAA="0" compatLnSpc="1">
+            <a:prstTxWarp prst="textNoShape">
+              <a:avLst/>
+            </a:prstTxWarp>
+            <a:spAutoFit/>
+          </a:bodyPr>
+          <a:lstStyle/>
+          <a:p>
+            <a:pPr algn="l"/>
+            <a:r>
+              <a:rPr lang="en-US" sz="1050" dirty="0">
+                <a:solidFill>
+                  <a:srgbClr val="FFC904"/>
+                </a:solidFill>
+              </a:rPr>
+              <a:t>&lt;includes&gt;</a:t>
+            </a:r>
+            <a:endParaRPr lang="en-US" sz="1400" dirty="0"/>
+          </a:p>
+        </p:txBody>
+      </p:sp>
+      <p:pic>
+        <p:nvPicPr>
+          <p:cNvPr id="25" name="Graphic 52" descr="Database outline">
+            <a:extLst>
+              <a:ext uri="{FF2B5EF4-FFF2-40B4-BE49-F238E27FC236}">
+                <a16:creationId xmlns:a16="http://schemas.microsoft.com/office/drawing/2014/main" id="{70E7A58B-4987-61CC-A50C-D1CE01DB2B25}"/>
+              </a:ext>
+            </a:extLst>
+          </p:cNvPr>
+          <p:cNvPicPr>
+            <a:picLocks noChangeAspect="1"/>
+          </p:cNvPicPr>
+          <p:nvPr/>
+        </p:nvPicPr>
+        <p:blipFill>
+          <a:blip r:embed="rId4">
+            <a:extLst>
+              <a:ext uri="{96DAC541-7B7A-43D3-8B79-37D633B846F1}">
+                <asvg:svgBlip xmlns:asvg="http://schemas.microsoft.com/office/drawing/2016/SVG/main" r:embed="rId5"/>
+              </a:ext>
+            </a:extLst>
+          </a:blip>
+          <a:stretch>
+            <a:fillRect/>
+          </a:stretch>
+        </p:blipFill>
+        <p:spPr>
+          <a:xfrm>
+            <a:off x="10760597" y="3106838"/>
+            <a:ext cx="914400" cy="914400"/>
+          </a:xfrm>
+          <a:prstGeom prst="rect">
+            <a:avLst/>
+          </a:prstGeom>
+        </p:spPr>
+      </p:pic>
     </p:spTree>
     <p:extLst>
       <p:ext uri="{BB962C8B-B14F-4D97-AF65-F5344CB8AC3E}">
-        <p14:creationId xmlns:p14="http://schemas.microsoft.com/office/powerpoint/2010/main" val="4283652518"/>
+        <p14:creationId xmlns:p14="http://schemas.microsoft.com/office/powerpoint/2010/main" val="3661109495"/>
       </p:ext>
     </p:extLst>
   </p:cSld>
@@ -3358,12 +4827,192 @@
           <a:chExt cx="0" cy="0"/>
         </a:xfrm>
       </p:grpSpPr>
-      <p:sp>
-        <p:nvSpPr>
-          <p:cNvPr id="59" name="TextBox 58">
-            <a:extLst>
-              <a:ext uri="{FF2B5EF4-FFF2-40B4-BE49-F238E27FC236}">
-                <a16:creationId xmlns:a16="http://schemas.microsoft.com/office/drawing/2014/main" id="{58760EAD-49A4-C5A5-D613-E645E6A51307}"/>
+      <p:pic>
+        <p:nvPicPr>
+          <p:cNvPr id="24" name="Graphic 23" descr="Circles with lines with solid fill">
+            <a:extLst>
+              <a:ext uri="{FF2B5EF4-FFF2-40B4-BE49-F238E27FC236}">
+                <a16:creationId xmlns:a16="http://schemas.microsoft.com/office/drawing/2014/main" id="{E7287548-0CCC-4895-E3C1-8D6835BCCE48}"/>
+              </a:ext>
+            </a:extLst>
+          </p:cNvPr>
+          <p:cNvPicPr>
+            <a:picLocks noChangeAspect="1"/>
+          </p:cNvPicPr>
+          <p:nvPr/>
+        </p:nvPicPr>
+        <p:blipFill>
+          <a:blip r:embed="rId3">
+            <a:extLst>
+              <a:ext uri="{96DAC541-7B7A-43D3-8B79-37D633B846F1}">
+                <asvg:svgBlip xmlns:asvg="http://schemas.microsoft.com/office/drawing/2016/SVG/main" r:embed="rId4"/>
+              </a:ext>
+            </a:extLst>
+          </a:blip>
+          <a:stretch>
+            <a:fillRect/>
+          </a:stretch>
+        </p:blipFill>
+        <p:spPr>
+          <a:xfrm>
+            <a:off x="1129116" y="2545444"/>
+            <a:ext cx="1922309" cy="1959806"/>
+          </a:xfrm>
+          <a:prstGeom prst="rect">
+            <a:avLst/>
+          </a:prstGeom>
+        </p:spPr>
+      </p:pic>
+      <p:pic>
+        <p:nvPicPr>
+          <p:cNvPr id="25" name="Graphic 24" descr="Circles with lines with solid fill">
+            <a:extLst>
+              <a:ext uri="{FF2B5EF4-FFF2-40B4-BE49-F238E27FC236}">
+                <a16:creationId xmlns:a16="http://schemas.microsoft.com/office/drawing/2014/main" id="{DCAB7562-BA07-0CFD-5806-4C67EC14F7C0}"/>
+              </a:ext>
+            </a:extLst>
+          </p:cNvPr>
+          <p:cNvPicPr>
+            <a:picLocks noChangeAspect="1"/>
+          </p:cNvPicPr>
+          <p:nvPr/>
+        </p:nvPicPr>
+        <p:blipFill>
+          <a:blip r:embed="rId3">
+            <a:extLst>
+              <a:ext uri="{96DAC541-7B7A-43D3-8B79-37D633B846F1}">
+                <asvg:svgBlip xmlns:asvg="http://schemas.microsoft.com/office/drawing/2016/SVG/main" r:embed="rId4"/>
+              </a:ext>
+            </a:extLst>
+          </a:blip>
+          <a:stretch>
+            <a:fillRect/>
+          </a:stretch>
+        </p:blipFill>
+        <p:spPr>
+          <a:xfrm>
+            <a:off x="3218194" y="2545444"/>
+            <a:ext cx="1922309" cy="1959806"/>
+          </a:xfrm>
+          <a:prstGeom prst="rect">
+            <a:avLst/>
+          </a:prstGeom>
+        </p:spPr>
+      </p:pic>
+      <p:pic>
+        <p:nvPicPr>
+          <p:cNvPr id="30" name="Graphic 29" descr="Circles with lines with solid fill">
+            <a:extLst>
+              <a:ext uri="{FF2B5EF4-FFF2-40B4-BE49-F238E27FC236}">
+                <a16:creationId xmlns:a16="http://schemas.microsoft.com/office/drawing/2014/main" id="{9BA7042F-4152-7C82-87A2-6B2DF8204911}"/>
+              </a:ext>
+            </a:extLst>
+          </p:cNvPr>
+          <p:cNvPicPr>
+            <a:picLocks noChangeAspect="1"/>
+          </p:cNvPicPr>
+          <p:nvPr/>
+        </p:nvPicPr>
+        <p:blipFill>
+          <a:blip r:embed="rId3">
+            <a:extLst>
+              <a:ext uri="{96DAC541-7B7A-43D3-8B79-37D633B846F1}">
+                <asvg:svgBlip xmlns:asvg="http://schemas.microsoft.com/office/drawing/2016/SVG/main" r:embed="rId4"/>
+              </a:ext>
+            </a:extLst>
+          </a:blip>
+          <a:stretch>
+            <a:fillRect/>
+          </a:stretch>
+        </p:blipFill>
+        <p:spPr>
+          <a:xfrm>
+            <a:off x="5307272" y="2545443"/>
+            <a:ext cx="1922309" cy="1959806"/>
+          </a:xfrm>
+          <a:prstGeom prst="rect">
+            <a:avLst/>
+          </a:prstGeom>
+        </p:spPr>
+      </p:pic>
+      <p:pic>
+        <p:nvPicPr>
+          <p:cNvPr id="50" name="Graphic 49" descr="Circles with lines with solid fill">
+            <a:extLst>
+              <a:ext uri="{FF2B5EF4-FFF2-40B4-BE49-F238E27FC236}">
+                <a16:creationId xmlns:a16="http://schemas.microsoft.com/office/drawing/2014/main" id="{3DCEF8AF-E35E-3410-C09E-7CA73CF6F3EE}"/>
+              </a:ext>
+            </a:extLst>
+          </p:cNvPr>
+          <p:cNvPicPr>
+            <a:picLocks noChangeAspect="1"/>
+          </p:cNvPicPr>
+          <p:nvPr/>
+        </p:nvPicPr>
+        <p:blipFill>
+          <a:blip r:embed="rId3">
+            <a:extLst>
+              <a:ext uri="{96DAC541-7B7A-43D3-8B79-37D633B846F1}">
+                <asvg:svgBlip xmlns:asvg="http://schemas.microsoft.com/office/drawing/2016/SVG/main" r:embed="rId4"/>
+              </a:ext>
+            </a:extLst>
+          </a:blip>
+          <a:stretch>
+            <a:fillRect/>
+          </a:stretch>
+        </p:blipFill>
+        <p:spPr>
+          <a:xfrm>
+            <a:off x="7396350" y="2545442"/>
+            <a:ext cx="1922309" cy="1959806"/>
+          </a:xfrm>
+          <a:prstGeom prst="rect">
+            <a:avLst/>
+          </a:prstGeom>
+        </p:spPr>
+      </p:pic>
+      <p:pic>
+        <p:nvPicPr>
+          <p:cNvPr id="51" name="Graphic 50" descr="Circles with lines with solid fill">
+            <a:extLst>
+              <a:ext uri="{FF2B5EF4-FFF2-40B4-BE49-F238E27FC236}">
+                <a16:creationId xmlns:a16="http://schemas.microsoft.com/office/drawing/2014/main" id="{CFBF8DBC-89A3-BE1A-6D35-2F02D14CD463}"/>
+              </a:ext>
+            </a:extLst>
+          </p:cNvPr>
+          <p:cNvPicPr>
+            <a:picLocks noChangeAspect="1"/>
+          </p:cNvPicPr>
+          <p:nvPr/>
+        </p:nvPicPr>
+        <p:blipFill>
+          <a:blip r:embed="rId3">
+            <a:extLst>
+              <a:ext uri="{96DAC541-7B7A-43D3-8B79-37D633B846F1}">
+                <asvg:svgBlip xmlns:asvg="http://schemas.microsoft.com/office/drawing/2016/SVG/main" r:embed="rId4"/>
+              </a:ext>
+            </a:extLst>
+          </a:blip>
+          <a:stretch>
+            <a:fillRect/>
+          </a:stretch>
+        </p:blipFill>
+        <p:spPr>
+          <a:xfrm>
+            <a:off x="9485429" y="2545442"/>
+            <a:ext cx="1922309" cy="1959806"/>
+          </a:xfrm>
+          <a:prstGeom prst="rect">
+            <a:avLst/>
+          </a:prstGeom>
+        </p:spPr>
+      </p:pic>
+      <p:sp>
+        <p:nvSpPr>
+          <p:cNvPr id="52" name="TextBox 51">
+            <a:extLst>
+              <a:ext uri="{FF2B5EF4-FFF2-40B4-BE49-F238E27FC236}">
+                <a16:creationId xmlns:a16="http://schemas.microsoft.com/office/drawing/2014/main" id="{7D61B5C8-3B27-5338-101C-EC1BC70C7CA3}"/>
               </a:ext>
             </a:extLst>
           </p:cNvPr>
@@ -3372,8 +5021,8 @@
         </p:nvSpPr>
         <p:spPr>
           <a:xfrm>
-            <a:off x="2931783" y="1176667"/>
-            <a:ext cx="6958313" cy="1938992"/>
+            <a:off x="1788134" y="3340065"/>
+            <a:ext cx="572947" cy="369332"/>
           </a:xfrm>
           <a:prstGeom prst="rect">
             <a:avLst/>
@@ -3389,15 +5038,240 @@
           </a:bodyPr>
           <a:lstStyle/>
           <a:p>
-            <a:r>
-              <a:rPr lang="en-US" sz="6000" b="1" dirty="0">
+            <a:pPr algn="l"/>
+            <a:r>
+              <a:rPr lang="en-US" dirty="0">
+                <a:solidFill>
+                  <a:srgbClr val="FFC904"/>
+                </a:solidFill>
+              </a:rPr>
+              <a:t>100</a:t>
+            </a:r>
+          </a:p>
+        </p:txBody>
+      </p:sp>
+      <p:sp>
+        <p:nvSpPr>
+          <p:cNvPr id="55" name="TextBox 54">
+            <a:extLst>
+              <a:ext uri="{FF2B5EF4-FFF2-40B4-BE49-F238E27FC236}">
+                <a16:creationId xmlns:a16="http://schemas.microsoft.com/office/drawing/2014/main" id="{7BCBEBEC-3863-4E45-7705-982B247573BC}"/>
+              </a:ext>
+            </a:extLst>
+          </p:cNvPr>
+          <p:cNvSpPr txBox="1"/>
+          <p:nvPr/>
+        </p:nvSpPr>
+        <p:spPr>
+          <a:xfrm>
+            <a:off x="3881222" y="3340064"/>
+            <a:ext cx="572947" cy="369332"/>
+          </a:xfrm>
+          <a:prstGeom prst="rect">
+            <a:avLst/>
+          </a:prstGeom>
+          <a:noFill/>
+        </p:spPr>
+        <p:txBody>
+          <a:bodyPr rot="0" spcFirstLastPara="0" vertOverflow="overflow" horzOverflow="overflow" vert="horz" wrap="square" lIns="91440" tIns="45720" rIns="91440" bIns="45720" numCol="1" spcCol="0" rtlCol="0" fromWordArt="0" anchor="t" anchorCtr="0" forceAA="0" compatLnSpc="1">
+            <a:prstTxWarp prst="textNoShape">
+              <a:avLst/>
+            </a:prstTxWarp>
+            <a:spAutoFit/>
+          </a:bodyPr>
+          <a:lstStyle/>
+          <a:p>
+            <a:pPr algn="l"/>
+            <a:r>
+              <a:rPr lang="en-US" dirty="0">
+                <a:solidFill>
+                  <a:srgbClr val="FFC904"/>
+                </a:solidFill>
+              </a:rPr>
+              <a:t>100</a:t>
+            </a:r>
+          </a:p>
+        </p:txBody>
+      </p:sp>
+      <p:sp>
+        <p:nvSpPr>
+          <p:cNvPr id="56" name="TextBox 55">
+            <a:extLst>
+              <a:ext uri="{FF2B5EF4-FFF2-40B4-BE49-F238E27FC236}">
+                <a16:creationId xmlns:a16="http://schemas.microsoft.com/office/drawing/2014/main" id="{47CD0511-7C71-1F99-A5F6-25B7B5E35EAC}"/>
+              </a:ext>
+            </a:extLst>
+          </p:cNvPr>
+          <p:cNvSpPr txBox="1"/>
+          <p:nvPr/>
+        </p:nvSpPr>
+        <p:spPr>
+          <a:xfrm>
+            <a:off x="5974310" y="3340063"/>
+            <a:ext cx="572947" cy="369332"/>
+          </a:xfrm>
+          <a:prstGeom prst="rect">
+            <a:avLst/>
+          </a:prstGeom>
+          <a:noFill/>
+        </p:spPr>
+        <p:txBody>
+          <a:bodyPr rot="0" spcFirstLastPara="0" vertOverflow="overflow" horzOverflow="overflow" vert="horz" wrap="square" lIns="91440" tIns="45720" rIns="91440" bIns="45720" numCol="1" spcCol="0" rtlCol="0" fromWordArt="0" anchor="t" anchorCtr="0" forceAA="0" compatLnSpc="1">
+            <a:prstTxWarp prst="textNoShape">
+              <a:avLst/>
+            </a:prstTxWarp>
+            <a:spAutoFit/>
+          </a:bodyPr>
+          <a:lstStyle/>
+          <a:p>
+            <a:pPr algn="l"/>
+            <a:r>
+              <a:rPr lang="en-US" dirty="0">
+                <a:solidFill>
+                  <a:srgbClr val="FFC904"/>
+                </a:solidFill>
+              </a:rPr>
+              <a:t>100</a:t>
+            </a:r>
+          </a:p>
+        </p:txBody>
+      </p:sp>
+      <p:sp>
+        <p:nvSpPr>
+          <p:cNvPr id="57" name="TextBox 56">
+            <a:extLst>
+              <a:ext uri="{FF2B5EF4-FFF2-40B4-BE49-F238E27FC236}">
+                <a16:creationId xmlns:a16="http://schemas.microsoft.com/office/drawing/2014/main" id="{4DF24045-E11A-ED79-F7BE-3D8DE2B22842}"/>
+              </a:ext>
+            </a:extLst>
+          </p:cNvPr>
+          <p:cNvSpPr txBox="1"/>
+          <p:nvPr/>
+        </p:nvSpPr>
+        <p:spPr>
+          <a:xfrm>
+            <a:off x="8057753" y="3340062"/>
+            <a:ext cx="572947" cy="369332"/>
+          </a:xfrm>
+          <a:prstGeom prst="rect">
+            <a:avLst/>
+          </a:prstGeom>
+          <a:noFill/>
+        </p:spPr>
+        <p:txBody>
+          <a:bodyPr rot="0" spcFirstLastPara="0" vertOverflow="overflow" horzOverflow="overflow" vert="horz" wrap="square" lIns="91440" tIns="45720" rIns="91440" bIns="45720" numCol="1" spcCol="0" rtlCol="0" fromWordArt="0" anchor="t" anchorCtr="0" forceAA="0" compatLnSpc="1">
+            <a:prstTxWarp prst="textNoShape">
+              <a:avLst/>
+            </a:prstTxWarp>
+            <a:spAutoFit/>
+          </a:bodyPr>
+          <a:lstStyle/>
+          <a:p>
+            <a:pPr algn="l"/>
+            <a:r>
+              <a:rPr lang="en-US" dirty="0">
+                <a:solidFill>
+                  <a:srgbClr val="FFC904"/>
+                </a:solidFill>
+              </a:rPr>
+              <a:t>100</a:t>
+            </a:r>
+          </a:p>
+        </p:txBody>
+      </p:sp>
+      <p:sp>
+        <p:nvSpPr>
+          <p:cNvPr id="58" name="TextBox 57">
+            <a:extLst>
+              <a:ext uri="{FF2B5EF4-FFF2-40B4-BE49-F238E27FC236}">
+                <a16:creationId xmlns:a16="http://schemas.microsoft.com/office/drawing/2014/main" id="{A19A2293-5C2F-7F10-3EFA-9D2FDCD633F6}"/>
+              </a:ext>
+            </a:extLst>
+          </p:cNvPr>
+          <p:cNvSpPr txBox="1"/>
+          <p:nvPr/>
+        </p:nvSpPr>
+        <p:spPr>
+          <a:xfrm>
+            <a:off x="10150842" y="3340063"/>
+            <a:ext cx="572947" cy="369332"/>
+          </a:xfrm>
+          <a:prstGeom prst="rect">
+            <a:avLst/>
+          </a:prstGeom>
+          <a:noFill/>
+        </p:spPr>
+        <p:txBody>
+          <a:bodyPr rot="0" spcFirstLastPara="0" vertOverflow="overflow" horzOverflow="overflow" vert="horz" wrap="square" lIns="91440" tIns="45720" rIns="91440" bIns="45720" numCol="1" spcCol="0" rtlCol="0" fromWordArt="0" anchor="t" anchorCtr="0" forceAA="0" compatLnSpc="1">
+            <a:prstTxWarp prst="textNoShape">
+              <a:avLst/>
+            </a:prstTxWarp>
+            <a:spAutoFit/>
+          </a:bodyPr>
+          <a:lstStyle/>
+          <a:p>
+            <a:pPr algn="l"/>
+            <a:r>
+              <a:rPr lang="en-US" dirty="0">
+                <a:solidFill>
+                  <a:srgbClr val="FFC904"/>
+                </a:solidFill>
+              </a:rPr>
+              <a:t>100</a:t>
+            </a:r>
+          </a:p>
+        </p:txBody>
+      </p:sp>
+      <p:sp>
+        <p:nvSpPr>
+          <p:cNvPr id="59" name="TextBox 58">
+            <a:extLst>
+              <a:ext uri="{FF2B5EF4-FFF2-40B4-BE49-F238E27FC236}">
+                <a16:creationId xmlns:a16="http://schemas.microsoft.com/office/drawing/2014/main" id="{58760EAD-49A4-C5A5-D613-E645E6A51307}"/>
+              </a:ext>
+            </a:extLst>
+          </p:cNvPr>
+          <p:cNvSpPr txBox="1"/>
+          <p:nvPr/>
+        </p:nvSpPr>
+        <p:spPr>
+          <a:xfrm>
+            <a:off x="3655200" y="1147730"/>
+            <a:ext cx="5241402" cy="707886"/>
+          </a:xfrm>
+          <a:prstGeom prst="rect">
+            <a:avLst/>
+          </a:prstGeom>
+          <a:noFill/>
+        </p:spPr>
+        <p:txBody>
+          <a:bodyPr rot="0" spcFirstLastPara="0" vertOverflow="overflow" horzOverflow="overflow" vert="horz" wrap="square" lIns="91440" tIns="45720" rIns="91440" bIns="45720" numCol="1" spcCol="0" rtlCol="0" fromWordArt="0" anchor="t" anchorCtr="0" forceAA="0" compatLnSpc="1">
+            <a:prstTxWarp prst="textNoShape">
+              <a:avLst/>
+            </a:prstTxWarp>
+            <a:spAutoFit/>
+          </a:bodyPr>
+          <a:lstStyle/>
+          <a:p>
+            <a:r>
+              <a:rPr lang="en-US" sz="4000" b="1" dirty="0">
                 <a:solidFill>
                   <a:srgbClr val="FFC904"/>
                 </a:solidFill>
                 <a:latin typeface="Aharoni"/>
                 <a:cs typeface="Aharoni"/>
               </a:rPr>
-              <a:t>APP DEMONSTRATION</a:t>
+              <a:t>ACCESIBILITY</a:t>
+            </a:r>
+            <a:r>
+              <a:rPr lang="en-US" sz="4000" dirty="0">
+                <a:solidFill>
+                  <a:srgbClr val="FFC904"/>
+                </a:solidFill>
+                <a:latin typeface="Aharoni"/>
+                <a:cs typeface="Aharoni"/>
+              </a:rPr>
+              <a:t> SCORE </a:t>
             </a:r>
           </a:p>
         </p:txBody>
@@ -3415,9 +5289,9 @@
           <p:nvPr/>
         </p:nvCxnSpPr>
         <p:spPr>
-          <a:xfrm>
-            <a:off x="10001101" y="2083905"/>
-            <a:ext cx="2187866" cy="7966"/>
+          <a:xfrm flipV="1">
+            <a:off x="3111660" y="5255869"/>
+            <a:ext cx="6306272" cy="11575"/>
           </a:xfrm>
           <a:prstGeom prst="straightConnector1">
             <a:avLst/>
@@ -3443,6 +5317,303 @@
           </a:fontRef>
         </p:style>
       </p:cxnSp>
+    </p:spTree>
+    <p:extLst>
+      <p:ext uri="{BB962C8B-B14F-4D97-AF65-F5344CB8AC3E}">
+        <p14:creationId xmlns:p14="http://schemas.microsoft.com/office/powerpoint/2010/main" val="3939996574"/>
+      </p:ext>
+    </p:extLst>
+  </p:cSld>
+  <p:clrMapOvr>
+    <a:masterClrMapping/>
+  </p:clrMapOvr>
+</p:sld>
+</file>
+
+<file path=ppt/slides/slide12.xml><?xml version="1.0" encoding="utf-8"?>
+<p:sld xmlns:a="http://schemas.openxmlformats.org/drawingml/2006/main" xmlns:r="http://schemas.openxmlformats.org/officeDocument/2006/relationships" xmlns:p="http://schemas.openxmlformats.org/presentationml/2006/main">
+  <p:cSld>
+    <p:bg>
+      <p:bgPr>
+        <a:blipFill>
+          <a:blip r:embed="rId2"/>
+          <a:stretch>
+            <a:fillRect/>
+          </a:stretch>
+        </a:blipFill>
+        <a:effectLst/>
+      </p:bgPr>
+    </p:bg>
+    <p:spTree>
+      <p:nvGrpSpPr>
+        <p:cNvPr id="1" name=""/>
+        <p:cNvGrpSpPr/>
+        <p:nvPr/>
+      </p:nvGrpSpPr>
+      <p:grpSpPr>
+        <a:xfrm>
+          <a:off x="0" y="0"/>
+          <a:ext cx="0" cy="0"/>
+          <a:chOff x="0" y="0"/>
+          <a:chExt cx="0" cy="0"/>
+        </a:xfrm>
+      </p:grpSpPr>
+      <p:sp>
+        <p:nvSpPr>
+          <p:cNvPr id="59" name="TextBox 58">
+            <a:extLst>
+              <a:ext uri="{FF2B5EF4-FFF2-40B4-BE49-F238E27FC236}">
+                <a16:creationId xmlns:a16="http://schemas.microsoft.com/office/drawing/2014/main" id="{58760EAD-49A4-C5A5-D613-E645E6A51307}"/>
+              </a:ext>
+            </a:extLst>
+          </p:cNvPr>
+          <p:cNvSpPr txBox="1"/>
+          <p:nvPr/>
+        </p:nvSpPr>
+        <p:spPr>
+          <a:xfrm>
+            <a:off x="2931783" y="1176667"/>
+            <a:ext cx="6958313" cy="1938992"/>
+          </a:xfrm>
+          <a:prstGeom prst="rect">
+            <a:avLst/>
+          </a:prstGeom>
+          <a:noFill/>
+        </p:spPr>
+        <p:txBody>
+          <a:bodyPr rot="0" spcFirstLastPara="0" vertOverflow="overflow" horzOverflow="overflow" vert="horz" wrap="square" lIns="91440" tIns="45720" rIns="91440" bIns="45720" numCol="1" spcCol="0" rtlCol="0" fromWordArt="0" anchor="t" anchorCtr="0" forceAA="0" compatLnSpc="1">
+            <a:prstTxWarp prst="textNoShape">
+              <a:avLst/>
+            </a:prstTxWarp>
+            <a:spAutoFit/>
+          </a:bodyPr>
+          <a:lstStyle/>
+          <a:p>
+            <a:r>
+              <a:rPr lang="en-US" sz="6000" b="1" dirty="0">
+                <a:solidFill>
+                  <a:srgbClr val="FFC904"/>
+                </a:solidFill>
+                <a:latin typeface="Aharoni"/>
+                <a:cs typeface="Aharoni"/>
+              </a:rPr>
+              <a:t>API DEMONSTRATION</a:t>
+            </a:r>
+            <a:endParaRPr lang="en-US" sz="6000" dirty="0"/>
+          </a:p>
+        </p:txBody>
+      </p:sp>
+      <p:cxnSp>
+        <p:nvCxnSpPr>
+          <p:cNvPr id="60" name="Straight Arrow Connector 59">
+            <a:extLst>
+              <a:ext uri="{FF2B5EF4-FFF2-40B4-BE49-F238E27FC236}">
+                <a16:creationId xmlns:a16="http://schemas.microsoft.com/office/drawing/2014/main" id="{2A5E8EC0-B832-3C5D-DF69-675A247186A0}"/>
+              </a:ext>
+            </a:extLst>
+          </p:cNvPr>
+          <p:cNvCxnSpPr/>
+          <p:nvPr/>
+        </p:nvCxnSpPr>
+        <p:spPr>
+          <a:xfrm flipV="1">
+            <a:off x="-3859" y="2101767"/>
+            <a:ext cx="2939969" cy="1930"/>
+          </a:xfrm>
+          <a:prstGeom prst="straightConnector1">
+            <a:avLst/>
+          </a:prstGeom>
+          <a:ln>
+            <a:solidFill>
+              <a:srgbClr val="FFC904"/>
+            </a:solidFill>
+          </a:ln>
+        </p:spPr>
+        <p:style>
+          <a:lnRef idx="3">
+            <a:schemeClr val="dk1"/>
+          </a:lnRef>
+          <a:fillRef idx="0">
+            <a:schemeClr val="dk1"/>
+          </a:fillRef>
+          <a:effectRef idx="2">
+            <a:schemeClr val="dk1"/>
+          </a:effectRef>
+          <a:fontRef idx="minor">
+            <a:schemeClr val="tx1"/>
+          </a:fontRef>
+        </p:style>
+      </p:cxnSp>
+      <p:sp>
+        <p:nvSpPr>
+          <p:cNvPr id="2" name="TextBox 1">
+            <a:extLst>
+              <a:ext uri="{FF2B5EF4-FFF2-40B4-BE49-F238E27FC236}">
+                <a16:creationId xmlns:a16="http://schemas.microsoft.com/office/drawing/2014/main" id="{8A9F1264-45A2-B002-DA60-756BEAAE553A}"/>
+              </a:ext>
+            </a:extLst>
+          </p:cNvPr>
+          <p:cNvSpPr txBox="1"/>
+          <p:nvPr/>
+        </p:nvSpPr>
+        <p:spPr>
+          <a:xfrm>
+            <a:off x="5424364" y="4520213"/>
+            <a:ext cx="1334946" cy="523220"/>
+          </a:xfrm>
+          <a:prstGeom prst="rect">
+            <a:avLst/>
+          </a:prstGeom>
+          <a:noFill/>
+        </p:spPr>
+        <p:txBody>
+          <a:bodyPr rot="0" spcFirstLastPara="0" vertOverflow="overflow" horzOverflow="overflow" vert="horz" wrap="square" lIns="91440" tIns="45720" rIns="91440" bIns="45720" numCol="1" spcCol="0" rtlCol="0" fromWordArt="0" anchor="t" anchorCtr="0" forceAA="0" compatLnSpc="1">
+            <a:prstTxWarp prst="textNoShape">
+              <a:avLst/>
+            </a:prstTxWarp>
+            <a:spAutoFit/>
+          </a:bodyPr>
+          <a:lstStyle/>
+          <a:p>
+            <a:pPr algn="l"/>
+            <a:r>
+              <a:rPr lang="en-US" sz="2800" dirty="0">
+                <a:solidFill>
+                  <a:srgbClr val="FFC904"/>
+                </a:solidFill>
+                <a:latin typeface="Georgia Pro"/>
+              </a:rPr>
+              <a:t>DEMO</a:t>
+            </a:r>
+          </a:p>
+        </p:txBody>
+      </p:sp>
+    </p:spTree>
+    <p:extLst>
+      <p:ext uri="{BB962C8B-B14F-4D97-AF65-F5344CB8AC3E}">
+        <p14:creationId xmlns:p14="http://schemas.microsoft.com/office/powerpoint/2010/main" val="4283652518"/>
+      </p:ext>
+    </p:extLst>
+  </p:cSld>
+  <p:clrMapOvr>
+    <a:masterClrMapping/>
+  </p:clrMapOvr>
+</p:sld>
+</file>
+
+<file path=ppt/slides/slide13.xml><?xml version="1.0" encoding="utf-8"?>
+<p:sld xmlns:a="http://schemas.openxmlformats.org/drawingml/2006/main" xmlns:r="http://schemas.openxmlformats.org/officeDocument/2006/relationships" xmlns:p="http://schemas.openxmlformats.org/presentationml/2006/main">
+  <p:cSld>
+    <p:bg>
+      <p:bgPr>
+        <a:blipFill>
+          <a:blip r:embed="rId2"/>
+          <a:stretch>
+            <a:fillRect/>
+          </a:stretch>
+        </a:blipFill>
+        <a:effectLst/>
+      </p:bgPr>
+    </p:bg>
+    <p:spTree>
+      <p:nvGrpSpPr>
+        <p:cNvPr id="1" name=""/>
+        <p:cNvGrpSpPr/>
+        <p:nvPr/>
+      </p:nvGrpSpPr>
+      <p:grpSpPr>
+        <a:xfrm>
+          <a:off x="0" y="0"/>
+          <a:ext cx="0" cy="0"/>
+          <a:chOff x="0" y="0"/>
+          <a:chExt cx="0" cy="0"/>
+        </a:xfrm>
+      </p:grpSpPr>
+      <p:sp>
+        <p:nvSpPr>
+          <p:cNvPr id="59" name="TextBox 58">
+            <a:extLst>
+              <a:ext uri="{FF2B5EF4-FFF2-40B4-BE49-F238E27FC236}">
+                <a16:creationId xmlns:a16="http://schemas.microsoft.com/office/drawing/2014/main" id="{58760EAD-49A4-C5A5-D613-E645E6A51307}"/>
+              </a:ext>
+            </a:extLst>
+          </p:cNvPr>
+          <p:cNvSpPr txBox="1"/>
+          <p:nvPr/>
+        </p:nvSpPr>
+        <p:spPr>
+          <a:xfrm>
+            <a:off x="2931783" y="1176667"/>
+            <a:ext cx="6958313" cy="1938992"/>
+          </a:xfrm>
+          <a:prstGeom prst="rect">
+            <a:avLst/>
+          </a:prstGeom>
+          <a:noFill/>
+        </p:spPr>
+        <p:txBody>
+          <a:bodyPr rot="0" spcFirstLastPara="0" vertOverflow="overflow" horzOverflow="overflow" vert="horz" wrap="square" lIns="91440" tIns="45720" rIns="91440" bIns="45720" numCol="1" spcCol="0" rtlCol="0" fromWordArt="0" anchor="t" anchorCtr="0" forceAA="0" compatLnSpc="1">
+            <a:prstTxWarp prst="textNoShape">
+              <a:avLst/>
+            </a:prstTxWarp>
+            <a:spAutoFit/>
+          </a:bodyPr>
+          <a:lstStyle/>
+          <a:p>
+            <a:r>
+              <a:rPr lang="en-US" sz="6000" b="1" dirty="0">
+                <a:solidFill>
+                  <a:srgbClr val="FFC904"/>
+                </a:solidFill>
+                <a:latin typeface="Aharoni"/>
+                <a:cs typeface="Aharoni"/>
+              </a:rPr>
+              <a:t>APP DEMONSTRATION</a:t>
+            </a:r>
+          </a:p>
+        </p:txBody>
+      </p:sp>
+      <p:cxnSp>
+        <p:nvCxnSpPr>
+          <p:cNvPr id="60" name="Straight Arrow Connector 59">
+            <a:extLst>
+              <a:ext uri="{FF2B5EF4-FFF2-40B4-BE49-F238E27FC236}">
+                <a16:creationId xmlns:a16="http://schemas.microsoft.com/office/drawing/2014/main" id="{2A5E8EC0-B832-3C5D-DF69-675A247186A0}"/>
+              </a:ext>
+            </a:extLst>
+          </p:cNvPr>
+          <p:cNvCxnSpPr/>
+          <p:nvPr/>
+        </p:nvCxnSpPr>
+        <p:spPr>
+          <a:xfrm>
+            <a:off x="10001101" y="2083905"/>
+            <a:ext cx="2187866" cy="7966"/>
+          </a:xfrm>
+          <a:prstGeom prst="straightConnector1">
+            <a:avLst/>
+          </a:prstGeom>
+          <a:ln>
+            <a:solidFill>
+              <a:srgbClr val="FFC904"/>
+            </a:solidFill>
+          </a:ln>
+        </p:spPr>
+        <p:style>
+          <a:lnRef idx="3">
+            <a:schemeClr val="dk1"/>
+          </a:lnRef>
+          <a:fillRef idx="0">
+            <a:schemeClr val="dk1"/>
+          </a:fillRef>
+          <a:effectRef idx="2">
+            <a:schemeClr val="dk1"/>
+          </a:effectRef>
+          <a:fontRef idx="minor">
+            <a:schemeClr val="tx1"/>
+          </a:fontRef>
+        </p:style>
+      </p:cxnSp>
       <p:sp>
         <p:nvSpPr>
           <p:cNvPr id="2" name="TextBox 1">
@@ -3507,7 +5678,7 @@
 </p:sld>
 </file>
 
-<file path=ppt/slides/slide12.xml><?xml version="1.0" encoding="utf-8"?>
+<file path=ppt/slides/slide14.xml><?xml version="1.0" encoding="utf-8"?>
 <p:sld xmlns:a="http://schemas.openxmlformats.org/drawingml/2006/main" xmlns:r="http://schemas.openxmlformats.org/officeDocument/2006/relationships" xmlns:p="http://schemas.openxmlformats.org/presentationml/2006/main">
   <p:cSld>
     <p:bg>
@@ -5432,35 +7603,43 @@
           </a:p>
           <a:p>
             <a:pPr marL="285750" indent="-285750">
-              <a:buFont typeface="Arial"/>
+              <a:buFont typeface="Arial,Sans-Serif"/>
               <a:buChar char="•"/>
             </a:pPr>
             <a:r>
-              <a:rPr lang="en-US" dirty="0">
+              <a:rPr lang="en-US">
                 <a:solidFill>
                   <a:srgbClr val="FFC904"/>
                 </a:solidFill>
                 <a:latin typeface="Georgia Pro"/>
                 <a:cs typeface="Aharoni"/>
               </a:rPr>
-              <a:t>Josh</a:t>
-            </a:r>
+              <a:t>Alex</a:t>
+            </a:r>
+            <a:endParaRPr lang="en-US">
+              <a:solidFill>
+                <a:srgbClr val="000000"/>
+              </a:solidFill>
+              <a:latin typeface="Georgia Pro"/>
+              <a:cs typeface="Aharoni"/>
+            </a:endParaRPr>
           </a:p>
           <a:p>
             <a:pPr marL="285750" indent="-285750">
-              <a:buFont typeface="Arial"/>
+              <a:buFont typeface="Arial,Sans-Serif"/>
               <a:buChar char="•"/>
             </a:pPr>
             <a:r>
-              <a:rPr lang="en-US" dirty="0">
+              <a:rPr lang="en-US">
                 <a:solidFill>
                   <a:srgbClr val="FFC904"/>
                 </a:solidFill>
                 <a:latin typeface="Georgia Pro"/>
                 <a:cs typeface="Aharoni"/>
               </a:rPr>
-              <a:t>Chris</a:t>
-            </a:r>
+              <a:t>Alvin</a:t>
+            </a:r>
+            <a:endParaRPr lang="en-US"/>
           </a:p>
         </p:txBody>
       </p:sp>
@@ -5703,22 +7882,28 @@
           </a:p>
           <a:p>
             <a:pPr marL="285750" indent="-285750">
-              <a:buFont typeface="Arial"/>
+              <a:buFont typeface="Arial,Sans-Serif"/>
               <a:buChar char="•"/>
             </a:pPr>
             <a:r>
-              <a:rPr lang="en-US" dirty="0">
+              <a:rPr lang="en-US">
                 <a:solidFill>
                   <a:srgbClr val="FFC904"/>
                 </a:solidFill>
                 <a:latin typeface="Georgia Pro"/>
               </a:rPr>
-              <a:t>Alex</a:t>
-            </a:r>
+              <a:t>Josh</a:t>
+            </a:r>
+            <a:endParaRPr lang="en-US">
+              <a:solidFill>
+                <a:srgbClr val="000000"/>
+              </a:solidFill>
+              <a:latin typeface="Georgia Pro"/>
+            </a:endParaRPr>
           </a:p>
           <a:p>
             <a:pPr marL="285750" indent="-285750">
-              <a:buFont typeface="Arial"/>
+              <a:buFont typeface="Arial,Sans-Serif"/>
               <a:buChar char="•"/>
             </a:pPr>
             <a:r>
@@ -5728,8 +7913,9 @@
                 </a:solidFill>
                 <a:latin typeface="Georgia Pro"/>
               </a:rPr>
-              <a:t>Alvin</a:t>
-            </a:r>
+              <a:t>Chris</a:t>
+            </a:r>
+            <a:endParaRPr lang="en-US" dirty="0"/>
           </a:p>
         </p:txBody>
       </p:sp>
@@ -5918,7 +8104,7 @@
         </p:nvSpPr>
         <p:spPr>
           <a:xfrm>
-            <a:off x="441326" y="985307"/>
+            <a:off x="802787" y="1717999"/>
             <a:ext cx="4104921" cy="1015663"/>
           </a:xfrm>
           <a:prstGeom prst="rect">
@@ -5962,9 +8148,9 @@
           <p:nvPr/>
         </p:nvCxnSpPr>
         <p:spPr>
-          <a:xfrm flipH="1">
-            <a:off x="2493716" y="2823"/>
-            <a:ext cx="1479" cy="979169"/>
+          <a:xfrm>
+            <a:off x="4040" y="2171592"/>
+            <a:ext cx="799599" cy="2246"/>
           </a:xfrm>
           <a:prstGeom prst="straightConnector1">
             <a:avLst/>
@@ -6004,8 +8190,8 @@
         </p:nvSpPr>
         <p:spPr>
           <a:xfrm>
-            <a:off x="1125008" y="2524125"/>
-            <a:ext cx="4781550" cy="1138773"/>
+            <a:off x="1125008" y="2729279"/>
+            <a:ext cx="4107473" cy="954107"/>
           </a:xfrm>
           <a:prstGeom prst="rect">
             <a:avLst/>
@@ -6026,7 +8212,7 @@
               <a:buChar char="•"/>
             </a:pPr>
             <a:r>
-              <a:rPr lang="en-US" sz="2800" dirty="0">
+              <a:rPr lang="en-US" sz="2400" dirty="0">
                 <a:solidFill>
                   <a:srgbClr val="FFC904"/>
                 </a:solidFill>
@@ -6034,7 +8220,7 @@
               </a:rPr>
               <a:t>Great Communication</a:t>
             </a:r>
-            <a:endParaRPr lang="en-US" sz="2800">
+            <a:endParaRPr lang="en-US" sz="2400">
               <a:solidFill>
                 <a:srgbClr val="000000"/>
               </a:solidFill>
@@ -6047,7 +8233,7 @@
               <a:buChar char="o"/>
             </a:pPr>
             <a:r>
-              <a:rPr lang="en-US" sz="2000" dirty="0">
+              <a:rPr lang="en-US" sz="1600" dirty="0">
                 <a:solidFill>
                   <a:schemeClr val="bg1"/>
                 </a:solidFill>
@@ -6061,7 +8247,7 @@
               <a:buChar char="o"/>
             </a:pPr>
             <a:r>
-              <a:rPr lang="en-US" sz="2000" dirty="0">
+              <a:rPr lang="en-US" sz="1600" dirty="0">
                 <a:solidFill>
                   <a:schemeClr val="bg1"/>
                 </a:solidFill>
@@ -6073,10 +8259,10 @@
       </p:sp>
       <p:sp>
         <p:nvSpPr>
-          <p:cNvPr id="8" name="TextBox 7">
-            <a:extLst>
-              <a:ext uri="{FF2B5EF4-FFF2-40B4-BE49-F238E27FC236}">
-                <a16:creationId xmlns:a16="http://schemas.microsoft.com/office/drawing/2014/main" id="{1BB501AD-67C7-A4BB-6C44-28A042BDEF6A}"/>
+          <p:cNvPr id="9" name="TextBox 8">
+            <a:extLst>
+              <a:ext uri="{FF2B5EF4-FFF2-40B4-BE49-F238E27FC236}">
+                <a16:creationId xmlns:a16="http://schemas.microsoft.com/office/drawing/2014/main" id="{BF37CEB7-AE20-1C4F-C318-C63470F1EE53}"/>
               </a:ext>
             </a:extLst>
           </p:cNvPr>
@@ -6085,8 +8271,8 @@
         </p:nvSpPr>
         <p:spPr>
           <a:xfrm>
-            <a:off x="6287558" y="2524124"/>
-            <a:ext cx="4781550" cy="1138773"/>
+            <a:off x="1125008" y="3986089"/>
+            <a:ext cx="4013689" cy="1446550"/>
           </a:xfrm>
           <a:prstGeom prst="rect">
             <a:avLst/>
@@ -6107,14 +8293,17 @@
               <a:buChar char="•"/>
             </a:pPr>
             <a:r>
-              <a:rPr lang="en-US" sz="2800" dirty="0">
+              <a:rPr lang="en-US" sz="2400" dirty="0">
                 <a:solidFill>
                   <a:srgbClr val="FFC904"/>
                 </a:solidFill>
                 <a:latin typeface="Georgia Pro"/>
               </a:rPr>
-              <a:t>Deadlines</a:t>
-            </a:r>
+              <a:t>Teamwork</a:t>
+            </a:r>
+            <a:endParaRPr lang="en-US" sz="2400">
+              <a:latin typeface="Georgia Pro"/>
+            </a:endParaRPr>
           </a:p>
           <a:p>
             <a:pPr marL="800100" lvl="1" indent="-342900">
@@ -6122,18 +8311,13 @@
               <a:buChar char="o"/>
             </a:pPr>
             <a:r>
-              <a:rPr lang="en-US" sz="2000" dirty="0">
+              <a:rPr lang="en-US" sz="1600" dirty="0">
                 <a:solidFill>
                   <a:schemeClr val="bg1"/>
                 </a:solidFill>
               </a:rPr>
-              <a:t>Adherence to target due dates</a:t>
-            </a:r>
-            <a:endParaRPr lang="en-US">
-              <a:solidFill>
-                <a:schemeClr val="bg1"/>
-              </a:solidFill>
-            </a:endParaRPr>
+              <a:t>Helped each other with knowledge  gaps</a:t>
+            </a:r>
           </a:p>
           <a:p>
             <a:pPr marL="800100" lvl="1" indent="-342900">
@@ -6141,22 +8325,22 @@
               <a:buChar char="o"/>
             </a:pPr>
             <a:r>
-              <a:rPr lang="en-US" sz="2000" dirty="0">
+              <a:rPr lang="en-US" sz="1600" dirty="0">
                 <a:solidFill>
                   <a:schemeClr val="bg1"/>
                 </a:solidFill>
               </a:rPr>
-              <a:t>Communicated slow downs</a:t>
-            </a:r>
-          </a:p>
-        </p:txBody>
-      </p:sp>
-      <p:sp>
-        <p:nvSpPr>
-          <p:cNvPr id="9" name="TextBox 8">
-            <a:extLst>
-              <a:ext uri="{FF2B5EF4-FFF2-40B4-BE49-F238E27FC236}">
-                <a16:creationId xmlns:a16="http://schemas.microsoft.com/office/drawing/2014/main" id="{BF37CEB7-AE20-1C4F-C318-C63470F1EE53}"/>
+              <a:t>Everyone quickly took on and learned their roles</a:t>
+            </a:r>
+          </a:p>
+        </p:txBody>
+      </p:sp>
+      <p:sp>
+        <p:nvSpPr>
+          <p:cNvPr id="12" name="TextBox 11">
+            <a:extLst>
+              <a:ext uri="{FF2B5EF4-FFF2-40B4-BE49-F238E27FC236}">
+                <a16:creationId xmlns:a16="http://schemas.microsoft.com/office/drawing/2014/main" id="{A2C5440E-BD3C-6FCC-412C-F18E9A8CDF11}"/>
               </a:ext>
             </a:extLst>
           </p:cNvPr>
@@ -6165,8 +8349,8 @@
         </p:nvSpPr>
         <p:spPr>
           <a:xfrm>
-            <a:off x="1125008" y="4562474"/>
-            <a:ext cx="4705350" cy="1754326"/>
+            <a:off x="1128915" y="5493971"/>
+            <a:ext cx="4078166" cy="954107"/>
           </a:xfrm>
           <a:prstGeom prst="rect">
             <a:avLst/>
@@ -6187,15 +8371,18 @@
               <a:buChar char="•"/>
             </a:pPr>
             <a:r>
-              <a:rPr lang="en-US" sz="2800" dirty="0">
+              <a:rPr lang="en-US" sz="2400" dirty="0">
                 <a:solidFill>
                   <a:srgbClr val="FFC904"/>
                 </a:solidFill>
                 <a:latin typeface="Georgia Pro"/>
               </a:rPr>
-              <a:t>Teamwork</a:t>
+              <a:t>Great Communication</a:t>
             </a:r>
             <a:endParaRPr lang="en-US" sz="2400">
+              <a:solidFill>
+                <a:srgbClr val="000000"/>
+              </a:solidFill>
               <a:latin typeface="Georgia Pro"/>
             </a:endParaRPr>
           </a:p>
@@ -6205,18 +8392,13 @@
               <a:buChar char="o"/>
             </a:pPr>
             <a:r>
-              <a:rPr lang="en-US" sz="2000" dirty="0">
+              <a:rPr lang="en-US" sz="1600" dirty="0">
                 <a:solidFill>
                   <a:schemeClr val="bg1"/>
                 </a:solidFill>
               </a:rPr>
-              <a:t>Helped each other with knowledge  gaps</a:t>
-            </a:r>
-            <a:endParaRPr lang="en-US">
-              <a:solidFill>
-                <a:schemeClr val="bg1"/>
-              </a:solidFill>
-            </a:endParaRPr>
+              <a:t>Quick responses</a:t>
+            </a:r>
           </a:p>
           <a:p>
             <a:pPr marL="800100" lvl="1" indent="-342900">
@@ -6224,22 +8406,22 @@
               <a:buChar char="o"/>
             </a:pPr>
             <a:r>
-              <a:rPr lang="en-US" sz="2000" dirty="0">
+              <a:rPr lang="en-US" sz="1600" dirty="0">
                 <a:solidFill>
                   <a:schemeClr val="bg1"/>
                 </a:solidFill>
               </a:rPr>
-              <a:t>Everyone quickly took on and learned their roles</a:t>
-            </a:r>
-          </a:p>
-        </p:txBody>
-      </p:sp>
-      <p:sp>
-        <p:nvSpPr>
-          <p:cNvPr id="10" name="TextBox 9">
-            <a:extLst>
-              <a:ext uri="{FF2B5EF4-FFF2-40B4-BE49-F238E27FC236}">
-                <a16:creationId xmlns:a16="http://schemas.microsoft.com/office/drawing/2014/main" id="{C2798B37-9F24-98FE-336E-9692221ECDB7}"/>
+              <a:t>Constructive Criticism</a:t>
+            </a:r>
+          </a:p>
+        </p:txBody>
+      </p:sp>
+      <p:sp>
+        <p:nvSpPr>
+          <p:cNvPr id="5" name="TextBox 4">
+            <a:extLst>
+              <a:ext uri="{FF2B5EF4-FFF2-40B4-BE49-F238E27FC236}">
+                <a16:creationId xmlns:a16="http://schemas.microsoft.com/office/drawing/2014/main" id="{7A45FACA-5958-7644-563D-AC801EA8DB1C}"/>
               </a:ext>
             </a:extLst>
           </p:cNvPr>
@@ -6248,8 +8430,8 @@
         </p:nvSpPr>
         <p:spPr>
           <a:xfrm>
-            <a:off x="6097058" y="4562474"/>
-            <a:ext cx="5429250" cy="1138773"/>
+            <a:off x="3596787" y="252614"/>
+            <a:ext cx="5794998" cy="769441"/>
           </a:xfrm>
           <a:prstGeom prst="rect">
             <a:avLst/>
@@ -6265,19 +8447,158 @@
           </a:bodyPr>
           <a:lstStyle/>
           <a:p>
+            <a:r>
+              <a:rPr lang="en-US" sz="4400" b="1" dirty="0">
+                <a:solidFill>
+                  <a:srgbClr val="FFC904"/>
+                </a:solidFill>
+                <a:latin typeface="Aharoni"/>
+                <a:cs typeface="Aharoni"/>
+              </a:rPr>
+              <a:t>PROJECT MANAGER</a:t>
+            </a:r>
+            <a:endParaRPr lang="en-US" sz="4400"/>
+          </a:p>
+        </p:txBody>
+      </p:sp>
+      <p:sp>
+        <p:nvSpPr>
+          <p:cNvPr id="8" name="TextBox 7">
+            <a:extLst>
+              <a:ext uri="{FF2B5EF4-FFF2-40B4-BE49-F238E27FC236}">
+                <a16:creationId xmlns:a16="http://schemas.microsoft.com/office/drawing/2014/main" id="{1C415650-9A38-0F28-DE35-65890DEB3DB1}"/>
+              </a:ext>
+            </a:extLst>
+          </p:cNvPr>
+          <p:cNvSpPr txBox="1"/>
+          <p:nvPr/>
+        </p:nvSpPr>
+        <p:spPr>
+          <a:xfrm>
+            <a:off x="8170008" y="1714824"/>
+            <a:ext cx="3399366" cy="1015663"/>
+          </a:xfrm>
+          <a:prstGeom prst="rect">
+            <a:avLst/>
+          </a:prstGeom>
+          <a:noFill/>
+        </p:spPr>
+        <p:txBody>
+          <a:bodyPr rot="0" spcFirstLastPara="0" vertOverflow="overflow" horzOverflow="overflow" vert="horz" wrap="square" lIns="91440" tIns="45720" rIns="91440" bIns="45720" numCol="1" spcCol="0" rtlCol="0" fromWordArt="0" anchor="t" anchorCtr="0" forceAA="0" compatLnSpc="1">
+            <a:prstTxWarp prst="textNoShape">
+              <a:avLst/>
+            </a:prstTxWarp>
+            <a:spAutoFit/>
+          </a:bodyPr>
+          <a:lstStyle/>
+          <a:p>
+            <a:r>
+              <a:rPr lang="en-US" sz="6000" b="1">
+                <a:solidFill>
+                  <a:srgbClr val="FFC904"/>
+                </a:solidFill>
+                <a:latin typeface="Aharoni"/>
+                <a:cs typeface="Aharoni"/>
+              </a:rPr>
+              <a:t>THE BAD</a:t>
+            </a:r>
+            <a:endParaRPr lang="en-US"/>
+          </a:p>
+        </p:txBody>
+      </p:sp>
+      <p:cxnSp>
+        <p:nvCxnSpPr>
+          <p:cNvPr id="14" name="Straight Arrow Connector 13">
+            <a:extLst>
+              <a:ext uri="{FF2B5EF4-FFF2-40B4-BE49-F238E27FC236}">
+                <a16:creationId xmlns:a16="http://schemas.microsoft.com/office/drawing/2014/main" id="{BCE2013B-0290-D353-9DFE-EC383CA24FC0}"/>
+              </a:ext>
+            </a:extLst>
+          </p:cNvPr>
+          <p:cNvCxnSpPr>
+            <a:cxnSpLocks/>
+          </p:cNvCxnSpPr>
+          <p:nvPr/>
+        </p:nvCxnSpPr>
+        <p:spPr>
+          <a:xfrm>
+            <a:off x="11394963" y="2161822"/>
+            <a:ext cx="799599" cy="2246"/>
+          </a:xfrm>
+          <a:prstGeom prst="straightConnector1">
+            <a:avLst/>
+          </a:prstGeom>
+          <a:ln>
+            <a:solidFill>
+              <a:srgbClr val="FFC904"/>
+            </a:solidFill>
+          </a:ln>
+        </p:spPr>
+        <p:style>
+          <a:lnRef idx="2">
+            <a:schemeClr val="accent1"/>
+          </a:lnRef>
+          <a:fillRef idx="0">
+            <a:schemeClr val="accent1"/>
+          </a:fillRef>
+          <a:effectRef idx="1">
+            <a:schemeClr val="accent1"/>
+          </a:effectRef>
+          <a:fontRef idx="minor">
+            <a:schemeClr val="tx1"/>
+          </a:fontRef>
+        </p:style>
+      </p:cxnSp>
+      <p:sp>
+        <p:nvSpPr>
+          <p:cNvPr id="15" name="TextBox 14">
+            <a:extLst>
+              <a:ext uri="{FF2B5EF4-FFF2-40B4-BE49-F238E27FC236}">
+                <a16:creationId xmlns:a16="http://schemas.microsoft.com/office/drawing/2014/main" id="{4CB7126E-5C92-6CFF-76B8-101B28280402}"/>
+              </a:ext>
+            </a:extLst>
+          </p:cNvPr>
+          <p:cNvSpPr txBox="1"/>
+          <p:nvPr/>
+        </p:nvSpPr>
+        <p:spPr>
+          <a:xfrm>
+            <a:off x="7816931" y="2729279"/>
+            <a:ext cx="4107473" cy="954107"/>
+          </a:xfrm>
+          <a:prstGeom prst="rect">
+            <a:avLst/>
+          </a:prstGeom>
+          <a:noFill/>
+        </p:spPr>
+        <p:txBody>
+          <a:bodyPr rot="0" spcFirstLastPara="0" vertOverflow="overflow" horzOverflow="overflow" vert="horz" wrap="square" lIns="91440" tIns="45720" rIns="91440" bIns="45720" numCol="1" spcCol="0" rtlCol="0" fromWordArt="0" anchor="t" anchorCtr="0" forceAA="0" compatLnSpc="1">
+            <a:prstTxWarp prst="textNoShape">
+              <a:avLst/>
+            </a:prstTxWarp>
+            <a:spAutoFit/>
+          </a:bodyPr>
+          <a:lstStyle/>
+          <a:p>
             <a:pPr marL="342900" indent="-342900">
               <a:buFont typeface="Arial"/>
               <a:buChar char="•"/>
             </a:pPr>
             <a:r>
-              <a:rPr lang="en-US" sz="2800" dirty="0">
+              <a:rPr lang="en-US" sz="2400" dirty="0">
                 <a:solidFill>
                   <a:srgbClr val="FFC904"/>
                 </a:solidFill>
                 <a:latin typeface="Georgia Pro"/>
               </a:rPr>
-              <a:t>Organization</a:t>
-            </a:r>
+              <a:t>Meetings</a:t>
+            </a:r>
+            <a:endParaRPr lang="en-US" sz="2400" dirty="0">
+              <a:solidFill>
+                <a:srgbClr val="000000"/>
+              </a:solidFill>
+              <a:latin typeface="Georgia Pro"/>
+            </a:endParaRPr>
           </a:p>
           <a:p>
             <a:pPr marL="800100" lvl="1" indent="-342900">
@@ -6285,12 +8606,59 @@
               <a:buChar char="o"/>
             </a:pPr>
             <a:r>
-              <a:rPr lang="en-US" sz="2000" dirty="0">
+              <a:rPr lang="en-US" sz="1600" dirty="0">
                 <a:solidFill>
                   <a:schemeClr val="bg1"/>
                 </a:solidFill>
               </a:rPr>
-              <a:t>Used Jira and Git to track work</a:t>
+              <a:t>Difficulty getting everyone on a call at the same time</a:t>
+            </a:r>
+          </a:p>
+        </p:txBody>
+      </p:sp>
+      <p:sp>
+        <p:nvSpPr>
+          <p:cNvPr id="16" name="TextBox 15">
+            <a:extLst>
+              <a:ext uri="{FF2B5EF4-FFF2-40B4-BE49-F238E27FC236}">
+                <a16:creationId xmlns:a16="http://schemas.microsoft.com/office/drawing/2014/main" id="{CFA133FD-631C-7901-AE24-A72B53566A45}"/>
+              </a:ext>
+            </a:extLst>
+          </p:cNvPr>
+          <p:cNvSpPr txBox="1"/>
+          <p:nvPr/>
+        </p:nvSpPr>
+        <p:spPr>
+          <a:xfrm>
+            <a:off x="7816930" y="3989509"/>
+            <a:ext cx="4107473" cy="954107"/>
+          </a:xfrm>
+          <a:prstGeom prst="rect">
+            <a:avLst/>
+          </a:prstGeom>
+          <a:noFill/>
+        </p:spPr>
+        <p:txBody>
+          <a:bodyPr rot="0" spcFirstLastPara="0" vertOverflow="overflow" horzOverflow="overflow" vert="horz" wrap="square" lIns="91440" tIns="45720" rIns="91440" bIns="45720" numCol="1" spcCol="0" rtlCol="0" fromWordArt="0" anchor="t" anchorCtr="0" forceAA="0" compatLnSpc="1">
+            <a:prstTxWarp prst="textNoShape">
+              <a:avLst/>
+            </a:prstTxWarp>
+            <a:spAutoFit/>
+          </a:bodyPr>
+          <a:lstStyle/>
+          <a:p>
+            <a:pPr marL="342900" indent="-342900">
+              <a:buFont typeface="Arial"/>
+              <a:buChar char="•"/>
+            </a:pPr>
+            <a:r>
+              <a:rPr lang="en-US" sz="2400" dirty="0">
+                <a:solidFill>
+                  <a:srgbClr val="FFC904"/>
+                </a:solidFill>
+                <a:latin typeface="Georgia Pro"/>
+              </a:rPr>
+              <a:t>Cross Discipline</a:t>
             </a:r>
           </a:p>
           <a:p>
@@ -6299,16 +8667,59 @@
               <a:buChar char="o"/>
             </a:pPr>
             <a:r>
-              <a:rPr lang="en-US" sz="2000" dirty="0">
+              <a:rPr lang="en-US" sz="1600" dirty="0">
                 <a:solidFill>
                   <a:schemeClr val="bg1"/>
                 </a:solidFill>
               </a:rPr>
-              <a:t>Regular check ins to check progress</a:t>
-            </a:r>
-          </a:p>
-        </p:txBody>
-      </p:sp>
+              <a:t>Knowledge gap when trying to help mid project</a:t>
+            </a:r>
+          </a:p>
+        </p:txBody>
+      </p:sp>
+      <p:cxnSp>
+        <p:nvCxnSpPr>
+          <p:cNvPr id="18" name="Straight Arrow Connector 17">
+            <a:extLst>
+              <a:ext uri="{FF2B5EF4-FFF2-40B4-BE49-F238E27FC236}">
+                <a16:creationId xmlns:a16="http://schemas.microsoft.com/office/drawing/2014/main" id="{CB4F9456-EC38-E127-E291-AE72AC21FA46}"/>
+              </a:ext>
+            </a:extLst>
+          </p:cNvPr>
+          <p:cNvCxnSpPr>
+            <a:cxnSpLocks/>
+          </p:cNvCxnSpPr>
+          <p:nvPr/>
+        </p:nvCxnSpPr>
+        <p:spPr>
+          <a:xfrm flipH="1">
+            <a:off x="6164251" y="821753"/>
+            <a:ext cx="1814" cy="5756658"/>
+          </a:xfrm>
+          <a:prstGeom prst="straightConnector1">
+            <a:avLst/>
+          </a:prstGeom>
+          <a:ln>
+            <a:solidFill>
+              <a:srgbClr val="FFC904"/>
+            </a:solidFill>
+          </a:ln>
+        </p:spPr>
+        <p:style>
+          <a:lnRef idx="2">
+            <a:schemeClr val="accent1"/>
+          </a:lnRef>
+          <a:fillRef idx="0">
+            <a:schemeClr val="accent1"/>
+          </a:fillRef>
+          <a:effectRef idx="1">
+            <a:schemeClr val="accent1"/>
+          </a:effectRef>
+          <a:fontRef idx="minor">
+            <a:schemeClr val="tx1"/>
+          </a:fontRef>
+        </p:style>
+      </p:cxnSp>
     </p:spTree>
     <p:extLst>
       <p:ext uri="{BB962C8B-B14F-4D97-AF65-F5344CB8AC3E}">
@@ -6364,8 +8775,8 @@
         </p:nvSpPr>
         <p:spPr>
           <a:xfrm>
-            <a:off x="8267701" y="4665132"/>
-            <a:ext cx="3399366" cy="1015663"/>
+            <a:off x="802787" y="1717999"/>
+            <a:ext cx="4104921" cy="1015663"/>
           </a:xfrm>
           <a:prstGeom prst="rect">
             <a:avLst/>
@@ -6389,7 +8800,7 @@
                 <a:latin typeface="Aharoni"/>
                 <a:cs typeface="Aharoni"/>
               </a:rPr>
-              <a:t>THE BAD</a:t>
+              <a:t>THE GOOD</a:t>
             </a:r>
             <a:endParaRPr lang="en-US"/>
           </a:p>
@@ -6408,9 +8819,9 @@
           <p:nvPr/>
         </p:nvCxnSpPr>
         <p:spPr>
-          <a:xfrm flipH="1">
-            <a:off x="9831141" y="5489223"/>
-            <a:ext cx="1479" cy="1369694"/>
+          <a:xfrm>
+            <a:off x="4040" y="2171592"/>
+            <a:ext cx="799599" cy="2246"/>
           </a:xfrm>
           <a:prstGeom prst="straightConnector1">
             <a:avLst/>
@@ -6438,10 +8849,10 @@
       </p:cxnSp>
       <p:sp>
         <p:nvSpPr>
-          <p:cNvPr id="5" name="TextBox 4">
-            <a:extLst>
-              <a:ext uri="{FF2B5EF4-FFF2-40B4-BE49-F238E27FC236}">
-                <a16:creationId xmlns:a16="http://schemas.microsoft.com/office/drawing/2014/main" id="{E3BED4F5-2C9A-CE18-60DD-35E7FBA06B1F}"/>
+          <p:cNvPr id="4" name="TextBox 3">
+            <a:extLst>
+              <a:ext uri="{FF2B5EF4-FFF2-40B4-BE49-F238E27FC236}">
+                <a16:creationId xmlns:a16="http://schemas.microsoft.com/office/drawing/2014/main" id="{C57B7729-D187-8ED5-AFF7-F5CFC2D92FE8}"/>
               </a:ext>
             </a:extLst>
           </p:cNvPr>
@@ -6450,8 +8861,8 @@
         </p:nvSpPr>
         <p:spPr>
           <a:xfrm>
-            <a:off x="6239933" y="695325"/>
-            <a:ext cx="5162550" cy="1754326"/>
+            <a:off x="993628" y="2978900"/>
+            <a:ext cx="4107473" cy="954107"/>
           </a:xfrm>
           <a:prstGeom prst="rect">
             <a:avLst/>
@@ -6472,20 +8883,14 @@
               <a:buChar char="•"/>
             </a:pPr>
             <a:r>
-              <a:rPr lang="en-US" sz="2800" dirty="0">
+              <a:rPr lang="en-US" sz="2400" dirty="0">
                 <a:solidFill>
                   <a:srgbClr val="FFC904"/>
                 </a:solidFill>
                 <a:latin typeface="Georgia Pro"/>
               </a:rPr>
-              <a:t>Front End</a:t>
-            </a:r>
-            <a:endParaRPr lang="en-US" sz="2800">
-              <a:solidFill>
-                <a:srgbClr val="000000"/>
-              </a:solidFill>
-              <a:latin typeface="Georgia Pro"/>
-            </a:endParaRPr>
+              <a:t>Design </a:t>
+            </a:r>
           </a:p>
           <a:p>
             <a:pPr marL="800100" lvl="1" indent="-342900">
@@ -6493,55 +8898,22 @@
               <a:buChar char="o"/>
             </a:pPr>
             <a:r>
-              <a:rPr lang="en-US" sz="2000" dirty="0">
+              <a:rPr lang="en-US" sz="1600" dirty="0">
                 <a:solidFill>
                   <a:schemeClr val="bg1"/>
                 </a:solidFill>
               </a:rPr>
-              <a:t>Different Design ideas</a:t>
-            </a:r>
-          </a:p>
-          <a:p>
-            <a:pPr marL="800100" lvl="1" indent="-342900">
-              <a:buFont typeface="Courier New"/>
-              <a:buChar char="o"/>
-            </a:pPr>
-            <a:r>
-              <a:rPr lang="en-US" sz="2000" dirty="0">
-                <a:solidFill>
-                  <a:schemeClr val="bg1"/>
-                </a:solidFill>
-              </a:rPr>
-              <a:t>JavaScript / CSS/ HTML learning curve</a:t>
-            </a:r>
-          </a:p>
-          <a:p>
-            <a:pPr marL="800100" lvl="1" indent="-342900">
-              <a:buFont typeface="Courier New"/>
-              <a:buChar char="o"/>
-            </a:pPr>
-            <a:endParaRPr lang="en-US" sz="2000" dirty="0">
-              <a:solidFill>
-                <a:srgbClr val="FFC904"/>
-              </a:solidFill>
-            </a:endParaRPr>
-          </a:p>
-          <a:p>
-            <a:pPr lvl="1"/>
-            <a:endParaRPr lang="en-US" sz="2000" dirty="0">
-              <a:solidFill>
-                <a:srgbClr val="FFC904"/>
-              </a:solidFill>
-            </a:endParaRPr>
-          </a:p>
-        </p:txBody>
-      </p:sp>
-      <p:sp>
-        <p:nvSpPr>
-          <p:cNvPr id="7" name="TextBox 6">
-            <a:extLst>
-              <a:ext uri="{FF2B5EF4-FFF2-40B4-BE49-F238E27FC236}">
-                <a16:creationId xmlns:a16="http://schemas.microsoft.com/office/drawing/2014/main" id="{B953AFBE-C90C-2A51-8B78-726656A8DF54}"/>
+              <a:t>Customization and layout came together easily</a:t>
+            </a:r>
+          </a:p>
+        </p:txBody>
+      </p:sp>
+      <p:sp>
+        <p:nvSpPr>
+          <p:cNvPr id="9" name="TextBox 8">
+            <a:extLst>
+              <a:ext uri="{FF2B5EF4-FFF2-40B4-BE49-F238E27FC236}">
+                <a16:creationId xmlns:a16="http://schemas.microsoft.com/office/drawing/2014/main" id="{BF37CEB7-AE20-1C4F-C318-C63470F1EE53}"/>
               </a:ext>
             </a:extLst>
           </p:cNvPr>
@@ -6550,8 +8922,8 @@
         </p:nvSpPr>
         <p:spPr>
           <a:xfrm>
-            <a:off x="667808" y="695324"/>
-            <a:ext cx="5429250" cy="2062103"/>
+            <a:off x="1125008" y="4656123"/>
+            <a:ext cx="4013689" cy="954107"/>
           </a:xfrm>
           <a:prstGeom prst="rect">
             <a:avLst/>
@@ -6572,15 +8944,15 @@
               <a:buChar char="•"/>
             </a:pPr>
             <a:r>
-              <a:rPr lang="en-US" sz="2800" dirty="0">
+              <a:rPr lang="en-US" sz="2400" dirty="0">
                 <a:solidFill>
                   <a:srgbClr val="FFC904"/>
                 </a:solidFill>
                 <a:latin typeface="Georgia Pro"/>
               </a:rPr>
-              <a:t>Debugging</a:t>
-            </a:r>
-            <a:endParaRPr lang="en-US">
+              <a:t>Satisfying</a:t>
+            </a:r>
+            <a:endParaRPr lang="en-US" sz="2400" dirty="0">
               <a:latin typeface="Georgia Pro"/>
             </a:endParaRPr>
           </a:p>
@@ -6590,41 +8962,22 @@
               <a:buChar char="o"/>
             </a:pPr>
             <a:r>
-              <a:rPr lang="en-US" sz="2000" dirty="0">
+              <a:rPr lang="en-US" sz="1600" dirty="0">
                 <a:solidFill>
                   <a:schemeClr val="bg1"/>
                 </a:solidFill>
               </a:rPr>
-              <a:t>Spent a whole day wondering why data wasn’t being saved in database. Forgot to connect all API's</a:t>
-            </a:r>
-            <a:endParaRPr lang="en-US">
-              <a:solidFill>
-                <a:schemeClr val="bg1"/>
-              </a:solidFill>
-            </a:endParaRPr>
-          </a:p>
-          <a:p>
-            <a:pPr marL="800100" lvl="1" indent="-342900">
-              <a:buFont typeface="Courier New"/>
-              <a:buChar char="o"/>
-            </a:pPr>
-            <a:r>
-              <a:rPr lang="en-US" sz="2000" dirty="0">
-                <a:solidFill>
-                  <a:schemeClr val="bg1"/>
-                </a:solidFill>
-              </a:rPr>
-              <a:t>Getting a text input box to center on the screen</a:t>
-            </a:r>
-          </a:p>
-        </p:txBody>
-      </p:sp>
-      <p:sp>
-        <p:nvSpPr>
-          <p:cNvPr id="9" name="TextBox 8">
-            <a:extLst>
-              <a:ext uri="{FF2B5EF4-FFF2-40B4-BE49-F238E27FC236}">
-                <a16:creationId xmlns:a16="http://schemas.microsoft.com/office/drawing/2014/main" id="{284C7C62-6938-72F3-932A-6BBD59016A52}"/>
+              <a:t>It was nice to see website come together one bit at a time</a:t>
+            </a:r>
+          </a:p>
+        </p:txBody>
+      </p:sp>
+      <p:sp>
+        <p:nvSpPr>
+          <p:cNvPr id="5" name="TextBox 4">
+            <a:extLst>
+              <a:ext uri="{FF2B5EF4-FFF2-40B4-BE49-F238E27FC236}">
+                <a16:creationId xmlns:a16="http://schemas.microsoft.com/office/drawing/2014/main" id="{7A45FACA-5958-7644-563D-AC801EA8DB1C}"/>
               </a:ext>
             </a:extLst>
           </p:cNvPr>
@@ -6633,8 +8986,8 @@
         </p:nvSpPr>
         <p:spPr>
           <a:xfrm>
-            <a:off x="667808" y="2914649"/>
-            <a:ext cx="4705350" cy="1754326"/>
+            <a:off x="4595270" y="226338"/>
+            <a:ext cx="3272515" cy="769441"/>
           </a:xfrm>
           <a:prstGeom prst="rect">
             <a:avLst/>
@@ -6650,59 +9003,26 @@
           </a:bodyPr>
           <a:lstStyle/>
           <a:p>
-            <a:pPr marL="342900" indent="-342900">
-              <a:buFont typeface="Arial"/>
-              <a:buChar char="•"/>
-            </a:pPr>
-            <a:r>
-              <a:rPr lang="en-US" sz="2800" dirty="0">
+            <a:r>
+              <a:rPr lang="en-US" sz="4400" b="1" dirty="0">
                 <a:solidFill>
                   <a:srgbClr val="FFC904"/>
                 </a:solidFill>
-                <a:latin typeface="Georgia Pro"/>
-              </a:rPr>
-              <a:t>API</a:t>
-            </a:r>
-            <a:endParaRPr lang="en-US" sz="2400">
-              <a:latin typeface="Georgia Pro"/>
-            </a:endParaRPr>
-          </a:p>
-          <a:p>
-            <a:pPr marL="800100" lvl="1" indent="-342900">
-              <a:buFont typeface="Courier New"/>
-              <a:buChar char="o"/>
-            </a:pPr>
-            <a:r>
-              <a:rPr lang="en-US" sz="2000" dirty="0">
-                <a:solidFill>
-                  <a:schemeClr val="bg1"/>
-                </a:solidFill>
-              </a:rPr>
-              <a:t>Knowledge gap when it came to creating API's. Lack of SQL, PHP</a:t>
-            </a:r>
-          </a:p>
-          <a:p>
-            <a:pPr marL="800100" lvl="1" indent="-342900">
-              <a:buFont typeface="Courier New"/>
-              <a:buChar char="o"/>
-            </a:pPr>
-            <a:r>
-              <a:rPr lang="en-US" sz="2000" dirty="0">
-                <a:solidFill>
-                  <a:schemeClr val="bg1"/>
-                </a:solidFill>
-              </a:rPr>
-              <a:t>Using postman to test the API was also an unknown</a:t>
-            </a:r>
-          </a:p>
-        </p:txBody>
-      </p:sp>
-      <p:sp>
-        <p:nvSpPr>
-          <p:cNvPr id="11" name="TextBox 10">
-            <a:extLst>
-              <a:ext uri="{FF2B5EF4-FFF2-40B4-BE49-F238E27FC236}">
-                <a16:creationId xmlns:a16="http://schemas.microsoft.com/office/drawing/2014/main" id="{A1260941-8859-6FCA-DF92-F3CEACA73AA6}"/>
+                <a:latin typeface="Aharoni"/>
+                <a:cs typeface="Aharoni"/>
+              </a:rPr>
+              <a:t>FRONT END</a:t>
+            </a:r>
+            <a:endParaRPr lang="en-US" sz="4400" dirty="0"/>
+          </a:p>
+        </p:txBody>
+      </p:sp>
+      <p:sp>
+        <p:nvSpPr>
+          <p:cNvPr id="8" name="TextBox 7">
+            <a:extLst>
+              <a:ext uri="{FF2B5EF4-FFF2-40B4-BE49-F238E27FC236}">
+                <a16:creationId xmlns:a16="http://schemas.microsoft.com/office/drawing/2014/main" id="{1C415650-9A38-0F28-DE35-65890DEB3DB1}"/>
               </a:ext>
             </a:extLst>
           </p:cNvPr>
@@ -6711,8 +9031,8 @@
         </p:nvSpPr>
         <p:spPr>
           <a:xfrm>
-            <a:off x="6239933" y="2914649"/>
-            <a:ext cx="5429250" cy="1754326"/>
+            <a:off x="8170008" y="1714824"/>
+            <a:ext cx="3399366" cy="1015663"/>
           </a:xfrm>
           <a:prstGeom prst="rect">
             <a:avLst/>
@@ -6728,19 +9048,113 @@
           </a:bodyPr>
           <a:lstStyle/>
           <a:p>
+            <a:r>
+              <a:rPr lang="en-US" sz="6000" b="1">
+                <a:solidFill>
+                  <a:srgbClr val="FFC904"/>
+                </a:solidFill>
+                <a:latin typeface="Aharoni"/>
+                <a:cs typeface="Aharoni"/>
+              </a:rPr>
+              <a:t>THE BAD</a:t>
+            </a:r>
+            <a:endParaRPr lang="en-US"/>
+          </a:p>
+        </p:txBody>
+      </p:sp>
+      <p:cxnSp>
+        <p:nvCxnSpPr>
+          <p:cNvPr id="14" name="Straight Arrow Connector 13">
+            <a:extLst>
+              <a:ext uri="{FF2B5EF4-FFF2-40B4-BE49-F238E27FC236}">
+                <a16:creationId xmlns:a16="http://schemas.microsoft.com/office/drawing/2014/main" id="{BCE2013B-0290-D353-9DFE-EC383CA24FC0}"/>
+              </a:ext>
+            </a:extLst>
+          </p:cNvPr>
+          <p:cNvCxnSpPr>
+            <a:cxnSpLocks/>
+          </p:cNvCxnSpPr>
+          <p:nvPr/>
+        </p:nvCxnSpPr>
+        <p:spPr>
+          <a:xfrm>
+            <a:off x="11394963" y="2161822"/>
+            <a:ext cx="799599" cy="2246"/>
+          </a:xfrm>
+          <a:prstGeom prst="straightConnector1">
+            <a:avLst/>
+          </a:prstGeom>
+          <a:ln>
+            <a:solidFill>
+              <a:srgbClr val="FFC904"/>
+            </a:solidFill>
+          </a:ln>
+        </p:spPr>
+        <p:style>
+          <a:lnRef idx="2">
+            <a:schemeClr val="accent1"/>
+          </a:lnRef>
+          <a:fillRef idx="0">
+            <a:schemeClr val="accent1"/>
+          </a:fillRef>
+          <a:effectRef idx="1">
+            <a:schemeClr val="accent1"/>
+          </a:effectRef>
+          <a:fontRef idx="minor">
+            <a:schemeClr val="tx1"/>
+          </a:fontRef>
+        </p:style>
+      </p:cxnSp>
+      <p:sp>
+        <p:nvSpPr>
+          <p:cNvPr id="15" name="TextBox 14">
+            <a:extLst>
+              <a:ext uri="{FF2B5EF4-FFF2-40B4-BE49-F238E27FC236}">
+                <a16:creationId xmlns:a16="http://schemas.microsoft.com/office/drawing/2014/main" id="{4CB7126E-5C92-6CFF-76B8-101B28280402}"/>
+              </a:ext>
+            </a:extLst>
+          </p:cNvPr>
+          <p:cNvSpPr txBox="1"/>
+          <p:nvPr/>
+        </p:nvSpPr>
+        <p:spPr>
+          <a:xfrm>
+            <a:off x="7462207" y="2729279"/>
+            <a:ext cx="4107473" cy="1446550"/>
+          </a:xfrm>
+          <a:prstGeom prst="rect">
+            <a:avLst/>
+          </a:prstGeom>
+          <a:noFill/>
+        </p:spPr>
+        <p:txBody>
+          <a:bodyPr rot="0" spcFirstLastPara="0" vertOverflow="overflow" horzOverflow="overflow" vert="horz" wrap="square" lIns="91440" tIns="45720" rIns="91440" bIns="45720" numCol="1" spcCol="0" rtlCol="0" fromWordArt="0" anchor="t" anchorCtr="0" forceAA="0" compatLnSpc="1">
+            <a:prstTxWarp prst="textNoShape">
+              <a:avLst/>
+            </a:prstTxWarp>
+            <a:spAutoFit/>
+          </a:bodyPr>
+          <a:lstStyle/>
+          <a:p>
             <a:pPr marL="342900" indent="-342900">
               <a:buFont typeface="Arial"/>
               <a:buChar char="•"/>
             </a:pPr>
             <a:r>
-              <a:rPr lang="en-US" sz="2800" dirty="0">
+              <a:rPr lang="en-US" sz="2400" dirty="0">
                 <a:solidFill>
                   <a:srgbClr val="FFC904"/>
                 </a:solidFill>
                 <a:latin typeface="Georgia Pro"/>
               </a:rPr>
-              <a:t>Different Browsers</a:t>
-            </a:r>
+              <a:t>Learning Curve</a:t>
+            </a:r>
+            <a:endParaRPr lang="en-US" sz="2400" dirty="0">
+              <a:solidFill>
+                <a:srgbClr val="000000"/>
+              </a:solidFill>
+              <a:latin typeface="Georgia Pro"/>
+            </a:endParaRPr>
           </a:p>
           <a:p>
             <a:pPr marL="800100" lvl="1" indent="-342900">
@@ -6748,28 +9162,12 @@
               <a:buChar char="o"/>
             </a:pPr>
             <a:r>
-              <a:rPr lang="en-US" sz="2000" dirty="0">
+              <a:rPr lang="en-US" sz="1600" dirty="0">
                 <a:solidFill>
                   <a:schemeClr val="bg1"/>
                 </a:solidFill>
               </a:rPr>
-              <a:t>Would work on </a:t>
-            </a:r>
-            <a:r>
-              <a:rPr lang="en-US" sz="2000" dirty="0" err="1">
-                <a:solidFill>
-                  <a:schemeClr val="bg1"/>
-                </a:solidFill>
-              </a:rPr>
-              <a:t>firefox</a:t>
-            </a:r>
-            <a:r>
-              <a:rPr lang="en-US" sz="2000" dirty="0">
-                <a:solidFill>
-                  <a:schemeClr val="bg1"/>
-                </a:solidFill>
-              </a:rPr>
-              <a:t> but not on chrome for some</a:t>
+              <a:t>Learning JS as we had no experience with it</a:t>
             </a:r>
           </a:p>
           <a:p>
@@ -6778,20 +9176,150 @@
               <a:buChar char="o"/>
             </a:pPr>
             <a:r>
-              <a:rPr lang="en-US" sz="2000" dirty="0">
+              <a:rPr lang="en-US" sz="1600" dirty="0">
                 <a:solidFill>
                   <a:schemeClr val="bg1"/>
                 </a:solidFill>
               </a:rPr>
-              <a:t>Had to clear cache often to get site to load</a:t>
-            </a:r>
-          </a:p>
-        </p:txBody>
-      </p:sp>
+              <a:t>Dealing with many interconnected files</a:t>
+            </a:r>
+          </a:p>
+        </p:txBody>
+      </p:sp>
+      <p:sp>
+        <p:nvSpPr>
+          <p:cNvPr id="16" name="TextBox 15">
+            <a:extLst>
+              <a:ext uri="{FF2B5EF4-FFF2-40B4-BE49-F238E27FC236}">
+                <a16:creationId xmlns:a16="http://schemas.microsoft.com/office/drawing/2014/main" id="{CFA133FD-631C-7901-AE24-A72B53566A45}"/>
+              </a:ext>
+            </a:extLst>
+          </p:cNvPr>
+          <p:cNvSpPr txBox="1"/>
+          <p:nvPr/>
+        </p:nvSpPr>
+        <p:spPr>
+          <a:xfrm>
+            <a:off x="7435930" y="4659543"/>
+            <a:ext cx="4107473" cy="1938992"/>
+          </a:xfrm>
+          <a:prstGeom prst="rect">
+            <a:avLst/>
+          </a:prstGeom>
+          <a:noFill/>
+        </p:spPr>
+        <p:txBody>
+          <a:bodyPr rot="0" spcFirstLastPara="0" vertOverflow="overflow" horzOverflow="overflow" vert="horz" wrap="square" lIns="91440" tIns="45720" rIns="91440" bIns="45720" numCol="1" spcCol="0" rtlCol="0" fromWordArt="0" anchor="t" anchorCtr="0" forceAA="0" compatLnSpc="1">
+            <a:prstTxWarp prst="textNoShape">
+              <a:avLst/>
+            </a:prstTxWarp>
+            <a:spAutoFit/>
+          </a:bodyPr>
+          <a:lstStyle/>
+          <a:p>
+            <a:pPr marL="342900" indent="-342900">
+              <a:buFont typeface="Arial"/>
+              <a:buChar char="•"/>
+            </a:pPr>
+            <a:r>
+              <a:rPr lang="en-US" sz="2400" dirty="0">
+                <a:solidFill>
+                  <a:srgbClr val="FFC904"/>
+                </a:solidFill>
+                <a:latin typeface="Georgia Pro"/>
+              </a:rPr>
+              <a:t>Debugging</a:t>
+            </a:r>
+            <a:endParaRPr lang="en-US" dirty="0"/>
+          </a:p>
+          <a:p>
+            <a:pPr marL="800100" lvl="1" indent="-342900">
+              <a:buFont typeface="Courier New"/>
+              <a:buChar char="o"/>
+            </a:pPr>
+            <a:r>
+              <a:rPr lang="en-US" sz="1600" dirty="0">
+                <a:solidFill>
+                  <a:schemeClr val="bg1"/>
+                </a:solidFill>
+              </a:rPr>
+              <a:t>Debugging problems took quite a while sometimes</a:t>
+            </a:r>
+          </a:p>
+          <a:p>
+            <a:pPr marL="800100" lvl="1" indent="-342900">
+              <a:buFont typeface="Courier New"/>
+              <a:buChar char="o"/>
+            </a:pPr>
+            <a:r>
+              <a:rPr lang="en-US" sz="1600" dirty="0">
+                <a:solidFill>
+                  <a:schemeClr val="bg1"/>
+                </a:solidFill>
+              </a:rPr>
+              <a:t>Problems with database saving use info and contacts. Specifically  User ID</a:t>
+            </a:r>
+          </a:p>
+          <a:p>
+            <a:pPr marL="800100" lvl="1" indent="-342900">
+              <a:buFont typeface="Courier New"/>
+              <a:buChar char="o"/>
+            </a:pPr>
+            <a:endParaRPr lang="en-US" sz="1600" dirty="0">
+              <a:solidFill>
+                <a:schemeClr val="bg1"/>
+              </a:solidFill>
+            </a:endParaRPr>
+          </a:p>
+        </p:txBody>
+      </p:sp>
+      <p:cxnSp>
+        <p:nvCxnSpPr>
+          <p:cNvPr id="7" name="Straight Arrow Connector 6">
+            <a:extLst>
+              <a:ext uri="{FF2B5EF4-FFF2-40B4-BE49-F238E27FC236}">
+                <a16:creationId xmlns:a16="http://schemas.microsoft.com/office/drawing/2014/main" id="{63531AD1-0204-62BD-BC27-DCB5023AFD72}"/>
+              </a:ext>
+            </a:extLst>
+          </p:cNvPr>
+          <p:cNvCxnSpPr>
+            <a:cxnSpLocks/>
+          </p:cNvCxnSpPr>
+          <p:nvPr/>
+        </p:nvCxnSpPr>
+        <p:spPr>
+          <a:xfrm flipH="1">
+            <a:off x="6164251" y="821753"/>
+            <a:ext cx="1814" cy="5756658"/>
+          </a:xfrm>
+          <a:prstGeom prst="straightConnector1">
+            <a:avLst/>
+          </a:prstGeom>
+          <a:ln>
+            <a:solidFill>
+              <a:srgbClr val="FFC904"/>
+            </a:solidFill>
+          </a:ln>
+        </p:spPr>
+        <p:style>
+          <a:lnRef idx="2">
+            <a:schemeClr val="accent1"/>
+          </a:lnRef>
+          <a:fillRef idx="0">
+            <a:schemeClr val="accent1"/>
+          </a:fillRef>
+          <a:effectRef idx="1">
+            <a:schemeClr val="accent1"/>
+          </a:effectRef>
+          <a:fontRef idx="minor">
+            <a:schemeClr val="tx1"/>
+          </a:fontRef>
+        </p:style>
+      </p:cxnSp>
     </p:spTree>
     <p:extLst>
       <p:ext uri="{BB962C8B-B14F-4D97-AF65-F5344CB8AC3E}">
-        <p14:creationId xmlns:p14="http://schemas.microsoft.com/office/powerpoint/2010/main" val="1757620871"/>
+        <p14:creationId xmlns:p14="http://schemas.microsoft.com/office/powerpoint/2010/main" val="3802585135"/>
       </p:ext>
     </p:extLst>
   </p:cSld>
@@ -6843,8 +9371,8 @@
         </p:nvSpPr>
         <p:spPr>
           <a:xfrm>
-            <a:off x="5376939" y="1605037"/>
-            <a:ext cx="1439937" cy="923330"/>
+            <a:off x="802787" y="1717999"/>
+            <a:ext cx="4104921" cy="1015663"/>
           </a:xfrm>
           <a:prstGeom prst="rect">
             <a:avLst/>
@@ -6861,55 +9389,25 @@
           <a:lstStyle/>
           <a:p>
             <a:r>
-              <a:rPr lang="en-US" sz="5400" b="1" dirty="0">
+              <a:rPr lang="en-US" sz="6000" b="1">
                 <a:solidFill>
                   <a:srgbClr val="FFC904"/>
                 </a:solidFill>
                 <a:latin typeface="Aharoni"/>
                 <a:cs typeface="Aharoni"/>
               </a:rPr>
-              <a:t>ERD</a:t>
-            </a:r>
-            <a:endParaRPr lang="en-US" sz="5400"/>
-          </a:p>
-        </p:txBody>
-      </p:sp>
-      <p:pic>
-        <p:nvPicPr>
-          <p:cNvPr id="36" name="Picture 35" descr="A black arrow with a white background&#10;&#10;Description automatically generated">
-            <a:extLst>
-              <a:ext uri="{FF2B5EF4-FFF2-40B4-BE49-F238E27FC236}">
-                <a16:creationId xmlns:a16="http://schemas.microsoft.com/office/drawing/2014/main" id="{E2EEE8EF-7CE2-A975-D368-FE9D7967C353}"/>
-              </a:ext>
-            </a:extLst>
-          </p:cNvPr>
-          <p:cNvPicPr>
-            <a:picLocks noChangeAspect="1"/>
-          </p:cNvPicPr>
-          <p:nvPr/>
-        </p:nvPicPr>
-        <p:blipFill>
-          <a:blip r:embed="rId3"/>
-          <a:stretch>
-            <a:fillRect/>
-          </a:stretch>
-        </p:blipFill>
-        <p:spPr>
-          <a:xfrm>
-            <a:off x="737809" y="3112846"/>
-            <a:ext cx="10728475" cy="3027165"/>
-          </a:xfrm>
-          <a:prstGeom prst="rect">
-            <a:avLst/>
-          </a:prstGeom>
-        </p:spPr>
-      </p:pic>
+              <a:t>THE GOOD</a:t>
+            </a:r>
+            <a:endParaRPr lang="en-US"/>
+          </a:p>
+        </p:txBody>
+      </p:sp>
       <p:cxnSp>
         <p:nvCxnSpPr>
-          <p:cNvPr id="37" name="Straight Arrow Connector 36">
-            <a:extLst>
-              <a:ext uri="{FF2B5EF4-FFF2-40B4-BE49-F238E27FC236}">
-                <a16:creationId xmlns:a16="http://schemas.microsoft.com/office/drawing/2014/main" id="{57D9CF56-4B07-D571-A71C-DA52DBE25696}"/>
+          <p:cNvPr id="3" name="Straight Arrow Connector 2">
+            <a:extLst>
+              <a:ext uri="{FF2B5EF4-FFF2-40B4-BE49-F238E27FC236}">
+                <a16:creationId xmlns:a16="http://schemas.microsoft.com/office/drawing/2014/main" id="{74471BC3-7954-574F-4501-56D651CE7341}"/>
               </a:ext>
             </a:extLst>
           </p:cNvPr>
@@ -6918,8 +9416,8 @@
         </p:nvCxnSpPr>
         <p:spPr>
           <a:xfrm>
-            <a:off x="6013752" y="-3628"/>
-            <a:ext cx="19354" cy="1724780"/>
+            <a:off x="4040" y="2171592"/>
+            <a:ext cx="799599" cy="2246"/>
           </a:xfrm>
           <a:prstGeom prst="straightConnector1">
             <a:avLst/>
@@ -6931,14 +9429,324 @@
           </a:ln>
         </p:spPr>
         <p:style>
-          <a:lnRef idx="3">
-            <a:schemeClr val="dk1"/>
+          <a:lnRef idx="2">
+            <a:schemeClr val="accent1"/>
           </a:lnRef>
           <a:fillRef idx="0">
-            <a:schemeClr val="dk1"/>
+            <a:schemeClr val="accent1"/>
           </a:fillRef>
-          <a:effectRef idx="2">
-            <a:schemeClr val="dk1"/>
+          <a:effectRef idx="1">
+            <a:schemeClr val="accent1"/>
+          </a:effectRef>
+          <a:fontRef idx="minor">
+            <a:schemeClr val="tx1"/>
+          </a:fontRef>
+        </p:style>
+      </p:cxnSp>
+      <p:sp>
+        <p:nvSpPr>
+          <p:cNvPr id="4" name="TextBox 3">
+            <a:extLst>
+              <a:ext uri="{FF2B5EF4-FFF2-40B4-BE49-F238E27FC236}">
+                <a16:creationId xmlns:a16="http://schemas.microsoft.com/office/drawing/2014/main" id="{C57B7729-D187-8ED5-AFF7-F5CFC2D92FE8}"/>
+              </a:ext>
+            </a:extLst>
+          </p:cNvPr>
+          <p:cNvSpPr txBox="1"/>
+          <p:nvPr/>
+        </p:nvSpPr>
+        <p:spPr>
+          <a:xfrm>
+            <a:off x="1125008" y="2729279"/>
+            <a:ext cx="4107473" cy="954107"/>
+          </a:xfrm>
+          <a:prstGeom prst="rect">
+            <a:avLst/>
+          </a:prstGeom>
+          <a:noFill/>
+        </p:spPr>
+        <p:txBody>
+          <a:bodyPr rot="0" spcFirstLastPara="0" vertOverflow="overflow" horzOverflow="overflow" vert="horz" wrap="square" lIns="91440" tIns="45720" rIns="91440" bIns="45720" numCol="1" spcCol="0" rtlCol="0" fromWordArt="0" anchor="t" anchorCtr="0" forceAA="0" compatLnSpc="1">
+            <a:prstTxWarp prst="textNoShape">
+              <a:avLst/>
+            </a:prstTxWarp>
+            <a:spAutoFit/>
+          </a:bodyPr>
+          <a:lstStyle/>
+          <a:p>
+            <a:pPr marL="342900" indent="-342900">
+              <a:buFont typeface="Arial"/>
+              <a:buChar char="•"/>
+            </a:pPr>
+            <a:r>
+              <a:rPr lang="en-US" sz="2400" dirty="0">
+                <a:solidFill>
+                  <a:srgbClr val="FFC904"/>
+                </a:solidFill>
+                <a:latin typeface="Georgia Pro"/>
+              </a:rPr>
+              <a:t>Teamwork</a:t>
+            </a:r>
+            <a:endParaRPr lang="en-US" sz="2400" dirty="0">
+              <a:solidFill>
+                <a:srgbClr val="000000"/>
+              </a:solidFill>
+              <a:latin typeface="Georgia Pro"/>
+            </a:endParaRPr>
+          </a:p>
+          <a:p>
+            <a:pPr marL="800100" lvl="1" indent="-342900">
+              <a:buFont typeface="Courier New"/>
+              <a:buChar char="o"/>
+            </a:pPr>
+            <a:r>
+              <a:rPr lang="en-US" sz="1600" dirty="0">
+                <a:solidFill>
+                  <a:schemeClr val="bg1"/>
+                </a:solidFill>
+              </a:rPr>
+              <a:t>Problems were solved through collaboration</a:t>
+            </a:r>
+          </a:p>
+        </p:txBody>
+      </p:sp>
+      <p:sp>
+        <p:nvSpPr>
+          <p:cNvPr id="5" name="TextBox 4">
+            <a:extLst>
+              <a:ext uri="{FF2B5EF4-FFF2-40B4-BE49-F238E27FC236}">
+                <a16:creationId xmlns:a16="http://schemas.microsoft.com/office/drawing/2014/main" id="{7A45FACA-5958-7644-563D-AC801EA8DB1C}"/>
+              </a:ext>
+            </a:extLst>
+          </p:cNvPr>
+          <p:cNvSpPr txBox="1"/>
+          <p:nvPr/>
+        </p:nvSpPr>
+        <p:spPr>
+          <a:xfrm>
+            <a:off x="5541201" y="186925"/>
+            <a:ext cx="1117895" cy="769441"/>
+          </a:xfrm>
+          <a:prstGeom prst="rect">
+            <a:avLst/>
+          </a:prstGeom>
+          <a:noFill/>
+        </p:spPr>
+        <p:txBody>
+          <a:bodyPr rot="0" spcFirstLastPara="0" vertOverflow="overflow" horzOverflow="overflow" vert="horz" wrap="square" lIns="91440" tIns="45720" rIns="91440" bIns="45720" numCol="1" spcCol="0" rtlCol="0" fromWordArt="0" anchor="t" anchorCtr="0" forceAA="0" compatLnSpc="1">
+            <a:prstTxWarp prst="textNoShape">
+              <a:avLst/>
+            </a:prstTxWarp>
+            <a:spAutoFit/>
+          </a:bodyPr>
+          <a:lstStyle/>
+          <a:p>
+            <a:r>
+              <a:rPr lang="en-US" sz="4400" b="1" dirty="0">
+                <a:solidFill>
+                  <a:srgbClr val="FFC904"/>
+                </a:solidFill>
+                <a:latin typeface="Aharoni"/>
+                <a:cs typeface="Aharoni"/>
+              </a:rPr>
+              <a:t>API</a:t>
+            </a:r>
+            <a:endParaRPr lang="en-US" dirty="0"/>
+          </a:p>
+        </p:txBody>
+      </p:sp>
+      <p:sp>
+        <p:nvSpPr>
+          <p:cNvPr id="8" name="TextBox 7">
+            <a:extLst>
+              <a:ext uri="{FF2B5EF4-FFF2-40B4-BE49-F238E27FC236}">
+                <a16:creationId xmlns:a16="http://schemas.microsoft.com/office/drawing/2014/main" id="{1C415650-9A38-0F28-DE35-65890DEB3DB1}"/>
+              </a:ext>
+            </a:extLst>
+          </p:cNvPr>
+          <p:cNvSpPr txBox="1"/>
+          <p:nvPr/>
+        </p:nvSpPr>
+        <p:spPr>
+          <a:xfrm>
+            <a:off x="8170008" y="1714824"/>
+            <a:ext cx="3399366" cy="1015663"/>
+          </a:xfrm>
+          <a:prstGeom prst="rect">
+            <a:avLst/>
+          </a:prstGeom>
+          <a:noFill/>
+        </p:spPr>
+        <p:txBody>
+          <a:bodyPr rot="0" spcFirstLastPara="0" vertOverflow="overflow" horzOverflow="overflow" vert="horz" wrap="square" lIns="91440" tIns="45720" rIns="91440" bIns="45720" numCol="1" spcCol="0" rtlCol="0" fromWordArt="0" anchor="t" anchorCtr="0" forceAA="0" compatLnSpc="1">
+            <a:prstTxWarp prst="textNoShape">
+              <a:avLst/>
+            </a:prstTxWarp>
+            <a:spAutoFit/>
+          </a:bodyPr>
+          <a:lstStyle/>
+          <a:p>
+            <a:r>
+              <a:rPr lang="en-US" sz="6000" b="1">
+                <a:solidFill>
+                  <a:srgbClr val="FFC904"/>
+                </a:solidFill>
+                <a:latin typeface="Aharoni"/>
+                <a:cs typeface="Aharoni"/>
+              </a:rPr>
+              <a:t>THE BAD</a:t>
+            </a:r>
+            <a:endParaRPr lang="en-US"/>
+          </a:p>
+        </p:txBody>
+      </p:sp>
+      <p:cxnSp>
+        <p:nvCxnSpPr>
+          <p:cNvPr id="14" name="Straight Arrow Connector 13">
+            <a:extLst>
+              <a:ext uri="{FF2B5EF4-FFF2-40B4-BE49-F238E27FC236}">
+                <a16:creationId xmlns:a16="http://schemas.microsoft.com/office/drawing/2014/main" id="{BCE2013B-0290-D353-9DFE-EC383CA24FC0}"/>
+              </a:ext>
+            </a:extLst>
+          </p:cNvPr>
+          <p:cNvCxnSpPr>
+            <a:cxnSpLocks/>
+          </p:cNvCxnSpPr>
+          <p:nvPr/>
+        </p:nvCxnSpPr>
+        <p:spPr>
+          <a:xfrm>
+            <a:off x="11394963" y="2161822"/>
+            <a:ext cx="799599" cy="2246"/>
+          </a:xfrm>
+          <a:prstGeom prst="straightConnector1">
+            <a:avLst/>
+          </a:prstGeom>
+          <a:ln>
+            <a:solidFill>
+              <a:srgbClr val="FFC904"/>
+            </a:solidFill>
+          </a:ln>
+        </p:spPr>
+        <p:style>
+          <a:lnRef idx="2">
+            <a:schemeClr val="accent1"/>
+          </a:lnRef>
+          <a:fillRef idx="0">
+            <a:schemeClr val="accent1"/>
+          </a:fillRef>
+          <a:effectRef idx="1">
+            <a:schemeClr val="accent1"/>
+          </a:effectRef>
+          <a:fontRef idx="minor">
+            <a:schemeClr val="tx1"/>
+          </a:fontRef>
+        </p:style>
+      </p:cxnSp>
+      <p:sp>
+        <p:nvSpPr>
+          <p:cNvPr id="15" name="TextBox 14">
+            <a:extLst>
+              <a:ext uri="{FF2B5EF4-FFF2-40B4-BE49-F238E27FC236}">
+                <a16:creationId xmlns:a16="http://schemas.microsoft.com/office/drawing/2014/main" id="{4CB7126E-5C92-6CFF-76B8-101B28280402}"/>
+              </a:ext>
+            </a:extLst>
+          </p:cNvPr>
+          <p:cNvSpPr txBox="1"/>
+          <p:nvPr/>
+        </p:nvSpPr>
+        <p:spPr>
+          <a:xfrm>
+            <a:off x="7816931" y="2729279"/>
+            <a:ext cx="4107473" cy="954107"/>
+          </a:xfrm>
+          <a:prstGeom prst="rect">
+            <a:avLst/>
+          </a:prstGeom>
+          <a:noFill/>
+        </p:spPr>
+        <p:txBody>
+          <a:bodyPr rot="0" spcFirstLastPara="0" vertOverflow="overflow" horzOverflow="overflow" vert="horz" wrap="square" lIns="91440" tIns="45720" rIns="91440" bIns="45720" numCol="1" spcCol="0" rtlCol="0" fromWordArt="0" anchor="t" anchorCtr="0" forceAA="0" compatLnSpc="1">
+            <a:prstTxWarp prst="textNoShape">
+              <a:avLst/>
+            </a:prstTxWarp>
+            <a:spAutoFit/>
+          </a:bodyPr>
+          <a:lstStyle/>
+          <a:p>
+            <a:pPr marL="342900" indent="-342900">
+              <a:buFont typeface="Arial"/>
+              <a:buChar char="•"/>
+            </a:pPr>
+            <a:r>
+              <a:rPr lang="en-US" sz="2400" dirty="0">
+                <a:solidFill>
+                  <a:srgbClr val="FFC904"/>
+                </a:solidFill>
+                <a:latin typeface="Georgia Pro"/>
+              </a:rPr>
+              <a:t>New Technology</a:t>
+            </a:r>
+            <a:endParaRPr lang="en-US" sz="2400" dirty="0">
+              <a:solidFill>
+                <a:srgbClr val="000000"/>
+              </a:solidFill>
+              <a:latin typeface="Georgia Pro"/>
+            </a:endParaRPr>
+          </a:p>
+          <a:p>
+            <a:pPr marL="800100" lvl="1" indent="-342900">
+              <a:buFont typeface="Courier New"/>
+              <a:buChar char="o"/>
+            </a:pPr>
+            <a:r>
+              <a:rPr lang="en-US" sz="1600" dirty="0">
+                <a:solidFill>
+                  <a:schemeClr val="bg1"/>
+                </a:solidFill>
+              </a:rPr>
+              <a:t>Learning curve for necessary languages and  technology. </a:t>
+            </a:r>
+          </a:p>
+        </p:txBody>
+      </p:sp>
+      <p:cxnSp>
+        <p:nvCxnSpPr>
+          <p:cNvPr id="7" name="Straight Arrow Connector 6">
+            <a:extLst>
+              <a:ext uri="{FF2B5EF4-FFF2-40B4-BE49-F238E27FC236}">
+                <a16:creationId xmlns:a16="http://schemas.microsoft.com/office/drawing/2014/main" id="{10056A60-F4A2-CCD0-8769-CF7AB03C3684}"/>
+              </a:ext>
+            </a:extLst>
+          </p:cNvPr>
+          <p:cNvCxnSpPr>
+            <a:cxnSpLocks/>
+          </p:cNvCxnSpPr>
+          <p:nvPr/>
+        </p:nvCxnSpPr>
+        <p:spPr>
+          <a:xfrm flipH="1">
+            <a:off x="6164251" y="821753"/>
+            <a:ext cx="1814" cy="5756658"/>
+          </a:xfrm>
+          <a:prstGeom prst="straightConnector1">
+            <a:avLst/>
+          </a:prstGeom>
+          <a:ln>
+            <a:solidFill>
+              <a:srgbClr val="FFC904"/>
+            </a:solidFill>
+          </a:ln>
+        </p:spPr>
+        <p:style>
+          <a:lnRef idx="2">
+            <a:schemeClr val="accent1"/>
+          </a:lnRef>
+          <a:fillRef idx="0">
+            <a:schemeClr val="accent1"/>
+          </a:fillRef>
+          <a:effectRef idx="1">
+            <a:schemeClr val="accent1"/>
           </a:effectRef>
           <a:fontRef idx="minor">
             <a:schemeClr val="tx1"/>
@@ -6948,7 +9756,7 @@
     </p:spTree>
     <p:extLst>
       <p:ext uri="{BB962C8B-B14F-4D97-AF65-F5344CB8AC3E}">
-        <p14:creationId xmlns:p14="http://schemas.microsoft.com/office/powerpoint/2010/main" val="2520114780"/>
+        <p14:creationId xmlns:p14="http://schemas.microsoft.com/office/powerpoint/2010/main" val="1538693733"/>
       </p:ext>
     </p:extLst>
   </p:cSld>
@@ -6986,223 +9794,75 @@
           <a:chExt cx="0" cy="0"/>
         </a:xfrm>
       </p:grpSpPr>
-      <p:pic>
-        <p:nvPicPr>
-          <p:cNvPr id="2" name="Picture 1" descr="A white person with black background&#10;&#10;Description automatically generated">
-            <a:extLst>
-              <a:ext uri="{FF2B5EF4-FFF2-40B4-BE49-F238E27FC236}">
-                <a16:creationId xmlns:a16="http://schemas.microsoft.com/office/drawing/2014/main" id="{74A58006-E6E9-6D32-A306-5F0BFA8752A3}"/>
-              </a:ext>
-            </a:extLst>
-          </p:cNvPr>
-          <p:cNvPicPr>
-            <a:picLocks noChangeAspect="1"/>
-          </p:cNvPicPr>
-          <p:nvPr/>
-        </p:nvPicPr>
-        <p:blipFill>
-          <a:blip r:embed="rId3"/>
-          <a:stretch>
-            <a:fillRect/>
-          </a:stretch>
-        </p:blipFill>
-        <p:spPr>
-          <a:xfrm>
-            <a:off x="748881" y="2283502"/>
-            <a:ext cx="753448" cy="1878768"/>
+      <p:sp>
+        <p:nvSpPr>
+          <p:cNvPr id="2" name="TextBox 1">
+            <a:extLst>
+              <a:ext uri="{FF2B5EF4-FFF2-40B4-BE49-F238E27FC236}">
+                <a16:creationId xmlns:a16="http://schemas.microsoft.com/office/drawing/2014/main" id="{926B1625-778F-35AA-7C3B-CFFC48C1AECC}"/>
+              </a:ext>
+            </a:extLst>
+          </p:cNvPr>
+          <p:cNvSpPr txBox="1"/>
+          <p:nvPr/>
+        </p:nvSpPr>
+        <p:spPr>
+          <a:xfrm>
+            <a:off x="802787" y="1717999"/>
+            <a:ext cx="4104921" cy="1015663"/>
           </a:xfrm>
           <a:prstGeom prst="rect">
             <a:avLst/>
           </a:prstGeom>
-        </p:spPr>
-      </p:pic>
-      <p:sp>
-        <p:nvSpPr>
-          <p:cNvPr id="3" name="Rectangle: Rounded Corners 2">
-            <a:extLst>
-              <a:ext uri="{FF2B5EF4-FFF2-40B4-BE49-F238E27FC236}">
-                <a16:creationId xmlns:a16="http://schemas.microsoft.com/office/drawing/2014/main" id="{6BB5E8A8-4790-85EE-8890-EB89F2ACF3A0}"/>
-              </a:ext>
-            </a:extLst>
-          </p:cNvPr>
-          <p:cNvSpPr/>
-          <p:nvPr/>
-        </p:nvSpPr>
-        <p:spPr>
-          <a:xfrm>
-            <a:off x="1876738" y="632883"/>
-            <a:ext cx="8506134" cy="5756208"/>
-          </a:xfrm>
-          <a:prstGeom prst="roundRect">
-            <a:avLst/>
-          </a:prstGeom>
           <a:noFill/>
-          <a:ln w="28575">
-            <a:solidFill>
-              <a:srgbClr val="FFC904"/>
-            </a:solidFill>
-          </a:ln>
-        </p:spPr>
-        <p:style>
-          <a:lnRef idx="2">
-            <a:schemeClr val="accent1">
-              <a:shade val="15000"/>
-            </a:schemeClr>
-          </a:lnRef>
-          <a:fillRef idx="1">
-            <a:schemeClr val="accent1"/>
-          </a:fillRef>
-          <a:effectRef idx="0">
-            <a:schemeClr val="accent1"/>
-          </a:effectRef>
-          <a:fontRef idx="minor">
-            <a:schemeClr val="lt1"/>
-          </a:fontRef>
-        </p:style>
-        <p:txBody>
-          <a:bodyPr rtlCol="0" anchor="ctr"/>
-          <a:lstStyle/>
-          <a:p>
-            <a:pPr algn="ctr"/>
+        </p:spPr>
+        <p:txBody>
+          <a:bodyPr rot="0" spcFirstLastPara="0" vertOverflow="overflow" horzOverflow="overflow" vert="horz" wrap="square" lIns="91440" tIns="45720" rIns="91440" bIns="45720" numCol="1" spcCol="0" rtlCol="0" fromWordArt="0" anchor="t" anchorCtr="0" forceAA="0" compatLnSpc="1">
+            <a:prstTxWarp prst="textNoShape">
+              <a:avLst/>
+            </a:prstTxWarp>
+            <a:spAutoFit/>
+          </a:bodyPr>
+          <a:lstStyle/>
+          <a:p>
+            <a:r>
+              <a:rPr lang="en-US" sz="6000" b="1">
+                <a:solidFill>
+                  <a:srgbClr val="FFC904"/>
+                </a:solidFill>
+                <a:latin typeface="Aharoni"/>
+                <a:cs typeface="Aharoni"/>
+              </a:rPr>
+              <a:t>THE GOOD</a:t>
+            </a:r>
             <a:endParaRPr lang="en-US"/>
           </a:p>
         </p:txBody>
       </p:sp>
-      <p:sp>
-        <p:nvSpPr>
-          <p:cNvPr id="4" name="Oval 3">
-            <a:extLst>
-              <a:ext uri="{FF2B5EF4-FFF2-40B4-BE49-F238E27FC236}">
-                <a16:creationId xmlns:a16="http://schemas.microsoft.com/office/drawing/2014/main" id="{3DFD4F25-1EAC-1ECD-F406-182F285ED0DD}"/>
-              </a:ext>
-            </a:extLst>
-          </p:cNvPr>
-          <p:cNvSpPr/>
-          <p:nvPr/>
-        </p:nvSpPr>
-        <p:spPr>
-          <a:xfrm>
-            <a:off x="2863253" y="1947967"/>
-            <a:ext cx="1262494" cy="680571"/>
-          </a:xfrm>
-          <a:prstGeom prst="ellipse">
-            <a:avLst/>
-          </a:prstGeom>
-          <a:noFill/>
+      <p:cxnSp>
+        <p:nvCxnSpPr>
+          <p:cNvPr id="3" name="Straight Arrow Connector 2">
+            <a:extLst>
+              <a:ext uri="{FF2B5EF4-FFF2-40B4-BE49-F238E27FC236}">
+                <a16:creationId xmlns:a16="http://schemas.microsoft.com/office/drawing/2014/main" id="{74471BC3-7954-574F-4501-56D651CE7341}"/>
+              </a:ext>
+            </a:extLst>
+          </p:cNvPr>
+          <p:cNvCxnSpPr/>
+          <p:nvPr/>
+        </p:nvCxnSpPr>
+        <p:spPr>
+          <a:xfrm>
+            <a:off x="4040" y="2171592"/>
+            <a:ext cx="799599" cy="2246"/>
+          </a:xfrm>
+          <a:prstGeom prst="straightConnector1">
+            <a:avLst/>
+          </a:prstGeom>
           <a:ln>
             <a:solidFill>
               <a:srgbClr val="FFC904"/>
             </a:solidFill>
-          </a:ln>
-        </p:spPr>
-        <p:style>
-          <a:lnRef idx="2">
-            <a:schemeClr val="accent1">
-              <a:shade val="15000"/>
-            </a:schemeClr>
-          </a:lnRef>
-          <a:fillRef idx="1">
-            <a:schemeClr val="accent1"/>
-          </a:fillRef>
-          <a:effectRef idx="0">
-            <a:schemeClr val="accent1"/>
-          </a:effectRef>
-          <a:fontRef idx="minor">
-            <a:schemeClr val="lt1"/>
-          </a:fontRef>
-        </p:style>
-        <p:txBody>
-          <a:bodyPr rtlCol="0" anchor="ctr"/>
-          <a:lstStyle/>
-          <a:p>
-            <a:pPr algn="ctr"/>
-            <a:r>
-              <a:rPr lang="en-US" sz="1400" dirty="0"/>
-              <a:t>Register</a:t>
-            </a:r>
-          </a:p>
-        </p:txBody>
-      </p:sp>
-      <p:sp>
-        <p:nvSpPr>
-          <p:cNvPr id="5" name="Oval 4">
-            <a:extLst>
-              <a:ext uri="{FF2B5EF4-FFF2-40B4-BE49-F238E27FC236}">
-                <a16:creationId xmlns:a16="http://schemas.microsoft.com/office/drawing/2014/main" id="{C8610BED-1BD5-2DFF-8A36-4EFFD09929FD}"/>
-              </a:ext>
-            </a:extLst>
-          </p:cNvPr>
-          <p:cNvSpPr/>
-          <p:nvPr/>
-        </p:nvSpPr>
-        <p:spPr>
-          <a:xfrm>
-            <a:off x="2863253" y="3971800"/>
-            <a:ext cx="1262494" cy="655588"/>
-          </a:xfrm>
-          <a:prstGeom prst="ellipse">
-            <a:avLst/>
-          </a:prstGeom>
-          <a:noFill/>
-          <a:ln>
-            <a:solidFill>
-              <a:srgbClr val="FFC904"/>
-            </a:solidFill>
-          </a:ln>
-        </p:spPr>
-        <p:style>
-          <a:lnRef idx="2">
-            <a:schemeClr val="accent1">
-              <a:shade val="15000"/>
-            </a:schemeClr>
-          </a:lnRef>
-          <a:fillRef idx="1">
-            <a:schemeClr val="accent1"/>
-          </a:fillRef>
-          <a:effectRef idx="0">
-            <a:schemeClr val="accent1"/>
-          </a:effectRef>
-          <a:fontRef idx="minor">
-            <a:schemeClr val="lt1"/>
-          </a:fontRef>
-        </p:style>
-        <p:txBody>
-          <a:bodyPr lIns="91440" tIns="45720" rIns="91440" bIns="45720" rtlCol="0" anchor="ctr"/>
-          <a:lstStyle/>
-          <a:p>
-            <a:pPr algn="ctr"/>
-            <a:r>
-              <a:rPr lang="en-US" dirty="0"/>
-              <a:t>Login</a:t>
-            </a:r>
-          </a:p>
-        </p:txBody>
-      </p:sp>
-      <p:cxnSp>
-        <p:nvCxnSpPr>
-          <p:cNvPr id="6" name="Connector: Curved 5">
-            <a:extLst>
-              <a:ext uri="{FF2B5EF4-FFF2-40B4-BE49-F238E27FC236}">
-                <a16:creationId xmlns:a16="http://schemas.microsoft.com/office/drawing/2014/main" id="{17DFA387-10EB-B3F2-2BF8-18029907391A}"/>
-              </a:ext>
-            </a:extLst>
-          </p:cNvPr>
-          <p:cNvCxnSpPr/>
-          <p:nvPr/>
-        </p:nvCxnSpPr>
-        <p:spPr>
-          <a:xfrm>
-            <a:off x="1511601" y="3621373"/>
-            <a:ext cx="1339122" cy="677057"/>
-          </a:xfrm>
-          <a:prstGeom prst="curvedConnector3">
-            <a:avLst/>
-          </a:prstGeom>
-          <a:ln>
-            <a:solidFill>
-              <a:srgbClr val="FFC904"/>
-            </a:solidFill>
-            <a:tailEnd type="triangle"/>
           </a:ln>
         </p:spPr>
         <p:style>
@@ -7220,12 +9880,247 @@
           </a:fontRef>
         </p:style>
       </p:cxnSp>
+      <p:sp>
+        <p:nvSpPr>
+          <p:cNvPr id="4" name="TextBox 3">
+            <a:extLst>
+              <a:ext uri="{FF2B5EF4-FFF2-40B4-BE49-F238E27FC236}">
+                <a16:creationId xmlns:a16="http://schemas.microsoft.com/office/drawing/2014/main" id="{C57B7729-D187-8ED5-AFF7-F5CFC2D92FE8}"/>
+              </a:ext>
+            </a:extLst>
+          </p:cNvPr>
+          <p:cNvSpPr txBox="1"/>
+          <p:nvPr/>
+        </p:nvSpPr>
+        <p:spPr>
+          <a:xfrm>
+            <a:off x="1125008" y="3281072"/>
+            <a:ext cx="4107473" cy="954107"/>
+          </a:xfrm>
+          <a:prstGeom prst="rect">
+            <a:avLst/>
+          </a:prstGeom>
+          <a:noFill/>
+        </p:spPr>
+        <p:txBody>
+          <a:bodyPr rot="0" spcFirstLastPara="0" vertOverflow="overflow" horzOverflow="overflow" vert="horz" wrap="square" lIns="91440" tIns="45720" rIns="91440" bIns="45720" numCol="1" spcCol="0" rtlCol="0" fromWordArt="0" anchor="t" anchorCtr="0" forceAA="0" compatLnSpc="1">
+            <a:prstTxWarp prst="textNoShape">
+              <a:avLst/>
+            </a:prstTxWarp>
+            <a:spAutoFit/>
+          </a:bodyPr>
+          <a:lstStyle/>
+          <a:p>
+            <a:pPr marL="342900" indent="-342900">
+              <a:buFont typeface="Arial"/>
+              <a:buChar char="•"/>
+            </a:pPr>
+            <a:r>
+              <a:rPr lang="en-US" sz="2400" dirty="0">
+                <a:solidFill>
+                  <a:srgbClr val="FFC904"/>
+                </a:solidFill>
+                <a:latin typeface="Georgia Pro"/>
+              </a:rPr>
+              <a:t>Familiarity with SQL</a:t>
+            </a:r>
+            <a:endParaRPr lang="en-US" sz="2400" dirty="0">
+              <a:solidFill>
+                <a:srgbClr val="000000"/>
+              </a:solidFill>
+              <a:latin typeface="Georgia Pro"/>
+            </a:endParaRPr>
+          </a:p>
+          <a:p>
+            <a:pPr marL="800100" lvl="1" indent="-342900">
+              <a:buFont typeface="Courier New"/>
+              <a:buChar char="o"/>
+            </a:pPr>
+            <a:r>
+              <a:rPr lang="en-US" sz="1600" dirty="0">
+                <a:solidFill>
+                  <a:schemeClr val="bg1"/>
+                </a:solidFill>
+              </a:rPr>
+              <a:t>Previous experience</a:t>
+            </a:r>
+          </a:p>
+          <a:p>
+            <a:pPr marL="800100" lvl="1" indent="-342900">
+              <a:buFont typeface="Courier New"/>
+              <a:buChar char="o"/>
+            </a:pPr>
+            <a:r>
+              <a:rPr lang="en-US" sz="1600" dirty="0">
+                <a:solidFill>
+                  <a:schemeClr val="bg1"/>
+                </a:solidFill>
+              </a:rPr>
+              <a:t>Knowledge of commands</a:t>
+            </a:r>
+          </a:p>
+        </p:txBody>
+      </p:sp>
+      <p:sp>
+        <p:nvSpPr>
+          <p:cNvPr id="9" name="TextBox 8">
+            <a:extLst>
+              <a:ext uri="{FF2B5EF4-FFF2-40B4-BE49-F238E27FC236}">
+                <a16:creationId xmlns:a16="http://schemas.microsoft.com/office/drawing/2014/main" id="{BF37CEB7-AE20-1C4F-C318-C63470F1EE53}"/>
+              </a:ext>
+            </a:extLst>
+          </p:cNvPr>
+          <p:cNvSpPr txBox="1"/>
+          <p:nvPr/>
+        </p:nvSpPr>
+        <p:spPr>
+          <a:xfrm>
+            <a:off x="1125008" y="4695537"/>
+            <a:ext cx="4013689" cy="954107"/>
+          </a:xfrm>
+          <a:prstGeom prst="rect">
+            <a:avLst/>
+          </a:prstGeom>
+          <a:noFill/>
+        </p:spPr>
+        <p:txBody>
+          <a:bodyPr rot="0" spcFirstLastPara="0" vertOverflow="overflow" horzOverflow="overflow" vert="horz" wrap="square" lIns="91440" tIns="45720" rIns="91440" bIns="45720" numCol="1" spcCol="0" rtlCol="0" fromWordArt="0" anchor="t" anchorCtr="0" forceAA="0" compatLnSpc="1">
+            <a:prstTxWarp prst="textNoShape">
+              <a:avLst/>
+            </a:prstTxWarp>
+            <a:spAutoFit/>
+          </a:bodyPr>
+          <a:lstStyle/>
+          <a:p>
+            <a:pPr marL="342900" indent="-342900">
+              <a:buFont typeface="Arial"/>
+              <a:buChar char="•"/>
+            </a:pPr>
+            <a:r>
+              <a:rPr lang="en-US" sz="2400" dirty="0">
+                <a:solidFill>
+                  <a:srgbClr val="FFC904"/>
+                </a:solidFill>
+                <a:latin typeface="Georgia Pro"/>
+              </a:rPr>
+              <a:t>Syntax</a:t>
+            </a:r>
+            <a:endParaRPr lang="en-US" sz="2400" dirty="0">
+              <a:latin typeface="Georgia Pro"/>
+            </a:endParaRPr>
+          </a:p>
+          <a:p>
+            <a:pPr marL="800100" lvl="1" indent="-342900">
+              <a:buFont typeface="Courier New"/>
+              <a:buChar char="o"/>
+            </a:pPr>
+            <a:r>
+              <a:rPr lang="en-US" sz="1600" dirty="0">
+                <a:solidFill>
+                  <a:schemeClr val="bg1"/>
+                </a:solidFill>
+              </a:rPr>
+              <a:t>Easy to find any needed information online</a:t>
+            </a:r>
+          </a:p>
+        </p:txBody>
+      </p:sp>
+      <p:sp>
+        <p:nvSpPr>
+          <p:cNvPr id="5" name="TextBox 4">
+            <a:extLst>
+              <a:ext uri="{FF2B5EF4-FFF2-40B4-BE49-F238E27FC236}">
+                <a16:creationId xmlns:a16="http://schemas.microsoft.com/office/drawing/2014/main" id="{7A45FACA-5958-7644-563D-AC801EA8DB1C}"/>
+              </a:ext>
+            </a:extLst>
+          </p:cNvPr>
+          <p:cNvSpPr txBox="1"/>
+          <p:nvPr/>
+        </p:nvSpPr>
+        <p:spPr>
+          <a:xfrm>
+            <a:off x="4573710" y="203768"/>
+            <a:ext cx="3049845" cy="769441"/>
+          </a:xfrm>
+          <a:prstGeom prst="rect">
+            <a:avLst/>
+          </a:prstGeom>
+          <a:noFill/>
+        </p:spPr>
+        <p:txBody>
+          <a:bodyPr rot="0" spcFirstLastPara="0" vertOverflow="overflow" horzOverflow="overflow" vert="horz" wrap="square" lIns="91440" tIns="45720" rIns="91440" bIns="45720" numCol="1" spcCol="0" rtlCol="0" fromWordArt="0" anchor="t" anchorCtr="0" forceAA="0" compatLnSpc="1">
+            <a:prstTxWarp prst="textNoShape">
+              <a:avLst/>
+            </a:prstTxWarp>
+            <a:spAutoFit/>
+          </a:bodyPr>
+          <a:lstStyle/>
+          <a:p>
+            <a:r>
+              <a:rPr lang="en-US" sz="4400" b="1" dirty="0">
+                <a:solidFill>
+                  <a:srgbClr val="FFC904"/>
+                </a:solidFill>
+                <a:latin typeface="Aharoni"/>
+                <a:cs typeface="Aharoni"/>
+              </a:rPr>
+              <a:t>DATABASE</a:t>
+            </a:r>
+            <a:endParaRPr lang="en-US" dirty="0"/>
+          </a:p>
+        </p:txBody>
+      </p:sp>
+      <p:sp>
+        <p:nvSpPr>
+          <p:cNvPr id="8" name="TextBox 7">
+            <a:extLst>
+              <a:ext uri="{FF2B5EF4-FFF2-40B4-BE49-F238E27FC236}">
+                <a16:creationId xmlns:a16="http://schemas.microsoft.com/office/drawing/2014/main" id="{1C415650-9A38-0F28-DE35-65890DEB3DB1}"/>
+              </a:ext>
+            </a:extLst>
+          </p:cNvPr>
+          <p:cNvSpPr txBox="1"/>
+          <p:nvPr/>
+        </p:nvSpPr>
+        <p:spPr>
+          <a:xfrm>
+            <a:off x="8170008" y="1714824"/>
+            <a:ext cx="3399366" cy="1015663"/>
+          </a:xfrm>
+          <a:prstGeom prst="rect">
+            <a:avLst/>
+          </a:prstGeom>
+          <a:noFill/>
+        </p:spPr>
+        <p:txBody>
+          <a:bodyPr rot="0" spcFirstLastPara="0" vertOverflow="overflow" horzOverflow="overflow" vert="horz" wrap="square" lIns="91440" tIns="45720" rIns="91440" bIns="45720" numCol="1" spcCol="0" rtlCol="0" fromWordArt="0" anchor="t" anchorCtr="0" forceAA="0" compatLnSpc="1">
+            <a:prstTxWarp prst="textNoShape">
+              <a:avLst/>
+            </a:prstTxWarp>
+            <a:spAutoFit/>
+          </a:bodyPr>
+          <a:lstStyle/>
+          <a:p>
+            <a:r>
+              <a:rPr lang="en-US" sz="6000" b="1">
+                <a:solidFill>
+                  <a:srgbClr val="FFC904"/>
+                </a:solidFill>
+                <a:latin typeface="Aharoni"/>
+                <a:cs typeface="Aharoni"/>
+              </a:rPr>
+              <a:t>THE BAD</a:t>
+            </a:r>
+            <a:endParaRPr lang="en-US"/>
+          </a:p>
+        </p:txBody>
+      </p:sp>
       <p:cxnSp>
         <p:nvCxnSpPr>
-          <p:cNvPr id="7" name="Connector: Curved 6">
-            <a:extLst>
-              <a:ext uri="{FF2B5EF4-FFF2-40B4-BE49-F238E27FC236}">
-                <a16:creationId xmlns:a16="http://schemas.microsoft.com/office/drawing/2014/main" id="{D124AC3B-E10C-AC25-F3D9-C7CF21248F5D}"/>
+          <p:cNvPr id="14" name="Straight Arrow Connector 13">
+            <a:extLst>
+              <a:ext uri="{FF2B5EF4-FFF2-40B4-BE49-F238E27FC236}">
+                <a16:creationId xmlns:a16="http://schemas.microsoft.com/office/drawing/2014/main" id="{BCE2013B-0290-D353-9DFE-EC383CA24FC0}"/>
               </a:ext>
             </a:extLst>
           </p:cNvPr>
@@ -7235,18 +10130,17 @@
           <p:nvPr/>
         </p:nvCxnSpPr>
         <p:spPr>
-          <a:xfrm flipV="1">
-            <a:off x="1511601" y="2549577"/>
-            <a:ext cx="1339122" cy="846944"/>
-          </a:xfrm>
-          <a:prstGeom prst="curvedConnector3">
+          <a:xfrm>
+            <a:off x="11394963" y="2161822"/>
+            <a:ext cx="799599" cy="2246"/>
+          </a:xfrm>
+          <a:prstGeom prst="straightConnector1">
             <a:avLst/>
           </a:prstGeom>
           <a:ln>
             <a:solidFill>
               <a:srgbClr val="FFC904"/>
             </a:solidFill>
-            <a:tailEnd type="triangle"/>
           </a:ln>
         </p:spPr>
         <p:style>
@@ -7266,84 +10160,159 @@
       </p:cxnSp>
       <p:sp>
         <p:nvSpPr>
-          <p:cNvPr id="8" name="Oval 7">
-            <a:extLst>
-              <a:ext uri="{FF2B5EF4-FFF2-40B4-BE49-F238E27FC236}">
-                <a16:creationId xmlns:a16="http://schemas.microsoft.com/office/drawing/2014/main" id="{31196061-88D2-180E-1DDA-33E9194E0C72}"/>
-              </a:ext>
-            </a:extLst>
-          </p:cNvPr>
-          <p:cNvSpPr/>
-          <p:nvPr/>
-        </p:nvSpPr>
-        <p:spPr>
-          <a:xfrm>
-            <a:off x="4449711" y="2969861"/>
-            <a:ext cx="1369080" cy="601888"/>
-          </a:xfrm>
-          <a:prstGeom prst="ellipse">
+          <p:cNvPr id="15" name="TextBox 14">
+            <a:extLst>
+              <a:ext uri="{FF2B5EF4-FFF2-40B4-BE49-F238E27FC236}">
+                <a16:creationId xmlns:a16="http://schemas.microsoft.com/office/drawing/2014/main" id="{4CB7126E-5C92-6CFF-76B8-101B28280402}"/>
+              </a:ext>
+            </a:extLst>
+          </p:cNvPr>
+          <p:cNvSpPr txBox="1"/>
+          <p:nvPr/>
+        </p:nvSpPr>
+        <p:spPr>
+          <a:xfrm>
+            <a:off x="7816931" y="3281072"/>
+            <a:ext cx="4107473" cy="707886"/>
+          </a:xfrm>
+          <a:prstGeom prst="rect">
             <a:avLst/>
           </a:prstGeom>
           <a:noFill/>
+        </p:spPr>
+        <p:txBody>
+          <a:bodyPr rot="0" spcFirstLastPara="0" vertOverflow="overflow" horzOverflow="overflow" vert="horz" wrap="square" lIns="91440" tIns="45720" rIns="91440" bIns="45720" numCol="1" spcCol="0" rtlCol="0" fromWordArt="0" anchor="t" anchorCtr="0" forceAA="0" compatLnSpc="1">
+            <a:prstTxWarp prst="textNoShape">
+              <a:avLst/>
+            </a:prstTxWarp>
+            <a:spAutoFit/>
+          </a:bodyPr>
+          <a:lstStyle/>
+          <a:p>
+            <a:pPr marL="342900" indent="-342900">
+              <a:buFont typeface="Arial"/>
+              <a:buChar char="•"/>
+            </a:pPr>
+            <a:r>
+              <a:rPr lang="en-US" sz="2400" dirty="0">
+                <a:solidFill>
+                  <a:srgbClr val="FFC904"/>
+                </a:solidFill>
+                <a:latin typeface="Georgia Pro"/>
+              </a:rPr>
+              <a:t>Sharing Work On Git</a:t>
+            </a:r>
+            <a:endParaRPr lang="en-US" sz="2400" dirty="0">
+              <a:solidFill>
+                <a:srgbClr val="000000"/>
+              </a:solidFill>
+              <a:latin typeface="Georgia Pro"/>
+            </a:endParaRPr>
+          </a:p>
+          <a:p>
+            <a:pPr marL="800100" lvl="1" indent="-342900">
+              <a:buFont typeface="Courier New"/>
+              <a:buChar char="o"/>
+            </a:pPr>
+            <a:r>
+              <a:rPr lang="en-US" sz="1600" dirty="0">
+                <a:solidFill>
+                  <a:schemeClr val="bg1"/>
+                </a:solidFill>
+              </a:rPr>
+              <a:t>Dumping database on git to share</a:t>
+            </a:r>
+          </a:p>
+        </p:txBody>
+      </p:sp>
+      <p:sp>
+        <p:nvSpPr>
+          <p:cNvPr id="16" name="TextBox 15">
+            <a:extLst>
+              <a:ext uri="{FF2B5EF4-FFF2-40B4-BE49-F238E27FC236}">
+                <a16:creationId xmlns:a16="http://schemas.microsoft.com/office/drawing/2014/main" id="{CFA133FD-631C-7901-AE24-A72B53566A45}"/>
+              </a:ext>
+            </a:extLst>
+          </p:cNvPr>
+          <p:cNvSpPr txBox="1"/>
+          <p:nvPr/>
+        </p:nvSpPr>
+        <p:spPr>
+          <a:xfrm>
+            <a:off x="7816930" y="4698957"/>
+            <a:ext cx="4501610" cy="954107"/>
+          </a:xfrm>
+          <a:prstGeom prst="rect">
+            <a:avLst/>
+          </a:prstGeom>
+          <a:noFill/>
+        </p:spPr>
+        <p:txBody>
+          <a:bodyPr rot="0" spcFirstLastPara="0" vertOverflow="overflow" horzOverflow="overflow" vert="horz" wrap="square" lIns="91440" tIns="45720" rIns="91440" bIns="45720" numCol="1" spcCol="0" rtlCol="0" fromWordArt="0" anchor="t" anchorCtr="0" forceAA="0" compatLnSpc="1">
+            <a:prstTxWarp prst="textNoShape">
+              <a:avLst/>
+            </a:prstTxWarp>
+            <a:spAutoFit/>
+          </a:bodyPr>
+          <a:lstStyle/>
+          <a:p>
+            <a:pPr marL="342900" indent="-342900">
+              <a:buFont typeface="Arial"/>
+              <a:buChar char="•"/>
+            </a:pPr>
+            <a:r>
+              <a:rPr lang="en-US" sz="2400" dirty="0">
+                <a:solidFill>
+                  <a:srgbClr val="FFC904"/>
+                </a:solidFill>
+                <a:latin typeface="Georgia Pro"/>
+              </a:rPr>
+              <a:t>Initial Connection to Server</a:t>
+            </a:r>
+          </a:p>
+          <a:p>
+            <a:pPr marL="800100" lvl="1" indent="-342900">
+              <a:buFont typeface="Courier New"/>
+              <a:buChar char="o"/>
+            </a:pPr>
+            <a:r>
+              <a:rPr lang="en-US" sz="1600" dirty="0">
+                <a:solidFill>
+                  <a:schemeClr val="bg1"/>
+                </a:solidFill>
+                <a:latin typeface="Aptos" panose="020B0004020202020204"/>
+              </a:rPr>
+              <a:t>SQL workbench connection with   server did not work initially</a:t>
+            </a:r>
+          </a:p>
+        </p:txBody>
+      </p:sp>
+      <p:cxnSp>
+        <p:nvCxnSpPr>
+          <p:cNvPr id="6" name="Straight Arrow Connector 5">
+            <a:extLst>
+              <a:ext uri="{FF2B5EF4-FFF2-40B4-BE49-F238E27FC236}">
+                <a16:creationId xmlns:a16="http://schemas.microsoft.com/office/drawing/2014/main" id="{6B6FF491-775B-E7F1-86C9-AEFA31DC5999}"/>
+              </a:ext>
+            </a:extLst>
+          </p:cNvPr>
+          <p:cNvCxnSpPr>
+            <a:cxnSpLocks/>
+          </p:cNvCxnSpPr>
+          <p:nvPr/>
+        </p:nvCxnSpPr>
+        <p:spPr>
+          <a:xfrm flipH="1">
+            <a:off x="6164251" y="821753"/>
+            <a:ext cx="1814" cy="5756658"/>
+          </a:xfrm>
+          <a:prstGeom prst="straightConnector1">
+            <a:avLst/>
+          </a:prstGeom>
           <a:ln>
             <a:solidFill>
               <a:srgbClr val="FFC904"/>
             </a:solidFill>
-          </a:ln>
-        </p:spPr>
-        <p:style>
-          <a:lnRef idx="2">
-            <a:schemeClr val="accent1">
-              <a:shade val="15000"/>
-            </a:schemeClr>
-          </a:lnRef>
-          <a:fillRef idx="1">
-            <a:schemeClr val="accent1"/>
-          </a:fillRef>
-          <a:effectRef idx="0">
-            <a:schemeClr val="accent1"/>
-          </a:effectRef>
-          <a:fontRef idx="minor">
-            <a:schemeClr val="lt1"/>
-          </a:fontRef>
-        </p:style>
-        <p:txBody>
-          <a:bodyPr lIns="91440" tIns="45720" rIns="91440" bIns="45720" rtlCol="0" anchor="ctr"/>
-          <a:lstStyle/>
-          <a:p>
-            <a:pPr algn="ctr"/>
-            <a:r>
-              <a:rPr lang="en-US" sz="1200" dirty="0"/>
-              <a:t>Login information</a:t>
-            </a:r>
-          </a:p>
-        </p:txBody>
-      </p:sp>
-      <p:cxnSp>
-        <p:nvCxnSpPr>
-          <p:cNvPr id="11" name="Straight Arrow Connector 10">
-            <a:extLst>
-              <a:ext uri="{FF2B5EF4-FFF2-40B4-BE49-F238E27FC236}">
-                <a16:creationId xmlns:a16="http://schemas.microsoft.com/office/drawing/2014/main" id="{3CA86B59-B538-0BEC-3C91-9721C14C72E5}"/>
-              </a:ext>
-            </a:extLst>
-          </p:cNvPr>
-          <p:cNvCxnSpPr/>
-          <p:nvPr/>
-        </p:nvCxnSpPr>
-        <p:spPr>
-          <a:xfrm flipV="1">
-            <a:off x="4040685" y="3512966"/>
-            <a:ext cx="646394" cy="631500"/>
-          </a:xfrm>
-          <a:prstGeom prst="straightConnector1">
-            <a:avLst/>
-          </a:prstGeom>
-          <a:ln>
-            <a:solidFill>
-              <a:srgbClr val="FFC904"/>
-            </a:solidFill>
-            <a:tailEnd type="triangle"/>
           </a:ln>
         </p:spPr>
         <p:style>
@@ -7361,1234 +10330,10 @@
           </a:fontRef>
         </p:style>
       </p:cxnSp>
-      <p:cxnSp>
-        <p:nvCxnSpPr>
-          <p:cNvPr id="12" name="Straight Arrow Connector 11">
-            <a:extLst>
-              <a:ext uri="{FF2B5EF4-FFF2-40B4-BE49-F238E27FC236}">
-                <a16:creationId xmlns:a16="http://schemas.microsoft.com/office/drawing/2014/main" id="{B925FBDE-10A7-E546-0148-240574BB4C69}"/>
-              </a:ext>
-            </a:extLst>
-          </p:cNvPr>
-          <p:cNvCxnSpPr>
-            <a:cxnSpLocks/>
-          </p:cNvCxnSpPr>
-          <p:nvPr/>
-        </p:nvCxnSpPr>
-        <p:spPr>
-          <a:xfrm>
-            <a:off x="4157816" y="2357975"/>
-            <a:ext cx="417811" cy="702689"/>
-          </a:xfrm>
-          <a:prstGeom prst="straightConnector1">
-            <a:avLst/>
-          </a:prstGeom>
-          <a:ln>
-            <a:solidFill>
-              <a:srgbClr val="FFC904"/>
-            </a:solidFill>
-            <a:tailEnd type="triangle"/>
-          </a:ln>
-        </p:spPr>
-        <p:style>
-          <a:lnRef idx="2">
-            <a:schemeClr val="accent1"/>
-          </a:lnRef>
-          <a:fillRef idx="0">
-            <a:schemeClr val="accent1"/>
-          </a:fillRef>
-          <a:effectRef idx="1">
-            <a:schemeClr val="accent1"/>
-          </a:effectRef>
-          <a:fontRef idx="minor">
-            <a:schemeClr val="tx1"/>
-          </a:fontRef>
-        </p:style>
-      </p:cxnSp>
-      <p:sp>
-        <p:nvSpPr>
-          <p:cNvPr id="13" name="Oval 12">
-            <a:extLst>
-              <a:ext uri="{FF2B5EF4-FFF2-40B4-BE49-F238E27FC236}">
-                <a16:creationId xmlns:a16="http://schemas.microsoft.com/office/drawing/2014/main" id="{876DB486-BC82-36B3-9972-B09FE628C9A8}"/>
-              </a:ext>
-            </a:extLst>
-          </p:cNvPr>
-          <p:cNvSpPr/>
-          <p:nvPr/>
-        </p:nvSpPr>
-        <p:spPr>
-          <a:xfrm>
-            <a:off x="4624597" y="1036228"/>
-            <a:ext cx="1262494" cy="680571"/>
-          </a:xfrm>
-          <a:prstGeom prst="ellipse">
-            <a:avLst/>
-          </a:prstGeom>
-          <a:noFill/>
-          <a:ln>
-            <a:solidFill>
-              <a:srgbClr val="FFC904"/>
-            </a:solidFill>
-          </a:ln>
-        </p:spPr>
-        <p:style>
-          <a:lnRef idx="2">
-            <a:schemeClr val="accent1">
-              <a:shade val="15000"/>
-            </a:schemeClr>
-          </a:lnRef>
-          <a:fillRef idx="1">
-            <a:schemeClr val="accent1"/>
-          </a:fillRef>
-          <a:effectRef idx="0">
-            <a:schemeClr val="accent1"/>
-          </a:effectRef>
-          <a:fontRef idx="minor">
-            <a:schemeClr val="lt1"/>
-          </a:fontRef>
-        </p:style>
-        <p:txBody>
-          <a:bodyPr lIns="91440" tIns="45720" rIns="91440" bIns="45720" rtlCol="0" anchor="ctr"/>
-          <a:lstStyle/>
-          <a:p>
-            <a:pPr algn="ctr"/>
-            <a:r>
-              <a:rPr lang="en-US" sz="1600" dirty="0"/>
-              <a:t>User Error</a:t>
-            </a:r>
-            <a:endParaRPr lang="en-US" dirty="0"/>
-          </a:p>
-        </p:txBody>
-      </p:sp>
-      <p:cxnSp>
-        <p:nvCxnSpPr>
-          <p:cNvPr id="15" name="Straight Arrow Connector 14">
-            <a:extLst>
-              <a:ext uri="{FF2B5EF4-FFF2-40B4-BE49-F238E27FC236}">
-                <a16:creationId xmlns:a16="http://schemas.microsoft.com/office/drawing/2014/main" id="{BB0EB13E-1ED1-C2A6-D5D2-80334A9440DD}"/>
-              </a:ext>
-            </a:extLst>
-          </p:cNvPr>
-          <p:cNvCxnSpPr>
-            <a:cxnSpLocks/>
-          </p:cNvCxnSpPr>
-          <p:nvPr/>
-        </p:nvCxnSpPr>
-        <p:spPr>
-          <a:xfrm flipV="1">
-            <a:off x="5270074" y="1711062"/>
-            <a:ext cx="2499" cy="1246682"/>
-          </a:xfrm>
-          <a:prstGeom prst="straightConnector1">
-            <a:avLst/>
-          </a:prstGeom>
-          <a:ln>
-            <a:solidFill>
-              <a:srgbClr val="FFC904"/>
-            </a:solidFill>
-            <a:tailEnd type="triangle"/>
-          </a:ln>
-        </p:spPr>
-        <p:style>
-          <a:lnRef idx="2">
-            <a:schemeClr val="accent1"/>
-          </a:lnRef>
-          <a:fillRef idx="0">
-            <a:schemeClr val="accent1"/>
-          </a:fillRef>
-          <a:effectRef idx="1">
-            <a:schemeClr val="accent1"/>
-          </a:effectRef>
-          <a:fontRef idx="minor">
-            <a:schemeClr val="tx1"/>
-          </a:fontRef>
-        </p:style>
-      </p:cxnSp>
-      <p:sp>
-        <p:nvSpPr>
-          <p:cNvPr id="16" name="Oval 15">
-            <a:extLst>
-              <a:ext uri="{FF2B5EF4-FFF2-40B4-BE49-F238E27FC236}">
-                <a16:creationId xmlns:a16="http://schemas.microsoft.com/office/drawing/2014/main" id="{E7E84311-C917-B1FA-FA53-9BA6963ACEE9}"/>
-              </a:ext>
-            </a:extLst>
-          </p:cNvPr>
-          <p:cNvSpPr/>
-          <p:nvPr/>
-        </p:nvSpPr>
-        <p:spPr>
-          <a:xfrm>
-            <a:off x="6573320" y="3072392"/>
-            <a:ext cx="1374917" cy="618112"/>
-          </a:xfrm>
-          <a:prstGeom prst="ellipse">
-            <a:avLst/>
-          </a:prstGeom>
-          <a:noFill/>
-          <a:ln>
-            <a:solidFill>
-              <a:srgbClr val="FFC904"/>
-            </a:solidFill>
-          </a:ln>
-        </p:spPr>
-        <p:style>
-          <a:lnRef idx="2">
-            <a:schemeClr val="accent1">
-              <a:shade val="15000"/>
-            </a:schemeClr>
-          </a:lnRef>
-          <a:fillRef idx="1">
-            <a:schemeClr val="accent1"/>
-          </a:fillRef>
-          <a:effectRef idx="0">
-            <a:schemeClr val="accent1"/>
-          </a:effectRef>
-          <a:fontRef idx="minor">
-            <a:schemeClr val="lt1"/>
-          </a:fontRef>
-        </p:style>
-        <p:txBody>
-          <a:bodyPr lIns="91440" tIns="45720" rIns="91440" bIns="45720" rtlCol="0" anchor="ctr"/>
-          <a:lstStyle/>
-          <a:p>
-            <a:pPr algn="ctr"/>
-            <a:r>
-              <a:rPr lang="en-US" sz="1100" dirty="0"/>
-              <a:t>Authenticate</a:t>
-            </a:r>
-          </a:p>
-        </p:txBody>
-      </p:sp>
-      <p:cxnSp>
-        <p:nvCxnSpPr>
-          <p:cNvPr id="17" name="Straight Arrow Connector 16">
-            <a:extLst>
-              <a:ext uri="{FF2B5EF4-FFF2-40B4-BE49-F238E27FC236}">
-                <a16:creationId xmlns:a16="http://schemas.microsoft.com/office/drawing/2014/main" id="{D21B905E-365C-8DEA-A116-E69D342924E3}"/>
-              </a:ext>
-            </a:extLst>
-          </p:cNvPr>
-          <p:cNvCxnSpPr>
-            <a:cxnSpLocks/>
-          </p:cNvCxnSpPr>
-          <p:nvPr/>
-        </p:nvCxnSpPr>
-        <p:spPr>
-          <a:xfrm flipV="1">
-            <a:off x="5816466" y="3350082"/>
-            <a:ext cx="755251" cy="2692"/>
-          </a:xfrm>
-          <a:prstGeom prst="straightConnector1">
-            <a:avLst/>
-          </a:prstGeom>
-          <a:ln>
-            <a:solidFill>
-              <a:srgbClr val="FFC904"/>
-            </a:solidFill>
-            <a:tailEnd type="triangle"/>
-          </a:ln>
-        </p:spPr>
-        <p:style>
-          <a:lnRef idx="2">
-            <a:schemeClr val="accent1"/>
-          </a:lnRef>
-          <a:fillRef idx="0">
-            <a:schemeClr val="accent1"/>
-          </a:fillRef>
-          <a:effectRef idx="1">
-            <a:schemeClr val="accent1"/>
-          </a:effectRef>
-          <a:fontRef idx="minor">
-            <a:schemeClr val="tx1"/>
-          </a:fontRef>
-        </p:style>
-      </p:cxnSp>
-      <p:sp>
-        <p:nvSpPr>
-          <p:cNvPr id="18" name="Oval 17">
-            <a:extLst>
-              <a:ext uri="{FF2B5EF4-FFF2-40B4-BE49-F238E27FC236}">
-                <a16:creationId xmlns:a16="http://schemas.microsoft.com/office/drawing/2014/main" id="{457857ED-7DBA-D627-982D-04E4B423C573}"/>
-              </a:ext>
-            </a:extLst>
-          </p:cNvPr>
-          <p:cNvSpPr/>
-          <p:nvPr/>
-        </p:nvSpPr>
-        <p:spPr>
-          <a:xfrm>
-            <a:off x="8921776" y="4821241"/>
-            <a:ext cx="1037642" cy="543162"/>
-          </a:xfrm>
-          <a:prstGeom prst="ellipse">
-            <a:avLst/>
-          </a:prstGeom>
-          <a:noFill/>
-          <a:ln>
-            <a:solidFill>
-              <a:srgbClr val="FFC904"/>
-            </a:solidFill>
-          </a:ln>
-        </p:spPr>
-        <p:style>
-          <a:lnRef idx="2">
-            <a:schemeClr val="accent1">
-              <a:shade val="15000"/>
-            </a:schemeClr>
-          </a:lnRef>
-          <a:fillRef idx="1">
-            <a:schemeClr val="accent1"/>
-          </a:fillRef>
-          <a:effectRef idx="0">
-            <a:schemeClr val="accent1"/>
-          </a:effectRef>
-          <a:fontRef idx="minor">
-            <a:schemeClr val="lt1"/>
-          </a:fontRef>
-        </p:style>
-        <p:txBody>
-          <a:bodyPr lIns="91440" tIns="45720" rIns="91440" bIns="45720" rtlCol="0" anchor="ctr"/>
-          <a:lstStyle/>
-          <a:p>
-            <a:pPr algn="ctr"/>
-            <a:r>
-              <a:rPr lang="en-US" sz="1200" dirty="0"/>
-              <a:t>Delete Contact</a:t>
-            </a:r>
-          </a:p>
-        </p:txBody>
-      </p:sp>
-      <p:sp>
-        <p:nvSpPr>
-          <p:cNvPr id="19" name="Oval 18">
-            <a:extLst>
-              <a:ext uri="{FF2B5EF4-FFF2-40B4-BE49-F238E27FC236}">
-                <a16:creationId xmlns:a16="http://schemas.microsoft.com/office/drawing/2014/main" id="{D93EC4EC-F291-1F17-8FB3-D4B14115BB9B}"/>
-              </a:ext>
-            </a:extLst>
-          </p:cNvPr>
-          <p:cNvSpPr/>
-          <p:nvPr/>
-        </p:nvSpPr>
-        <p:spPr>
-          <a:xfrm>
-            <a:off x="8921776" y="3796913"/>
-            <a:ext cx="1037642" cy="543162"/>
-          </a:xfrm>
-          <a:prstGeom prst="ellipse">
-            <a:avLst/>
-          </a:prstGeom>
-          <a:noFill/>
-          <a:ln>
-            <a:solidFill>
-              <a:srgbClr val="FFC904"/>
-            </a:solidFill>
-          </a:ln>
-        </p:spPr>
-        <p:style>
-          <a:lnRef idx="2">
-            <a:schemeClr val="accent1">
-              <a:shade val="15000"/>
-            </a:schemeClr>
-          </a:lnRef>
-          <a:fillRef idx="1">
-            <a:schemeClr val="accent1"/>
-          </a:fillRef>
-          <a:effectRef idx="0">
-            <a:schemeClr val="accent1"/>
-          </a:effectRef>
-          <a:fontRef idx="minor">
-            <a:schemeClr val="lt1"/>
-          </a:fontRef>
-        </p:style>
-        <p:txBody>
-          <a:bodyPr lIns="91440" tIns="45720" rIns="91440" bIns="45720" rtlCol="0" anchor="ctr"/>
-          <a:lstStyle/>
-          <a:p>
-            <a:pPr algn="ctr"/>
-            <a:r>
-              <a:rPr lang="en-US" sz="1200" dirty="0"/>
-              <a:t>Update Contact</a:t>
-            </a:r>
-          </a:p>
-        </p:txBody>
-      </p:sp>
-      <p:sp>
-        <p:nvSpPr>
-          <p:cNvPr id="20" name="Oval 19">
-            <a:extLst>
-              <a:ext uri="{FF2B5EF4-FFF2-40B4-BE49-F238E27FC236}">
-                <a16:creationId xmlns:a16="http://schemas.microsoft.com/office/drawing/2014/main" id="{88C021C1-EEA9-25BB-8F7B-0B2861711048}"/>
-              </a:ext>
-            </a:extLst>
-          </p:cNvPr>
-          <p:cNvSpPr/>
-          <p:nvPr/>
-        </p:nvSpPr>
-        <p:spPr>
-          <a:xfrm>
-            <a:off x="8921776" y="2772585"/>
-            <a:ext cx="1037642" cy="543162"/>
-          </a:xfrm>
-          <a:prstGeom prst="ellipse">
-            <a:avLst/>
-          </a:prstGeom>
-          <a:noFill/>
-          <a:ln>
-            <a:solidFill>
-              <a:srgbClr val="FFC904"/>
-            </a:solidFill>
-          </a:ln>
-        </p:spPr>
-        <p:style>
-          <a:lnRef idx="2">
-            <a:schemeClr val="accent1">
-              <a:shade val="15000"/>
-            </a:schemeClr>
-          </a:lnRef>
-          <a:fillRef idx="1">
-            <a:schemeClr val="accent1"/>
-          </a:fillRef>
-          <a:effectRef idx="0">
-            <a:schemeClr val="accent1"/>
-          </a:effectRef>
-          <a:fontRef idx="minor">
-            <a:schemeClr val="lt1"/>
-          </a:fontRef>
-        </p:style>
-        <p:txBody>
-          <a:bodyPr lIns="91440" tIns="45720" rIns="91440" bIns="45720" rtlCol="0" anchor="ctr"/>
-          <a:lstStyle/>
-          <a:p>
-            <a:pPr algn="ctr"/>
-            <a:r>
-              <a:rPr lang="en-US" sz="1200" dirty="0"/>
-              <a:t>Create Contact</a:t>
-            </a:r>
-          </a:p>
-        </p:txBody>
-      </p:sp>
-      <p:sp>
-        <p:nvSpPr>
-          <p:cNvPr id="21" name="Oval 20">
-            <a:extLst>
-              <a:ext uri="{FF2B5EF4-FFF2-40B4-BE49-F238E27FC236}">
-                <a16:creationId xmlns:a16="http://schemas.microsoft.com/office/drawing/2014/main" id="{305B0EDC-39A1-2F6D-9ED4-64306DAE0CD9}"/>
-              </a:ext>
-            </a:extLst>
-          </p:cNvPr>
-          <p:cNvSpPr/>
-          <p:nvPr/>
-        </p:nvSpPr>
-        <p:spPr>
-          <a:xfrm>
-            <a:off x="8921774" y="1748256"/>
-            <a:ext cx="1037642" cy="543162"/>
-          </a:xfrm>
-          <a:prstGeom prst="ellipse">
-            <a:avLst/>
-          </a:prstGeom>
-          <a:noFill/>
-          <a:ln>
-            <a:solidFill>
-              <a:srgbClr val="FFC904"/>
-            </a:solidFill>
-          </a:ln>
-        </p:spPr>
-        <p:style>
-          <a:lnRef idx="2">
-            <a:schemeClr val="accent1">
-              <a:shade val="15000"/>
-            </a:schemeClr>
-          </a:lnRef>
-          <a:fillRef idx="1">
-            <a:schemeClr val="accent1"/>
-          </a:fillRef>
-          <a:effectRef idx="0">
-            <a:schemeClr val="accent1"/>
-          </a:effectRef>
-          <a:fontRef idx="minor">
-            <a:schemeClr val="lt1"/>
-          </a:fontRef>
-        </p:style>
-        <p:txBody>
-          <a:bodyPr lIns="91440" tIns="45720" rIns="91440" bIns="45720" rtlCol="0" anchor="ctr"/>
-          <a:lstStyle/>
-          <a:p>
-            <a:pPr algn="ctr"/>
-            <a:r>
-              <a:rPr lang="en-US" sz="1100" dirty="0"/>
-              <a:t>Search Contact</a:t>
-            </a:r>
-          </a:p>
-        </p:txBody>
-      </p:sp>
-      <p:sp>
-        <p:nvSpPr>
-          <p:cNvPr id="23" name="Oval 22">
-            <a:extLst>
-              <a:ext uri="{FF2B5EF4-FFF2-40B4-BE49-F238E27FC236}">
-                <a16:creationId xmlns:a16="http://schemas.microsoft.com/office/drawing/2014/main" id="{10D028C6-3AFB-D2E3-9FD7-A8B3E68F6A4F}"/>
-              </a:ext>
-            </a:extLst>
-          </p:cNvPr>
-          <p:cNvSpPr/>
-          <p:nvPr/>
-        </p:nvSpPr>
-        <p:spPr>
-          <a:xfrm>
-            <a:off x="5489451" y="5061506"/>
-            <a:ext cx="1262494" cy="655588"/>
-          </a:xfrm>
-          <a:prstGeom prst="ellipse">
-            <a:avLst/>
-          </a:prstGeom>
-          <a:noFill/>
-          <a:ln>
-            <a:solidFill>
-              <a:srgbClr val="FFC904"/>
-            </a:solidFill>
-          </a:ln>
-        </p:spPr>
-        <p:style>
-          <a:lnRef idx="2">
-            <a:schemeClr val="accent1">
-              <a:shade val="15000"/>
-            </a:schemeClr>
-          </a:lnRef>
-          <a:fillRef idx="1">
-            <a:schemeClr val="accent1"/>
-          </a:fillRef>
-          <a:effectRef idx="0">
-            <a:schemeClr val="accent1"/>
-          </a:effectRef>
-          <a:fontRef idx="minor">
-            <a:schemeClr val="lt1"/>
-          </a:fontRef>
-        </p:style>
-        <p:txBody>
-          <a:bodyPr lIns="91440" tIns="45720" rIns="91440" bIns="45720" rtlCol="0" anchor="ctr"/>
-          <a:lstStyle/>
-          <a:p>
-            <a:pPr algn="ctr"/>
-            <a:r>
-              <a:rPr lang="en-US" sz="1600" dirty="0"/>
-              <a:t>Log Out</a:t>
-            </a:r>
-          </a:p>
-        </p:txBody>
-      </p:sp>
-      <p:cxnSp>
-        <p:nvCxnSpPr>
-          <p:cNvPr id="26" name="Straight Arrow Connector 25">
-            <a:extLst>
-              <a:ext uri="{FF2B5EF4-FFF2-40B4-BE49-F238E27FC236}">
-                <a16:creationId xmlns:a16="http://schemas.microsoft.com/office/drawing/2014/main" id="{D03A1155-65D6-200C-C3BC-8AEE6E7FB1BE}"/>
-              </a:ext>
-            </a:extLst>
-          </p:cNvPr>
-          <p:cNvCxnSpPr>
-            <a:cxnSpLocks/>
-          </p:cNvCxnSpPr>
-          <p:nvPr/>
-        </p:nvCxnSpPr>
-        <p:spPr>
-          <a:xfrm flipV="1">
-            <a:off x="7955806" y="2098307"/>
-            <a:ext cx="964368" cy="1271663"/>
-          </a:xfrm>
-          <a:prstGeom prst="straightConnector1">
-            <a:avLst/>
-          </a:prstGeom>
-          <a:ln>
-            <a:solidFill>
-              <a:srgbClr val="FFC904"/>
-            </a:solidFill>
-            <a:tailEnd type="triangle"/>
-          </a:ln>
-        </p:spPr>
-        <p:style>
-          <a:lnRef idx="2">
-            <a:schemeClr val="accent1"/>
-          </a:lnRef>
-          <a:fillRef idx="0">
-            <a:schemeClr val="accent1"/>
-          </a:fillRef>
-          <a:effectRef idx="1">
-            <a:schemeClr val="accent1"/>
-          </a:effectRef>
-          <a:fontRef idx="minor">
-            <a:schemeClr val="tx1"/>
-          </a:fontRef>
-        </p:style>
-      </p:cxnSp>
-      <p:cxnSp>
-        <p:nvCxnSpPr>
-          <p:cNvPr id="27" name="Straight Arrow Connector 26">
-            <a:extLst>
-              <a:ext uri="{FF2B5EF4-FFF2-40B4-BE49-F238E27FC236}">
-                <a16:creationId xmlns:a16="http://schemas.microsoft.com/office/drawing/2014/main" id="{4E06F1CC-AD3A-556C-040D-574934B3F1FE}"/>
-              </a:ext>
-            </a:extLst>
-          </p:cNvPr>
-          <p:cNvCxnSpPr>
-            <a:cxnSpLocks/>
-          </p:cNvCxnSpPr>
-          <p:nvPr/>
-        </p:nvCxnSpPr>
-        <p:spPr>
-          <a:xfrm flipV="1">
-            <a:off x="7955805" y="3060173"/>
-            <a:ext cx="939386" cy="322289"/>
-          </a:xfrm>
-          <a:prstGeom prst="straightConnector1">
-            <a:avLst/>
-          </a:prstGeom>
-          <a:ln>
-            <a:solidFill>
-              <a:srgbClr val="FFC904"/>
-            </a:solidFill>
-            <a:tailEnd type="triangle"/>
-          </a:ln>
-        </p:spPr>
-        <p:style>
-          <a:lnRef idx="2">
-            <a:schemeClr val="accent1"/>
-          </a:lnRef>
-          <a:fillRef idx="0">
-            <a:schemeClr val="accent1"/>
-          </a:fillRef>
-          <a:effectRef idx="1">
-            <a:schemeClr val="accent1"/>
-          </a:effectRef>
-          <a:fontRef idx="minor">
-            <a:schemeClr val="tx1"/>
-          </a:fontRef>
-        </p:style>
-      </p:cxnSp>
-      <p:cxnSp>
-        <p:nvCxnSpPr>
-          <p:cNvPr id="28" name="Straight Arrow Connector 27">
-            <a:extLst>
-              <a:ext uri="{FF2B5EF4-FFF2-40B4-BE49-F238E27FC236}">
-                <a16:creationId xmlns:a16="http://schemas.microsoft.com/office/drawing/2014/main" id="{693A44D7-40C0-BF48-0B11-10C313934A59}"/>
-              </a:ext>
-            </a:extLst>
-          </p:cNvPr>
-          <p:cNvCxnSpPr>
-            <a:cxnSpLocks/>
-          </p:cNvCxnSpPr>
-          <p:nvPr/>
-        </p:nvCxnSpPr>
-        <p:spPr>
-          <a:xfrm>
-            <a:off x="7943315" y="3382459"/>
-            <a:ext cx="951877" cy="627090"/>
-          </a:xfrm>
-          <a:prstGeom prst="straightConnector1">
-            <a:avLst/>
-          </a:prstGeom>
-          <a:ln>
-            <a:solidFill>
-              <a:srgbClr val="FFC904"/>
-            </a:solidFill>
-            <a:tailEnd type="triangle"/>
-          </a:ln>
-        </p:spPr>
-        <p:style>
-          <a:lnRef idx="2">
-            <a:schemeClr val="accent1"/>
-          </a:lnRef>
-          <a:fillRef idx="0">
-            <a:schemeClr val="accent1"/>
-          </a:fillRef>
-          <a:effectRef idx="1">
-            <a:schemeClr val="accent1"/>
-          </a:effectRef>
-          <a:fontRef idx="minor">
-            <a:schemeClr val="tx1"/>
-          </a:fontRef>
-        </p:style>
-      </p:cxnSp>
-      <p:cxnSp>
-        <p:nvCxnSpPr>
-          <p:cNvPr id="29" name="Straight Arrow Connector 28">
-            <a:extLst>
-              <a:ext uri="{FF2B5EF4-FFF2-40B4-BE49-F238E27FC236}">
-                <a16:creationId xmlns:a16="http://schemas.microsoft.com/office/drawing/2014/main" id="{30D43227-A882-7085-963F-AFF85F81AB1B}"/>
-              </a:ext>
-            </a:extLst>
-          </p:cNvPr>
-          <p:cNvCxnSpPr>
-            <a:cxnSpLocks/>
-          </p:cNvCxnSpPr>
-          <p:nvPr/>
-        </p:nvCxnSpPr>
-        <p:spPr>
-          <a:xfrm>
-            <a:off x="7943312" y="3357477"/>
-            <a:ext cx="964370" cy="1713876"/>
-          </a:xfrm>
-          <a:prstGeom prst="straightConnector1">
-            <a:avLst/>
-          </a:prstGeom>
-          <a:ln>
-            <a:solidFill>
-              <a:srgbClr val="FFC904"/>
-            </a:solidFill>
-            <a:tailEnd type="triangle"/>
-          </a:ln>
-        </p:spPr>
-        <p:style>
-          <a:lnRef idx="2">
-            <a:schemeClr val="accent1"/>
-          </a:lnRef>
-          <a:fillRef idx="0">
-            <a:schemeClr val="accent1"/>
-          </a:fillRef>
-          <a:effectRef idx="1">
-            <a:schemeClr val="accent1"/>
-          </a:effectRef>
-          <a:fontRef idx="minor">
-            <a:schemeClr val="tx1"/>
-          </a:fontRef>
-        </p:style>
-      </p:cxnSp>
-      <p:cxnSp>
-        <p:nvCxnSpPr>
-          <p:cNvPr id="31" name="Straight Arrow Connector 30">
-            <a:extLst>
-              <a:ext uri="{FF2B5EF4-FFF2-40B4-BE49-F238E27FC236}">
-                <a16:creationId xmlns:a16="http://schemas.microsoft.com/office/drawing/2014/main" id="{9289A7AE-80EE-1384-122F-492BE0A1BA8B}"/>
-              </a:ext>
-            </a:extLst>
-          </p:cNvPr>
-          <p:cNvCxnSpPr>
-            <a:cxnSpLocks/>
-          </p:cNvCxnSpPr>
-          <p:nvPr/>
-        </p:nvCxnSpPr>
-        <p:spPr>
-          <a:xfrm flipH="1">
-            <a:off x="6367797" y="3694760"/>
-            <a:ext cx="832503" cy="1376921"/>
-          </a:xfrm>
-          <a:prstGeom prst="straightConnector1">
-            <a:avLst/>
-          </a:prstGeom>
-          <a:ln>
-            <a:solidFill>
-              <a:srgbClr val="FFC904"/>
-            </a:solidFill>
-            <a:tailEnd type="triangle"/>
-          </a:ln>
-        </p:spPr>
-        <p:style>
-          <a:lnRef idx="2">
-            <a:schemeClr val="accent1"/>
-          </a:lnRef>
-          <a:fillRef idx="0">
-            <a:schemeClr val="accent1"/>
-          </a:fillRef>
-          <a:effectRef idx="1">
-            <a:schemeClr val="accent1"/>
-          </a:effectRef>
-          <a:fontRef idx="minor">
-            <a:schemeClr val="tx1"/>
-          </a:fontRef>
-        </p:style>
-      </p:cxnSp>
-      <p:cxnSp>
-        <p:nvCxnSpPr>
-          <p:cNvPr id="40" name="Connector: Curved 39">
-            <a:extLst>
-              <a:ext uri="{FF2B5EF4-FFF2-40B4-BE49-F238E27FC236}">
-                <a16:creationId xmlns:a16="http://schemas.microsoft.com/office/drawing/2014/main" id="{C88DC7CA-CBB1-B1F9-05E6-3DBACCAE49F1}"/>
-              </a:ext>
-            </a:extLst>
-          </p:cNvPr>
-          <p:cNvCxnSpPr>
-            <a:cxnSpLocks/>
-          </p:cNvCxnSpPr>
-          <p:nvPr/>
-        </p:nvCxnSpPr>
-        <p:spPr>
-          <a:xfrm flipV="1">
-            <a:off x="9951377" y="3569220"/>
-            <a:ext cx="926891" cy="1496517"/>
-          </a:xfrm>
-          <a:prstGeom prst="curvedConnector3">
-            <a:avLst/>
-          </a:prstGeom>
-          <a:ln>
-            <a:solidFill>
-              <a:srgbClr val="FFC904"/>
-            </a:solidFill>
-            <a:tailEnd type="triangle"/>
-          </a:ln>
-        </p:spPr>
-        <p:style>
-          <a:lnRef idx="2">
-            <a:schemeClr val="accent1"/>
-          </a:lnRef>
-          <a:fillRef idx="0">
-            <a:schemeClr val="accent1"/>
-          </a:fillRef>
-          <a:effectRef idx="1">
-            <a:schemeClr val="accent1"/>
-          </a:effectRef>
-          <a:fontRef idx="minor">
-            <a:schemeClr val="tx1"/>
-          </a:fontRef>
-        </p:style>
-      </p:cxnSp>
-      <p:cxnSp>
-        <p:nvCxnSpPr>
-          <p:cNvPr id="37" name="Connector: Curved 36">
-            <a:extLst>
-              <a:ext uri="{FF2B5EF4-FFF2-40B4-BE49-F238E27FC236}">
-                <a16:creationId xmlns:a16="http://schemas.microsoft.com/office/drawing/2014/main" id="{24188CAF-07C1-7354-3993-B4E36CF12E7F}"/>
-              </a:ext>
-            </a:extLst>
-          </p:cNvPr>
-          <p:cNvCxnSpPr/>
-          <p:nvPr/>
-        </p:nvCxnSpPr>
-        <p:spPr>
-          <a:xfrm>
-            <a:off x="9951378" y="2067706"/>
-            <a:ext cx="926891" cy="1451547"/>
-          </a:xfrm>
-          <a:prstGeom prst="curvedConnector3">
-            <a:avLst/>
-          </a:prstGeom>
-          <a:ln>
-            <a:solidFill>
-              <a:srgbClr val="FFC904"/>
-            </a:solidFill>
-            <a:tailEnd type="triangle"/>
-          </a:ln>
-        </p:spPr>
-        <p:style>
-          <a:lnRef idx="2">
-            <a:schemeClr val="accent1"/>
-          </a:lnRef>
-          <a:fillRef idx="0">
-            <a:schemeClr val="accent1"/>
-          </a:fillRef>
-          <a:effectRef idx="1">
-            <a:schemeClr val="accent1"/>
-          </a:effectRef>
-          <a:fontRef idx="minor">
-            <a:schemeClr val="tx1"/>
-          </a:fontRef>
-        </p:style>
-      </p:cxnSp>
-      <p:cxnSp>
-        <p:nvCxnSpPr>
-          <p:cNvPr id="38" name="Connector: Curved 37">
-            <a:extLst>
-              <a:ext uri="{FF2B5EF4-FFF2-40B4-BE49-F238E27FC236}">
-                <a16:creationId xmlns:a16="http://schemas.microsoft.com/office/drawing/2014/main" id="{77C996E9-D695-8E98-D199-02D09EC018B7}"/>
-              </a:ext>
-            </a:extLst>
-          </p:cNvPr>
-          <p:cNvCxnSpPr>
-            <a:cxnSpLocks/>
-          </p:cNvCxnSpPr>
-          <p:nvPr/>
-        </p:nvCxnSpPr>
-        <p:spPr>
-          <a:xfrm>
-            <a:off x="9951378" y="3079541"/>
-            <a:ext cx="926891" cy="452204"/>
-          </a:xfrm>
-          <a:prstGeom prst="curvedConnector3">
-            <a:avLst/>
-          </a:prstGeom>
-          <a:ln>
-            <a:solidFill>
-              <a:srgbClr val="FFC904"/>
-            </a:solidFill>
-            <a:tailEnd type="triangle"/>
-          </a:ln>
-        </p:spPr>
-        <p:style>
-          <a:lnRef idx="2">
-            <a:schemeClr val="accent1"/>
-          </a:lnRef>
-          <a:fillRef idx="0">
-            <a:schemeClr val="accent1"/>
-          </a:fillRef>
-          <a:effectRef idx="1">
-            <a:schemeClr val="accent1"/>
-          </a:effectRef>
-          <a:fontRef idx="minor">
-            <a:schemeClr val="tx1"/>
-          </a:fontRef>
-        </p:style>
-      </p:cxnSp>
-      <p:cxnSp>
-        <p:nvCxnSpPr>
-          <p:cNvPr id="39" name="Connector: Curved 38">
-            <a:extLst>
-              <a:ext uri="{FF2B5EF4-FFF2-40B4-BE49-F238E27FC236}">
-                <a16:creationId xmlns:a16="http://schemas.microsoft.com/office/drawing/2014/main" id="{45586F18-A292-CEC1-5356-D8A128C8FE42}"/>
-              </a:ext>
-            </a:extLst>
-          </p:cNvPr>
-          <p:cNvCxnSpPr>
-            <a:cxnSpLocks/>
-          </p:cNvCxnSpPr>
-          <p:nvPr/>
-        </p:nvCxnSpPr>
-        <p:spPr>
-          <a:xfrm flipV="1">
-            <a:off x="9963868" y="3544237"/>
-            <a:ext cx="926891" cy="472189"/>
-          </a:xfrm>
-          <a:prstGeom prst="curvedConnector3">
-            <a:avLst/>
-          </a:prstGeom>
-          <a:ln>
-            <a:solidFill>
-              <a:srgbClr val="FFC904"/>
-            </a:solidFill>
-            <a:tailEnd type="triangle"/>
-          </a:ln>
-        </p:spPr>
-        <p:style>
-          <a:lnRef idx="2">
-            <a:schemeClr val="accent1"/>
-          </a:lnRef>
-          <a:fillRef idx="0">
-            <a:schemeClr val="accent1"/>
-          </a:fillRef>
-          <a:effectRef idx="1">
-            <a:schemeClr val="accent1"/>
-          </a:effectRef>
-          <a:fontRef idx="minor">
-            <a:schemeClr val="tx1"/>
-          </a:fontRef>
-        </p:style>
-      </p:cxnSp>
-      <p:sp>
-        <p:nvSpPr>
-          <p:cNvPr id="41" name="TextBox 40">
-            <a:extLst>
-              <a:ext uri="{FF2B5EF4-FFF2-40B4-BE49-F238E27FC236}">
-                <a16:creationId xmlns:a16="http://schemas.microsoft.com/office/drawing/2014/main" id="{8175E6CA-1475-2BDE-7875-376B71E2D3E4}"/>
-              </a:ext>
-            </a:extLst>
-          </p:cNvPr>
-          <p:cNvSpPr txBox="1"/>
-          <p:nvPr/>
-        </p:nvSpPr>
-        <p:spPr>
-          <a:xfrm>
-            <a:off x="619539" y="4101292"/>
-            <a:ext cx="1006840" cy="461665"/>
-          </a:xfrm>
-          <a:prstGeom prst="rect">
-            <a:avLst/>
-          </a:prstGeom>
-          <a:noFill/>
-        </p:spPr>
-        <p:txBody>
-          <a:bodyPr rot="0" spcFirstLastPara="0" vertOverflow="overflow" horzOverflow="overflow" vert="horz" wrap="square" lIns="91440" tIns="45720" rIns="91440" bIns="45720" numCol="1" spcCol="0" rtlCol="0" fromWordArt="0" anchor="t" anchorCtr="0" forceAA="0" compatLnSpc="1">
-            <a:prstTxWarp prst="textNoShape">
-              <a:avLst/>
-            </a:prstTxWarp>
-            <a:spAutoFit/>
-          </a:bodyPr>
-          <a:lstStyle/>
-          <a:p>
-            <a:pPr algn="l"/>
-            <a:r>
-              <a:rPr lang="en-US" sz="2400" b="1" dirty="0">
-                <a:solidFill>
-                  <a:srgbClr val="FFC904"/>
-                </a:solidFill>
-                <a:latin typeface="Aharoni"/>
-                <a:cs typeface="Aharoni"/>
-              </a:rPr>
-              <a:t>USER</a:t>
-            </a:r>
-          </a:p>
-        </p:txBody>
-      </p:sp>
-      <p:sp>
-        <p:nvSpPr>
-          <p:cNvPr id="43" name="TextBox 42">
-            <a:extLst>
-              <a:ext uri="{FF2B5EF4-FFF2-40B4-BE49-F238E27FC236}">
-                <a16:creationId xmlns:a16="http://schemas.microsoft.com/office/drawing/2014/main" id="{664EA5FB-1DD3-AE9F-22C5-EB58C5E3D52A}"/>
-              </a:ext>
-            </a:extLst>
-          </p:cNvPr>
-          <p:cNvSpPr txBox="1"/>
-          <p:nvPr/>
-        </p:nvSpPr>
-        <p:spPr>
-          <a:xfrm>
-            <a:off x="10650456" y="4188733"/>
-            <a:ext cx="1254303" cy="338554"/>
-          </a:xfrm>
-          <a:prstGeom prst="rect">
-            <a:avLst/>
-          </a:prstGeom>
-          <a:noFill/>
-        </p:spPr>
-        <p:txBody>
-          <a:bodyPr rot="0" spcFirstLastPara="0" vertOverflow="overflow" horzOverflow="overflow" vert="horz" wrap="square" lIns="91440" tIns="45720" rIns="91440" bIns="45720" numCol="1" spcCol="0" rtlCol="0" fromWordArt="0" anchor="t" anchorCtr="0" forceAA="0" compatLnSpc="1">
-            <a:prstTxWarp prst="textNoShape">
-              <a:avLst/>
-            </a:prstTxWarp>
-            <a:spAutoFit/>
-          </a:bodyPr>
-          <a:lstStyle/>
-          <a:p>
-            <a:pPr algn="l"/>
-            <a:r>
-              <a:rPr lang="en-US" sz="1600" b="1" dirty="0">
-                <a:solidFill>
-                  <a:srgbClr val="FFC904"/>
-                </a:solidFill>
-                <a:latin typeface="Aharoni"/>
-                <a:cs typeface="Aharoni"/>
-              </a:rPr>
-              <a:t>DATABASE</a:t>
-            </a:r>
-            <a:endParaRPr lang="en-US" b="1">
-              <a:latin typeface="Aharoni"/>
-              <a:cs typeface="Aharoni"/>
-            </a:endParaRPr>
-          </a:p>
-        </p:txBody>
-      </p:sp>
-      <p:sp>
-        <p:nvSpPr>
-          <p:cNvPr id="46" name="TextBox 45">
-            <a:extLst>
-              <a:ext uri="{FF2B5EF4-FFF2-40B4-BE49-F238E27FC236}">
-                <a16:creationId xmlns:a16="http://schemas.microsoft.com/office/drawing/2014/main" id="{218CA2F1-8985-AB63-7087-7F6E6842406B}"/>
-              </a:ext>
-            </a:extLst>
-          </p:cNvPr>
-          <p:cNvSpPr txBox="1"/>
-          <p:nvPr/>
-        </p:nvSpPr>
-        <p:spPr>
-          <a:xfrm>
-            <a:off x="5751753" y="3081194"/>
-            <a:ext cx="873958" cy="276999"/>
-          </a:xfrm>
-          <a:prstGeom prst="rect">
-            <a:avLst/>
-          </a:prstGeom>
-          <a:noFill/>
-        </p:spPr>
-        <p:txBody>
-          <a:bodyPr rot="0" spcFirstLastPara="0" vertOverflow="overflow" horzOverflow="overflow" vert="horz" wrap="square" lIns="91440" tIns="45720" rIns="91440" bIns="45720" numCol="1" spcCol="0" rtlCol="0" fromWordArt="0" anchor="t" anchorCtr="0" forceAA="0" compatLnSpc="1">
-            <a:prstTxWarp prst="textNoShape">
-              <a:avLst/>
-            </a:prstTxWarp>
-            <a:spAutoFit/>
-          </a:bodyPr>
-          <a:lstStyle/>
-          <a:p>
-            <a:pPr algn="l"/>
-            <a:r>
-              <a:rPr lang="en-US" sz="1200" dirty="0">
-                <a:solidFill>
-                  <a:srgbClr val="FFC904"/>
-                </a:solidFill>
-              </a:rPr>
-              <a:t>&lt;extends&gt;</a:t>
-            </a:r>
-            <a:endParaRPr lang="en-US" dirty="0"/>
-          </a:p>
-        </p:txBody>
-      </p:sp>
-      <p:sp>
-        <p:nvSpPr>
-          <p:cNvPr id="9" name="TextBox 8">
-            <a:extLst>
-              <a:ext uri="{FF2B5EF4-FFF2-40B4-BE49-F238E27FC236}">
-                <a16:creationId xmlns:a16="http://schemas.microsoft.com/office/drawing/2014/main" id="{0ECFD32A-E771-D3D2-E6F6-A63ECA2110FC}"/>
-              </a:ext>
-            </a:extLst>
-          </p:cNvPr>
-          <p:cNvSpPr txBox="1"/>
-          <p:nvPr/>
-        </p:nvSpPr>
-        <p:spPr>
-          <a:xfrm>
-            <a:off x="4870999" y="2150959"/>
-            <a:ext cx="873958" cy="276999"/>
-          </a:xfrm>
-          <a:prstGeom prst="rect">
-            <a:avLst/>
-          </a:prstGeom>
-          <a:solidFill>
-            <a:schemeClr val="tx1"/>
-          </a:solidFill>
-        </p:spPr>
-        <p:txBody>
-          <a:bodyPr rot="0" spcFirstLastPara="0" vertOverflow="overflow" horzOverflow="overflow" vert="horz" wrap="square" lIns="91440" tIns="45720" rIns="91440" bIns="45720" numCol="1" spcCol="0" rtlCol="0" fromWordArt="0" anchor="t" anchorCtr="0" forceAA="0" compatLnSpc="1">
-            <a:prstTxWarp prst="textNoShape">
-              <a:avLst/>
-            </a:prstTxWarp>
-            <a:spAutoFit/>
-          </a:bodyPr>
-          <a:lstStyle/>
-          <a:p>
-            <a:pPr algn="l"/>
-            <a:r>
-              <a:rPr lang="en-US" sz="1200" dirty="0">
-                <a:solidFill>
-                  <a:srgbClr val="FFC904"/>
-                </a:solidFill>
-              </a:rPr>
-              <a:t>&lt;extends&gt;</a:t>
-            </a:r>
-            <a:endParaRPr lang="en-US" dirty="0"/>
-          </a:p>
-        </p:txBody>
-      </p:sp>
-      <p:sp>
-        <p:nvSpPr>
-          <p:cNvPr id="10" name="TextBox 9">
-            <a:extLst>
-              <a:ext uri="{FF2B5EF4-FFF2-40B4-BE49-F238E27FC236}">
-                <a16:creationId xmlns:a16="http://schemas.microsoft.com/office/drawing/2014/main" id="{E5237A9D-E904-2D03-8779-38EBEC4A1FC8}"/>
-              </a:ext>
-            </a:extLst>
-          </p:cNvPr>
-          <p:cNvSpPr txBox="1"/>
-          <p:nvPr/>
-        </p:nvSpPr>
-        <p:spPr>
-          <a:xfrm>
-            <a:off x="4000141" y="3674959"/>
-            <a:ext cx="864063" cy="253916"/>
-          </a:xfrm>
-          <a:prstGeom prst="rect">
-            <a:avLst/>
-          </a:prstGeom>
-          <a:solidFill>
-            <a:schemeClr val="tx1"/>
-          </a:solidFill>
-        </p:spPr>
-        <p:txBody>
-          <a:bodyPr rot="0" spcFirstLastPara="0" vertOverflow="overflow" horzOverflow="overflow" vert="horz" wrap="square" lIns="91440" tIns="45720" rIns="91440" bIns="45720" numCol="1" spcCol="0" rtlCol="0" fromWordArt="0" anchor="t" anchorCtr="0" forceAA="0" compatLnSpc="1">
-            <a:prstTxWarp prst="textNoShape">
-              <a:avLst/>
-            </a:prstTxWarp>
-            <a:spAutoFit/>
-          </a:bodyPr>
-          <a:lstStyle/>
-          <a:p>
-            <a:pPr algn="l"/>
-            <a:r>
-              <a:rPr lang="en-US" sz="1050" dirty="0">
-                <a:solidFill>
-                  <a:srgbClr val="FFC904"/>
-                </a:solidFill>
-              </a:rPr>
-              <a:t>&lt;includes&gt;</a:t>
-            </a:r>
-            <a:endParaRPr lang="en-US" sz="1400" dirty="0"/>
-          </a:p>
-        </p:txBody>
-      </p:sp>
-      <p:sp>
-        <p:nvSpPr>
-          <p:cNvPr id="14" name="TextBox 13">
-            <a:extLst>
-              <a:ext uri="{FF2B5EF4-FFF2-40B4-BE49-F238E27FC236}">
-                <a16:creationId xmlns:a16="http://schemas.microsoft.com/office/drawing/2014/main" id="{5F2CEB51-8D65-BAE2-0953-5DF3CC932A63}"/>
-              </a:ext>
-            </a:extLst>
-          </p:cNvPr>
-          <p:cNvSpPr txBox="1"/>
-          <p:nvPr/>
-        </p:nvSpPr>
-        <p:spPr>
-          <a:xfrm>
-            <a:off x="4010036" y="2606178"/>
-            <a:ext cx="864063" cy="253916"/>
-          </a:xfrm>
-          <a:prstGeom prst="rect">
-            <a:avLst/>
-          </a:prstGeom>
-          <a:solidFill>
-            <a:schemeClr val="tx1"/>
-          </a:solidFill>
-        </p:spPr>
-        <p:txBody>
-          <a:bodyPr rot="0" spcFirstLastPara="0" vertOverflow="overflow" horzOverflow="overflow" vert="horz" wrap="square" lIns="91440" tIns="45720" rIns="91440" bIns="45720" numCol="1" spcCol="0" rtlCol="0" fromWordArt="0" anchor="t" anchorCtr="0" forceAA="0" compatLnSpc="1">
-            <a:prstTxWarp prst="textNoShape">
-              <a:avLst/>
-            </a:prstTxWarp>
-            <a:spAutoFit/>
-          </a:bodyPr>
-          <a:lstStyle/>
-          <a:p>
-            <a:pPr algn="l"/>
-            <a:r>
-              <a:rPr lang="en-US" sz="1050" dirty="0">
-                <a:solidFill>
-                  <a:srgbClr val="FFC904"/>
-                </a:solidFill>
-              </a:rPr>
-              <a:t>&lt;includes&gt;</a:t>
-            </a:r>
-            <a:endParaRPr lang="en-US" sz="1400" dirty="0"/>
-          </a:p>
-        </p:txBody>
-      </p:sp>
-      <p:pic>
-        <p:nvPicPr>
-          <p:cNvPr id="25" name="Graphic 52" descr="Database outline">
-            <a:extLst>
-              <a:ext uri="{FF2B5EF4-FFF2-40B4-BE49-F238E27FC236}">
-                <a16:creationId xmlns:a16="http://schemas.microsoft.com/office/drawing/2014/main" id="{70E7A58B-4987-61CC-A50C-D1CE01DB2B25}"/>
-              </a:ext>
-            </a:extLst>
-          </p:cNvPr>
-          <p:cNvPicPr>
-            <a:picLocks noChangeAspect="1"/>
-          </p:cNvPicPr>
-          <p:nvPr/>
-        </p:nvPicPr>
-        <p:blipFill>
-          <a:blip r:embed="rId4">
-            <a:extLst>
-              <a:ext uri="{96DAC541-7B7A-43D3-8B79-37D633B846F1}">
-                <asvg:svgBlip xmlns:asvg="http://schemas.microsoft.com/office/drawing/2016/SVG/main" r:embed="rId5"/>
-              </a:ext>
-            </a:extLst>
-          </a:blip>
-          <a:stretch>
-            <a:fillRect/>
-          </a:stretch>
-        </p:blipFill>
-        <p:spPr>
-          <a:xfrm>
-            <a:off x="10760597" y="3106838"/>
-            <a:ext cx="914400" cy="914400"/>
-          </a:xfrm>
-          <a:prstGeom prst="rect">
-            <a:avLst/>
-          </a:prstGeom>
-        </p:spPr>
-      </p:pic>
     </p:spTree>
     <p:extLst>
       <p:ext uri="{BB962C8B-B14F-4D97-AF65-F5344CB8AC3E}">
-        <p14:creationId xmlns:p14="http://schemas.microsoft.com/office/powerpoint/2010/main" val="3661109495"/>
+        <p14:creationId xmlns:p14="http://schemas.microsoft.com/office/powerpoint/2010/main" val="3544672659"/>
       </p:ext>
     </p:extLst>
   </p:cSld>
@@ -8626,192 +10371,12 @@
           <a:chExt cx="0" cy="0"/>
         </a:xfrm>
       </p:grpSpPr>
-      <p:pic>
-        <p:nvPicPr>
-          <p:cNvPr id="24" name="Graphic 23" descr="Circles with lines with solid fill">
-            <a:extLst>
-              <a:ext uri="{FF2B5EF4-FFF2-40B4-BE49-F238E27FC236}">
-                <a16:creationId xmlns:a16="http://schemas.microsoft.com/office/drawing/2014/main" id="{E7287548-0CCC-4895-E3C1-8D6835BCCE48}"/>
-              </a:ext>
-            </a:extLst>
-          </p:cNvPr>
-          <p:cNvPicPr>
-            <a:picLocks noChangeAspect="1"/>
-          </p:cNvPicPr>
-          <p:nvPr/>
-        </p:nvPicPr>
-        <p:blipFill>
-          <a:blip r:embed="rId3">
-            <a:extLst>
-              <a:ext uri="{96DAC541-7B7A-43D3-8B79-37D633B846F1}">
-                <asvg:svgBlip xmlns:asvg="http://schemas.microsoft.com/office/drawing/2016/SVG/main" r:embed="rId4"/>
-              </a:ext>
-            </a:extLst>
-          </a:blip>
-          <a:stretch>
-            <a:fillRect/>
-          </a:stretch>
-        </p:blipFill>
-        <p:spPr>
-          <a:xfrm>
-            <a:off x="1129116" y="2545444"/>
-            <a:ext cx="1922309" cy="1959806"/>
-          </a:xfrm>
-          <a:prstGeom prst="rect">
-            <a:avLst/>
-          </a:prstGeom>
-        </p:spPr>
-      </p:pic>
-      <p:pic>
-        <p:nvPicPr>
-          <p:cNvPr id="25" name="Graphic 24" descr="Circles with lines with solid fill">
-            <a:extLst>
-              <a:ext uri="{FF2B5EF4-FFF2-40B4-BE49-F238E27FC236}">
-                <a16:creationId xmlns:a16="http://schemas.microsoft.com/office/drawing/2014/main" id="{DCAB7562-BA07-0CFD-5806-4C67EC14F7C0}"/>
-              </a:ext>
-            </a:extLst>
-          </p:cNvPr>
-          <p:cNvPicPr>
-            <a:picLocks noChangeAspect="1"/>
-          </p:cNvPicPr>
-          <p:nvPr/>
-        </p:nvPicPr>
-        <p:blipFill>
-          <a:blip r:embed="rId3">
-            <a:extLst>
-              <a:ext uri="{96DAC541-7B7A-43D3-8B79-37D633B846F1}">
-                <asvg:svgBlip xmlns:asvg="http://schemas.microsoft.com/office/drawing/2016/SVG/main" r:embed="rId4"/>
-              </a:ext>
-            </a:extLst>
-          </a:blip>
-          <a:stretch>
-            <a:fillRect/>
-          </a:stretch>
-        </p:blipFill>
-        <p:spPr>
-          <a:xfrm>
-            <a:off x="3218194" y="2545444"/>
-            <a:ext cx="1922309" cy="1959806"/>
-          </a:xfrm>
-          <a:prstGeom prst="rect">
-            <a:avLst/>
-          </a:prstGeom>
-        </p:spPr>
-      </p:pic>
-      <p:pic>
-        <p:nvPicPr>
-          <p:cNvPr id="30" name="Graphic 29" descr="Circles with lines with solid fill">
-            <a:extLst>
-              <a:ext uri="{FF2B5EF4-FFF2-40B4-BE49-F238E27FC236}">
-                <a16:creationId xmlns:a16="http://schemas.microsoft.com/office/drawing/2014/main" id="{9BA7042F-4152-7C82-87A2-6B2DF8204911}"/>
-              </a:ext>
-            </a:extLst>
-          </p:cNvPr>
-          <p:cNvPicPr>
-            <a:picLocks noChangeAspect="1"/>
-          </p:cNvPicPr>
-          <p:nvPr/>
-        </p:nvPicPr>
-        <p:blipFill>
-          <a:blip r:embed="rId3">
-            <a:extLst>
-              <a:ext uri="{96DAC541-7B7A-43D3-8B79-37D633B846F1}">
-                <asvg:svgBlip xmlns:asvg="http://schemas.microsoft.com/office/drawing/2016/SVG/main" r:embed="rId4"/>
-              </a:ext>
-            </a:extLst>
-          </a:blip>
-          <a:stretch>
-            <a:fillRect/>
-          </a:stretch>
-        </p:blipFill>
-        <p:spPr>
-          <a:xfrm>
-            <a:off x="5307272" y="2545443"/>
-            <a:ext cx="1922309" cy="1959806"/>
-          </a:xfrm>
-          <a:prstGeom prst="rect">
-            <a:avLst/>
-          </a:prstGeom>
-        </p:spPr>
-      </p:pic>
-      <p:pic>
-        <p:nvPicPr>
-          <p:cNvPr id="50" name="Graphic 49" descr="Circles with lines with solid fill">
-            <a:extLst>
-              <a:ext uri="{FF2B5EF4-FFF2-40B4-BE49-F238E27FC236}">
-                <a16:creationId xmlns:a16="http://schemas.microsoft.com/office/drawing/2014/main" id="{3DCEF8AF-E35E-3410-C09E-7CA73CF6F3EE}"/>
-              </a:ext>
-            </a:extLst>
-          </p:cNvPr>
-          <p:cNvPicPr>
-            <a:picLocks noChangeAspect="1"/>
-          </p:cNvPicPr>
-          <p:nvPr/>
-        </p:nvPicPr>
-        <p:blipFill>
-          <a:blip r:embed="rId3">
-            <a:extLst>
-              <a:ext uri="{96DAC541-7B7A-43D3-8B79-37D633B846F1}">
-                <asvg:svgBlip xmlns:asvg="http://schemas.microsoft.com/office/drawing/2016/SVG/main" r:embed="rId4"/>
-              </a:ext>
-            </a:extLst>
-          </a:blip>
-          <a:stretch>
-            <a:fillRect/>
-          </a:stretch>
-        </p:blipFill>
-        <p:spPr>
-          <a:xfrm>
-            <a:off x="7396350" y="2545442"/>
-            <a:ext cx="1922309" cy="1959806"/>
-          </a:xfrm>
-          <a:prstGeom prst="rect">
-            <a:avLst/>
-          </a:prstGeom>
-        </p:spPr>
-      </p:pic>
-      <p:pic>
-        <p:nvPicPr>
-          <p:cNvPr id="51" name="Graphic 50" descr="Circles with lines with solid fill">
-            <a:extLst>
-              <a:ext uri="{FF2B5EF4-FFF2-40B4-BE49-F238E27FC236}">
-                <a16:creationId xmlns:a16="http://schemas.microsoft.com/office/drawing/2014/main" id="{CFBF8DBC-89A3-BE1A-6D35-2F02D14CD463}"/>
-              </a:ext>
-            </a:extLst>
-          </p:cNvPr>
-          <p:cNvPicPr>
-            <a:picLocks noChangeAspect="1"/>
-          </p:cNvPicPr>
-          <p:nvPr/>
-        </p:nvPicPr>
-        <p:blipFill>
-          <a:blip r:embed="rId3">
-            <a:extLst>
-              <a:ext uri="{96DAC541-7B7A-43D3-8B79-37D633B846F1}">
-                <asvg:svgBlip xmlns:asvg="http://schemas.microsoft.com/office/drawing/2016/SVG/main" r:embed="rId4"/>
-              </a:ext>
-            </a:extLst>
-          </a:blip>
-          <a:stretch>
-            <a:fillRect/>
-          </a:stretch>
-        </p:blipFill>
-        <p:spPr>
-          <a:xfrm>
-            <a:off x="9485429" y="2545442"/>
-            <a:ext cx="1922309" cy="1959806"/>
-          </a:xfrm>
-          <a:prstGeom prst="rect">
-            <a:avLst/>
-          </a:prstGeom>
-        </p:spPr>
-      </p:pic>
-      <p:sp>
-        <p:nvSpPr>
-          <p:cNvPr id="52" name="TextBox 51">
-            <a:extLst>
-              <a:ext uri="{FF2B5EF4-FFF2-40B4-BE49-F238E27FC236}">
-                <a16:creationId xmlns:a16="http://schemas.microsoft.com/office/drawing/2014/main" id="{7D61B5C8-3B27-5338-101C-EC1BC70C7CA3}"/>
+      <p:sp>
+        <p:nvSpPr>
+          <p:cNvPr id="2" name="TextBox 1">
+            <a:extLst>
+              <a:ext uri="{FF2B5EF4-FFF2-40B4-BE49-F238E27FC236}">
+                <a16:creationId xmlns:a16="http://schemas.microsoft.com/office/drawing/2014/main" id="{926B1625-778F-35AA-7C3B-CFFC48C1AECC}"/>
               </a:ext>
             </a:extLst>
           </p:cNvPr>
@@ -8820,8 +10385,8 @@
         </p:nvSpPr>
         <p:spPr>
           <a:xfrm>
-            <a:off x="1788134" y="3340065"/>
-            <a:ext cx="572947" cy="369332"/>
+            <a:off x="5376939" y="1605037"/>
+            <a:ext cx="1439937" cy="923330"/>
           </a:xfrm>
           <a:prstGeom prst="rect">
             <a:avLst/>
@@ -8837,250 +10402,26 @@
           </a:bodyPr>
           <a:lstStyle/>
           <a:p>
-            <a:pPr algn="l"/>
-            <a:r>
-              <a:rPr lang="en-US" dirty="0">
-                <a:solidFill>
-                  <a:srgbClr val="FFC904"/>
-                </a:solidFill>
-              </a:rPr>
-              <a:t>100</a:t>
-            </a:r>
-          </a:p>
-        </p:txBody>
-      </p:sp>
-      <p:sp>
-        <p:nvSpPr>
-          <p:cNvPr id="55" name="TextBox 54">
-            <a:extLst>
-              <a:ext uri="{FF2B5EF4-FFF2-40B4-BE49-F238E27FC236}">
-                <a16:creationId xmlns:a16="http://schemas.microsoft.com/office/drawing/2014/main" id="{7BCBEBEC-3863-4E45-7705-982B247573BC}"/>
-              </a:ext>
-            </a:extLst>
-          </p:cNvPr>
-          <p:cNvSpPr txBox="1"/>
-          <p:nvPr/>
-        </p:nvSpPr>
-        <p:spPr>
-          <a:xfrm>
-            <a:off x="3881222" y="3340064"/>
-            <a:ext cx="572947" cy="369332"/>
-          </a:xfrm>
-          <a:prstGeom prst="rect">
-            <a:avLst/>
-          </a:prstGeom>
-          <a:noFill/>
-        </p:spPr>
-        <p:txBody>
-          <a:bodyPr rot="0" spcFirstLastPara="0" vertOverflow="overflow" horzOverflow="overflow" vert="horz" wrap="square" lIns="91440" tIns="45720" rIns="91440" bIns="45720" numCol="1" spcCol="0" rtlCol="0" fromWordArt="0" anchor="t" anchorCtr="0" forceAA="0" compatLnSpc="1">
-            <a:prstTxWarp prst="textNoShape">
-              <a:avLst/>
-            </a:prstTxWarp>
-            <a:spAutoFit/>
-          </a:bodyPr>
-          <a:lstStyle/>
-          <a:p>
-            <a:pPr algn="l"/>
-            <a:r>
-              <a:rPr lang="en-US" dirty="0">
-                <a:solidFill>
-                  <a:srgbClr val="FFC904"/>
-                </a:solidFill>
-              </a:rPr>
-              <a:t>100</a:t>
-            </a:r>
-          </a:p>
-        </p:txBody>
-      </p:sp>
-      <p:sp>
-        <p:nvSpPr>
-          <p:cNvPr id="56" name="TextBox 55">
-            <a:extLst>
-              <a:ext uri="{FF2B5EF4-FFF2-40B4-BE49-F238E27FC236}">
-                <a16:creationId xmlns:a16="http://schemas.microsoft.com/office/drawing/2014/main" id="{47CD0511-7C71-1F99-A5F6-25B7B5E35EAC}"/>
-              </a:ext>
-            </a:extLst>
-          </p:cNvPr>
-          <p:cNvSpPr txBox="1"/>
-          <p:nvPr/>
-        </p:nvSpPr>
-        <p:spPr>
-          <a:xfrm>
-            <a:off x="5974310" y="3340063"/>
-            <a:ext cx="572947" cy="369332"/>
-          </a:xfrm>
-          <a:prstGeom prst="rect">
-            <a:avLst/>
-          </a:prstGeom>
-          <a:noFill/>
-        </p:spPr>
-        <p:txBody>
-          <a:bodyPr rot="0" spcFirstLastPara="0" vertOverflow="overflow" horzOverflow="overflow" vert="horz" wrap="square" lIns="91440" tIns="45720" rIns="91440" bIns="45720" numCol="1" spcCol="0" rtlCol="0" fromWordArt="0" anchor="t" anchorCtr="0" forceAA="0" compatLnSpc="1">
-            <a:prstTxWarp prst="textNoShape">
-              <a:avLst/>
-            </a:prstTxWarp>
-            <a:spAutoFit/>
-          </a:bodyPr>
-          <a:lstStyle/>
-          <a:p>
-            <a:pPr algn="l"/>
-            <a:r>
-              <a:rPr lang="en-US" dirty="0">
-                <a:solidFill>
-                  <a:srgbClr val="FFC904"/>
-                </a:solidFill>
-              </a:rPr>
-              <a:t>100</a:t>
-            </a:r>
-          </a:p>
-        </p:txBody>
-      </p:sp>
-      <p:sp>
-        <p:nvSpPr>
-          <p:cNvPr id="57" name="TextBox 56">
-            <a:extLst>
-              <a:ext uri="{FF2B5EF4-FFF2-40B4-BE49-F238E27FC236}">
-                <a16:creationId xmlns:a16="http://schemas.microsoft.com/office/drawing/2014/main" id="{4DF24045-E11A-ED79-F7BE-3D8DE2B22842}"/>
-              </a:ext>
-            </a:extLst>
-          </p:cNvPr>
-          <p:cNvSpPr txBox="1"/>
-          <p:nvPr/>
-        </p:nvSpPr>
-        <p:spPr>
-          <a:xfrm>
-            <a:off x="8057753" y="3340062"/>
-            <a:ext cx="572947" cy="369332"/>
-          </a:xfrm>
-          <a:prstGeom prst="rect">
-            <a:avLst/>
-          </a:prstGeom>
-          <a:noFill/>
-        </p:spPr>
-        <p:txBody>
-          <a:bodyPr rot="0" spcFirstLastPara="0" vertOverflow="overflow" horzOverflow="overflow" vert="horz" wrap="square" lIns="91440" tIns="45720" rIns="91440" bIns="45720" numCol="1" spcCol="0" rtlCol="0" fromWordArt="0" anchor="t" anchorCtr="0" forceAA="0" compatLnSpc="1">
-            <a:prstTxWarp prst="textNoShape">
-              <a:avLst/>
-            </a:prstTxWarp>
-            <a:spAutoFit/>
-          </a:bodyPr>
-          <a:lstStyle/>
-          <a:p>
-            <a:pPr algn="l"/>
-            <a:r>
-              <a:rPr lang="en-US" dirty="0">
-                <a:solidFill>
-                  <a:srgbClr val="FFC904"/>
-                </a:solidFill>
-              </a:rPr>
-              <a:t>100</a:t>
-            </a:r>
-          </a:p>
-        </p:txBody>
-      </p:sp>
-      <p:sp>
-        <p:nvSpPr>
-          <p:cNvPr id="58" name="TextBox 57">
-            <a:extLst>
-              <a:ext uri="{FF2B5EF4-FFF2-40B4-BE49-F238E27FC236}">
-                <a16:creationId xmlns:a16="http://schemas.microsoft.com/office/drawing/2014/main" id="{A19A2293-5C2F-7F10-3EFA-9D2FDCD633F6}"/>
-              </a:ext>
-            </a:extLst>
-          </p:cNvPr>
-          <p:cNvSpPr txBox="1"/>
-          <p:nvPr/>
-        </p:nvSpPr>
-        <p:spPr>
-          <a:xfrm>
-            <a:off x="10150842" y="3340063"/>
-            <a:ext cx="572947" cy="369332"/>
-          </a:xfrm>
-          <a:prstGeom prst="rect">
-            <a:avLst/>
-          </a:prstGeom>
-          <a:noFill/>
-        </p:spPr>
-        <p:txBody>
-          <a:bodyPr rot="0" spcFirstLastPara="0" vertOverflow="overflow" horzOverflow="overflow" vert="horz" wrap="square" lIns="91440" tIns="45720" rIns="91440" bIns="45720" numCol="1" spcCol="0" rtlCol="0" fromWordArt="0" anchor="t" anchorCtr="0" forceAA="0" compatLnSpc="1">
-            <a:prstTxWarp prst="textNoShape">
-              <a:avLst/>
-            </a:prstTxWarp>
-            <a:spAutoFit/>
-          </a:bodyPr>
-          <a:lstStyle/>
-          <a:p>
-            <a:pPr algn="l"/>
-            <a:r>
-              <a:rPr lang="en-US" dirty="0">
-                <a:solidFill>
-                  <a:srgbClr val="FFC904"/>
-                </a:solidFill>
-              </a:rPr>
-              <a:t>100</a:t>
-            </a:r>
-          </a:p>
-        </p:txBody>
-      </p:sp>
-      <p:sp>
-        <p:nvSpPr>
-          <p:cNvPr id="59" name="TextBox 58">
-            <a:extLst>
-              <a:ext uri="{FF2B5EF4-FFF2-40B4-BE49-F238E27FC236}">
-                <a16:creationId xmlns:a16="http://schemas.microsoft.com/office/drawing/2014/main" id="{58760EAD-49A4-C5A5-D613-E645E6A51307}"/>
-              </a:ext>
-            </a:extLst>
-          </p:cNvPr>
-          <p:cNvSpPr txBox="1"/>
-          <p:nvPr/>
-        </p:nvSpPr>
-        <p:spPr>
-          <a:xfrm>
-            <a:off x="3655200" y="1147730"/>
-            <a:ext cx="5241402" cy="707886"/>
-          </a:xfrm>
-          <a:prstGeom prst="rect">
-            <a:avLst/>
-          </a:prstGeom>
-          <a:noFill/>
-        </p:spPr>
-        <p:txBody>
-          <a:bodyPr rot="0" spcFirstLastPara="0" vertOverflow="overflow" horzOverflow="overflow" vert="horz" wrap="square" lIns="91440" tIns="45720" rIns="91440" bIns="45720" numCol="1" spcCol="0" rtlCol="0" fromWordArt="0" anchor="t" anchorCtr="0" forceAA="0" compatLnSpc="1">
-            <a:prstTxWarp prst="textNoShape">
-              <a:avLst/>
-            </a:prstTxWarp>
-            <a:spAutoFit/>
-          </a:bodyPr>
-          <a:lstStyle/>
-          <a:p>
-            <a:r>
-              <a:rPr lang="en-US" sz="4000" b="1" dirty="0">
+            <a:r>
+              <a:rPr lang="en-US" sz="5400" b="1" dirty="0">
                 <a:solidFill>
                   <a:srgbClr val="FFC904"/>
                 </a:solidFill>
                 <a:latin typeface="Aharoni"/>
                 <a:cs typeface="Aharoni"/>
               </a:rPr>
-              <a:t>ACCESIBILITY</a:t>
-            </a:r>
-            <a:r>
-              <a:rPr lang="en-US" sz="4000" dirty="0">
-                <a:solidFill>
-                  <a:srgbClr val="FFC904"/>
-                </a:solidFill>
-                <a:latin typeface="Aharoni"/>
-                <a:cs typeface="Aharoni"/>
-              </a:rPr>
-              <a:t> SCORE </a:t>
-            </a:r>
+              <a:t>ERD</a:t>
+            </a:r>
+            <a:endParaRPr lang="en-US" sz="5400"/>
           </a:p>
         </p:txBody>
       </p:sp>
       <p:cxnSp>
         <p:nvCxnSpPr>
-          <p:cNvPr id="60" name="Straight Arrow Connector 59">
-            <a:extLst>
-              <a:ext uri="{FF2B5EF4-FFF2-40B4-BE49-F238E27FC236}">
-                <a16:creationId xmlns:a16="http://schemas.microsoft.com/office/drawing/2014/main" id="{2A5E8EC0-B832-3C5D-DF69-675A247186A0}"/>
+          <p:cNvPr id="37" name="Straight Arrow Connector 36">
+            <a:extLst>
+              <a:ext uri="{FF2B5EF4-FFF2-40B4-BE49-F238E27FC236}">
+                <a16:creationId xmlns:a16="http://schemas.microsoft.com/office/drawing/2014/main" id="{57D9CF56-4B07-D571-A71C-DA52DBE25696}"/>
               </a:ext>
             </a:extLst>
           </p:cNvPr>
@@ -9088,9 +10429,9 @@
           <p:nvPr/>
         </p:nvCxnSpPr>
         <p:spPr>
-          <a:xfrm flipV="1">
-            <a:off x="3111660" y="5255869"/>
-            <a:ext cx="6306272" cy="11575"/>
+          <a:xfrm>
+            <a:off x="6013752" y="-3628"/>
+            <a:ext cx="19354" cy="1724780"/>
           </a:xfrm>
           <a:prstGeom prst="straightConnector1">
             <a:avLst/>
@@ -9116,10 +10457,40 @@
           </a:fontRef>
         </p:style>
       </p:cxnSp>
+      <p:pic>
+        <p:nvPicPr>
+          <p:cNvPr id="5" name="Picture 4" descr="A black line with a point&#10;&#10;Description automatically generated">
+            <a:extLst>
+              <a:ext uri="{FF2B5EF4-FFF2-40B4-BE49-F238E27FC236}">
+                <a16:creationId xmlns:a16="http://schemas.microsoft.com/office/drawing/2014/main" id="{EC399F19-A91C-C83C-4C2D-325D20847B56}"/>
+              </a:ext>
+            </a:extLst>
+          </p:cNvPr>
+          <p:cNvPicPr>
+            <a:picLocks noChangeAspect="1"/>
+          </p:cNvPicPr>
+          <p:nvPr/>
+        </p:nvPicPr>
+        <p:blipFill>
+          <a:blip r:embed="rId3"/>
+          <a:stretch>
+            <a:fillRect/>
+          </a:stretch>
+        </p:blipFill>
+        <p:spPr>
+          <a:xfrm>
+            <a:off x="1051034" y="2519675"/>
+            <a:ext cx="9800896" cy="2843409"/>
+          </a:xfrm>
+          <a:prstGeom prst="rect">
+            <a:avLst/>
+          </a:prstGeom>
+        </p:spPr>
+      </p:pic>
     </p:spTree>
     <p:extLst>
       <p:ext uri="{BB962C8B-B14F-4D97-AF65-F5344CB8AC3E}">
-        <p14:creationId xmlns:p14="http://schemas.microsoft.com/office/powerpoint/2010/main" val="3939996574"/>
+        <p14:creationId xmlns:p14="http://schemas.microsoft.com/office/powerpoint/2010/main" val="2520114780"/>
       </p:ext>
     </p:extLst>
   </p:cSld>
